--- a/materials/slides/ch02-file-system-and-dir-architecture.pptx
+++ b/materials/slides/ch02-file-system-and-dir-architecture.pptx
@@ -6,25 +6,23 @@
     <p:sldMasterId id="2147483660" r:id="rId2"/>
   </p:sldMasterIdLst>
   <p:notesMasterIdLst>
-    <p:notesMasterId r:id="rId19"/>
+    <p:notesMasterId r:id="rId17"/>
   </p:notesMasterIdLst>
   <p:sldIdLst>
     <p:sldId id="260" r:id="rId3"/>
-    <p:sldId id="271" r:id="rId4"/>
-    <p:sldId id="277" r:id="rId5"/>
-    <p:sldId id="269" r:id="rId6"/>
-    <p:sldId id="263" r:id="rId7"/>
-    <p:sldId id="258" r:id="rId8"/>
-    <p:sldId id="262" r:id="rId9"/>
-    <p:sldId id="261" r:id="rId10"/>
-    <p:sldId id="270" r:id="rId11"/>
-    <p:sldId id="264" r:id="rId12"/>
+    <p:sldId id="269" r:id="rId4"/>
+    <p:sldId id="263" r:id="rId5"/>
+    <p:sldId id="258" r:id="rId6"/>
+    <p:sldId id="262" r:id="rId7"/>
+    <p:sldId id="276" r:id="rId8"/>
+    <p:sldId id="261" r:id="rId9"/>
+    <p:sldId id="270" r:id="rId10"/>
+    <p:sldId id="264" r:id="rId11"/>
+    <p:sldId id="274" r:id="rId12"/>
     <p:sldId id="265" r:id="rId13"/>
     <p:sldId id="275" r:id="rId14"/>
-    <p:sldId id="274" r:id="rId15"/>
-    <p:sldId id="266" r:id="rId16"/>
-    <p:sldId id="268" r:id="rId17"/>
-    <p:sldId id="276" r:id="rId18"/>
+    <p:sldId id="266" r:id="rId15"/>
+    <p:sldId id="268" r:id="rId16"/>
   </p:sldIdLst>
   <p:sldSz cx="12192000" cy="6858000"/>
   <p:notesSz cx="6858000" cy="9144000"/>
@@ -224,7 +222,7 @@
           <a:p>
             <a:fld id="{81B1570E-56A9-452D-BA49-87391B8E5E3C}" type="datetimeFigureOut">
               <a:rPr lang="zh-CN" altLang="en-US" smtClean="0"/>
-              <a:t>2018/2/6</a:t>
+              <a:t>2018/2/25</a:t>
             </a:fld>
             <a:endParaRPr lang="zh-CN" altLang="en-US"/>
           </a:p>
@@ -575,90 +573,6 @@
 </p:notes>
 </file>
 
-<file path=ppt/notesSlides/notesSlide2.xml><?xml version="1.0" encoding="utf-8"?>
-<p:notes xmlns:a="http://schemas.openxmlformats.org/drawingml/2006/main" xmlns:r="http://schemas.openxmlformats.org/officeDocument/2006/relationships" xmlns:p="http://schemas.openxmlformats.org/presentationml/2006/main">
-  <p:cSld>
-    <p:spTree>
-      <p:nvGrpSpPr>
-        <p:cNvPr id="1" name=""/>
-        <p:cNvGrpSpPr/>
-        <p:nvPr/>
-      </p:nvGrpSpPr>
-      <p:grpSpPr>
-        <a:xfrm>
-          <a:off x="0" y="0"/>
-          <a:ext cx="0" cy="0"/>
-          <a:chOff x="0" y="0"/>
-          <a:chExt cx="0" cy="0"/>
-        </a:xfrm>
-      </p:grpSpPr>
-      <p:sp>
-        <p:nvSpPr>
-          <p:cNvPr id="2" name="幻灯片图像占位符 1"/>
-          <p:cNvSpPr>
-            <a:spLocks noGrp="1" noRot="1" noChangeAspect="1"/>
-          </p:cNvSpPr>
-          <p:nvPr>
-            <p:ph type="sldImg"/>
-          </p:nvPr>
-        </p:nvSpPr>
-        <p:spPr/>
-      </p:sp>
-      <p:sp>
-        <p:nvSpPr>
-          <p:cNvPr id="3" name="备注占位符 2"/>
-          <p:cNvSpPr>
-            <a:spLocks noGrp="1"/>
-          </p:cNvSpPr>
-          <p:nvPr>
-            <p:ph type="body" idx="1"/>
-          </p:nvPr>
-        </p:nvSpPr>
-        <p:spPr/>
-        <p:txBody>
-          <a:bodyPr/>
-          <a:lstStyle/>
-          <a:p>
-            <a:endParaRPr lang="zh-CN" altLang="en-US" dirty="0"/>
-          </a:p>
-        </p:txBody>
-      </p:sp>
-      <p:sp>
-        <p:nvSpPr>
-          <p:cNvPr id="4" name="灯片编号占位符 3"/>
-          <p:cNvSpPr>
-            <a:spLocks noGrp="1"/>
-          </p:cNvSpPr>
-          <p:nvPr>
-            <p:ph type="sldNum" sz="quarter" idx="10"/>
-          </p:nvPr>
-        </p:nvSpPr>
-        <p:spPr/>
-        <p:txBody>
-          <a:bodyPr/>
-          <a:lstStyle/>
-          <a:p>
-            <a:fld id="{FB6A2717-6519-42EB-A649-D7664E28D71C}" type="slidenum">
-              <a:rPr lang="zh-CN" altLang="en-US" smtClean="0"/>
-              <a:t>16</a:t>
-            </a:fld>
-            <a:endParaRPr lang="zh-CN" altLang="en-US"/>
-          </a:p>
-        </p:txBody>
-      </p:sp>
-    </p:spTree>
-    <p:extLst>
-      <p:ext uri="{BB962C8B-B14F-4D97-AF65-F5344CB8AC3E}">
-        <p14:creationId xmlns:p14="http://schemas.microsoft.com/office/powerpoint/2010/main" val="1562602850"/>
-      </p:ext>
-    </p:extLst>
-  </p:cSld>
-  <p:clrMapOvr>
-    <a:masterClrMapping/>
-  </p:clrMapOvr>
-</p:notes>
-</file>
-
 <file path=ppt/slideLayouts/slideLayout1.xml><?xml version="1.0" encoding="utf-8"?>
 <p:sldLayout xmlns:a="http://schemas.openxmlformats.org/drawingml/2006/main" xmlns:r="http://schemas.openxmlformats.org/officeDocument/2006/relationships" xmlns:p="http://schemas.openxmlformats.org/presentationml/2006/main" type="title" preserve="1">
   <p:cSld name="标题幻灯片">
@@ -814,7 +728,7 @@
           <a:p>
             <a:fld id="{02E60DA2-A0BC-48C9-AA88-75C78721B420}" type="datetimeFigureOut">
               <a:rPr lang="zh-CN" altLang="en-US" smtClean="0"/>
-              <a:t>2018/2/6</a:t>
+              <a:t>2018/2/25</a:t>
             </a:fld>
             <a:endParaRPr lang="zh-CN" altLang="en-US"/>
           </a:p>
@@ -1036,7 +950,7 @@
           <a:p>
             <a:fld id="{02E60DA2-A0BC-48C9-AA88-75C78721B420}" type="datetimeFigureOut">
               <a:rPr lang="zh-CN" altLang="en-US" smtClean="0"/>
-              <a:t>2018/2/6</a:t>
+              <a:t>2018/2/25</a:t>
             </a:fld>
             <a:endParaRPr lang="zh-CN" altLang="en-US"/>
           </a:p>
@@ -1268,7 +1182,7 @@
           <a:p>
             <a:fld id="{02E60DA2-A0BC-48C9-AA88-75C78721B420}" type="datetimeFigureOut">
               <a:rPr lang="zh-CN" altLang="en-US" smtClean="0"/>
-              <a:t>2018/2/6</a:t>
+              <a:t>2018/2/25</a:t>
             </a:fld>
             <a:endParaRPr lang="zh-CN" altLang="en-US"/>
           </a:p>
@@ -1518,7 +1432,7 @@
           <a:p>
             <a:fld id="{02E60DA2-A0BC-48C9-AA88-75C78721B420}" type="datetimeFigureOut">
               <a:rPr lang="zh-CN" altLang="en-US" smtClean="0"/>
-              <a:t>2018/2/6</a:t>
+              <a:t>2018/2/25</a:t>
             </a:fld>
             <a:endParaRPr lang="zh-CN" altLang="en-US"/>
           </a:p>
@@ -1756,7 +1670,7 @@
           <a:p>
             <a:fld id="{02E60DA2-A0BC-48C9-AA88-75C78721B420}" type="datetimeFigureOut">
               <a:rPr lang="zh-CN" altLang="en-US" smtClean="0"/>
-              <a:t>2018/2/6</a:t>
+              <a:t>2018/2/25</a:t>
             </a:fld>
             <a:endParaRPr lang="zh-CN" altLang="en-US"/>
           </a:p>
@@ -2061,7 +1975,7 @@
           <a:p>
             <a:fld id="{02E60DA2-A0BC-48C9-AA88-75C78721B420}" type="datetimeFigureOut">
               <a:rPr lang="zh-CN" altLang="en-US" smtClean="0"/>
-              <a:t>2018/2/6</a:t>
+              <a:t>2018/2/25</a:t>
             </a:fld>
             <a:endParaRPr lang="zh-CN" altLang="en-US"/>
           </a:p>
@@ -2364,7 +2278,7 @@
           <a:p>
             <a:fld id="{02E60DA2-A0BC-48C9-AA88-75C78721B420}" type="datetimeFigureOut">
               <a:rPr lang="zh-CN" altLang="en-US" smtClean="0"/>
-              <a:t>2018/2/6</a:t>
+              <a:t>2018/2/25</a:t>
             </a:fld>
             <a:endParaRPr lang="zh-CN" altLang="en-US"/>
           </a:p>
@@ -2815,7 +2729,7 @@
           <a:p>
             <a:fld id="{02E60DA2-A0BC-48C9-AA88-75C78721B420}" type="datetimeFigureOut">
               <a:rPr lang="zh-CN" altLang="en-US" smtClean="0"/>
-              <a:t>2018/2/6</a:t>
+              <a:t>2018/2/25</a:t>
             </a:fld>
             <a:endParaRPr lang="zh-CN" altLang="en-US"/>
           </a:p>
@@ -2988,7 +2902,7 @@
           <a:p>
             <a:fld id="{02E60DA2-A0BC-48C9-AA88-75C78721B420}" type="datetimeFigureOut">
               <a:rPr lang="zh-CN" altLang="en-US" smtClean="0"/>
-              <a:t>2018/2/6</a:t>
+              <a:t>2018/2/25</a:t>
             </a:fld>
             <a:endParaRPr lang="zh-CN" altLang="en-US"/>
           </a:p>
@@ -3125,7 +3039,7 @@
           <a:p>
             <a:fld id="{02E60DA2-A0BC-48C9-AA88-75C78721B420}" type="datetimeFigureOut">
               <a:rPr lang="zh-CN" altLang="en-US" smtClean="0"/>
-              <a:t>2018/2/6</a:t>
+              <a:t>2018/2/25</a:t>
             </a:fld>
             <a:endParaRPr lang="zh-CN" altLang="en-US"/>
           </a:p>
@@ -3469,7 +3383,7 @@
           <a:p>
             <a:fld id="{02E60DA2-A0BC-48C9-AA88-75C78721B420}" type="datetimeFigureOut">
               <a:rPr lang="zh-CN" altLang="en-US" smtClean="0"/>
-              <a:t>2018/2/6</a:t>
+              <a:t>2018/2/25</a:t>
             </a:fld>
             <a:endParaRPr lang="zh-CN" altLang="en-US"/>
           </a:p>
@@ -3691,7 +3605,7 @@
           <a:p>
             <a:fld id="{02E60DA2-A0BC-48C9-AA88-75C78721B420}" type="datetimeFigureOut">
               <a:rPr lang="zh-CN" altLang="en-US" smtClean="0"/>
-              <a:t>2018/2/6</a:t>
+              <a:t>2018/2/25</a:t>
             </a:fld>
             <a:endParaRPr lang="zh-CN" altLang="en-US"/>
           </a:p>
@@ -4012,7 +3926,7 @@
           <a:p>
             <a:fld id="{02E60DA2-A0BC-48C9-AA88-75C78721B420}" type="datetimeFigureOut">
               <a:rPr lang="zh-CN" altLang="en-US" smtClean="0"/>
-              <a:t>2018/2/6</a:t>
+              <a:t>2018/2/25</a:t>
             </a:fld>
             <a:endParaRPr lang="zh-CN" altLang="en-US"/>
           </a:p>
@@ -4250,7 +4164,7 @@
           <a:p>
             <a:fld id="{02E60DA2-A0BC-48C9-AA88-75C78721B420}" type="datetimeFigureOut">
               <a:rPr lang="zh-CN" altLang="en-US" smtClean="0"/>
-              <a:t>2018/2/6</a:t>
+              <a:t>2018/2/25</a:t>
             </a:fld>
             <a:endParaRPr lang="zh-CN" altLang="en-US"/>
           </a:p>
@@ -4488,7 +4402,7 @@
           <a:p>
             <a:fld id="{02E60DA2-A0BC-48C9-AA88-75C78721B420}" type="datetimeFigureOut">
               <a:rPr lang="zh-CN" altLang="en-US" smtClean="0"/>
-              <a:t>2018/2/6</a:t>
+              <a:t>2018/2/25</a:t>
             </a:fld>
             <a:endParaRPr lang="zh-CN" altLang="en-US"/>
           </a:p>
@@ -4787,7 +4701,7 @@
           <a:p>
             <a:fld id="{02E60DA2-A0BC-48C9-AA88-75C78721B420}" type="datetimeFigureOut">
               <a:rPr lang="zh-CN" altLang="en-US" smtClean="0"/>
-              <a:t>2018/2/6</a:t>
+              <a:t>2018/2/25</a:t>
             </a:fld>
             <a:endParaRPr lang="zh-CN" altLang="en-US"/>
           </a:p>
@@ -5076,7 +4990,7 @@
           <a:p>
             <a:fld id="{02E60DA2-A0BC-48C9-AA88-75C78721B420}" type="datetimeFigureOut">
               <a:rPr lang="zh-CN" altLang="en-US" smtClean="0"/>
-              <a:t>2018/2/6</a:t>
+              <a:t>2018/2/25</a:t>
             </a:fld>
             <a:endParaRPr lang="zh-CN" altLang="en-US"/>
           </a:p>
@@ -5512,7 +5426,7 @@
           <a:p>
             <a:fld id="{02E60DA2-A0BC-48C9-AA88-75C78721B420}" type="datetimeFigureOut">
               <a:rPr lang="zh-CN" altLang="en-US" smtClean="0"/>
-              <a:t>2018/2/6</a:t>
+              <a:t>2018/2/25</a:t>
             </a:fld>
             <a:endParaRPr lang="zh-CN" altLang="en-US"/>
           </a:p>
@@ -5677,7 +5591,7 @@
           <a:p>
             <a:fld id="{02E60DA2-A0BC-48C9-AA88-75C78721B420}" type="datetimeFigureOut">
               <a:rPr lang="zh-CN" altLang="en-US" smtClean="0"/>
-              <a:t>2018/2/6</a:t>
+              <a:t>2018/2/25</a:t>
             </a:fld>
             <a:endParaRPr lang="zh-CN" altLang="en-US"/>
           </a:p>
@@ -5814,7 +5728,7 @@
           <a:p>
             <a:fld id="{02E60DA2-A0BC-48C9-AA88-75C78721B420}" type="datetimeFigureOut">
               <a:rPr lang="zh-CN" altLang="en-US" smtClean="0"/>
-              <a:t>2018/2/6</a:t>
+              <a:t>2018/2/25</a:t>
             </a:fld>
             <a:endParaRPr lang="zh-CN" altLang="en-US"/>
           </a:p>
@@ -6149,7 +6063,7 @@
           <a:p>
             <a:fld id="{02E60DA2-A0BC-48C9-AA88-75C78721B420}" type="datetimeFigureOut">
               <a:rPr lang="zh-CN" altLang="en-US" smtClean="0"/>
-              <a:t>2018/2/6</a:t>
+              <a:t>2018/2/25</a:t>
             </a:fld>
             <a:endParaRPr lang="zh-CN" altLang="en-US"/>
           </a:p>
@@ -6461,7 +6375,7 @@
           <a:p>
             <a:fld id="{02E60DA2-A0BC-48C9-AA88-75C78721B420}" type="datetimeFigureOut">
               <a:rPr lang="zh-CN" altLang="en-US" smtClean="0"/>
-              <a:t>2018/2/6</a:t>
+              <a:t>2018/2/25</a:t>
             </a:fld>
             <a:endParaRPr lang="zh-CN" altLang="en-US"/>
           </a:p>
@@ -7660,13 +7574,7 @@
       </p:grpSpPr>
       <p:sp>
         <p:nvSpPr>
-          <p:cNvPr id="2" name="标题 1">
-            <a:extLst>
-              <a:ext uri="{FF2B5EF4-FFF2-40B4-BE49-F238E27FC236}">
-                <a16:creationId xmlns:a16="http://schemas.microsoft.com/office/drawing/2014/main" id="{8B88BACC-24DE-4087-9AB3-A099CF573089}"/>
-              </a:ext>
-            </a:extLst>
-          </p:cNvPr>
+          <p:cNvPr id="2" name="标题 1"/>
           <p:cNvSpPr>
             <a:spLocks noGrp="1"/>
           </p:cNvSpPr>
@@ -7681,20 +7589,19 @@
           <a:p>
             <a:r>
               <a:rPr lang="zh-CN" altLang="en-US" dirty="0"/>
-              <a:t>设备文件与磁盘管理</a:t>
-            </a:r>
-          </a:p>
-        </p:txBody>
-      </p:sp>
-      <p:sp>
-        <p:nvSpPr>
-          <p:cNvPr id="3" name="内容占位符 2">
-            <a:extLst>
-              <a:ext uri="{FF2B5EF4-FFF2-40B4-BE49-F238E27FC236}">
-                <a16:creationId xmlns:a16="http://schemas.microsoft.com/office/drawing/2014/main" id="{0A1C6B17-780B-4799-8193-E52FD817AC0E}"/>
-              </a:ext>
-            </a:extLst>
-          </p:cNvPr>
+              <a:t>查看磁盘占用：</a:t>
+            </a:r>
+            <a:r>
+              <a:rPr lang="en-US" altLang="zh-CN" dirty="0" err="1"/>
+              <a:t>df</a:t>
+            </a:r>
+            <a:endParaRPr lang="zh-CN" altLang="en-US" dirty="0"/>
+          </a:p>
+        </p:txBody>
+      </p:sp>
+      <p:sp>
+        <p:nvSpPr>
+          <p:cNvPr id="3" name="内容占位符 2"/>
           <p:cNvSpPr>
             <a:spLocks noGrp="1"/>
           </p:cNvSpPr>
@@ -7708,145 +7615,90 @@
           <a:lstStyle/>
           <a:p>
             <a:r>
+              <a:rPr lang="en-US" altLang="zh-CN" sz="2000" dirty="0" err="1"/>
+              <a:t>df</a:t>
+            </a:r>
+            <a:r>
+              <a:rPr lang="zh-CN" altLang="zh-CN" sz="2000" dirty="0"/>
+              <a:t>命令用来检查文件系统的空间占用情况</a:t>
+            </a:r>
+            <a:endParaRPr lang="en-US" altLang="zh-CN" sz="2000" dirty="0"/>
+          </a:p>
+          <a:p>
+            <a:r>
+              <a:rPr lang="en-US" altLang="zh-CN" sz="2000" dirty="0" err="1"/>
+              <a:t>df</a:t>
+            </a:r>
+            <a:r>
               <a:rPr lang="en-US" altLang="zh-CN" sz="2000" dirty="0"/>
-              <a:t>/dev</a:t>
-            </a:r>
-            <a:r>
-              <a:rPr lang="zh-CN" altLang="en-US" sz="2000" dirty="0"/>
-              <a:t>目录下的文件是外接设备映射文件</a:t>
+              <a:t> -h </a:t>
+            </a:r>
+            <a:r>
+              <a:rPr lang="zh-CN" altLang="en-US" sz="2000" dirty="0"/>
+              <a:t>以易于读取的方式显示空间使用情况</a:t>
             </a:r>
             <a:endParaRPr lang="en-US" altLang="zh-CN" sz="2000" dirty="0"/>
           </a:p>
           <a:p>
             <a:r>
+              <a:rPr lang="en-US" altLang="zh-CN" sz="2000" dirty="0" err="1"/>
+              <a:t>df</a:t>
+            </a:r>
+            <a:r>
               <a:rPr lang="en-US" altLang="zh-CN" sz="2000" dirty="0"/>
-              <a:t>/dev/</a:t>
-            </a:r>
-            <a:r>
-              <a:rPr lang="en-US" altLang="zh-CN" sz="2000" dirty="0" err="1"/>
-              <a:t>sd</a:t>
-            </a:r>
-            <a:r>
-              <a:rPr lang="en-US" altLang="zh-CN" sz="2000" dirty="0"/>
-              <a:t>[a-z]</a:t>
-            </a:r>
-            <a:r>
-              <a:rPr lang="zh-CN" altLang="en-US" sz="2000" dirty="0"/>
-              <a:t>表示硬盘设备（老式的</a:t>
-            </a:r>
-            <a:r>
-              <a:rPr lang="en-US" altLang="zh-CN" sz="2000" dirty="0"/>
-              <a:t>IDE</a:t>
-            </a:r>
-            <a:r>
-              <a:rPr lang="zh-CN" altLang="en-US" sz="2000" dirty="0"/>
-              <a:t>硬盘用</a:t>
-            </a:r>
-            <a:r>
-              <a:rPr lang="en-US" altLang="zh-CN" sz="2000" dirty="0" err="1"/>
-              <a:t>hd</a:t>
-            </a:r>
-            <a:r>
-              <a:rPr lang="zh-CN" altLang="en-US" sz="2000" dirty="0"/>
-              <a:t>表示）</a:t>
-            </a:r>
-            <a:endParaRPr lang="en-US" altLang="zh-CN" sz="2000" dirty="0"/>
-          </a:p>
-          <a:p>
-            <a:r>
-              <a:rPr lang="en-US" altLang="zh-CN" sz="2000" dirty="0"/>
-              <a:t>sda1</a:t>
-            </a:r>
-            <a:r>
-              <a:rPr lang="zh-CN" altLang="en-US" sz="2000" dirty="0"/>
-              <a:t>，</a:t>
-            </a:r>
-            <a:r>
-              <a:rPr lang="en-US" altLang="zh-CN" sz="2000" dirty="0"/>
-              <a:t>sda2……</a:t>
-            </a:r>
-            <a:r>
-              <a:rPr lang="zh-CN" altLang="en-US" sz="2000" dirty="0"/>
-              <a:t>表示分区。在</a:t>
-            </a:r>
-            <a:r>
-              <a:rPr lang="en-US" altLang="zh-CN" sz="2000" dirty="0"/>
-              <a:t>MBR</a:t>
-            </a:r>
-            <a:r>
-              <a:rPr lang="zh-CN" altLang="en-US" sz="2000" dirty="0"/>
-              <a:t>分区格式中，一个硬盘最多只能有</a:t>
-            </a:r>
-            <a:r>
-              <a:rPr lang="en-US" altLang="zh-CN" sz="2000" dirty="0"/>
-              <a:t>4</a:t>
-            </a:r>
-            <a:r>
-              <a:rPr lang="zh-CN" altLang="en-US" sz="2000" dirty="0"/>
-              <a:t>个主分区和扩展分区，其中扩展分区的个数最多为</a:t>
-            </a:r>
-            <a:r>
-              <a:rPr lang="en-US" altLang="zh-CN" sz="2000" dirty="0"/>
-              <a:t>1</a:t>
-            </a:r>
-            <a:r>
-              <a:rPr lang="zh-CN" altLang="en-US" sz="2000" dirty="0"/>
-              <a:t>。扩展分区中可以建立逻辑分区，从而突破只能有四个分区的限制。无论前面的数字是否被使用，</a:t>
-            </a:r>
-            <a:r>
-              <a:rPr lang="en-US" altLang="zh-CN" sz="2000" dirty="0"/>
-              <a:t>sda5</a:t>
-            </a:r>
-            <a:r>
-              <a:rPr lang="zh-CN" altLang="en-US" sz="2000" dirty="0"/>
-              <a:t>都表示第一个逻辑分区</a:t>
-            </a:r>
-            <a:endParaRPr lang="en-US" altLang="zh-CN" sz="2000" dirty="0"/>
-          </a:p>
-          <a:p>
-            <a:r>
-              <a:rPr lang="en-US" altLang="zh-CN" sz="2000" dirty="0"/>
-              <a:t>/dev</a:t>
-            </a:r>
-            <a:r>
-              <a:rPr lang="zh-CN" altLang="en-US" sz="2000" dirty="0"/>
-              <a:t>下</a:t>
-            </a:r>
-            <a:r>
-              <a:rPr lang="en-US" altLang="zh-CN" sz="2000" dirty="0" err="1"/>
-              <a:t>cdrom</a:t>
-            </a:r>
-            <a:r>
-              <a:rPr lang="zh-CN" altLang="en-US" sz="2000" dirty="0"/>
-              <a:t>、</a:t>
-            </a:r>
-            <a:r>
-              <a:rPr lang="en-US" altLang="zh-CN" sz="2000" dirty="0" err="1"/>
-              <a:t>dvd</a:t>
-            </a:r>
-            <a:r>
-              <a:rPr lang="zh-CN" altLang="en-US" sz="2000" dirty="0"/>
-              <a:t>等文件表示光盘存储设备</a:t>
-            </a:r>
-            <a:endParaRPr lang="en-US" altLang="zh-CN" sz="2000" dirty="0"/>
-          </a:p>
-          <a:p>
-            <a:r>
-              <a:rPr lang="zh-CN" altLang="en-US" sz="2000" dirty="0"/>
-              <a:t>管理存储设备的命令：</a:t>
-            </a:r>
-            <a:r>
-              <a:rPr lang="en-US" altLang="zh-CN" sz="2000" dirty="0" err="1"/>
-              <a:t>fdisk</a:t>
-            </a:r>
-            <a:endParaRPr lang="en-US" altLang="zh-CN" sz="2000" dirty="0"/>
-          </a:p>
-        </p:txBody>
-      </p:sp>
+              <a:t> -T </a:t>
+            </a:r>
+            <a:r>
+              <a:rPr lang="zh-CN" altLang="en-US" sz="2000" dirty="0"/>
+              <a:t>显示文件系统的类型</a:t>
+            </a:r>
+            <a:endParaRPr lang="zh-CN" altLang="zh-CN" sz="2000" dirty="0"/>
+          </a:p>
+          <a:p>
+            <a:endParaRPr lang="zh-CN" altLang="en-US" dirty="0"/>
+          </a:p>
+        </p:txBody>
+      </p:sp>
+      <p:pic>
+        <p:nvPicPr>
+          <p:cNvPr id="6" name="图片 5">
+            <a:extLst>
+              <a:ext uri="{FF2B5EF4-FFF2-40B4-BE49-F238E27FC236}">
+                <a16:creationId xmlns:a16="http://schemas.microsoft.com/office/drawing/2014/main" id="{B01BFE5B-E0D7-4943-8F1C-270760B43DF7}"/>
+              </a:ext>
+            </a:extLst>
+          </p:cNvPr>
+          <p:cNvPicPr>
+            <a:picLocks noChangeAspect="1"/>
+          </p:cNvPicPr>
+          <p:nvPr/>
+        </p:nvPicPr>
+        <p:blipFill>
+          <a:blip r:embed="rId2">
+            <a:extLst>
+              <a:ext uri="{28A0092B-C50C-407E-A947-70E740481C1C}">
+                <a14:useLocalDpi xmlns:a14="http://schemas.microsoft.com/office/drawing/2010/main" val="0"/>
+              </a:ext>
+            </a:extLst>
+          </a:blip>
+          <a:stretch>
+            <a:fillRect/>
+          </a:stretch>
+        </p:blipFill>
+        <p:spPr>
+          <a:xfrm>
+            <a:off x="838200" y="2941356"/>
+            <a:ext cx="10738908" cy="3086581"/>
+          </a:xfrm>
+          <a:prstGeom prst="rect">
+            <a:avLst/>
+          </a:prstGeom>
+        </p:spPr>
+      </p:pic>
     </p:spTree>
     <p:extLst>
       <p:ext uri="{BB962C8B-B14F-4D97-AF65-F5344CB8AC3E}">
-        <p14:creationId xmlns:p14="http://schemas.microsoft.com/office/powerpoint/2010/main" val="2327851467"/>
+        <p14:creationId xmlns:p14="http://schemas.microsoft.com/office/powerpoint/2010/main" val="3747456320"/>
       </p:ext>
     </p:extLst>
   </p:cSld>
@@ -8119,10 +7971,10 @@
       </p:sp>
       <p:pic>
         <p:nvPicPr>
-          <p:cNvPr id="5" name="图片 4">
-            <a:extLst>
-              <a:ext uri="{FF2B5EF4-FFF2-40B4-BE49-F238E27FC236}">
-                <a16:creationId xmlns:a16="http://schemas.microsoft.com/office/drawing/2014/main" id="{2E2EE86C-8252-40E0-B508-D9FC1FFE057B}"/>
+          <p:cNvPr id="6" name="图片 5">
+            <a:extLst>
+              <a:ext uri="{FF2B5EF4-FFF2-40B4-BE49-F238E27FC236}">
+                <a16:creationId xmlns:a16="http://schemas.microsoft.com/office/drawing/2014/main" id="{96965974-A156-4A73-BE52-17A4656E3492}"/>
               </a:ext>
             </a:extLst>
           </p:cNvPr>
@@ -8145,8 +7997,8 @@
         </p:blipFill>
         <p:spPr>
           <a:xfrm>
-            <a:off x="838200" y="2033059"/>
-            <a:ext cx="10535127" cy="1606785"/>
+            <a:off x="838200" y="2087880"/>
+            <a:ext cx="10358852" cy="1418800"/>
           </a:xfrm>
           <a:prstGeom prst="rect">
             <a:avLst/>
@@ -8354,7 +8206,13 @@
       </p:grpSpPr>
       <p:sp>
         <p:nvSpPr>
-          <p:cNvPr id="2" name="标题 1"/>
+          <p:cNvPr id="2" name="标题 1">
+            <a:extLst>
+              <a:ext uri="{FF2B5EF4-FFF2-40B4-BE49-F238E27FC236}">
+                <a16:creationId xmlns:a16="http://schemas.microsoft.com/office/drawing/2014/main" id="{8B88BACC-24DE-4087-9AB3-A099CF573089}"/>
+              </a:ext>
+            </a:extLst>
+          </p:cNvPr>
           <p:cNvSpPr>
             <a:spLocks noGrp="1"/>
           </p:cNvSpPr>
@@ -8369,11 +8227,19 @@
           <a:p>
             <a:r>
               <a:rPr lang="zh-CN" altLang="en-US" dirty="0"/>
-              <a:t>查看磁盘占用：</a:t>
+              <a:t>挂载与卸载：</a:t>
+            </a:r>
+            <a:r>
+              <a:rPr lang="en-US" altLang="zh-CN" dirty="0"/>
+              <a:t>mount</a:t>
+            </a:r>
+            <a:r>
+              <a:rPr lang="zh-CN" altLang="en-US" dirty="0"/>
+              <a:t>与</a:t>
             </a:r>
             <a:r>
               <a:rPr lang="en-US" altLang="zh-CN" dirty="0" err="1"/>
-              <a:t>df</a:t>
+              <a:t>umount</a:t>
             </a:r>
             <a:endParaRPr lang="zh-CN" altLang="en-US" dirty="0"/>
           </a:p>
@@ -8381,7 +8247,13 @@
       </p:sp>
       <p:sp>
         <p:nvSpPr>
-          <p:cNvPr id="3" name="内容占位符 2"/>
+          <p:cNvPr id="3" name="内容占位符 2">
+            <a:extLst>
+              <a:ext uri="{FF2B5EF4-FFF2-40B4-BE49-F238E27FC236}">
+                <a16:creationId xmlns:a16="http://schemas.microsoft.com/office/drawing/2014/main" id="{0A1C6B17-780B-4799-8193-E52FD817AC0E}"/>
+              </a:ext>
+            </a:extLst>
+          </p:cNvPr>
           <p:cNvSpPr>
             <a:spLocks noGrp="1"/>
           </p:cNvSpPr>
@@ -8395,90 +8267,262 @@
           <a:lstStyle/>
           <a:p>
             <a:r>
+              <a:rPr lang="zh-CN" altLang="en-US" sz="2000" dirty="0"/>
+              <a:t>一个块设备，需要挂载到某一目录（即挂载点）下才可以访问</a:t>
+            </a:r>
+            <a:endParaRPr lang="en-US" altLang="zh-CN" sz="2000" dirty="0"/>
+          </a:p>
+          <a:p>
+            <a:r>
+              <a:rPr lang="zh-CN" altLang="en-US" sz="2000" dirty="0"/>
+              <a:t>目前多数</a:t>
+            </a:r>
+            <a:r>
+              <a:rPr lang="en-US" altLang="zh-CN" sz="2000" dirty="0"/>
+              <a:t>Linux</a:t>
+            </a:r>
+            <a:r>
+              <a:rPr lang="zh-CN" altLang="en-US" sz="2000" dirty="0"/>
+              <a:t>桌面发行版为了使用体验会进行自动挂载处理，但还是有必要了解挂载的过程，掌握挂载、卸载命令的使用</a:t>
+            </a:r>
+            <a:endParaRPr lang="en-US" altLang="zh-CN" sz="2000" dirty="0"/>
+          </a:p>
+          <a:p>
+            <a:r>
+              <a:rPr lang="zh-CN" altLang="en-US" sz="2000" dirty="0"/>
+              <a:t>使用</a:t>
+            </a:r>
+            <a:r>
+              <a:rPr lang="en-US" altLang="zh-CN" sz="2000" dirty="0"/>
+              <a:t>mount</a:t>
+            </a:r>
+            <a:r>
+              <a:rPr lang="zh-CN" altLang="en-US" sz="2000" dirty="0"/>
+              <a:t>指令把一个块设备（文件系统）、</a:t>
+            </a:r>
+            <a:r>
+              <a:rPr lang="en-US" altLang="zh-CN" sz="2000" dirty="0"/>
+              <a:t>ISO</a:t>
+            </a:r>
+            <a:r>
+              <a:rPr lang="zh-CN" altLang="en-US" sz="2000" dirty="0"/>
+              <a:t>镜像挂载到挂载点</a:t>
+            </a:r>
+            <a:endParaRPr lang="en-US" altLang="zh-CN" sz="2000" dirty="0"/>
+          </a:p>
+          <a:p>
+            <a:pPr marL="0" indent="0">
+              <a:buNone/>
+            </a:pPr>
+            <a:r>
+              <a:rPr lang="fr-FR" altLang="zh-CN" sz="2000" dirty="0"/>
+              <a:t>   </a:t>
+            </a:r>
+            <a:r>
+              <a:rPr lang="zh-CN" altLang="en-US" sz="2000" dirty="0"/>
+              <a:t>格式：</a:t>
+            </a:r>
+            <a:r>
+              <a:rPr lang="fr-FR" altLang="zh-CN" sz="2000" dirty="0"/>
+              <a:t>mount </a:t>
+            </a:r>
+            <a:r>
+              <a:rPr lang="en-US" altLang="zh-CN" sz="2000" dirty="0"/>
+              <a:t>[</a:t>
+            </a:r>
+            <a:r>
+              <a:rPr lang="fr-FR" altLang="zh-CN" sz="2000" dirty="0"/>
+              <a:t>-t type] device </a:t>
+            </a:r>
+            <a:r>
               <a:rPr lang="en-US" altLang="zh-CN" sz="2000" dirty="0" err="1"/>
-              <a:t>df</a:t>
-            </a:r>
-            <a:r>
-              <a:rPr lang="zh-CN" altLang="zh-CN" sz="2000" dirty="0"/>
-              <a:t>命令用来检查文件系统的空间占用情况</a:t>
+              <a:t>mountpoint</a:t>
             </a:r>
             <a:endParaRPr lang="en-US" altLang="zh-CN" sz="2000" dirty="0"/>
           </a:p>
           <a:p>
+            <a:pPr marL="0" indent="0">
+              <a:buNone/>
+            </a:pPr>
+            <a:r>
+              <a:rPr lang="fr-FR" altLang="zh-CN" sz="2000" dirty="0"/>
+              <a:t>   </a:t>
+            </a:r>
+            <a:r>
+              <a:rPr lang="zh-CN" altLang="en-US" sz="2000" dirty="0"/>
+              <a:t>挂载</a:t>
+            </a:r>
+            <a:r>
+              <a:rPr lang="en-US" altLang="zh-CN" sz="2000" dirty="0"/>
+              <a:t>ISO</a:t>
+            </a:r>
+            <a:r>
+              <a:rPr lang="zh-CN" altLang="en-US" sz="2000" dirty="0"/>
+              <a:t>镜像：</a:t>
+            </a:r>
+            <a:r>
+              <a:rPr lang="en-US" altLang="zh-CN" sz="2000" dirty="0"/>
+              <a:t>mount &lt;</a:t>
+            </a:r>
             <a:r>
               <a:rPr lang="en-US" altLang="zh-CN" sz="2000" dirty="0" err="1"/>
-              <a:t>df</a:t>
+              <a:t>iso</a:t>
+            </a:r>
+            <a:r>
+              <a:rPr lang="zh-CN" altLang="en-US" sz="2000" dirty="0"/>
+              <a:t>文件完整路径</a:t>
             </a:r>
             <a:r>
               <a:rPr lang="en-US" altLang="zh-CN" sz="2000" dirty="0"/>
-              <a:t> -h </a:t>
-            </a:r>
-            <a:r>
-              <a:rPr lang="zh-CN" altLang="en-US" sz="2000" dirty="0"/>
-              <a:t>以易于读取的方式显示空间使用情况</a:t>
+              <a:t>&gt; &lt;</a:t>
+            </a:r>
+            <a:r>
+              <a:rPr lang="zh-CN" altLang="en-US" sz="2000" dirty="0"/>
+              <a:t>挂载点</a:t>
+            </a:r>
+            <a:r>
+              <a:rPr lang="en-US" altLang="zh-CN" sz="2000" dirty="0"/>
+              <a:t>&gt; </a:t>
+            </a:r>
+            <a:r>
+              <a:rPr lang="zh-CN" altLang="en-US" sz="2000" dirty="0"/>
+              <a:t>或完整写法</a:t>
             </a:r>
             <a:endParaRPr lang="en-US" altLang="zh-CN" sz="2000" dirty="0"/>
           </a:p>
           <a:p>
+            <a:pPr marL="0" indent="0">
+              <a:buNone/>
+            </a:pPr>
+            <a:r>
+              <a:rPr lang="en-US" altLang="zh-CN" sz="2000" dirty="0"/>
+              <a:t>                           mount -t iso9660 -o loop &lt;</a:t>
+            </a:r>
             <a:r>
               <a:rPr lang="en-US" altLang="zh-CN" sz="2000" dirty="0" err="1"/>
-              <a:t>df</a:t>
+              <a:t>iso</a:t>
+            </a:r>
+            <a:r>
+              <a:rPr lang="zh-CN" altLang="en-US" sz="2000" dirty="0"/>
+              <a:t>文件完整路径</a:t>
             </a:r>
             <a:r>
               <a:rPr lang="en-US" altLang="zh-CN" sz="2000" dirty="0"/>
-              <a:t> -T </a:t>
-            </a:r>
-            <a:r>
-              <a:rPr lang="zh-CN" altLang="en-US" sz="2000" dirty="0"/>
-              <a:t>显示文件系统的类型</a:t>
-            </a:r>
-            <a:endParaRPr lang="zh-CN" altLang="zh-CN" sz="2000" dirty="0"/>
-          </a:p>
-          <a:p>
-            <a:endParaRPr lang="zh-CN" altLang="en-US" dirty="0"/>
-          </a:p>
-        </p:txBody>
-      </p:sp>
-      <p:pic>
-        <p:nvPicPr>
-          <p:cNvPr id="5" name="图片 4">
-            <a:extLst>
-              <a:ext uri="{FF2B5EF4-FFF2-40B4-BE49-F238E27FC236}">
-                <a16:creationId xmlns:a16="http://schemas.microsoft.com/office/drawing/2014/main" id="{3B4E738F-8AF9-4E25-99CF-E98449C3F53A}"/>
-              </a:ext>
-            </a:extLst>
-          </p:cNvPr>
-          <p:cNvPicPr>
-            <a:picLocks noChangeAspect="1"/>
-          </p:cNvPicPr>
-          <p:nvPr/>
-        </p:nvPicPr>
-        <p:blipFill>
-          <a:blip r:embed="rId2">
-            <a:extLst>
-              <a:ext uri="{28A0092B-C50C-407E-A947-70E740481C1C}">
-                <a14:useLocalDpi xmlns:a14="http://schemas.microsoft.com/office/drawing/2010/main" val="0"/>
-              </a:ext>
-            </a:extLst>
-          </a:blip>
-          <a:stretch>
-            <a:fillRect/>
-          </a:stretch>
-        </p:blipFill>
-        <p:spPr>
-          <a:xfrm>
-            <a:off x="838199" y="2944982"/>
-            <a:ext cx="10928489" cy="3393674"/>
-          </a:xfrm>
-          <a:prstGeom prst="rect">
-            <a:avLst/>
-          </a:prstGeom>
-        </p:spPr>
-      </p:pic>
+              <a:t>&gt; &lt;</a:t>
+            </a:r>
+            <a:r>
+              <a:rPr lang="zh-CN" altLang="en-US" sz="2000" dirty="0"/>
+              <a:t>挂载点</a:t>
+            </a:r>
+            <a:r>
+              <a:rPr lang="en-US" altLang="zh-CN" sz="2000" dirty="0"/>
+              <a:t>&gt;</a:t>
+            </a:r>
+          </a:p>
+          <a:p>
+            <a:pPr marL="0" indent="0">
+              <a:buNone/>
+            </a:pPr>
+            <a:r>
+              <a:rPr lang="en-US" altLang="zh-CN" sz="2000" dirty="0"/>
+              <a:t>   </a:t>
+            </a:r>
+            <a:r>
+              <a:rPr lang="zh-CN" altLang="en-US" sz="2000" dirty="0"/>
+              <a:t>挂载共享文件夹：</a:t>
+            </a:r>
+            <a:r>
+              <a:rPr lang="en-US" altLang="zh-CN" sz="2000" dirty="0"/>
+              <a:t>mount -t </a:t>
+            </a:r>
+            <a:r>
+              <a:rPr lang="en-US" altLang="zh-CN" sz="2000" dirty="0" err="1"/>
+              <a:t>cifs</a:t>
+            </a:r>
+            <a:r>
+              <a:rPr lang="en-US" altLang="zh-CN" sz="2000" dirty="0"/>
+              <a:t> -o username=</a:t>
+            </a:r>
+            <a:r>
+              <a:rPr lang="en-US" altLang="zh-CN" sz="2000" dirty="0" err="1"/>
+              <a:t>user,password</a:t>
+            </a:r>
+            <a:r>
+              <a:rPr lang="en-US" altLang="zh-CN" sz="2000" dirty="0"/>
+              <a:t>=</a:t>
+            </a:r>
+            <a:r>
+              <a:rPr lang="en-US" altLang="zh-CN" sz="2000" dirty="0" err="1"/>
+              <a:t>passwd</a:t>
+            </a:r>
+            <a:r>
+              <a:rPr lang="en-US" altLang="zh-CN" sz="2000" dirty="0"/>
+              <a:t> //IP/</a:t>
+            </a:r>
+            <a:r>
+              <a:rPr lang="en-US" altLang="zh-CN" sz="2000" dirty="0" err="1"/>
+              <a:t>dir</a:t>
+            </a:r>
+            <a:r>
+              <a:rPr lang="en-US" altLang="zh-CN" sz="2000" dirty="0"/>
+              <a:t> /</a:t>
+            </a:r>
+            <a:r>
+              <a:rPr lang="en-US" altLang="zh-CN" sz="2000" dirty="0" err="1"/>
+              <a:t>mnt</a:t>
+            </a:r>
+            <a:r>
+              <a:rPr lang="en-US" altLang="zh-CN" sz="2000" dirty="0"/>
+              <a:t>/Windows/</a:t>
+            </a:r>
+          </a:p>
+          <a:p>
+            <a:r>
+              <a:rPr lang="zh-CN" altLang="en-US" sz="2000" dirty="0"/>
+              <a:t>使用</a:t>
+            </a:r>
+            <a:r>
+              <a:rPr lang="en-US" altLang="zh-CN" sz="2000" dirty="0" err="1"/>
+              <a:t>umount</a:t>
+            </a:r>
+            <a:r>
+              <a:rPr lang="zh-CN" altLang="en-US" sz="2000" dirty="0"/>
+              <a:t>卸载已经挂载的块设备</a:t>
+            </a:r>
+            <a:endParaRPr lang="en-US" altLang="zh-CN" sz="2000" dirty="0"/>
+          </a:p>
+          <a:p>
+            <a:pPr marL="0" indent="0">
+              <a:buNone/>
+            </a:pPr>
+            <a:r>
+              <a:rPr lang="en-US" altLang="zh-CN" sz="2000" dirty="0"/>
+              <a:t>   </a:t>
+            </a:r>
+            <a:r>
+              <a:rPr lang="zh-CN" altLang="en-US" sz="2000" dirty="0"/>
+              <a:t>格式：</a:t>
+            </a:r>
+            <a:r>
+              <a:rPr lang="en-US" altLang="zh-CN" sz="2000" dirty="0" err="1"/>
+              <a:t>umount</a:t>
+            </a:r>
+            <a:r>
+              <a:rPr lang="en-US" altLang="zh-CN" sz="2000" dirty="0"/>
+              <a:t> device/</a:t>
+            </a:r>
+            <a:r>
+              <a:rPr lang="en-US" altLang="zh-CN" sz="2000" dirty="0" err="1"/>
+              <a:t>mountpoint</a:t>
+            </a:r>
+            <a:endParaRPr lang="en-US" altLang="zh-CN" sz="2000" dirty="0"/>
+          </a:p>
+        </p:txBody>
+      </p:sp>
     </p:spTree>
     <p:extLst>
       <p:ext uri="{BB962C8B-B14F-4D97-AF65-F5344CB8AC3E}">
-        <p14:creationId xmlns:p14="http://schemas.microsoft.com/office/powerpoint/2010/main" val="3747456320"/>
+        <p14:creationId xmlns:p14="http://schemas.microsoft.com/office/powerpoint/2010/main" val="3129173604"/>
       </p:ext>
     </p:extLst>
   </p:cSld>
@@ -8528,351 +8572,6 @@
           <a:p>
             <a:r>
               <a:rPr lang="zh-CN" altLang="en-US" dirty="0"/>
-              <a:t>挂载与卸载：</a:t>
-            </a:r>
-            <a:r>
-              <a:rPr lang="en-US" altLang="zh-CN" dirty="0"/>
-              <a:t>mount</a:t>
-            </a:r>
-            <a:r>
-              <a:rPr lang="zh-CN" altLang="en-US" dirty="0"/>
-              <a:t>与</a:t>
-            </a:r>
-            <a:r>
-              <a:rPr lang="en-US" altLang="zh-CN" dirty="0" err="1"/>
-              <a:t>umount</a:t>
-            </a:r>
-            <a:endParaRPr lang="zh-CN" altLang="en-US" dirty="0"/>
-          </a:p>
-        </p:txBody>
-      </p:sp>
-      <p:sp>
-        <p:nvSpPr>
-          <p:cNvPr id="3" name="内容占位符 2">
-            <a:extLst>
-              <a:ext uri="{FF2B5EF4-FFF2-40B4-BE49-F238E27FC236}">
-                <a16:creationId xmlns:a16="http://schemas.microsoft.com/office/drawing/2014/main" id="{0A1C6B17-780B-4799-8193-E52FD817AC0E}"/>
-              </a:ext>
-            </a:extLst>
-          </p:cNvPr>
-          <p:cNvSpPr>
-            <a:spLocks noGrp="1"/>
-          </p:cNvSpPr>
-          <p:nvPr>
-            <p:ph idx="1"/>
-          </p:nvPr>
-        </p:nvSpPr>
-        <p:spPr/>
-        <p:txBody>
-          <a:bodyPr/>
-          <a:lstStyle/>
-          <a:p>
-            <a:r>
-              <a:rPr lang="zh-CN" altLang="en-US" sz="2000" dirty="0"/>
-              <a:t>一个块设备，需要挂载到某一目录（即挂载点）下才可以访问</a:t>
-            </a:r>
-            <a:endParaRPr lang="en-US" altLang="zh-CN" sz="2000" dirty="0"/>
-          </a:p>
-          <a:p>
-            <a:r>
-              <a:rPr lang="zh-CN" altLang="en-US" sz="2000" dirty="0"/>
-              <a:t>目前多数</a:t>
-            </a:r>
-            <a:r>
-              <a:rPr lang="en-US" altLang="zh-CN" sz="2000" dirty="0"/>
-              <a:t>Linux</a:t>
-            </a:r>
-            <a:r>
-              <a:rPr lang="zh-CN" altLang="en-US" sz="2000" dirty="0"/>
-              <a:t>桌面发行版为了使用体验会进行自动挂载处理，但还是有必要了解挂载的过程，掌握挂载、卸载命令的使用</a:t>
-            </a:r>
-            <a:endParaRPr lang="en-US" altLang="zh-CN" sz="2000" dirty="0"/>
-          </a:p>
-          <a:p>
-            <a:r>
-              <a:rPr lang="zh-CN" altLang="en-US" sz="2000" dirty="0"/>
-              <a:t>使用</a:t>
-            </a:r>
-            <a:r>
-              <a:rPr lang="en-US" altLang="zh-CN" sz="2000" dirty="0"/>
-              <a:t>mount</a:t>
-            </a:r>
-            <a:r>
-              <a:rPr lang="zh-CN" altLang="en-US" sz="2000" dirty="0"/>
-              <a:t>指令把一个块设备（文件系统）、</a:t>
-            </a:r>
-            <a:r>
-              <a:rPr lang="en-US" altLang="zh-CN" sz="2000" dirty="0"/>
-              <a:t>ISO</a:t>
-            </a:r>
-            <a:r>
-              <a:rPr lang="zh-CN" altLang="en-US" sz="2000" dirty="0"/>
-              <a:t>镜像挂载到挂载点</a:t>
-            </a:r>
-            <a:endParaRPr lang="en-US" altLang="zh-CN" sz="2000" dirty="0"/>
-          </a:p>
-          <a:p>
-            <a:pPr marL="0" indent="0">
-              <a:buNone/>
-            </a:pPr>
-            <a:r>
-              <a:rPr lang="fr-FR" altLang="zh-CN" sz="2000" dirty="0"/>
-              <a:t>   </a:t>
-            </a:r>
-            <a:r>
-              <a:rPr lang="zh-CN" altLang="en-US" sz="2000" dirty="0"/>
-              <a:t>格式：</a:t>
-            </a:r>
-            <a:r>
-              <a:rPr lang="fr-FR" altLang="zh-CN" sz="2000" dirty="0"/>
-              <a:t>mount </a:t>
-            </a:r>
-            <a:r>
-              <a:rPr lang="en-US" altLang="zh-CN" sz="2000" dirty="0"/>
-              <a:t>[</a:t>
-            </a:r>
-            <a:r>
-              <a:rPr lang="fr-FR" altLang="zh-CN" sz="2000" dirty="0"/>
-              <a:t>-t type] device </a:t>
-            </a:r>
-            <a:r>
-              <a:rPr lang="en-US" altLang="zh-CN" sz="2000" dirty="0" err="1"/>
-              <a:t>mountpoint</a:t>
-            </a:r>
-            <a:endParaRPr lang="en-US" altLang="zh-CN" sz="2000" dirty="0"/>
-          </a:p>
-          <a:p>
-            <a:pPr marL="0" indent="0">
-              <a:buNone/>
-            </a:pPr>
-            <a:r>
-              <a:rPr lang="fr-FR" altLang="zh-CN" sz="2000" dirty="0"/>
-              <a:t>   </a:t>
-            </a:r>
-            <a:r>
-              <a:rPr lang="zh-CN" altLang="en-US" sz="2000" dirty="0"/>
-              <a:t>挂载</a:t>
-            </a:r>
-            <a:r>
-              <a:rPr lang="en-US" altLang="zh-CN" sz="2000" dirty="0"/>
-              <a:t>ISO</a:t>
-            </a:r>
-            <a:r>
-              <a:rPr lang="zh-CN" altLang="en-US" sz="2000" dirty="0"/>
-              <a:t>镜像：</a:t>
-            </a:r>
-            <a:r>
-              <a:rPr lang="en-US" altLang="zh-CN" sz="2000" dirty="0"/>
-              <a:t>mount &lt;</a:t>
-            </a:r>
-            <a:r>
-              <a:rPr lang="en-US" altLang="zh-CN" sz="2000" dirty="0" err="1"/>
-              <a:t>iso</a:t>
-            </a:r>
-            <a:r>
-              <a:rPr lang="zh-CN" altLang="en-US" sz="2000" dirty="0"/>
-              <a:t>文件完整路径</a:t>
-            </a:r>
-            <a:r>
-              <a:rPr lang="en-US" altLang="zh-CN" sz="2000" dirty="0"/>
-              <a:t>&gt; &lt;</a:t>
-            </a:r>
-            <a:r>
-              <a:rPr lang="zh-CN" altLang="en-US" sz="2000" dirty="0"/>
-              <a:t>挂载点</a:t>
-            </a:r>
-            <a:r>
-              <a:rPr lang="en-US" altLang="zh-CN" sz="2000" dirty="0"/>
-              <a:t>&gt; </a:t>
-            </a:r>
-            <a:r>
-              <a:rPr lang="zh-CN" altLang="en-US" sz="2000" dirty="0"/>
-              <a:t>或完整写法</a:t>
-            </a:r>
-            <a:endParaRPr lang="en-US" altLang="zh-CN" sz="2000" dirty="0"/>
-          </a:p>
-          <a:p>
-            <a:pPr marL="0" indent="0">
-              <a:buNone/>
-            </a:pPr>
-            <a:r>
-              <a:rPr lang="en-US" altLang="zh-CN" sz="2000" dirty="0"/>
-              <a:t>                           mount -t iso9660 -o loop &lt;</a:t>
-            </a:r>
-            <a:r>
-              <a:rPr lang="en-US" altLang="zh-CN" sz="2000" dirty="0" err="1"/>
-              <a:t>iso</a:t>
-            </a:r>
-            <a:r>
-              <a:rPr lang="zh-CN" altLang="en-US" sz="2000" dirty="0"/>
-              <a:t>文件完整路径</a:t>
-            </a:r>
-            <a:r>
-              <a:rPr lang="en-US" altLang="zh-CN" sz="2000" dirty="0"/>
-              <a:t>&gt; &lt;</a:t>
-            </a:r>
-            <a:r>
-              <a:rPr lang="zh-CN" altLang="en-US" sz="2000" dirty="0"/>
-              <a:t>挂载点</a:t>
-            </a:r>
-            <a:r>
-              <a:rPr lang="en-US" altLang="zh-CN" sz="2000" dirty="0"/>
-              <a:t>&gt;</a:t>
-            </a:r>
-          </a:p>
-          <a:p>
-            <a:pPr marL="0" indent="0">
-              <a:buNone/>
-            </a:pPr>
-            <a:r>
-              <a:rPr lang="en-US" altLang="zh-CN" sz="2000" dirty="0"/>
-              <a:t>   </a:t>
-            </a:r>
-            <a:r>
-              <a:rPr lang="zh-CN" altLang="en-US" sz="2000" dirty="0"/>
-              <a:t>挂载共享文件夹：</a:t>
-            </a:r>
-            <a:r>
-              <a:rPr lang="en-US" altLang="zh-CN" sz="2000" dirty="0"/>
-              <a:t>mount -t </a:t>
-            </a:r>
-            <a:r>
-              <a:rPr lang="en-US" altLang="zh-CN" sz="2000" dirty="0" err="1"/>
-              <a:t>cifs</a:t>
-            </a:r>
-            <a:r>
-              <a:rPr lang="en-US" altLang="zh-CN" sz="2000" dirty="0"/>
-              <a:t> -o username=</a:t>
-            </a:r>
-            <a:r>
-              <a:rPr lang="en-US" altLang="zh-CN" sz="2000" dirty="0" err="1"/>
-              <a:t>user,password</a:t>
-            </a:r>
-            <a:r>
-              <a:rPr lang="en-US" altLang="zh-CN" sz="2000" dirty="0"/>
-              <a:t>=</a:t>
-            </a:r>
-            <a:r>
-              <a:rPr lang="en-US" altLang="zh-CN" sz="2000" dirty="0" err="1"/>
-              <a:t>passwd</a:t>
-            </a:r>
-            <a:r>
-              <a:rPr lang="en-US" altLang="zh-CN" sz="2000" dirty="0"/>
-              <a:t> //IP/</a:t>
-            </a:r>
-            <a:r>
-              <a:rPr lang="en-US" altLang="zh-CN" sz="2000" dirty="0" err="1"/>
-              <a:t>dir</a:t>
-            </a:r>
-            <a:r>
-              <a:rPr lang="en-US" altLang="zh-CN" sz="2000" dirty="0"/>
-              <a:t> /</a:t>
-            </a:r>
-            <a:r>
-              <a:rPr lang="en-US" altLang="zh-CN" sz="2000" dirty="0" err="1"/>
-              <a:t>mnt</a:t>
-            </a:r>
-            <a:r>
-              <a:rPr lang="en-US" altLang="zh-CN" sz="2000" dirty="0"/>
-              <a:t>/Windows/</a:t>
-            </a:r>
-          </a:p>
-          <a:p>
-            <a:r>
-              <a:rPr lang="zh-CN" altLang="en-US" sz="2000" dirty="0"/>
-              <a:t>使用</a:t>
-            </a:r>
-            <a:r>
-              <a:rPr lang="en-US" altLang="zh-CN" sz="2000" dirty="0" err="1"/>
-              <a:t>umount</a:t>
-            </a:r>
-            <a:r>
-              <a:rPr lang="zh-CN" altLang="en-US" sz="2000" dirty="0"/>
-              <a:t>卸载已经挂载的块设备</a:t>
-            </a:r>
-            <a:endParaRPr lang="en-US" altLang="zh-CN" sz="2000" dirty="0"/>
-          </a:p>
-          <a:p>
-            <a:pPr marL="0" indent="0">
-              <a:buNone/>
-            </a:pPr>
-            <a:r>
-              <a:rPr lang="en-US" altLang="zh-CN" sz="2000" dirty="0"/>
-              <a:t>   </a:t>
-            </a:r>
-            <a:r>
-              <a:rPr lang="zh-CN" altLang="en-US" sz="2000" dirty="0"/>
-              <a:t>格式：</a:t>
-            </a:r>
-            <a:r>
-              <a:rPr lang="en-US" altLang="zh-CN" sz="2000" dirty="0" err="1"/>
-              <a:t>umount</a:t>
-            </a:r>
-            <a:r>
-              <a:rPr lang="en-US" altLang="zh-CN" sz="2000" dirty="0"/>
-              <a:t> device/</a:t>
-            </a:r>
-            <a:r>
-              <a:rPr lang="en-US" altLang="zh-CN" sz="2000" dirty="0" err="1"/>
-              <a:t>mountpoint</a:t>
-            </a:r>
-            <a:endParaRPr lang="en-US" altLang="zh-CN" sz="2000" dirty="0"/>
-          </a:p>
-        </p:txBody>
-      </p:sp>
-    </p:spTree>
-    <p:extLst>
-      <p:ext uri="{BB962C8B-B14F-4D97-AF65-F5344CB8AC3E}">
-        <p14:creationId xmlns:p14="http://schemas.microsoft.com/office/powerpoint/2010/main" val="3129173604"/>
-      </p:ext>
-    </p:extLst>
-  </p:cSld>
-  <p:clrMapOvr>
-    <a:masterClrMapping/>
-  </p:clrMapOvr>
-</p:sld>
-</file>
-
-<file path=ppt/slides/slide15.xml><?xml version="1.0" encoding="utf-8"?>
-<p:sld xmlns:a="http://schemas.openxmlformats.org/drawingml/2006/main" xmlns:r="http://schemas.openxmlformats.org/officeDocument/2006/relationships" xmlns:p="http://schemas.openxmlformats.org/presentationml/2006/main">
-  <p:cSld>
-    <p:spTree>
-      <p:nvGrpSpPr>
-        <p:cNvPr id="1" name=""/>
-        <p:cNvGrpSpPr/>
-        <p:nvPr/>
-      </p:nvGrpSpPr>
-      <p:grpSpPr>
-        <a:xfrm>
-          <a:off x="0" y="0"/>
-          <a:ext cx="0" cy="0"/>
-          <a:chOff x="0" y="0"/>
-          <a:chExt cx="0" cy="0"/>
-        </a:xfrm>
-      </p:grpSpPr>
-      <p:sp>
-        <p:nvSpPr>
-          <p:cNvPr id="2" name="标题 1">
-            <a:extLst>
-              <a:ext uri="{FF2B5EF4-FFF2-40B4-BE49-F238E27FC236}">
-                <a16:creationId xmlns:a16="http://schemas.microsoft.com/office/drawing/2014/main" id="{8B88BACC-24DE-4087-9AB3-A099CF573089}"/>
-              </a:ext>
-            </a:extLst>
-          </p:cNvPr>
-          <p:cNvSpPr>
-            <a:spLocks noGrp="1"/>
-          </p:cNvSpPr>
-          <p:nvPr>
-            <p:ph type="title"/>
-          </p:nvPr>
-        </p:nvSpPr>
-        <p:spPr/>
-        <p:txBody>
-          <a:bodyPr/>
-          <a:lstStyle/>
-          <a:p>
-            <a:r>
-              <a:rPr lang="zh-CN" altLang="en-US" dirty="0"/>
               <a:t>注意</a:t>
             </a:r>
           </a:p>
@@ -8983,101 +8682,6 @@
     <p:extLst>
       <p:ext uri="{BB962C8B-B14F-4D97-AF65-F5344CB8AC3E}">
         <p14:creationId xmlns:p14="http://schemas.microsoft.com/office/powerpoint/2010/main" val="3045266092"/>
-      </p:ext>
-    </p:extLst>
-  </p:cSld>
-  <p:clrMapOvr>
-    <a:masterClrMapping/>
-  </p:clrMapOvr>
-</p:sld>
-</file>
-
-<file path=ppt/slides/slide16.xml><?xml version="1.0" encoding="utf-8"?>
-<p:sld xmlns:a="http://schemas.openxmlformats.org/drawingml/2006/main" xmlns:r="http://schemas.openxmlformats.org/officeDocument/2006/relationships" xmlns:p="http://schemas.openxmlformats.org/presentationml/2006/main">
-  <p:cSld>
-    <p:spTree>
-      <p:nvGrpSpPr>
-        <p:cNvPr id="1" name=""/>
-        <p:cNvGrpSpPr/>
-        <p:nvPr/>
-      </p:nvGrpSpPr>
-      <p:grpSpPr>
-        <a:xfrm>
-          <a:off x="0" y="0"/>
-          <a:ext cx="0" cy="0"/>
-          <a:chOff x="0" y="0"/>
-          <a:chExt cx="0" cy="0"/>
-        </a:xfrm>
-      </p:grpSpPr>
-      <p:sp>
-        <p:nvSpPr>
-          <p:cNvPr id="2" name="标题 1"/>
-          <p:cNvSpPr>
-            <a:spLocks noGrp="1"/>
-          </p:cNvSpPr>
-          <p:nvPr>
-            <p:ph type="title"/>
-          </p:nvPr>
-        </p:nvSpPr>
-        <p:spPr/>
-        <p:txBody>
-          <a:bodyPr/>
-          <a:lstStyle/>
-          <a:p>
-            <a:r>
-              <a:rPr lang="zh-CN" altLang="en-US" dirty="0"/>
-              <a:t>思考</a:t>
-            </a:r>
-          </a:p>
-        </p:txBody>
-      </p:sp>
-      <p:sp>
-        <p:nvSpPr>
-          <p:cNvPr id="3" name="内容占位符 2"/>
-          <p:cNvSpPr>
-            <a:spLocks noGrp="1"/>
-          </p:cNvSpPr>
-          <p:nvPr>
-            <p:ph idx="1"/>
-          </p:nvPr>
-        </p:nvSpPr>
-        <p:spPr/>
-        <p:txBody>
-          <a:bodyPr>
-            <a:normAutofit/>
-          </a:bodyPr>
-          <a:lstStyle/>
-          <a:p>
-            <a:r>
-              <a:rPr lang="en-US" altLang="zh-CN" sz="2000" dirty="0"/>
-              <a:t>ls</a:t>
-            </a:r>
-            <a:r>
-              <a:rPr lang="zh-CN" altLang="en-US" sz="2000" dirty="0"/>
-              <a:t>命令输出中不同文件的颜色代表什么？</a:t>
-            </a:r>
-            <a:endParaRPr lang="en-US" altLang="zh-CN" sz="2000" dirty="0"/>
-          </a:p>
-          <a:p>
-            <a:r>
-              <a:rPr lang="zh-CN" altLang="en-US" sz="2000" dirty="0"/>
-              <a:t>如何查看内存和</a:t>
-            </a:r>
-            <a:r>
-              <a:rPr lang="en-US" altLang="zh-CN" sz="2000" dirty="0"/>
-              <a:t>CPU</a:t>
-            </a:r>
-            <a:r>
-              <a:rPr lang="zh-CN" altLang="en-US" sz="2000" dirty="0"/>
-              <a:t>的使用情况？</a:t>
-            </a:r>
-          </a:p>
-        </p:txBody>
-      </p:sp>
-    </p:spTree>
-    <p:extLst>
-      <p:ext uri="{BB962C8B-B14F-4D97-AF65-F5344CB8AC3E}">
-        <p14:creationId xmlns:p14="http://schemas.microsoft.com/office/powerpoint/2010/main" val="3978183185"/>
       </p:ext>
     </p:extLst>
   </p:cSld>
@@ -9106,7 +8710,13 @@
       </p:grpSpPr>
       <p:sp>
         <p:nvSpPr>
-          <p:cNvPr id="2" name="标题 1"/>
+          <p:cNvPr id="2" name="标题 1">
+            <a:extLst>
+              <a:ext uri="{FF2B5EF4-FFF2-40B4-BE49-F238E27FC236}">
+                <a16:creationId xmlns:a16="http://schemas.microsoft.com/office/drawing/2014/main" id="{8B88BACC-24DE-4087-9AB3-A099CF573089}"/>
+              </a:ext>
+            </a:extLst>
+          </p:cNvPr>
           <p:cNvSpPr>
             <a:spLocks noGrp="1"/>
           </p:cNvSpPr>
@@ -9121,100 +8731,207 @@
           <a:p>
             <a:r>
               <a:rPr lang="zh-CN" altLang="en-US" dirty="0"/>
-              <a:t>磁盘</a:t>
-            </a:r>
-          </a:p>
-        </p:txBody>
-      </p:sp>
-      <p:pic>
-        <p:nvPicPr>
-          <p:cNvPr id="5" name="图片 4"/>
-          <p:cNvPicPr>
-            <a:picLocks noChangeAspect="1" noChangeArrowheads="1"/>
-          </p:cNvPicPr>
-          <p:nvPr/>
-        </p:nvPicPr>
-        <p:blipFill>
-          <a:blip r:embed="rId2">
-            <a:extLst>
-              <a:ext uri="{28A0092B-C50C-407E-A947-70E740481C1C}">
-                <a14:useLocalDpi xmlns:a14="http://schemas.microsoft.com/office/drawing/2010/main" val="0"/>
-              </a:ext>
-            </a:extLst>
-          </a:blip>
-          <a:srcRect/>
-          <a:stretch>
-            <a:fillRect/>
-          </a:stretch>
-        </p:blipFill>
-        <p:spPr bwMode="auto">
-          <a:xfrm>
-            <a:off x="8101013" y="1638300"/>
-            <a:ext cx="4044950" cy="2814638"/>
-          </a:xfrm>
-          <a:prstGeom prst="rect">
-            <a:avLst/>
-          </a:prstGeom>
-          <a:noFill/>
-          <a:ln>
-            <a:noFill/>
-          </a:ln>
-          <a:extLst>
-            <a:ext uri="{909E8E84-426E-40DD-AFC4-6F175D3DCCD1}">
-              <a14:hiddenFill xmlns:a14="http://schemas.microsoft.com/office/drawing/2010/main">
-                <a:solidFill>
-                  <a:srgbClr val="FFFFFF"/>
-                </a:solidFill>
-              </a14:hiddenFill>
-            </a:ext>
-            <a:ext uri="{91240B29-F687-4F45-9708-019B960494DF}">
-              <a14:hiddenLine xmlns:a14="http://schemas.microsoft.com/office/drawing/2010/main" w="9525">
-                <a:solidFill>
-                  <a:srgbClr val="000000"/>
-                </a:solidFill>
-                <a:miter lim="800000"/>
-                <a:headEnd/>
-                <a:tailEnd/>
-              </a14:hiddenLine>
-            </a:ext>
-          </a:extLst>
-        </p:spPr>
-      </p:pic>
-      <p:pic>
-        <p:nvPicPr>
-          <p:cNvPr id="6" name="内容占位符 3"/>
-          <p:cNvPicPr>
-            <a:picLocks/>
-          </p:cNvPicPr>
-          <p:nvPr/>
-        </p:nvPicPr>
-        <p:blipFill>
-          <a:blip r:embed="rId3">
-            <a:extLst>
-              <a:ext uri="{28A0092B-C50C-407E-A947-70E740481C1C}">
-                <a14:useLocalDpi xmlns:a14="http://schemas.microsoft.com/office/drawing/2010/main" val="0"/>
-              </a:ext>
-            </a:extLst>
-          </a:blip>
-          <a:srcRect/>
-          <a:stretch>
-            <a:fillRect/>
-          </a:stretch>
-        </p:blipFill>
-        <p:spPr>
-          <a:xfrm>
-            <a:off x="641350" y="1638300"/>
-            <a:ext cx="7561263" cy="4465637"/>
-          </a:xfrm>
-          <a:prstGeom prst="rect">
-            <a:avLst/>
-          </a:prstGeom>
-        </p:spPr>
-      </p:pic>
+              <a:t>文件系统</a:t>
+            </a:r>
+          </a:p>
+        </p:txBody>
+      </p:sp>
+      <p:sp>
+        <p:nvSpPr>
+          <p:cNvPr id="3" name="内容占位符 2">
+            <a:extLst>
+              <a:ext uri="{FF2B5EF4-FFF2-40B4-BE49-F238E27FC236}">
+                <a16:creationId xmlns:a16="http://schemas.microsoft.com/office/drawing/2014/main" id="{0A1C6B17-780B-4799-8193-E52FD817AC0E}"/>
+              </a:ext>
+            </a:extLst>
+          </p:cNvPr>
+          <p:cNvSpPr>
+            <a:spLocks noGrp="1"/>
+          </p:cNvSpPr>
+          <p:nvPr>
+            <p:ph idx="1"/>
+          </p:nvPr>
+        </p:nvSpPr>
+        <p:spPr/>
+        <p:txBody>
+          <a:bodyPr/>
+          <a:lstStyle/>
+          <a:p>
+            <a:r>
+              <a:rPr lang="zh-CN" altLang="en-US" sz="2000" dirty="0"/>
+              <a:t>文件系统是操作系统用于在外部存储设备（主要是硬盘）上组织文件的机制。不同的文件系统组织文件的方式不同，性能会有差异，所以格式也会不同。常见的文件系统格式有</a:t>
+            </a:r>
+            <a:r>
+              <a:rPr lang="en-US" altLang="zh-CN" sz="2000" dirty="0"/>
+              <a:t>FAT32</a:t>
+            </a:r>
+            <a:r>
+              <a:rPr lang="zh-CN" altLang="en-US" sz="2000" dirty="0"/>
+              <a:t>、</a:t>
+            </a:r>
+            <a:r>
+              <a:rPr lang="en-US" altLang="zh-CN" sz="2000" dirty="0"/>
+              <a:t>NTFS</a:t>
+            </a:r>
+            <a:r>
+              <a:rPr lang="zh-CN" altLang="en-US" sz="2000" dirty="0"/>
+              <a:t>、</a:t>
+            </a:r>
+            <a:r>
+              <a:rPr lang="en-US" altLang="zh-CN" sz="2000" dirty="0"/>
+              <a:t>Ext2</a:t>
+            </a:r>
+            <a:r>
+              <a:rPr lang="zh-CN" altLang="en-US" sz="2000" dirty="0"/>
+              <a:t>、</a:t>
+            </a:r>
+            <a:r>
+              <a:rPr lang="en-US" altLang="zh-CN" sz="2000" dirty="0"/>
+              <a:t>Ext3</a:t>
+            </a:r>
+            <a:r>
+              <a:rPr lang="zh-CN" altLang="en-US" sz="2000" dirty="0"/>
+              <a:t>、</a:t>
+            </a:r>
+            <a:r>
+              <a:rPr lang="en-US" altLang="zh-CN" sz="2000" dirty="0"/>
+              <a:t>Ext4</a:t>
+            </a:r>
+            <a:r>
+              <a:rPr lang="zh-CN" altLang="en-US" sz="2000" dirty="0"/>
+              <a:t>、</a:t>
+            </a:r>
+            <a:r>
+              <a:rPr lang="en-US" altLang="zh-CN" sz="2000" dirty="0"/>
+              <a:t> </a:t>
+            </a:r>
+            <a:r>
+              <a:rPr lang="en-US" altLang="zh-CN" sz="2000" dirty="0" err="1"/>
+              <a:t>ReiserFS</a:t>
+            </a:r>
+            <a:r>
+              <a:rPr lang="zh-CN" altLang="en-US" sz="2000" dirty="0"/>
+              <a:t>、 </a:t>
+            </a:r>
+            <a:r>
+              <a:rPr lang="en-US" altLang="zh-CN" sz="2000" dirty="0"/>
+              <a:t>HFS</a:t>
+            </a:r>
+            <a:r>
+              <a:rPr lang="zh-CN" altLang="en-US" sz="2000" dirty="0"/>
+              <a:t>、</a:t>
+            </a:r>
+            <a:r>
+              <a:rPr lang="en-US" altLang="zh-CN" sz="2000" dirty="0"/>
+              <a:t>HFS+ </a:t>
+            </a:r>
+            <a:r>
+              <a:rPr lang="zh-CN" altLang="en-US" sz="2000" dirty="0"/>
+              <a:t>等。</a:t>
+            </a:r>
+            <a:endParaRPr lang="en-US" altLang="zh-CN" sz="2000" dirty="0"/>
+          </a:p>
+          <a:p>
+            <a:endParaRPr lang="en-US" altLang="zh-CN" sz="2000" dirty="0"/>
+          </a:p>
+          <a:p>
+            <a:r>
+              <a:rPr lang="en-US" altLang="zh-CN" sz="2000" dirty="0"/>
+              <a:t>Ubuntu 16.04 </a:t>
+            </a:r>
+            <a:r>
+              <a:rPr lang="zh-CN" altLang="en-US" sz="2000" dirty="0"/>
+              <a:t>安装时默认使用</a:t>
+            </a:r>
+            <a:r>
+              <a:rPr lang="en-US" altLang="zh-CN" sz="2000" dirty="0"/>
+              <a:t>Ext4</a:t>
+            </a:r>
+            <a:r>
+              <a:rPr lang="zh-CN" altLang="en-US" sz="2000" dirty="0"/>
+              <a:t>文件系统，</a:t>
+            </a:r>
+            <a:r>
+              <a:rPr lang="en-US" altLang="zh-CN" sz="2000" dirty="0"/>
+              <a:t>Ext4 </a:t>
+            </a:r>
+            <a:r>
+              <a:rPr lang="zh-CN" altLang="en-US" sz="2000" dirty="0"/>
+              <a:t>是第四代扩展文件系统（</a:t>
+            </a:r>
+            <a:r>
+              <a:rPr lang="en-US" altLang="zh-CN" sz="2000" dirty="0"/>
+              <a:t>Fourth Extended Filesystem</a:t>
+            </a:r>
+            <a:r>
+              <a:rPr lang="zh-CN" altLang="en-US" sz="2000" dirty="0"/>
+              <a:t>）的缩写。</a:t>
+            </a:r>
+            <a:endParaRPr lang="en-US" altLang="zh-CN" sz="2000" dirty="0"/>
+          </a:p>
+          <a:p>
+            <a:endParaRPr lang="en-US" altLang="zh-CN" sz="2000" dirty="0"/>
+          </a:p>
+          <a:p>
+            <a:r>
+              <a:rPr lang="en-US" altLang="zh-CN" sz="2000" dirty="0"/>
+              <a:t>Linux</a:t>
+            </a:r>
+            <a:r>
+              <a:rPr lang="zh-CN" altLang="en-US" sz="2000" dirty="0"/>
+              <a:t>内核从</a:t>
+            </a:r>
+            <a:r>
+              <a:rPr lang="en-US" altLang="zh-CN" sz="2000" dirty="0"/>
+              <a:t>2.6.28</a:t>
+            </a:r>
+            <a:r>
+              <a:rPr lang="zh-CN" altLang="en-US" sz="2000" dirty="0"/>
+              <a:t>版本开始采用</a:t>
+            </a:r>
+            <a:r>
+              <a:rPr lang="en-US" altLang="zh-CN" sz="2000" dirty="0"/>
+              <a:t>Ext4</a:t>
+            </a:r>
+            <a:r>
+              <a:rPr lang="zh-CN" altLang="en-US" sz="2000" dirty="0"/>
+              <a:t>文件系统，</a:t>
+            </a:r>
+            <a:r>
+              <a:rPr lang="en-US" altLang="zh-CN" sz="2000" dirty="0"/>
+              <a:t>Ext4</a:t>
+            </a:r>
+            <a:r>
+              <a:rPr lang="zh-CN" altLang="en-US" sz="2000" dirty="0"/>
+              <a:t>文件系统在</a:t>
+            </a:r>
+            <a:r>
+              <a:rPr lang="en-US" altLang="zh-CN" sz="2000" dirty="0"/>
+              <a:t>Ext3</a:t>
+            </a:r>
+            <a:r>
+              <a:rPr lang="zh-CN" altLang="en-US" sz="2000" dirty="0"/>
+              <a:t>的基础之上做了很多改进，引入了大量新功能，使</a:t>
+            </a:r>
+            <a:r>
+              <a:rPr lang="en-US" altLang="zh-CN" sz="2000" dirty="0"/>
+              <a:t>Linux</a:t>
+            </a:r>
+            <a:r>
+              <a:rPr lang="zh-CN" altLang="en-US" sz="2000" dirty="0"/>
+              <a:t>系统的性能有了很大的提高。</a:t>
+            </a:r>
+            <a:endParaRPr lang="en-US" altLang="zh-CN" sz="2000" dirty="0"/>
+          </a:p>
+          <a:p>
+            <a:endParaRPr lang="en-US" altLang="zh-CN" sz="2000" dirty="0"/>
+          </a:p>
+        </p:txBody>
+      </p:sp>
     </p:spTree>
     <p:extLst>
       <p:ext uri="{BB962C8B-B14F-4D97-AF65-F5344CB8AC3E}">
-        <p14:creationId xmlns:p14="http://schemas.microsoft.com/office/powerpoint/2010/main" val="2853679360"/>
+        <p14:creationId xmlns:p14="http://schemas.microsoft.com/office/powerpoint/2010/main" val="276710105"/>
       </p:ext>
     </p:extLst>
   </p:cSld>
@@ -9243,547 +8960,6 @@
       </p:grpSpPr>
       <p:sp>
         <p:nvSpPr>
-          <p:cNvPr id="2" name="标题 1"/>
-          <p:cNvSpPr>
-            <a:spLocks noGrp="1"/>
-          </p:cNvSpPr>
-          <p:nvPr>
-            <p:ph type="title"/>
-          </p:nvPr>
-        </p:nvSpPr>
-        <p:spPr/>
-        <p:txBody>
-          <a:bodyPr/>
-          <a:lstStyle/>
-          <a:p>
-            <a:r>
-              <a:rPr lang="zh-CN" altLang="en-US" dirty="0"/>
-              <a:t>主引导扇区</a:t>
-            </a:r>
-          </a:p>
-        </p:txBody>
-      </p:sp>
-      <p:sp>
-        <p:nvSpPr>
-          <p:cNvPr id="3" name="内容占位符 2"/>
-          <p:cNvSpPr>
-            <a:spLocks noGrp="1"/>
-          </p:cNvSpPr>
-          <p:nvPr>
-            <p:ph idx="1"/>
-          </p:nvPr>
-        </p:nvSpPr>
-        <p:spPr>
-          <a:xfrm>
-            <a:off x="838200" y="1704111"/>
-            <a:ext cx="5228947" cy="4871257"/>
-          </a:xfrm>
-        </p:spPr>
-        <p:txBody>
-          <a:bodyPr>
-            <a:normAutofit/>
-          </a:bodyPr>
-          <a:lstStyle/>
-          <a:p>
-            <a:pPr marL="0" indent="0">
-              <a:buNone/>
-            </a:pPr>
-            <a:r>
-              <a:rPr lang="zh-CN" altLang="zh-CN" sz="2000" dirty="0"/>
-              <a:t>主引导扇区位于硬盘的</a:t>
-            </a:r>
-            <a:r>
-              <a:rPr lang="en-US" altLang="zh-CN" sz="2000" dirty="0"/>
-              <a:t>0</a:t>
-            </a:r>
-            <a:r>
-              <a:rPr lang="zh-CN" altLang="zh-CN" sz="2000" dirty="0"/>
-              <a:t>磁道</a:t>
-            </a:r>
-            <a:r>
-              <a:rPr lang="en-US" altLang="zh-CN" sz="2000" dirty="0"/>
-              <a:t>0</a:t>
-            </a:r>
-            <a:r>
-              <a:rPr lang="zh-CN" altLang="zh-CN" sz="2000" dirty="0"/>
-              <a:t>柱面</a:t>
-            </a:r>
-            <a:r>
-              <a:rPr lang="en-US" altLang="zh-CN" sz="2000" dirty="0"/>
-              <a:t>1</a:t>
-            </a:r>
-            <a:r>
-              <a:rPr lang="zh-CN" altLang="zh-CN" sz="2000" dirty="0"/>
-              <a:t>扇区，共</a:t>
-            </a:r>
-            <a:r>
-              <a:rPr lang="en-US" altLang="zh-CN" sz="2000" dirty="0"/>
-              <a:t>512bytes</a:t>
-            </a:r>
-            <a:r>
-              <a:rPr lang="zh-CN" altLang="zh-CN" sz="2000" dirty="0"/>
-              <a:t>，由三大部分组成：</a:t>
-            </a:r>
-          </a:p>
-          <a:p>
-            <a:r>
-              <a:rPr lang="zh-CN" altLang="zh-CN" sz="2000" dirty="0"/>
-              <a:t>主引导记录</a:t>
-            </a:r>
-            <a:r>
-              <a:rPr lang="en-US" altLang="zh-CN" sz="2000" dirty="0"/>
-              <a:t>MBR</a:t>
-            </a:r>
-            <a:r>
-              <a:rPr lang="zh-CN" altLang="zh-CN" sz="2000" dirty="0"/>
-              <a:t>（</a:t>
-            </a:r>
-            <a:r>
-              <a:rPr lang="en-US" altLang="zh-CN" sz="2000" dirty="0"/>
-              <a:t>Master Boot Record</a:t>
-            </a:r>
-            <a:r>
-              <a:rPr lang="zh-CN" altLang="zh-CN" sz="2000" dirty="0"/>
-              <a:t>）占</a:t>
-            </a:r>
-            <a:r>
-              <a:rPr lang="en-US" altLang="zh-CN" sz="2000" dirty="0"/>
-              <a:t>446bytes</a:t>
-            </a:r>
-            <a:r>
-              <a:rPr lang="zh-CN" altLang="en-US" sz="2000" dirty="0"/>
-              <a:t>，</a:t>
-            </a:r>
-            <a:endParaRPr lang="en-US" altLang="zh-CN" sz="2000" dirty="0"/>
-          </a:p>
-          <a:p>
-            <a:pPr marL="0" indent="0">
-              <a:buNone/>
-            </a:pPr>
-            <a:r>
-              <a:rPr lang="zh-CN" altLang="en-US" sz="2000" dirty="0"/>
-              <a:t>   也称为</a:t>
-            </a:r>
-            <a:r>
-              <a:rPr lang="en-US" altLang="zh-CN" sz="2000" dirty="0" err="1"/>
-              <a:t>BootLoader</a:t>
-            </a:r>
-            <a:endParaRPr lang="zh-CN" altLang="zh-CN" sz="2000" dirty="0"/>
-          </a:p>
-          <a:p>
-            <a:r>
-              <a:rPr lang="zh-CN" altLang="zh-CN" sz="2000" dirty="0"/>
-              <a:t>分区表</a:t>
-            </a:r>
-            <a:r>
-              <a:rPr lang="en-US" altLang="zh-CN" sz="2000" dirty="0"/>
-              <a:t>DPT</a:t>
-            </a:r>
-            <a:r>
-              <a:rPr lang="zh-CN" altLang="zh-CN" sz="2000" dirty="0"/>
-              <a:t>（</a:t>
-            </a:r>
-            <a:r>
-              <a:rPr lang="en-US" altLang="zh-CN" sz="2000" dirty="0"/>
-              <a:t>Disk Partition Table</a:t>
-            </a:r>
-            <a:r>
-              <a:rPr lang="zh-CN" altLang="zh-CN" sz="2000" dirty="0"/>
-              <a:t>）占</a:t>
-            </a:r>
-            <a:r>
-              <a:rPr lang="en-US" altLang="zh-CN" sz="2000" dirty="0"/>
-              <a:t>64bytes</a:t>
-            </a:r>
-            <a:r>
-              <a:rPr lang="zh-CN" altLang="en-US" sz="2000" dirty="0"/>
-              <a:t>，</a:t>
-            </a:r>
-            <a:endParaRPr lang="en-US" altLang="zh-CN" sz="2000" dirty="0"/>
-          </a:p>
-          <a:p>
-            <a:pPr marL="0" indent="0">
-              <a:buNone/>
-            </a:pPr>
-            <a:r>
-              <a:rPr lang="zh-CN" altLang="en-US" sz="2000" dirty="0"/>
-              <a:t>   由四个分区表项构成，每个</a:t>
-            </a:r>
-            <a:r>
-              <a:rPr lang="en-US" altLang="zh-CN" sz="2000" dirty="0"/>
-              <a:t>16</a:t>
-            </a:r>
-            <a:r>
-              <a:rPr lang="zh-CN" altLang="en-US" sz="2000" dirty="0"/>
-              <a:t>个字节</a:t>
-            </a:r>
-            <a:endParaRPr lang="zh-CN" altLang="zh-CN" sz="2000" dirty="0"/>
-          </a:p>
-          <a:p>
-            <a:r>
-              <a:rPr lang="zh-CN" altLang="en-US" sz="2000" dirty="0"/>
-              <a:t>主引导记录</a:t>
-            </a:r>
-            <a:r>
-              <a:rPr lang="zh-CN" altLang="zh-CN" sz="2000" dirty="0"/>
-              <a:t>有效标志（</a:t>
-            </a:r>
-            <a:r>
-              <a:rPr lang="en-US" altLang="zh-CN" sz="2000" dirty="0"/>
-              <a:t>Magic Number</a:t>
-            </a:r>
-            <a:r>
-              <a:rPr lang="zh-CN" altLang="zh-CN" sz="2000" dirty="0"/>
-              <a:t>）占</a:t>
-            </a:r>
-            <a:r>
-              <a:rPr lang="en-US" altLang="zh-CN" sz="2000" dirty="0"/>
-              <a:t>2bytes</a:t>
-            </a:r>
-            <a:r>
-              <a:rPr lang="zh-CN" altLang="en-US" sz="2000" dirty="0"/>
-              <a:t>，</a:t>
-            </a:r>
-            <a:endParaRPr lang="en-US" altLang="zh-CN" sz="2000" dirty="0"/>
-          </a:p>
-          <a:p>
-            <a:pPr marL="0" indent="0">
-              <a:buNone/>
-            </a:pPr>
-            <a:r>
-              <a:rPr lang="en-US" altLang="zh-CN" sz="2000" dirty="0"/>
-              <a:t>    55aa</a:t>
-            </a:r>
-            <a:r>
-              <a:rPr lang="zh-CN" altLang="en-US" sz="2000" dirty="0"/>
-              <a:t>表示有效</a:t>
-            </a:r>
-          </a:p>
-        </p:txBody>
-      </p:sp>
-      <p:pic>
-        <p:nvPicPr>
-          <p:cNvPr id="1026" name="Picture 2" descr="E:\Linux\课件编写\mbr示意图.jpg"/>
-          <p:cNvPicPr>
-            <a:picLocks noChangeAspect="1" noChangeArrowheads="1"/>
-          </p:cNvPicPr>
-          <p:nvPr/>
-        </p:nvPicPr>
-        <p:blipFill>
-          <a:blip r:embed="rId2">
-            <a:extLst>
-              <a:ext uri="{28A0092B-C50C-407E-A947-70E740481C1C}">
-                <a14:useLocalDpi xmlns:a14="http://schemas.microsoft.com/office/drawing/2010/main" val="0"/>
-              </a:ext>
-            </a:extLst>
-          </a:blip>
-          <a:srcRect/>
-          <a:stretch>
-            <a:fillRect/>
-          </a:stretch>
-        </p:blipFill>
-        <p:spPr bwMode="auto">
-          <a:xfrm>
-            <a:off x="6365290" y="1526959"/>
-            <a:ext cx="5446644" cy="5332935"/>
-          </a:xfrm>
-          <a:prstGeom prst="rect">
-            <a:avLst/>
-          </a:prstGeom>
-          <a:noFill/>
-          <a:extLst>
-            <a:ext uri="{909E8E84-426E-40DD-AFC4-6F175D3DCCD1}">
-              <a14:hiddenFill xmlns:a14="http://schemas.microsoft.com/office/drawing/2010/main">
-                <a:solidFill>
-                  <a:srgbClr val="FFFFFF"/>
-                </a:solidFill>
-              </a14:hiddenFill>
-            </a:ext>
-          </a:extLst>
-        </p:spPr>
-      </p:pic>
-    </p:spTree>
-    <p:extLst>
-      <p:ext uri="{BB962C8B-B14F-4D97-AF65-F5344CB8AC3E}">
-        <p14:creationId xmlns:p14="http://schemas.microsoft.com/office/powerpoint/2010/main" val="1659218187"/>
-      </p:ext>
-    </p:extLst>
-  </p:cSld>
-  <p:clrMapOvr>
-    <a:masterClrMapping/>
-  </p:clrMapOvr>
-</p:sld>
-</file>
-
-<file path=ppt/slides/slide4.xml><?xml version="1.0" encoding="utf-8"?>
-<p:sld xmlns:a="http://schemas.openxmlformats.org/drawingml/2006/main" xmlns:r="http://schemas.openxmlformats.org/officeDocument/2006/relationships" xmlns:p="http://schemas.openxmlformats.org/presentationml/2006/main">
-  <p:cSld>
-    <p:spTree>
-      <p:nvGrpSpPr>
-        <p:cNvPr id="1" name=""/>
-        <p:cNvGrpSpPr/>
-        <p:nvPr/>
-      </p:nvGrpSpPr>
-      <p:grpSpPr>
-        <a:xfrm>
-          <a:off x="0" y="0"/>
-          <a:ext cx="0" cy="0"/>
-          <a:chOff x="0" y="0"/>
-          <a:chExt cx="0" cy="0"/>
-        </a:xfrm>
-      </p:grpSpPr>
-      <p:sp>
-        <p:nvSpPr>
-          <p:cNvPr id="2" name="标题 1">
-            <a:extLst>
-              <a:ext uri="{FF2B5EF4-FFF2-40B4-BE49-F238E27FC236}">
-                <a16:creationId xmlns:a16="http://schemas.microsoft.com/office/drawing/2014/main" id="{8B88BACC-24DE-4087-9AB3-A099CF573089}"/>
-              </a:ext>
-            </a:extLst>
-          </p:cNvPr>
-          <p:cNvSpPr>
-            <a:spLocks noGrp="1"/>
-          </p:cNvSpPr>
-          <p:nvPr>
-            <p:ph type="title"/>
-          </p:nvPr>
-        </p:nvSpPr>
-        <p:spPr/>
-        <p:txBody>
-          <a:bodyPr/>
-          <a:lstStyle/>
-          <a:p>
-            <a:r>
-              <a:rPr lang="zh-CN" altLang="en-US" dirty="0"/>
-              <a:t>文件系统</a:t>
-            </a:r>
-          </a:p>
-        </p:txBody>
-      </p:sp>
-      <p:sp>
-        <p:nvSpPr>
-          <p:cNvPr id="3" name="内容占位符 2">
-            <a:extLst>
-              <a:ext uri="{FF2B5EF4-FFF2-40B4-BE49-F238E27FC236}">
-                <a16:creationId xmlns:a16="http://schemas.microsoft.com/office/drawing/2014/main" id="{0A1C6B17-780B-4799-8193-E52FD817AC0E}"/>
-              </a:ext>
-            </a:extLst>
-          </p:cNvPr>
-          <p:cNvSpPr>
-            <a:spLocks noGrp="1"/>
-          </p:cNvSpPr>
-          <p:nvPr>
-            <p:ph idx="1"/>
-          </p:nvPr>
-        </p:nvSpPr>
-        <p:spPr/>
-        <p:txBody>
-          <a:bodyPr/>
-          <a:lstStyle/>
-          <a:p>
-            <a:r>
-              <a:rPr lang="zh-CN" altLang="en-US" sz="2000" dirty="0"/>
-              <a:t>文件系统是操作系统用于在外部存储设备（主要是硬盘）上组织文件的机制。不同的文件系统组织文件的方式不同，性能会有差异，所以格式也会不同。常见的文件系统格式有</a:t>
-            </a:r>
-            <a:r>
-              <a:rPr lang="en-US" altLang="zh-CN" sz="2000" dirty="0"/>
-              <a:t>FAT32</a:t>
-            </a:r>
-            <a:r>
-              <a:rPr lang="zh-CN" altLang="en-US" sz="2000" dirty="0"/>
-              <a:t>、</a:t>
-            </a:r>
-            <a:r>
-              <a:rPr lang="en-US" altLang="zh-CN" sz="2000" dirty="0"/>
-              <a:t>NTFS</a:t>
-            </a:r>
-            <a:r>
-              <a:rPr lang="zh-CN" altLang="en-US" sz="2000" dirty="0"/>
-              <a:t>、</a:t>
-            </a:r>
-            <a:r>
-              <a:rPr lang="en-US" altLang="zh-CN" sz="2000" dirty="0"/>
-              <a:t>Ext2</a:t>
-            </a:r>
-            <a:r>
-              <a:rPr lang="zh-CN" altLang="en-US" sz="2000" dirty="0"/>
-              <a:t>、</a:t>
-            </a:r>
-            <a:r>
-              <a:rPr lang="en-US" altLang="zh-CN" sz="2000" dirty="0"/>
-              <a:t>Ext3</a:t>
-            </a:r>
-            <a:r>
-              <a:rPr lang="zh-CN" altLang="en-US" sz="2000" dirty="0"/>
-              <a:t>、</a:t>
-            </a:r>
-            <a:r>
-              <a:rPr lang="en-US" altLang="zh-CN" sz="2000" dirty="0"/>
-              <a:t>Ext4</a:t>
-            </a:r>
-            <a:r>
-              <a:rPr lang="zh-CN" altLang="en-US" sz="2000" dirty="0"/>
-              <a:t>、</a:t>
-            </a:r>
-            <a:r>
-              <a:rPr lang="en-US" altLang="zh-CN" sz="2000" dirty="0"/>
-              <a:t> </a:t>
-            </a:r>
-            <a:r>
-              <a:rPr lang="en-US" altLang="zh-CN" sz="2000" dirty="0" err="1"/>
-              <a:t>ReiserFS</a:t>
-            </a:r>
-            <a:r>
-              <a:rPr lang="zh-CN" altLang="en-US" sz="2000" dirty="0"/>
-              <a:t>、 </a:t>
-            </a:r>
-            <a:r>
-              <a:rPr lang="en-US" altLang="zh-CN" sz="2000" dirty="0"/>
-              <a:t>HFS</a:t>
-            </a:r>
-            <a:r>
-              <a:rPr lang="zh-CN" altLang="en-US" sz="2000" dirty="0"/>
-              <a:t>、</a:t>
-            </a:r>
-            <a:r>
-              <a:rPr lang="en-US" altLang="zh-CN" sz="2000" dirty="0"/>
-              <a:t>HFS+ </a:t>
-            </a:r>
-            <a:r>
-              <a:rPr lang="zh-CN" altLang="en-US" sz="2000" dirty="0"/>
-              <a:t>等。</a:t>
-            </a:r>
-            <a:endParaRPr lang="en-US" altLang="zh-CN" sz="2000" dirty="0"/>
-          </a:p>
-          <a:p>
-            <a:endParaRPr lang="en-US" altLang="zh-CN" sz="2000" dirty="0"/>
-          </a:p>
-          <a:p>
-            <a:r>
-              <a:rPr lang="en-US" altLang="zh-CN" sz="2000" dirty="0"/>
-              <a:t>Ubuntu 16.04 </a:t>
-            </a:r>
-            <a:r>
-              <a:rPr lang="zh-CN" altLang="en-US" sz="2000" dirty="0"/>
-              <a:t>安装时默认使用</a:t>
-            </a:r>
-            <a:r>
-              <a:rPr lang="en-US" altLang="zh-CN" sz="2000" dirty="0"/>
-              <a:t>Ext4</a:t>
-            </a:r>
-            <a:r>
-              <a:rPr lang="zh-CN" altLang="en-US" sz="2000" dirty="0"/>
-              <a:t>文件系统，</a:t>
-            </a:r>
-            <a:r>
-              <a:rPr lang="en-US" altLang="zh-CN" sz="2000" dirty="0"/>
-              <a:t>Ext4 </a:t>
-            </a:r>
-            <a:r>
-              <a:rPr lang="zh-CN" altLang="en-US" sz="2000" dirty="0"/>
-              <a:t>是第四代扩展文件系统（</a:t>
-            </a:r>
-            <a:r>
-              <a:rPr lang="en-US" altLang="zh-CN" sz="2000" dirty="0"/>
-              <a:t>Fourth Extended Filesystem</a:t>
-            </a:r>
-            <a:r>
-              <a:rPr lang="zh-CN" altLang="en-US" sz="2000" dirty="0"/>
-              <a:t>）的缩写。</a:t>
-            </a:r>
-            <a:endParaRPr lang="en-US" altLang="zh-CN" sz="2000" dirty="0"/>
-          </a:p>
-          <a:p>
-            <a:endParaRPr lang="en-US" altLang="zh-CN" sz="2000" dirty="0"/>
-          </a:p>
-          <a:p>
-            <a:r>
-              <a:rPr lang="en-US" altLang="zh-CN" sz="2000" dirty="0"/>
-              <a:t>Linux</a:t>
-            </a:r>
-            <a:r>
-              <a:rPr lang="zh-CN" altLang="en-US" sz="2000" dirty="0"/>
-              <a:t>内核从</a:t>
-            </a:r>
-            <a:r>
-              <a:rPr lang="en-US" altLang="zh-CN" sz="2000" dirty="0"/>
-              <a:t>2.6.28</a:t>
-            </a:r>
-            <a:r>
-              <a:rPr lang="zh-CN" altLang="en-US" sz="2000" dirty="0"/>
-              <a:t>版本开始采用</a:t>
-            </a:r>
-            <a:r>
-              <a:rPr lang="en-US" altLang="zh-CN" sz="2000" dirty="0"/>
-              <a:t>Ext4</a:t>
-            </a:r>
-            <a:r>
-              <a:rPr lang="zh-CN" altLang="en-US" sz="2000" dirty="0"/>
-              <a:t>文件系统，</a:t>
-            </a:r>
-            <a:r>
-              <a:rPr lang="en-US" altLang="zh-CN" sz="2000" dirty="0"/>
-              <a:t>Ext4</a:t>
-            </a:r>
-            <a:r>
-              <a:rPr lang="zh-CN" altLang="en-US" sz="2000" dirty="0"/>
-              <a:t>文件系统在</a:t>
-            </a:r>
-            <a:r>
-              <a:rPr lang="en-US" altLang="zh-CN" sz="2000" dirty="0"/>
-              <a:t>Ext3</a:t>
-            </a:r>
-            <a:r>
-              <a:rPr lang="zh-CN" altLang="en-US" sz="2000" dirty="0"/>
-              <a:t>的基础之上做了很多改进，引入了大量新功能，使</a:t>
-            </a:r>
-            <a:r>
-              <a:rPr lang="en-US" altLang="zh-CN" sz="2000" dirty="0"/>
-              <a:t>Linux</a:t>
-            </a:r>
-            <a:r>
-              <a:rPr lang="zh-CN" altLang="en-US" sz="2000" dirty="0"/>
-              <a:t>系统的性能有了很大的提高。</a:t>
-            </a:r>
-            <a:endParaRPr lang="en-US" altLang="zh-CN" sz="2000" dirty="0"/>
-          </a:p>
-          <a:p>
-            <a:endParaRPr lang="en-US" altLang="zh-CN" sz="2000" dirty="0"/>
-          </a:p>
-        </p:txBody>
-      </p:sp>
-    </p:spTree>
-    <p:extLst>
-      <p:ext uri="{BB962C8B-B14F-4D97-AF65-F5344CB8AC3E}">
-        <p14:creationId xmlns:p14="http://schemas.microsoft.com/office/powerpoint/2010/main" val="276710105"/>
-      </p:ext>
-    </p:extLst>
-  </p:cSld>
-  <p:clrMapOvr>
-    <a:masterClrMapping/>
-  </p:clrMapOvr>
-</p:sld>
-</file>
-
-<file path=ppt/slides/slide5.xml><?xml version="1.0" encoding="utf-8"?>
-<p:sld xmlns:a="http://schemas.openxmlformats.org/drawingml/2006/main" xmlns:r="http://schemas.openxmlformats.org/officeDocument/2006/relationships" xmlns:p="http://schemas.openxmlformats.org/presentationml/2006/main">
-  <p:cSld>
-    <p:spTree>
-      <p:nvGrpSpPr>
-        <p:cNvPr id="1" name=""/>
-        <p:cNvGrpSpPr/>
-        <p:nvPr/>
-      </p:nvGrpSpPr>
-      <p:grpSpPr>
-        <a:xfrm>
-          <a:off x="0" y="0"/>
-          <a:ext cx="0" cy="0"/>
-          <a:chOff x="0" y="0"/>
-          <a:chExt cx="0" cy="0"/>
-        </a:xfrm>
-      </p:grpSpPr>
-      <p:sp>
-        <p:nvSpPr>
           <p:cNvPr id="2" name="标题 1">
             <a:extLst>
               <a:ext uri="{FF2B5EF4-FFF2-40B4-BE49-F238E27FC236}">
@@ -9980,7 +9156,7 @@
 </p:sld>
 </file>
 
-<file path=ppt/slides/slide6.xml><?xml version="1.0" encoding="utf-8"?>
+<file path=ppt/slides/slide4.xml><?xml version="1.0" encoding="utf-8"?>
 <p:sld xmlns:a="http://schemas.openxmlformats.org/drawingml/2006/main" xmlns:r="http://schemas.openxmlformats.org/officeDocument/2006/relationships" xmlns:p="http://schemas.openxmlformats.org/presentationml/2006/main">
   <p:cSld>
     <p:spTree>
@@ -10504,7 +9680,7 @@
 </p:sld>
 </file>
 
-<file path=ppt/slides/slide7.xml><?xml version="1.0" encoding="utf-8"?>
+<file path=ppt/slides/slide5.xml><?xml version="1.0" encoding="utf-8"?>
 <p:sld xmlns:a="http://schemas.openxmlformats.org/drawingml/2006/main" xmlns:r="http://schemas.openxmlformats.org/officeDocument/2006/relationships" xmlns:p="http://schemas.openxmlformats.org/presentationml/2006/main">
   <p:cSld>
     <p:spTree>
@@ -10996,6 +10172,618 @@
 </p:sld>
 </file>
 
+<file path=ppt/slides/slide6.xml><?xml version="1.0" encoding="utf-8"?>
+<p:sld xmlns:a="http://schemas.openxmlformats.org/drawingml/2006/main" xmlns:r="http://schemas.openxmlformats.org/officeDocument/2006/relationships" xmlns:p="http://schemas.openxmlformats.org/presentationml/2006/main">
+  <p:cSld>
+    <p:spTree>
+      <p:nvGrpSpPr>
+        <p:cNvPr id="1" name=""/>
+        <p:cNvGrpSpPr/>
+        <p:nvPr/>
+      </p:nvGrpSpPr>
+      <p:grpSpPr>
+        <a:xfrm>
+          <a:off x="0" y="0"/>
+          <a:ext cx="0" cy="0"/>
+          <a:chOff x="0" y="0"/>
+          <a:chExt cx="0" cy="0"/>
+        </a:xfrm>
+      </p:grpSpPr>
+      <p:sp>
+        <p:nvSpPr>
+          <p:cNvPr id="2" name="标题 1">
+            <a:extLst>
+              <a:ext uri="{FF2B5EF4-FFF2-40B4-BE49-F238E27FC236}">
+                <a16:creationId xmlns:a16="http://schemas.microsoft.com/office/drawing/2014/main" id="{8B88BACC-24DE-4087-9AB3-A099CF573089}"/>
+              </a:ext>
+            </a:extLst>
+          </p:cNvPr>
+          <p:cNvSpPr>
+            <a:spLocks noGrp="1"/>
+          </p:cNvSpPr>
+          <p:nvPr>
+            <p:ph type="title"/>
+          </p:nvPr>
+        </p:nvSpPr>
+        <p:spPr/>
+        <p:txBody>
+          <a:bodyPr/>
+          <a:lstStyle/>
+          <a:p>
+            <a:r>
+              <a:rPr lang="zh-CN" altLang="en-US" dirty="0"/>
+              <a:t>本次课程要讲解的命令</a:t>
+            </a:r>
+          </a:p>
+        </p:txBody>
+      </p:sp>
+      <p:graphicFrame>
+        <p:nvGraphicFramePr>
+          <p:cNvPr id="4" name="内容占位符 3">
+            <a:extLst>
+              <a:ext uri="{FF2B5EF4-FFF2-40B4-BE49-F238E27FC236}">
+                <a16:creationId xmlns:a16="http://schemas.microsoft.com/office/drawing/2014/main" id="{642000FC-C66F-470E-967D-DB1BDF82BD37}"/>
+              </a:ext>
+            </a:extLst>
+          </p:cNvPr>
+          <p:cNvGraphicFramePr>
+            <a:graphicFrameLocks noGrp="1"/>
+          </p:cNvGraphicFramePr>
+          <p:nvPr>
+            <p:ph idx="1"/>
+            <p:extLst>
+              <p:ext uri="{D42A27DB-BD31-4B8C-83A1-F6EECF244321}">
+                <p14:modId xmlns:p14="http://schemas.microsoft.com/office/powerpoint/2010/main" val="1779891023"/>
+              </p:ext>
+            </p:extLst>
+          </p:nvPr>
+        </p:nvGraphicFramePr>
+        <p:xfrm>
+          <a:off x="838200" y="1703388"/>
+          <a:ext cx="10515600" cy="4653023"/>
+        </p:xfrm>
+        <a:graphic>
+          <a:graphicData uri="http://schemas.openxmlformats.org/drawingml/2006/table">
+            <a:tbl>
+              <a:tblPr firstRow="1" bandRow="1">
+                <a:tableStyleId>{2D5ABB26-0587-4C30-8999-92F81FD0307C}</a:tableStyleId>
+              </a:tblPr>
+              <a:tblGrid>
+                <a:gridCol w="2171330">
+                  <a:extLst>
+                    <a:ext uri="{9D8B030D-6E8A-4147-A177-3AD203B41FA5}">
+                      <a16:colId xmlns:a16="http://schemas.microsoft.com/office/drawing/2014/main" val="1713819717"/>
+                    </a:ext>
+                  </a:extLst>
+                </a:gridCol>
+                <a:gridCol w="8344270">
+                  <a:extLst>
+                    <a:ext uri="{9D8B030D-6E8A-4147-A177-3AD203B41FA5}">
+                      <a16:colId xmlns:a16="http://schemas.microsoft.com/office/drawing/2014/main" val="2545813197"/>
+                    </a:ext>
+                  </a:extLst>
+                </a:gridCol>
+              </a:tblGrid>
+              <a:tr h="556070">
+                <a:tc>
+                  <a:txBody>
+                    <a:bodyPr/>
+                    <a:lstStyle/>
+                    <a:p>
+                      <a:r>
+                        <a:rPr lang="zh-CN" altLang="en-US" b="1" dirty="0"/>
+                        <a:t>命令</a:t>
+                      </a:r>
+                    </a:p>
+                  </a:txBody>
+                  <a:tcPr anchor="ctr"/>
+                </a:tc>
+                <a:tc>
+                  <a:txBody>
+                    <a:bodyPr/>
+                    <a:lstStyle/>
+                    <a:p>
+                      <a:r>
+                        <a:rPr lang="zh-CN" altLang="en-US" b="1" dirty="0"/>
+                        <a:t>说明</a:t>
+                      </a:r>
+                    </a:p>
+                  </a:txBody>
+                  <a:tcPr anchor="ctr"/>
+                </a:tc>
+                <a:extLst>
+                  <a:ext uri="{0D108BD9-81ED-4DB2-BD59-A6C34878D82A}">
+                    <a16:rowId xmlns:a16="http://schemas.microsoft.com/office/drawing/2014/main" val="1897882502"/>
+                  </a:ext>
+                </a:extLst>
+              </a:tr>
+              <a:tr h="556070">
+                <a:tc>
+                  <a:txBody>
+                    <a:bodyPr/>
+                    <a:lstStyle/>
+                    <a:p>
+                      <a:r>
+                        <a:rPr lang="en-US" altLang="zh-CN" dirty="0"/>
+                        <a:t>ls</a:t>
+                      </a:r>
+                      <a:endParaRPr lang="zh-CN" altLang="en-US" dirty="0"/>
+                    </a:p>
+                  </a:txBody>
+                  <a:tcPr anchor="ctr"/>
+                </a:tc>
+                <a:tc>
+                  <a:txBody>
+                    <a:bodyPr/>
+                    <a:lstStyle/>
+                    <a:p>
+                      <a:r>
+                        <a:rPr lang="zh-CN" altLang="en-US" dirty="0"/>
+                        <a:t>显示目录</a:t>
+                      </a:r>
+                      <a:r>
+                        <a:rPr lang="en-US" altLang="zh-CN" dirty="0"/>
+                        <a:t>/</a:t>
+                      </a:r>
+                      <a:r>
+                        <a:rPr lang="zh-CN" altLang="en-US" dirty="0"/>
+                        <a:t>文件</a:t>
+                      </a:r>
+                    </a:p>
+                  </a:txBody>
+                  <a:tcPr anchor="ctr"/>
+                </a:tc>
+                <a:extLst>
+                  <a:ext uri="{0D108BD9-81ED-4DB2-BD59-A6C34878D82A}">
+                    <a16:rowId xmlns:a16="http://schemas.microsoft.com/office/drawing/2014/main" val="1245401079"/>
+                  </a:ext>
+                </a:extLst>
+              </a:tr>
+              <a:tr h="556070">
+                <a:tc>
+                  <a:txBody>
+                    <a:bodyPr/>
+                    <a:lstStyle/>
+                    <a:p>
+                      <a:r>
+                        <a:rPr lang="en-US" altLang="zh-CN" dirty="0"/>
+                        <a:t>cd</a:t>
+                      </a:r>
+                      <a:endParaRPr lang="zh-CN" altLang="en-US" dirty="0"/>
+                    </a:p>
+                  </a:txBody>
+                  <a:tcPr anchor="ctr"/>
+                </a:tc>
+                <a:tc>
+                  <a:txBody>
+                    <a:bodyPr/>
+                    <a:lstStyle/>
+                    <a:p>
+                      <a:r>
+                        <a:rPr lang="zh-CN" altLang="en-US" dirty="0"/>
+                        <a:t>切换工作目录</a:t>
+                      </a:r>
+                    </a:p>
+                  </a:txBody>
+                  <a:tcPr anchor="ctr"/>
+                </a:tc>
+                <a:extLst>
+                  <a:ext uri="{0D108BD9-81ED-4DB2-BD59-A6C34878D82A}">
+                    <a16:rowId xmlns:a16="http://schemas.microsoft.com/office/drawing/2014/main" val="478455230"/>
+                  </a:ext>
+                </a:extLst>
+              </a:tr>
+              <a:tr h="556070">
+                <a:tc>
+                  <a:txBody>
+                    <a:bodyPr/>
+                    <a:lstStyle/>
+                    <a:p>
+                      <a:r>
+                        <a:rPr lang="en-US" altLang="zh-CN" dirty="0" err="1"/>
+                        <a:t>df</a:t>
+                      </a:r>
+                      <a:endParaRPr lang="zh-CN" altLang="en-US" dirty="0"/>
+                    </a:p>
+                  </a:txBody>
+                  <a:tcPr anchor="ctr"/>
+                </a:tc>
+                <a:tc>
+                  <a:txBody>
+                    <a:bodyPr/>
+                    <a:lstStyle/>
+                    <a:p>
+                      <a:r>
+                        <a:rPr lang="zh-CN" altLang="en-US" dirty="0"/>
+                        <a:t>查看磁盘使用情况</a:t>
+                      </a:r>
+                    </a:p>
+                  </a:txBody>
+                  <a:tcPr anchor="ctr"/>
+                </a:tc>
+                <a:extLst>
+                  <a:ext uri="{0D108BD9-81ED-4DB2-BD59-A6C34878D82A}">
+                    <a16:rowId xmlns:a16="http://schemas.microsoft.com/office/drawing/2014/main" val="1752426357"/>
+                  </a:ext>
+                </a:extLst>
+              </a:tr>
+              <a:tr h="760533">
+                <a:tc>
+                  <a:txBody>
+                    <a:bodyPr/>
+                    <a:lstStyle/>
+                    <a:p>
+                      <a:r>
+                        <a:rPr lang="en-US" altLang="zh-CN" dirty="0" err="1"/>
+                        <a:t>fdisk</a:t>
+                      </a:r>
+                      <a:endParaRPr lang="zh-CN" altLang="en-US" dirty="0"/>
+                    </a:p>
+                  </a:txBody>
+                  <a:tcPr anchor="ctr"/>
+                </a:tc>
+                <a:tc>
+                  <a:txBody>
+                    <a:bodyPr/>
+                    <a:lstStyle/>
+                    <a:p>
+                      <a:r>
+                        <a:rPr lang="zh-CN" altLang="en-US" dirty="0"/>
+                        <a:t>磁盘格式化</a:t>
+                      </a:r>
+                    </a:p>
+                  </a:txBody>
+                  <a:tcPr anchor="ctr"/>
+                </a:tc>
+                <a:extLst>
+                  <a:ext uri="{0D108BD9-81ED-4DB2-BD59-A6C34878D82A}">
+                    <a16:rowId xmlns:a16="http://schemas.microsoft.com/office/drawing/2014/main" val="3290087229"/>
+                  </a:ext>
+                </a:extLst>
+              </a:tr>
+              <a:tr h="556070">
+                <a:tc>
+                  <a:txBody>
+                    <a:bodyPr/>
+                    <a:lstStyle/>
+                    <a:p>
+                      <a:r>
+                        <a:rPr lang="en-US" altLang="zh-CN" dirty="0" err="1"/>
+                        <a:t>mkfs</a:t>
+                      </a:r>
+                      <a:endParaRPr lang="zh-CN" altLang="en-US" dirty="0"/>
+                    </a:p>
+                  </a:txBody>
+                  <a:tcPr anchor="ctr"/>
+                </a:tc>
+                <a:tc>
+                  <a:txBody>
+                    <a:bodyPr/>
+                    <a:lstStyle/>
+                    <a:p>
+                      <a:r>
+                        <a:rPr lang="zh-CN" altLang="en-US" dirty="0"/>
+                        <a:t>创建文件系统</a:t>
+                      </a:r>
+                    </a:p>
+                  </a:txBody>
+                  <a:tcPr anchor="ctr"/>
+                </a:tc>
+                <a:extLst>
+                  <a:ext uri="{0D108BD9-81ED-4DB2-BD59-A6C34878D82A}">
+                    <a16:rowId xmlns:a16="http://schemas.microsoft.com/office/drawing/2014/main" val="190170138"/>
+                  </a:ext>
+                </a:extLst>
+              </a:tr>
+              <a:tr h="556070">
+                <a:tc>
+                  <a:txBody>
+                    <a:bodyPr/>
+                    <a:lstStyle/>
+                    <a:p>
+                      <a:r>
+                        <a:rPr lang="en-US" altLang="zh-CN" dirty="0"/>
+                        <a:t>mount</a:t>
+                      </a:r>
+                      <a:endParaRPr lang="zh-CN" altLang="en-US" dirty="0"/>
+                    </a:p>
+                  </a:txBody>
+                  <a:tcPr anchor="ctr"/>
+                </a:tc>
+                <a:tc>
+                  <a:txBody>
+                    <a:bodyPr/>
+                    <a:lstStyle/>
+                    <a:p>
+                      <a:r>
+                        <a:rPr lang="zh-CN" altLang="en-US" dirty="0"/>
+                        <a:t>挂载设备</a:t>
+                      </a:r>
+                    </a:p>
+                  </a:txBody>
+                  <a:tcPr anchor="ctr"/>
+                </a:tc>
+                <a:extLst>
+                  <a:ext uri="{0D108BD9-81ED-4DB2-BD59-A6C34878D82A}">
+                    <a16:rowId xmlns:a16="http://schemas.microsoft.com/office/drawing/2014/main" val="3317786758"/>
+                  </a:ext>
+                </a:extLst>
+              </a:tr>
+              <a:tr h="556070">
+                <a:tc>
+                  <a:txBody>
+                    <a:bodyPr/>
+                    <a:lstStyle/>
+                    <a:p>
+                      <a:r>
+                        <a:rPr lang="en-US" altLang="zh-CN" dirty="0" err="1"/>
+                        <a:t>umount</a:t>
+                      </a:r>
+                      <a:endParaRPr lang="zh-CN" altLang="en-US" dirty="0"/>
+                    </a:p>
+                  </a:txBody>
+                  <a:tcPr anchor="ctr"/>
+                </a:tc>
+                <a:tc>
+                  <a:txBody>
+                    <a:bodyPr/>
+                    <a:lstStyle/>
+                    <a:p>
+                      <a:r>
+                        <a:rPr lang="zh-CN" altLang="en-US" dirty="0"/>
+                        <a:t>卸载设备</a:t>
+                      </a:r>
+                    </a:p>
+                  </a:txBody>
+                  <a:tcPr anchor="ctr"/>
+                </a:tc>
+                <a:extLst>
+                  <a:ext uri="{0D108BD9-81ED-4DB2-BD59-A6C34878D82A}">
+                    <a16:rowId xmlns:a16="http://schemas.microsoft.com/office/drawing/2014/main" val="1007951146"/>
+                  </a:ext>
+                </a:extLst>
+              </a:tr>
+            </a:tbl>
+          </a:graphicData>
+        </a:graphic>
+      </p:graphicFrame>
+    </p:spTree>
+    <p:extLst>
+      <p:ext uri="{BB962C8B-B14F-4D97-AF65-F5344CB8AC3E}">
+        <p14:creationId xmlns:p14="http://schemas.microsoft.com/office/powerpoint/2010/main" val="921913274"/>
+      </p:ext>
+    </p:extLst>
+  </p:cSld>
+  <p:clrMapOvr>
+    <a:masterClrMapping/>
+  </p:clrMapOvr>
+</p:sld>
+</file>
+
+<file path=ppt/slides/slide7.xml><?xml version="1.0" encoding="utf-8"?>
+<p:sld xmlns:a="http://schemas.openxmlformats.org/drawingml/2006/main" xmlns:r="http://schemas.openxmlformats.org/officeDocument/2006/relationships" xmlns:p="http://schemas.openxmlformats.org/presentationml/2006/main">
+  <p:cSld>
+    <p:spTree>
+      <p:nvGrpSpPr>
+        <p:cNvPr id="1" name=""/>
+        <p:cNvGrpSpPr/>
+        <p:nvPr/>
+      </p:nvGrpSpPr>
+      <p:grpSpPr>
+        <a:xfrm>
+          <a:off x="0" y="0"/>
+          <a:ext cx="0" cy="0"/>
+          <a:chOff x="0" y="0"/>
+          <a:chExt cx="0" cy="0"/>
+        </a:xfrm>
+      </p:grpSpPr>
+      <p:sp>
+        <p:nvSpPr>
+          <p:cNvPr id="2" name="标题 1">
+            <a:extLst>
+              <a:ext uri="{FF2B5EF4-FFF2-40B4-BE49-F238E27FC236}">
+                <a16:creationId xmlns:a16="http://schemas.microsoft.com/office/drawing/2014/main" id="{8B88BACC-24DE-4087-9AB3-A099CF573089}"/>
+              </a:ext>
+            </a:extLst>
+          </p:cNvPr>
+          <p:cNvSpPr>
+            <a:spLocks noGrp="1"/>
+          </p:cNvSpPr>
+          <p:nvPr>
+            <p:ph type="title"/>
+          </p:nvPr>
+        </p:nvSpPr>
+        <p:spPr/>
+        <p:txBody>
+          <a:bodyPr/>
+          <a:lstStyle/>
+          <a:p>
+            <a:r>
+              <a:rPr lang="zh-CN" altLang="en-US" dirty="0"/>
+              <a:t>显示目录内容：</a:t>
+            </a:r>
+            <a:r>
+              <a:rPr lang="en-US" altLang="zh-CN" dirty="0"/>
+              <a:t>ls</a:t>
+            </a:r>
+            <a:endParaRPr lang="zh-CN" altLang="en-US" dirty="0"/>
+          </a:p>
+        </p:txBody>
+      </p:sp>
+      <p:sp>
+        <p:nvSpPr>
+          <p:cNvPr id="3" name="内容占位符 2">
+            <a:extLst>
+              <a:ext uri="{FF2B5EF4-FFF2-40B4-BE49-F238E27FC236}">
+                <a16:creationId xmlns:a16="http://schemas.microsoft.com/office/drawing/2014/main" id="{0A1C6B17-780B-4799-8193-E52FD817AC0E}"/>
+              </a:ext>
+            </a:extLst>
+          </p:cNvPr>
+          <p:cNvSpPr>
+            <a:spLocks noGrp="1"/>
+          </p:cNvSpPr>
+          <p:nvPr>
+            <p:ph idx="1"/>
+          </p:nvPr>
+        </p:nvSpPr>
+        <p:spPr/>
+        <p:txBody>
+          <a:bodyPr/>
+          <a:lstStyle/>
+          <a:p>
+            <a:r>
+              <a:rPr lang="zh-CN" altLang="en-US" sz="2000" dirty="0"/>
+              <a:t>在终端使用</a:t>
+            </a:r>
+            <a:r>
+              <a:rPr lang="en-US" altLang="zh-CN" sz="2000" dirty="0"/>
+              <a:t>ls</a:t>
+            </a:r>
+            <a:r>
+              <a:rPr lang="zh-CN" altLang="en-US" sz="2000" dirty="0"/>
+              <a:t>可查看当前目录下的内容</a:t>
+            </a:r>
+            <a:endParaRPr lang="en-US" altLang="zh-CN" sz="2000" dirty="0"/>
+          </a:p>
+          <a:p>
+            <a:r>
+              <a:rPr lang="en-US" altLang="zh-CN" sz="2000" dirty="0"/>
+              <a:t>ls </a:t>
+            </a:r>
+            <a:r>
+              <a:rPr lang="zh-CN" altLang="en-US" sz="2000" dirty="0"/>
+              <a:t>任意目录（绝对路径）可查看指定目录下的内容</a:t>
+            </a:r>
+            <a:endParaRPr lang="en-US" altLang="zh-CN" sz="2000" dirty="0"/>
+          </a:p>
+          <a:p>
+            <a:r>
+              <a:rPr lang="en-US" altLang="zh-CN" sz="2000" dirty="0"/>
+              <a:t>ls -a </a:t>
+            </a:r>
+            <a:r>
+              <a:rPr lang="zh-CN" altLang="en-US" sz="2000" dirty="0"/>
+              <a:t>显示目录下的所有内容，包括以 </a:t>
+            </a:r>
+            <a:r>
+              <a:rPr lang="en-US" altLang="zh-CN" sz="2000" dirty="0"/>
+              <a:t>. </a:t>
+            </a:r>
+            <a:r>
+              <a:rPr lang="zh-CN" altLang="en-US" sz="2000" dirty="0"/>
+              <a:t>开头的隐藏文件。</a:t>
+            </a:r>
+            <a:endParaRPr lang="en-US" altLang="zh-CN" sz="2000" dirty="0"/>
+          </a:p>
+          <a:p>
+            <a:r>
+              <a:rPr lang="en-US" altLang="zh-CN" sz="2000" dirty="0"/>
+              <a:t>ls -l </a:t>
+            </a:r>
+            <a:r>
+              <a:rPr lang="zh-CN" altLang="en-US" sz="2000" dirty="0"/>
+              <a:t>以详细方式显示目录内容信息</a:t>
+            </a:r>
+            <a:endParaRPr lang="en-US" altLang="zh-CN" sz="2000" dirty="0"/>
+          </a:p>
+          <a:p>
+            <a:r>
+              <a:rPr lang="en-US" altLang="zh-CN" sz="2000" dirty="0"/>
+              <a:t>ls -t </a:t>
+            </a:r>
+            <a:r>
+              <a:rPr lang="zh-CN" altLang="en-US" sz="2000" dirty="0"/>
+              <a:t>按修改时间排序，最新的排在最前边</a:t>
+            </a:r>
+            <a:endParaRPr lang="en-US" altLang="zh-CN" sz="2000" dirty="0"/>
+          </a:p>
+          <a:p>
+            <a:r>
+              <a:rPr lang="en-US" altLang="zh-CN" sz="2000" dirty="0"/>
+              <a:t>ls -R </a:t>
+            </a:r>
+            <a:r>
+              <a:rPr lang="zh-CN" altLang="en-US" sz="2000" dirty="0"/>
+              <a:t>递归显示目录内容</a:t>
+            </a:r>
+            <a:endParaRPr lang="en-US" altLang="zh-CN" sz="2000" dirty="0"/>
+          </a:p>
+          <a:p>
+            <a:r>
+              <a:rPr lang="en-US" altLang="zh-CN" sz="2000" dirty="0"/>
+              <a:t>ls -S </a:t>
+            </a:r>
+            <a:r>
+              <a:rPr lang="zh-CN" altLang="en-US" sz="2000" dirty="0"/>
+              <a:t>按文件大小排序，大的在前</a:t>
+            </a:r>
+            <a:endParaRPr lang="en-US" altLang="zh-CN" sz="2000" dirty="0"/>
+          </a:p>
+          <a:p>
+            <a:r>
+              <a:rPr lang="en-US" altLang="zh-CN" sz="2000" dirty="0" err="1"/>
+              <a:t>ll</a:t>
+            </a:r>
+            <a:r>
+              <a:rPr lang="en-US" altLang="zh-CN" sz="2000" dirty="0"/>
+              <a:t> = ls -</a:t>
+            </a:r>
+            <a:r>
+              <a:rPr lang="en-US" altLang="zh-CN" sz="2000" dirty="0" err="1"/>
+              <a:t>alF</a:t>
+            </a:r>
+            <a:r>
+              <a:rPr lang="zh-CN" altLang="en-US" sz="2000" dirty="0"/>
+              <a:t>（使用</a:t>
+            </a:r>
+            <a:r>
+              <a:rPr lang="en-US" altLang="zh-CN" sz="2000" dirty="0"/>
+              <a:t>alias</a:t>
+            </a:r>
+            <a:r>
+              <a:rPr lang="zh-CN" altLang="en-US" sz="2000" dirty="0"/>
+              <a:t>命令查看别名）</a:t>
+            </a:r>
+            <a:endParaRPr lang="en-US" altLang="zh-CN" sz="2000" dirty="0"/>
+          </a:p>
+          <a:p>
+            <a:r>
+              <a:rPr lang="zh-CN" altLang="en-US" sz="2000" dirty="0"/>
+              <a:t>使用</a:t>
+            </a:r>
+            <a:r>
+              <a:rPr lang="en-US" altLang="zh-CN" sz="2000" dirty="0"/>
+              <a:t>man ls</a:t>
+            </a:r>
+            <a:r>
+              <a:rPr lang="zh-CN" altLang="en-US" sz="2000" dirty="0"/>
+              <a:t>可查看</a:t>
+            </a:r>
+            <a:r>
+              <a:rPr lang="en-US" altLang="zh-CN" sz="2000" dirty="0"/>
+              <a:t>ls</a:t>
+            </a:r>
+            <a:r>
+              <a:rPr lang="zh-CN" altLang="en-US" sz="2000" dirty="0"/>
+              <a:t>命令帮助手册</a:t>
+            </a:r>
+            <a:endParaRPr lang="en-US" altLang="zh-CN" sz="2000" dirty="0"/>
+          </a:p>
+        </p:txBody>
+      </p:sp>
+    </p:spTree>
+    <p:extLst>
+      <p:ext uri="{BB962C8B-B14F-4D97-AF65-F5344CB8AC3E}">
+        <p14:creationId xmlns:p14="http://schemas.microsoft.com/office/powerpoint/2010/main" val="1283951382"/>
+      </p:ext>
+    </p:extLst>
+  </p:cSld>
+  <p:clrMapOvr>
+    <a:masterClrMapping/>
+  </p:clrMapOvr>
+</p:sld>
+</file>
+
 <file path=ppt/slides/slide8.xml><?xml version="1.0" encoding="utf-8"?>
 <p:sld xmlns:a="http://schemas.openxmlformats.org/drawingml/2006/main" xmlns:r="http://schemas.openxmlformats.org/officeDocument/2006/relationships" xmlns:p="http://schemas.openxmlformats.org/presentationml/2006/main">
   <p:cSld>
@@ -11015,13 +10803,7 @@
       </p:grpSpPr>
       <p:sp>
         <p:nvSpPr>
-          <p:cNvPr id="2" name="标题 1">
-            <a:extLst>
-              <a:ext uri="{FF2B5EF4-FFF2-40B4-BE49-F238E27FC236}">
-                <a16:creationId xmlns:a16="http://schemas.microsoft.com/office/drawing/2014/main" id="{8B88BACC-24DE-4087-9AB3-A099CF573089}"/>
-              </a:ext>
-            </a:extLst>
-          </p:cNvPr>
+          <p:cNvPr id="2" name="标题 1"/>
           <p:cNvSpPr>
             <a:spLocks noGrp="1"/>
           </p:cNvSpPr>
@@ -11036,181 +10818,125 @@
           <a:p>
             <a:r>
               <a:rPr lang="zh-CN" altLang="en-US" dirty="0"/>
-              <a:t>显示目录内容：</a:t>
+              <a:t>切换工作目录：</a:t>
             </a:r>
             <a:r>
               <a:rPr lang="en-US" altLang="zh-CN" dirty="0"/>
-              <a:t>ls</a:t>
-            </a:r>
+              <a:t>cd</a:t>
+            </a:r>
+            <a:r>
+              <a:rPr lang="zh-CN" altLang="en-US" dirty="0"/>
+              <a:t>（</a:t>
+            </a:r>
+            <a:r>
+              <a:rPr lang="en-US" altLang="zh-CN" dirty="0"/>
+              <a:t>change directory</a:t>
+            </a:r>
+            <a:r>
+              <a:rPr lang="zh-CN" altLang="en-US" dirty="0"/>
+              <a:t>）</a:t>
+            </a:r>
+          </a:p>
+        </p:txBody>
+      </p:sp>
+      <p:sp>
+        <p:nvSpPr>
+          <p:cNvPr id="3" name="内容占位符 2"/>
+          <p:cNvSpPr>
+            <a:spLocks noGrp="1"/>
+          </p:cNvSpPr>
+          <p:nvPr>
+            <p:ph idx="1"/>
+          </p:nvPr>
+        </p:nvSpPr>
+        <p:spPr/>
+        <p:txBody>
+          <a:bodyPr/>
+          <a:lstStyle/>
+          <a:p>
+            <a:r>
+              <a:rPr lang="zh-CN" altLang="en-US" sz="2000" dirty="0"/>
+              <a:t>使用</a:t>
+            </a:r>
+            <a:r>
+              <a:rPr lang="en-US" altLang="zh-CN" sz="2000" dirty="0"/>
+              <a:t>cd ..</a:t>
+            </a:r>
+            <a:r>
+              <a:rPr lang="zh-CN" altLang="en-US" sz="2000" dirty="0"/>
+              <a:t> 会回到上一层目录</a:t>
+            </a:r>
+            <a:endParaRPr lang="en-US" altLang="zh-CN" sz="2000" dirty="0"/>
+          </a:p>
+          <a:p>
+            <a:r>
+              <a:rPr lang="zh-CN" altLang="en-US" sz="2000" dirty="0"/>
+              <a:t>在根目录</a:t>
+            </a:r>
+            <a:r>
+              <a:rPr lang="en-US" altLang="zh-CN" sz="2000" dirty="0"/>
+              <a:t>/</a:t>
+            </a:r>
+            <a:r>
+              <a:rPr lang="zh-CN" altLang="en-US" sz="2000" dirty="0"/>
+              <a:t>下 </a:t>
+            </a:r>
+            <a:r>
+              <a:rPr lang="en-US" altLang="zh-CN" sz="2000" dirty="0"/>
+              <a:t>cd .. </a:t>
+            </a:r>
+            <a:r>
+              <a:rPr lang="zh-CN" altLang="en-US" sz="2000" dirty="0"/>
+              <a:t>还是</a:t>
+            </a:r>
+            <a:r>
+              <a:rPr lang="en-US" altLang="zh-CN" sz="2000" dirty="0"/>
+              <a:t>/</a:t>
+            </a:r>
+            <a:r>
+              <a:rPr lang="zh-CN" altLang="en-US" sz="2000" dirty="0"/>
+              <a:t>目录</a:t>
+            </a:r>
+            <a:endParaRPr lang="en-US" altLang="zh-CN" sz="2000" dirty="0"/>
+          </a:p>
+          <a:p>
+            <a:r>
+              <a:rPr lang="zh-CN" altLang="en-US" sz="2000" dirty="0"/>
+              <a:t>在任何目录下使用</a:t>
+            </a:r>
+            <a:r>
+              <a:rPr lang="en-US" altLang="zh-CN" sz="2000" dirty="0"/>
+              <a:t>cd ~ </a:t>
+            </a:r>
+            <a:r>
+              <a:rPr lang="zh-CN" altLang="en-US" sz="2000" dirty="0"/>
+              <a:t>进入当前用户的主目录</a:t>
+            </a:r>
+            <a:endParaRPr lang="en-US" altLang="zh-CN" sz="2000" dirty="0"/>
+          </a:p>
+          <a:p>
+            <a:r>
+              <a:rPr lang="en-US" altLang="zh-CN" sz="2000" dirty="0"/>
+              <a:t>cd - </a:t>
+            </a:r>
+            <a:r>
+              <a:rPr lang="zh-CN" altLang="en-US" sz="2000" dirty="0"/>
+              <a:t>进入上一次使用的目录</a:t>
+            </a:r>
+            <a:endParaRPr lang="en-US" altLang="zh-CN" sz="2000" dirty="0"/>
+          </a:p>
+          <a:p>
+            <a:endParaRPr lang="en-US" altLang="zh-CN" dirty="0"/>
+          </a:p>
+          <a:p>
             <a:endParaRPr lang="zh-CN" altLang="en-US" dirty="0"/>
-          </a:p>
-        </p:txBody>
-      </p:sp>
-      <p:sp>
-        <p:nvSpPr>
-          <p:cNvPr id="3" name="内容占位符 2">
-            <a:extLst>
-              <a:ext uri="{FF2B5EF4-FFF2-40B4-BE49-F238E27FC236}">
-                <a16:creationId xmlns:a16="http://schemas.microsoft.com/office/drawing/2014/main" id="{0A1C6B17-780B-4799-8193-E52FD817AC0E}"/>
-              </a:ext>
-            </a:extLst>
-          </p:cNvPr>
-          <p:cNvSpPr>
-            <a:spLocks noGrp="1"/>
-          </p:cNvSpPr>
-          <p:nvPr>
-            <p:ph idx="1"/>
-          </p:nvPr>
-        </p:nvSpPr>
-        <p:spPr/>
-        <p:txBody>
-          <a:bodyPr/>
-          <a:lstStyle/>
-          <a:p>
-            <a:r>
-              <a:rPr lang="zh-CN" altLang="en-US" sz="2000" dirty="0"/>
-              <a:t>在终端使用</a:t>
-            </a:r>
-            <a:r>
-              <a:rPr lang="en-US" altLang="zh-CN" sz="2000" dirty="0"/>
-              <a:t>ls</a:t>
-            </a:r>
-            <a:r>
-              <a:rPr lang="zh-CN" altLang="en-US" sz="2000" dirty="0"/>
-              <a:t>可查看当前目录下的内容</a:t>
-            </a:r>
-            <a:endParaRPr lang="en-US" altLang="zh-CN" sz="2000" dirty="0"/>
-          </a:p>
-          <a:p>
-            <a:r>
-              <a:rPr lang="en-US" altLang="zh-CN" sz="2000" dirty="0"/>
-              <a:t>ls </a:t>
-            </a:r>
-            <a:r>
-              <a:rPr lang="zh-CN" altLang="en-US" sz="2000" dirty="0"/>
-              <a:t>任意目录（绝对路径）可查看指定目录下的内容</a:t>
-            </a:r>
-            <a:endParaRPr lang="en-US" altLang="zh-CN" sz="2000" dirty="0"/>
-          </a:p>
-          <a:p>
-            <a:r>
-              <a:rPr lang="en-US" altLang="zh-CN" sz="2000" dirty="0"/>
-              <a:t>ls -a </a:t>
-            </a:r>
-            <a:r>
-              <a:rPr lang="zh-CN" altLang="en-US" sz="2000" dirty="0"/>
-              <a:t>显示目录下的所有内容，包括以 </a:t>
-            </a:r>
-            <a:r>
-              <a:rPr lang="en-US" altLang="zh-CN" sz="2000" dirty="0"/>
-              <a:t>. </a:t>
-            </a:r>
-            <a:r>
-              <a:rPr lang="zh-CN" altLang="en-US" sz="2000" dirty="0"/>
-              <a:t>开头的隐藏文件。</a:t>
-            </a:r>
-            <a:endParaRPr lang="en-US" altLang="zh-CN" sz="2000" dirty="0"/>
-          </a:p>
-          <a:p>
-            <a:r>
-              <a:rPr lang="en-US" altLang="zh-CN" sz="2000" dirty="0"/>
-              <a:t>ls -l </a:t>
-            </a:r>
-            <a:r>
-              <a:rPr lang="zh-CN" altLang="en-US" sz="2000" dirty="0"/>
-              <a:t>以详细方式显示目录内容信息</a:t>
-            </a:r>
-            <a:endParaRPr lang="en-US" altLang="zh-CN" sz="2000" dirty="0"/>
-          </a:p>
-          <a:p>
-            <a:r>
-              <a:rPr lang="en-US" altLang="zh-CN" sz="2000" dirty="0"/>
-              <a:t>ls -t </a:t>
-            </a:r>
-            <a:r>
-              <a:rPr lang="zh-CN" altLang="en-US" sz="2000" dirty="0"/>
-              <a:t>按修改时间排序，最新的排在最前边</a:t>
-            </a:r>
-            <a:endParaRPr lang="en-US" altLang="zh-CN" sz="2000" dirty="0"/>
-          </a:p>
-          <a:p>
-            <a:r>
-              <a:rPr lang="en-US" altLang="zh-CN" sz="2000" dirty="0"/>
-              <a:t>ls -R </a:t>
-            </a:r>
-            <a:r>
-              <a:rPr lang="zh-CN" altLang="en-US" sz="2000" dirty="0"/>
-              <a:t>递归显示目录内容</a:t>
-            </a:r>
-            <a:endParaRPr lang="en-US" altLang="zh-CN" sz="2000" dirty="0"/>
-          </a:p>
-          <a:p>
-            <a:r>
-              <a:rPr lang="en-US" altLang="zh-CN" sz="2000" dirty="0"/>
-              <a:t>ls -S </a:t>
-            </a:r>
-            <a:r>
-              <a:rPr lang="zh-CN" altLang="en-US" sz="2000" dirty="0"/>
-              <a:t>按文件大小排序，大的在前</a:t>
-            </a:r>
-            <a:endParaRPr lang="en-US" altLang="zh-CN" sz="2000" dirty="0"/>
-          </a:p>
-          <a:p>
-            <a:r>
-              <a:rPr lang="en-US" altLang="zh-CN" sz="2000" dirty="0" err="1"/>
-              <a:t>ll</a:t>
-            </a:r>
-            <a:r>
-              <a:rPr lang="en-US" altLang="zh-CN" sz="2000" dirty="0"/>
-              <a:t> = ls -</a:t>
-            </a:r>
-            <a:r>
-              <a:rPr lang="en-US" altLang="zh-CN" sz="2000" dirty="0" err="1"/>
-              <a:t>alF</a:t>
-            </a:r>
-            <a:r>
-              <a:rPr lang="zh-CN" altLang="en-US" sz="2000" dirty="0"/>
-              <a:t>（使用</a:t>
-            </a:r>
-            <a:r>
-              <a:rPr lang="en-US" altLang="zh-CN" sz="2000" dirty="0"/>
-              <a:t>alias</a:t>
-            </a:r>
-            <a:r>
-              <a:rPr lang="zh-CN" altLang="en-US" sz="2000" dirty="0"/>
-              <a:t>命令查看别名）</a:t>
-            </a:r>
-            <a:endParaRPr lang="en-US" altLang="zh-CN" sz="2000" dirty="0"/>
-          </a:p>
-          <a:p>
-            <a:r>
-              <a:rPr lang="zh-CN" altLang="en-US" sz="2000" dirty="0"/>
-              <a:t>使用</a:t>
-            </a:r>
-            <a:r>
-              <a:rPr lang="en-US" altLang="zh-CN" sz="2000" dirty="0"/>
-              <a:t>man ls</a:t>
-            </a:r>
-            <a:r>
-              <a:rPr lang="zh-CN" altLang="en-US" sz="2000" dirty="0"/>
-              <a:t>可查看</a:t>
-            </a:r>
-            <a:r>
-              <a:rPr lang="en-US" altLang="zh-CN" sz="2000" dirty="0"/>
-              <a:t>ls</a:t>
-            </a:r>
-            <a:r>
-              <a:rPr lang="zh-CN" altLang="en-US" sz="2000" dirty="0"/>
-              <a:t>命令帮助手册</a:t>
-            </a:r>
-            <a:endParaRPr lang="en-US" altLang="zh-CN" sz="2000" dirty="0"/>
           </a:p>
         </p:txBody>
       </p:sp>
     </p:spTree>
     <p:extLst>
       <p:ext uri="{BB962C8B-B14F-4D97-AF65-F5344CB8AC3E}">
-        <p14:creationId xmlns:p14="http://schemas.microsoft.com/office/powerpoint/2010/main" val="1283951382"/>
+        <p14:creationId xmlns:p14="http://schemas.microsoft.com/office/powerpoint/2010/main" val="2552602764"/>
       </p:ext>
     </p:extLst>
   </p:cSld>
@@ -11239,7 +10965,13 @@
       </p:grpSpPr>
       <p:sp>
         <p:nvSpPr>
-          <p:cNvPr id="2" name="标题 1"/>
+          <p:cNvPr id="2" name="标题 1">
+            <a:extLst>
+              <a:ext uri="{FF2B5EF4-FFF2-40B4-BE49-F238E27FC236}">
+                <a16:creationId xmlns:a16="http://schemas.microsoft.com/office/drawing/2014/main" id="{8B88BACC-24DE-4087-9AB3-A099CF573089}"/>
+              </a:ext>
+            </a:extLst>
+          </p:cNvPr>
           <p:cNvSpPr>
             <a:spLocks noGrp="1"/>
           </p:cNvSpPr>
@@ -11254,30 +10986,20 @@
           <a:p>
             <a:r>
               <a:rPr lang="zh-CN" altLang="en-US" dirty="0"/>
-              <a:t>切换工作目录：</a:t>
-            </a:r>
-            <a:r>
-              <a:rPr lang="en-US" altLang="zh-CN" dirty="0"/>
-              <a:t>cd</a:t>
-            </a:r>
-            <a:r>
-              <a:rPr lang="zh-CN" altLang="en-US" dirty="0"/>
-              <a:t>（</a:t>
-            </a:r>
-            <a:r>
-              <a:rPr lang="en-US" altLang="zh-CN" dirty="0"/>
-              <a:t>change directory</a:t>
-            </a:r>
-            <a:r>
-              <a:rPr lang="zh-CN" altLang="en-US" dirty="0"/>
-              <a:t>）</a:t>
-            </a:r>
-          </a:p>
-        </p:txBody>
-      </p:sp>
-      <p:sp>
-        <p:nvSpPr>
-          <p:cNvPr id="3" name="内容占位符 2"/>
+              <a:t>设备文件与磁盘管理</a:t>
+            </a:r>
+          </a:p>
+        </p:txBody>
+      </p:sp>
+      <p:sp>
+        <p:nvSpPr>
+          <p:cNvPr id="3" name="内容占位符 2">
+            <a:extLst>
+              <a:ext uri="{FF2B5EF4-FFF2-40B4-BE49-F238E27FC236}">
+                <a16:creationId xmlns:a16="http://schemas.microsoft.com/office/drawing/2014/main" id="{0A1C6B17-780B-4799-8193-E52FD817AC0E}"/>
+              </a:ext>
+            </a:extLst>
+          </p:cNvPr>
           <p:cNvSpPr>
             <a:spLocks noGrp="1"/>
           </p:cNvSpPr>
@@ -11291,88 +11013,145 @@
           <a:lstStyle/>
           <a:p>
             <a:r>
-              <a:rPr lang="zh-CN" altLang="en-US" sz="2000" dirty="0"/>
-              <a:t>使用</a:t>
-            </a:r>
-            <a:r>
               <a:rPr lang="en-US" altLang="zh-CN" sz="2000" dirty="0"/>
-              <a:t>cd ..</a:t>
-            </a:r>
-            <a:r>
-              <a:rPr lang="zh-CN" altLang="en-US" sz="2000" dirty="0"/>
-              <a:t> 会回到上一层目录</a:t>
+              <a:t>/dev</a:t>
+            </a:r>
+            <a:r>
+              <a:rPr lang="zh-CN" altLang="en-US" sz="2000" dirty="0"/>
+              <a:t>目录下的文件是外接设备映射文件</a:t>
             </a:r>
             <a:endParaRPr lang="en-US" altLang="zh-CN" sz="2000" dirty="0"/>
           </a:p>
           <a:p>
             <a:r>
-              <a:rPr lang="zh-CN" altLang="en-US" sz="2000" dirty="0"/>
-              <a:t>在根目录</a:t>
-            </a:r>
-            <a:r>
               <a:rPr lang="en-US" altLang="zh-CN" sz="2000" dirty="0"/>
-              <a:t>/</a:t>
-            </a:r>
-            <a:r>
-              <a:rPr lang="zh-CN" altLang="en-US" sz="2000" dirty="0"/>
-              <a:t>下 </a:t>
+              <a:t>/dev/</a:t>
+            </a:r>
+            <a:r>
+              <a:rPr lang="en-US" altLang="zh-CN" sz="2000" dirty="0" err="1"/>
+              <a:t>sd</a:t>
             </a:r>
             <a:r>
               <a:rPr lang="en-US" altLang="zh-CN" sz="2000" dirty="0"/>
-              <a:t>cd .. </a:t>
-            </a:r>
-            <a:r>
-              <a:rPr lang="zh-CN" altLang="en-US" sz="2000" dirty="0"/>
-              <a:t>还是</a:t>
+              <a:t>[a-z]</a:t>
+            </a:r>
+            <a:r>
+              <a:rPr lang="zh-CN" altLang="en-US" sz="2000" dirty="0"/>
+              <a:t>表示硬盘设备（老式的</a:t>
             </a:r>
             <a:r>
               <a:rPr lang="en-US" altLang="zh-CN" sz="2000" dirty="0"/>
-              <a:t>/</a:t>
-            </a:r>
-            <a:r>
-              <a:rPr lang="zh-CN" altLang="en-US" sz="2000" dirty="0"/>
-              <a:t>目录</a:t>
+              <a:t>IDE</a:t>
+            </a:r>
+            <a:r>
+              <a:rPr lang="zh-CN" altLang="en-US" sz="2000" dirty="0"/>
+              <a:t>硬盘用</a:t>
+            </a:r>
+            <a:r>
+              <a:rPr lang="en-US" altLang="zh-CN" sz="2000" dirty="0" err="1"/>
+              <a:t>hd</a:t>
+            </a:r>
+            <a:r>
+              <a:rPr lang="zh-CN" altLang="en-US" sz="2000" dirty="0"/>
+              <a:t>表示）</a:t>
             </a:r>
             <a:endParaRPr lang="en-US" altLang="zh-CN" sz="2000" dirty="0"/>
           </a:p>
           <a:p>
             <a:r>
-              <a:rPr lang="zh-CN" altLang="en-US" sz="2000" dirty="0"/>
-              <a:t>在任何目录下使用</a:t>
-            </a:r>
-            <a:r>
               <a:rPr lang="en-US" altLang="zh-CN" sz="2000" dirty="0"/>
-              <a:t>cd ~ </a:t>
-            </a:r>
-            <a:r>
-              <a:rPr lang="zh-CN" altLang="en-US" sz="2000" dirty="0"/>
-              <a:t>进入当前用户的主目录</a:t>
+              <a:t>sda1</a:t>
+            </a:r>
+            <a:r>
+              <a:rPr lang="zh-CN" altLang="en-US" sz="2000" dirty="0"/>
+              <a:t>，</a:t>
+            </a:r>
+            <a:r>
+              <a:rPr lang="en-US" altLang="zh-CN" sz="2000" dirty="0"/>
+              <a:t>sda2……</a:t>
+            </a:r>
+            <a:r>
+              <a:rPr lang="zh-CN" altLang="en-US" sz="2000" dirty="0"/>
+              <a:t>表示分区。在</a:t>
+            </a:r>
+            <a:r>
+              <a:rPr lang="en-US" altLang="zh-CN" sz="2000" dirty="0"/>
+              <a:t>MBR</a:t>
+            </a:r>
+            <a:r>
+              <a:rPr lang="zh-CN" altLang="en-US" sz="2000" dirty="0"/>
+              <a:t>分区格式中，一个硬盘最多只能有</a:t>
+            </a:r>
+            <a:r>
+              <a:rPr lang="en-US" altLang="zh-CN" sz="2000" dirty="0"/>
+              <a:t>4</a:t>
+            </a:r>
+            <a:r>
+              <a:rPr lang="zh-CN" altLang="en-US" sz="2000" dirty="0"/>
+              <a:t>个主分区和扩展分区，其中扩展分区的个数最多为</a:t>
+            </a:r>
+            <a:r>
+              <a:rPr lang="en-US" altLang="zh-CN" sz="2000" dirty="0"/>
+              <a:t>1</a:t>
+            </a:r>
+            <a:r>
+              <a:rPr lang="zh-CN" altLang="en-US" sz="2000" dirty="0"/>
+              <a:t>。扩展分区中可以建立逻辑分区，从而突破只能有四个分区的限制。无论前面的数字是否被使用，</a:t>
+            </a:r>
+            <a:r>
+              <a:rPr lang="en-US" altLang="zh-CN" sz="2000" dirty="0"/>
+              <a:t>sda5</a:t>
+            </a:r>
+            <a:r>
+              <a:rPr lang="zh-CN" altLang="en-US" sz="2000" dirty="0"/>
+              <a:t>都表示第一个逻辑分区</a:t>
             </a:r>
             <a:endParaRPr lang="en-US" altLang="zh-CN" sz="2000" dirty="0"/>
           </a:p>
           <a:p>
             <a:r>
               <a:rPr lang="en-US" altLang="zh-CN" sz="2000" dirty="0"/>
-              <a:t>cd - </a:t>
-            </a:r>
-            <a:r>
-              <a:rPr lang="zh-CN" altLang="en-US" sz="2000" dirty="0"/>
-              <a:t>进入上一次使用的目录</a:t>
+              <a:t>/dev</a:t>
+            </a:r>
+            <a:r>
+              <a:rPr lang="zh-CN" altLang="en-US" sz="2000" dirty="0"/>
+              <a:t>下</a:t>
+            </a:r>
+            <a:r>
+              <a:rPr lang="en-US" altLang="zh-CN" sz="2000" dirty="0" err="1"/>
+              <a:t>cdrom</a:t>
+            </a:r>
+            <a:r>
+              <a:rPr lang="zh-CN" altLang="en-US" sz="2000" dirty="0"/>
+              <a:t>、</a:t>
+            </a:r>
+            <a:r>
+              <a:rPr lang="en-US" altLang="zh-CN" sz="2000" dirty="0" err="1"/>
+              <a:t>dvd</a:t>
+            </a:r>
+            <a:r>
+              <a:rPr lang="zh-CN" altLang="en-US" sz="2000" dirty="0"/>
+              <a:t>等文件表示光盘存储设备</a:t>
             </a:r>
             <a:endParaRPr lang="en-US" altLang="zh-CN" sz="2000" dirty="0"/>
           </a:p>
           <a:p>
-            <a:endParaRPr lang="en-US" altLang="zh-CN" dirty="0"/>
-          </a:p>
-          <a:p>
-            <a:endParaRPr lang="zh-CN" altLang="en-US" dirty="0"/>
+            <a:r>
+              <a:rPr lang="zh-CN" altLang="en-US" sz="2000" dirty="0"/>
+              <a:t>管理存储设备的命令：</a:t>
+            </a:r>
+            <a:r>
+              <a:rPr lang="en-US" altLang="zh-CN" sz="2000" dirty="0" err="1"/>
+              <a:t>fdisk</a:t>
+            </a:r>
+            <a:endParaRPr lang="en-US" altLang="zh-CN" sz="2000" dirty="0"/>
           </a:p>
         </p:txBody>
       </p:sp>
     </p:spTree>
     <p:extLst>
       <p:ext uri="{BB962C8B-B14F-4D97-AF65-F5344CB8AC3E}">
-        <p14:creationId xmlns:p14="http://schemas.microsoft.com/office/powerpoint/2010/main" val="2552602764"/>
+        <p14:creationId xmlns:p14="http://schemas.microsoft.com/office/powerpoint/2010/main" val="2327851467"/>
       </p:ext>
     </p:extLst>
   </p:cSld>

--- a/materials/slides/ch02-file-system-and-dir-architecture.pptx
+++ b/materials/slides/ch02-file-system-and-dir-architecture.pptx
@@ -222,7 +222,7 @@
           <a:p>
             <a:fld id="{81B1570E-56A9-452D-BA49-87391B8E5E3C}" type="datetimeFigureOut">
               <a:rPr lang="zh-CN" altLang="en-US" smtClean="0"/>
-              <a:t>2018/2/25</a:t>
+              <a:t>2018/3/1</a:t>
             </a:fld>
             <a:endParaRPr lang="zh-CN" altLang="en-US"/>
           </a:p>
@@ -728,7 +728,7 @@
           <a:p>
             <a:fld id="{02E60DA2-A0BC-48C9-AA88-75C78721B420}" type="datetimeFigureOut">
               <a:rPr lang="zh-CN" altLang="en-US" smtClean="0"/>
-              <a:t>2018/2/25</a:t>
+              <a:t>2018/3/1</a:t>
             </a:fld>
             <a:endParaRPr lang="zh-CN" altLang="en-US"/>
           </a:p>
@@ -950,7 +950,7 @@
           <a:p>
             <a:fld id="{02E60DA2-A0BC-48C9-AA88-75C78721B420}" type="datetimeFigureOut">
               <a:rPr lang="zh-CN" altLang="en-US" smtClean="0"/>
-              <a:t>2018/2/25</a:t>
+              <a:t>2018/3/1</a:t>
             </a:fld>
             <a:endParaRPr lang="zh-CN" altLang="en-US"/>
           </a:p>
@@ -1182,7 +1182,7 @@
           <a:p>
             <a:fld id="{02E60DA2-A0BC-48C9-AA88-75C78721B420}" type="datetimeFigureOut">
               <a:rPr lang="zh-CN" altLang="en-US" smtClean="0"/>
-              <a:t>2018/2/25</a:t>
+              <a:t>2018/3/1</a:t>
             </a:fld>
             <a:endParaRPr lang="zh-CN" altLang="en-US"/>
           </a:p>
@@ -1432,7 +1432,7 @@
           <a:p>
             <a:fld id="{02E60DA2-A0BC-48C9-AA88-75C78721B420}" type="datetimeFigureOut">
               <a:rPr lang="zh-CN" altLang="en-US" smtClean="0"/>
-              <a:t>2018/2/25</a:t>
+              <a:t>2018/3/1</a:t>
             </a:fld>
             <a:endParaRPr lang="zh-CN" altLang="en-US"/>
           </a:p>
@@ -1670,7 +1670,7 @@
           <a:p>
             <a:fld id="{02E60DA2-A0BC-48C9-AA88-75C78721B420}" type="datetimeFigureOut">
               <a:rPr lang="zh-CN" altLang="en-US" smtClean="0"/>
-              <a:t>2018/2/25</a:t>
+              <a:t>2018/3/1</a:t>
             </a:fld>
             <a:endParaRPr lang="zh-CN" altLang="en-US"/>
           </a:p>
@@ -1975,7 +1975,7 @@
           <a:p>
             <a:fld id="{02E60DA2-A0BC-48C9-AA88-75C78721B420}" type="datetimeFigureOut">
               <a:rPr lang="zh-CN" altLang="en-US" smtClean="0"/>
-              <a:t>2018/2/25</a:t>
+              <a:t>2018/3/1</a:t>
             </a:fld>
             <a:endParaRPr lang="zh-CN" altLang="en-US"/>
           </a:p>
@@ -2278,7 +2278,7 @@
           <a:p>
             <a:fld id="{02E60DA2-A0BC-48C9-AA88-75C78721B420}" type="datetimeFigureOut">
               <a:rPr lang="zh-CN" altLang="en-US" smtClean="0"/>
-              <a:t>2018/2/25</a:t>
+              <a:t>2018/3/1</a:t>
             </a:fld>
             <a:endParaRPr lang="zh-CN" altLang="en-US"/>
           </a:p>
@@ -2729,7 +2729,7 @@
           <a:p>
             <a:fld id="{02E60DA2-A0BC-48C9-AA88-75C78721B420}" type="datetimeFigureOut">
               <a:rPr lang="zh-CN" altLang="en-US" smtClean="0"/>
-              <a:t>2018/2/25</a:t>
+              <a:t>2018/3/1</a:t>
             </a:fld>
             <a:endParaRPr lang="zh-CN" altLang="en-US"/>
           </a:p>
@@ -2902,7 +2902,7 @@
           <a:p>
             <a:fld id="{02E60DA2-A0BC-48C9-AA88-75C78721B420}" type="datetimeFigureOut">
               <a:rPr lang="zh-CN" altLang="en-US" smtClean="0"/>
-              <a:t>2018/2/25</a:t>
+              <a:t>2018/3/1</a:t>
             </a:fld>
             <a:endParaRPr lang="zh-CN" altLang="en-US"/>
           </a:p>
@@ -3039,7 +3039,7 @@
           <a:p>
             <a:fld id="{02E60DA2-A0BC-48C9-AA88-75C78721B420}" type="datetimeFigureOut">
               <a:rPr lang="zh-CN" altLang="en-US" smtClean="0"/>
-              <a:t>2018/2/25</a:t>
+              <a:t>2018/3/1</a:t>
             </a:fld>
             <a:endParaRPr lang="zh-CN" altLang="en-US"/>
           </a:p>
@@ -3383,7 +3383,7 @@
           <a:p>
             <a:fld id="{02E60DA2-A0BC-48C9-AA88-75C78721B420}" type="datetimeFigureOut">
               <a:rPr lang="zh-CN" altLang="en-US" smtClean="0"/>
-              <a:t>2018/2/25</a:t>
+              <a:t>2018/3/1</a:t>
             </a:fld>
             <a:endParaRPr lang="zh-CN" altLang="en-US"/>
           </a:p>
@@ -3605,7 +3605,7 @@
           <a:p>
             <a:fld id="{02E60DA2-A0BC-48C9-AA88-75C78721B420}" type="datetimeFigureOut">
               <a:rPr lang="zh-CN" altLang="en-US" smtClean="0"/>
-              <a:t>2018/2/25</a:t>
+              <a:t>2018/3/1</a:t>
             </a:fld>
             <a:endParaRPr lang="zh-CN" altLang="en-US"/>
           </a:p>
@@ -3926,7 +3926,7 @@
           <a:p>
             <a:fld id="{02E60DA2-A0BC-48C9-AA88-75C78721B420}" type="datetimeFigureOut">
               <a:rPr lang="zh-CN" altLang="en-US" smtClean="0"/>
-              <a:t>2018/2/25</a:t>
+              <a:t>2018/3/1</a:t>
             </a:fld>
             <a:endParaRPr lang="zh-CN" altLang="en-US"/>
           </a:p>
@@ -4164,7 +4164,7 @@
           <a:p>
             <a:fld id="{02E60DA2-A0BC-48C9-AA88-75C78721B420}" type="datetimeFigureOut">
               <a:rPr lang="zh-CN" altLang="en-US" smtClean="0"/>
-              <a:t>2018/2/25</a:t>
+              <a:t>2018/3/1</a:t>
             </a:fld>
             <a:endParaRPr lang="zh-CN" altLang="en-US"/>
           </a:p>
@@ -4402,7 +4402,7 @@
           <a:p>
             <a:fld id="{02E60DA2-A0BC-48C9-AA88-75C78721B420}" type="datetimeFigureOut">
               <a:rPr lang="zh-CN" altLang="en-US" smtClean="0"/>
-              <a:t>2018/2/25</a:t>
+              <a:t>2018/3/1</a:t>
             </a:fld>
             <a:endParaRPr lang="zh-CN" altLang="en-US"/>
           </a:p>
@@ -4701,7 +4701,7 @@
           <a:p>
             <a:fld id="{02E60DA2-A0BC-48C9-AA88-75C78721B420}" type="datetimeFigureOut">
               <a:rPr lang="zh-CN" altLang="en-US" smtClean="0"/>
-              <a:t>2018/2/25</a:t>
+              <a:t>2018/3/1</a:t>
             </a:fld>
             <a:endParaRPr lang="zh-CN" altLang="en-US"/>
           </a:p>
@@ -4990,7 +4990,7 @@
           <a:p>
             <a:fld id="{02E60DA2-A0BC-48C9-AA88-75C78721B420}" type="datetimeFigureOut">
               <a:rPr lang="zh-CN" altLang="en-US" smtClean="0"/>
-              <a:t>2018/2/25</a:t>
+              <a:t>2018/3/1</a:t>
             </a:fld>
             <a:endParaRPr lang="zh-CN" altLang="en-US"/>
           </a:p>
@@ -5426,7 +5426,7 @@
           <a:p>
             <a:fld id="{02E60DA2-A0BC-48C9-AA88-75C78721B420}" type="datetimeFigureOut">
               <a:rPr lang="zh-CN" altLang="en-US" smtClean="0"/>
-              <a:t>2018/2/25</a:t>
+              <a:t>2018/3/1</a:t>
             </a:fld>
             <a:endParaRPr lang="zh-CN" altLang="en-US"/>
           </a:p>
@@ -5591,7 +5591,7 @@
           <a:p>
             <a:fld id="{02E60DA2-A0BC-48C9-AA88-75C78721B420}" type="datetimeFigureOut">
               <a:rPr lang="zh-CN" altLang="en-US" smtClean="0"/>
-              <a:t>2018/2/25</a:t>
+              <a:t>2018/3/1</a:t>
             </a:fld>
             <a:endParaRPr lang="zh-CN" altLang="en-US"/>
           </a:p>
@@ -5728,7 +5728,7 @@
           <a:p>
             <a:fld id="{02E60DA2-A0BC-48C9-AA88-75C78721B420}" type="datetimeFigureOut">
               <a:rPr lang="zh-CN" altLang="en-US" smtClean="0"/>
-              <a:t>2018/2/25</a:t>
+              <a:t>2018/3/1</a:t>
             </a:fld>
             <a:endParaRPr lang="zh-CN" altLang="en-US"/>
           </a:p>
@@ -6063,7 +6063,7 @@
           <a:p>
             <a:fld id="{02E60DA2-A0BC-48C9-AA88-75C78721B420}" type="datetimeFigureOut">
               <a:rPr lang="zh-CN" altLang="en-US" smtClean="0"/>
-              <a:t>2018/2/25</a:t>
+              <a:t>2018/3/1</a:t>
             </a:fld>
             <a:endParaRPr lang="zh-CN" altLang="en-US"/>
           </a:p>
@@ -6375,7 +6375,7 @@
           <a:p>
             <a:fld id="{02E60DA2-A0BC-48C9-AA88-75C78721B420}" type="datetimeFigureOut">
               <a:rPr lang="zh-CN" altLang="en-US" smtClean="0"/>
-              <a:t>2018/2/25</a:t>
+              <a:t>2018/3/1</a:t>
             </a:fld>
             <a:endParaRPr lang="zh-CN" altLang="en-US"/>
           </a:p>
@@ -7822,6 +7822,9 @@
             <a:endParaRPr lang="en-US" altLang="zh-CN" sz="2000" dirty="0"/>
           </a:p>
           <a:p>
+            <a:endParaRPr lang="en-US" altLang="zh-CN" sz="2000" dirty="0"/>
+          </a:p>
+          <a:p>
             <a:r>
               <a:rPr lang="zh-CN" altLang="en-US" sz="2000" dirty="0"/>
               <a:t>运行 </a:t>
@@ -7856,116 +7859,119 @@
             </a:r>
             <a:r>
               <a:rPr lang="zh-CN" altLang="en-US" sz="2000" dirty="0"/>
-              <a:t>可获取帮助信息</a:t>
+              <a:t>可获取帮助信息，一些</a:t>
+            </a:r>
+            <a:r>
+              <a:rPr lang="en-US" altLang="zh-CN" sz="2000" dirty="0" err="1"/>
+              <a:t>fdisk</a:t>
+            </a:r>
+            <a:r>
+              <a:rPr lang="zh-CN" altLang="en-US" sz="2000" dirty="0"/>
+              <a:t>指令解释：</a:t>
             </a:r>
             <a:endParaRPr lang="en-US" altLang="zh-CN" sz="2000" dirty="0"/>
           </a:p>
           <a:p>
-            <a:r>
-              <a:rPr lang="zh-CN" altLang="en-US" sz="2000" dirty="0"/>
-              <a:t>输入</a:t>
-            </a:r>
-            <a:r>
-              <a:rPr lang="en-US" altLang="zh-CN" sz="2000" dirty="0"/>
+            <a:pPr marL="457200" lvl="1" indent="0">
+              <a:buNone/>
+            </a:pPr>
+            <a:r>
+              <a:rPr lang="en-US" altLang="zh-CN" sz="1800" dirty="0"/>
               <a:t>d</a:t>
             </a:r>
             <a:r>
-              <a:rPr lang="zh-CN" altLang="en-US" sz="2000" dirty="0"/>
-              <a:t>敲回车，会进入删除分区的子步骤</a:t>
-            </a:r>
-            <a:endParaRPr lang="en-US" altLang="zh-CN" sz="2000" dirty="0"/>
-          </a:p>
-          <a:p>
-            <a:r>
-              <a:rPr lang="zh-CN" altLang="en-US" sz="2000" dirty="0"/>
-              <a:t>输入</a:t>
-            </a:r>
-            <a:r>
-              <a:rPr lang="en-US" altLang="zh-CN" sz="2000" dirty="0"/>
+              <a:rPr lang="zh-CN" altLang="en-US" sz="1800" dirty="0"/>
+              <a:t>     进入删除分区的子步骤</a:t>
+            </a:r>
+            <a:endParaRPr lang="en-US" altLang="zh-CN" sz="1800" dirty="0"/>
+          </a:p>
+          <a:p>
+            <a:pPr marL="457200" lvl="1" indent="0">
+              <a:buNone/>
+            </a:pPr>
+            <a:r>
+              <a:rPr lang="en-US" altLang="zh-CN" sz="1800" dirty="0"/>
               <a:t>l</a:t>
             </a:r>
             <a:r>
-              <a:rPr lang="zh-CN" altLang="en-US" sz="2000" dirty="0"/>
-              <a:t>敲回车，会显示所有</a:t>
-            </a:r>
-            <a:r>
-              <a:rPr lang="en-US" altLang="zh-CN" sz="2000" dirty="0"/>
+              <a:rPr lang="zh-CN" altLang="en-US" sz="1800" dirty="0"/>
+              <a:t>      显示所有</a:t>
+            </a:r>
+            <a:r>
+              <a:rPr lang="en-US" altLang="zh-CN" sz="1800" dirty="0"/>
               <a:t>Ubuntu</a:t>
             </a:r>
             <a:r>
-              <a:rPr lang="zh-CN" altLang="en-US" sz="2000" dirty="0"/>
+              <a:rPr lang="zh-CN" altLang="en-US" sz="1800" dirty="0"/>
               <a:t>支持的文件系统格式</a:t>
             </a:r>
-            <a:endParaRPr lang="en-US" altLang="zh-CN" sz="2000" dirty="0"/>
-          </a:p>
-          <a:p>
-            <a:r>
-              <a:rPr lang="zh-CN" altLang="en-US" sz="2000" dirty="0"/>
-              <a:t>输入</a:t>
-            </a:r>
-            <a:r>
-              <a:rPr lang="en-US" altLang="zh-CN" sz="2000" dirty="0"/>
+            <a:endParaRPr lang="en-US" altLang="zh-CN" sz="1800" dirty="0"/>
+          </a:p>
+          <a:p>
+            <a:pPr marL="457200" lvl="1" indent="0">
+              <a:buNone/>
+            </a:pPr>
+            <a:r>
+              <a:rPr lang="en-US" altLang="zh-CN" sz="1800" dirty="0"/>
               <a:t>n</a:t>
             </a:r>
             <a:r>
-              <a:rPr lang="zh-CN" altLang="en-US" sz="2000" dirty="0"/>
-              <a:t>敲回车，会进入创建分区的子步骤，其中</a:t>
-            </a:r>
-            <a:r>
-              <a:rPr lang="en-US" altLang="zh-CN" sz="2000" dirty="0"/>
+              <a:rPr lang="zh-CN" altLang="en-US" sz="1800" dirty="0"/>
+              <a:t>     进入创建分区的子步骤，其中</a:t>
+            </a:r>
+            <a:r>
+              <a:rPr lang="en-US" altLang="zh-CN" sz="1800" dirty="0"/>
               <a:t>p</a:t>
             </a:r>
             <a:r>
-              <a:rPr lang="zh-CN" altLang="en-US" sz="2000" dirty="0"/>
+              <a:rPr lang="zh-CN" altLang="en-US" sz="1800" dirty="0"/>
               <a:t>用来创建主分区，</a:t>
             </a:r>
             <a:r>
-              <a:rPr lang="en-US" altLang="zh-CN" sz="2000" dirty="0"/>
+              <a:rPr lang="en-US" altLang="zh-CN" sz="1800" dirty="0"/>
               <a:t>e</a:t>
             </a:r>
             <a:r>
-              <a:rPr lang="zh-CN" altLang="en-US" sz="2000" dirty="0"/>
+              <a:rPr lang="zh-CN" altLang="en-US" sz="1800" dirty="0"/>
               <a:t>用来创建扩展分区</a:t>
             </a:r>
-            <a:endParaRPr lang="en-US" altLang="zh-CN" sz="2000" dirty="0"/>
-          </a:p>
-          <a:p>
-            <a:r>
-              <a:rPr lang="zh-CN" altLang="en-US" sz="2000" dirty="0"/>
-              <a:t>输入</a:t>
-            </a:r>
-            <a:r>
-              <a:rPr lang="en-US" altLang="zh-CN" sz="2000" dirty="0"/>
+            <a:endParaRPr lang="en-US" altLang="zh-CN" sz="1800" dirty="0"/>
+          </a:p>
+          <a:p>
+            <a:pPr marL="457200" lvl="1" indent="0">
+              <a:buNone/>
+            </a:pPr>
+            <a:r>
+              <a:rPr lang="en-US" altLang="zh-CN" sz="1800" dirty="0"/>
               <a:t>p</a:t>
             </a:r>
             <a:r>
-              <a:rPr lang="zh-CN" altLang="en-US" sz="2000" dirty="0"/>
-              <a:t>敲回车，会打印修改后的分区表。这个分区表还没有写入硬盘，只是保存在内存中</a:t>
-            </a:r>
-            <a:endParaRPr lang="en-US" altLang="zh-CN" sz="2000" dirty="0"/>
-          </a:p>
-          <a:p>
-            <a:r>
-              <a:rPr lang="zh-CN" altLang="en-US" sz="2000" dirty="0"/>
-              <a:t>输入</a:t>
-            </a:r>
-            <a:r>
-              <a:rPr lang="en-US" altLang="zh-CN" sz="2000" dirty="0"/>
+              <a:rPr lang="zh-CN" altLang="en-US" sz="1800" dirty="0"/>
+              <a:t>     打印修改后的分区表。这个分区表还没有写入硬盘，只是保存在内存中</a:t>
+            </a:r>
+            <a:endParaRPr lang="en-US" altLang="zh-CN" sz="1800" dirty="0"/>
+          </a:p>
+          <a:p>
+            <a:pPr marL="457200" lvl="1" indent="0">
+              <a:buNone/>
+            </a:pPr>
+            <a:r>
+              <a:rPr lang="en-US" altLang="zh-CN" sz="1800" dirty="0"/>
               <a:t>w</a:t>
             </a:r>
             <a:r>
-              <a:rPr lang="zh-CN" altLang="en-US" sz="2000" dirty="0"/>
-              <a:t>敲回车，把分区表写入硬盘，</a:t>
-            </a:r>
-            <a:r>
-              <a:rPr lang="en-US" altLang="zh-CN" sz="2000" dirty="0"/>
+              <a:rPr lang="zh-CN" altLang="en-US" sz="1800" dirty="0"/>
+              <a:t>    把分区表写入硬盘，</a:t>
+            </a:r>
+            <a:r>
+              <a:rPr lang="en-US" altLang="zh-CN" sz="1800" dirty="0"/>
               <a:t>q</a:t>
             </a:r>
             <a:r>
-              <a:rPr lang="zh-CN" altLang="en-US" sz="2000" dirty="0"/>
-              <a:t>放弃修改。</a:t>
-            </a:r>
-            <a:endParaRPr lang="en-US" altLang="zh-CN" sz="2000" dirty="0"/>
+              <a:rPr lang="zh-CN" altLang="en-US" sz="1800" dirty="0"/>
+              <a:t>放弃修改</a:t>
+            </a:r>
+            <a:endParaRPr lang="en-US" altLang="zh-CN" sz="1800" dirty="0"/>
           </a:p>
         </p:txBody>
       </p:sp>
@@ -7997,7 +8003,7 @@
         </p:blipFill>
         <p:spPr>
           <a:xfrm>
-            <a:off x="838200" y="2087880"/>
+            <a:off x="838200" y="2238800"/>
             <a:ext cx="10358852" cy="1418800"/>
           </a:xfrm>
           <a:prstGeom prst="rect">
@@ -8283,30 +8289,14 @@
             </a:r>
             <a:r>
               <a:rPr lang="zh-CN" altLang="en-US" sz="2000" dirty="0"/>
-              <a:t>桌面发行版为了使用体验会进行自动挂载处理，但还是有必要了解挂载的过程，掌握挂载、卸载命令的使用</a:t>
+              <a:t>桌面发行版为了使用体验会进行自动挂载处理，但还是有必要了解挂载的过程，掌握挂载、卸载命令的使用。</a:t>
             </a:r>
             <a:endParaRPr lang="en-US" altLang="zh-CN" sz="2000" dirty="0"/>
           </a:p>
           <a:p>
             <a:r>
               <a:rPr lang="zh-CN" altLang="en-US" sz="2000" dirty="0"/>
-              <a:t>使用</a:t>
-            </a:r>
-            <a:r>
-              <a:rPr lang="en-US" altLang="zh-CN" sz="2000" dirty="0"/>
-              <a:t>mount</a:t>
-            </a:r>
-            <a:r>
-              <a:rPr lang="zh-CN" altLang="en-US" sz="2000" dirty="0"/>
-              <a:t>指令把一个块设备（文件系统）、</a:t>
-            </a:r>
-            <a:r>
-              <a:rPr lang="en-US" altLang="zh-CN" sz="2000" dirty="0"/>
-              <a:t>ISO</a:t>
-            </a:r>
-            <a:r>
-              <a:rPr lang="zh-CN" altLang="en-US" sz="2000" dirty="0"/>
-              <a:t>镜像挂载到挂载点</a:t>
+              <a:t>示例：</a:t>
             </a:r>
             <a:endParaRPr lang="en-US" altLang="zh-CN" sz="2000" dirty="0"/>
           </a:p>
@@ -8314,211 +8304,273 @@
             <a:pPr marL="0" indent="0">
               <a:buNone/>
             </a:pPr>
-            <a:r>
-              <a:rPr lang="fr-FR" altLang="zh-CN" sz="2000" dirty="0"/>
-              <a:t>   </a:t>
-            </a:r>
-            <a:r>
-              <a:rPr lang="zh-CN" altLang="en-US" sz="2000" dirty="0"/>
-              <a:t>格式：</a:t>
-            </a:r>
-            <a:r>
-              <a:rPr lang="fr-FR" altLang="zh-CN" sz="2000" dirty="0"/>
-              <a:t>mount </a:t>
-            </a:r>
-            <a:r>
-              <a:rPr lang="en-US" altLang="zh-CN" sz="2000" dirty="0"/>
-              <a:t>[</a:t>
-            </a:r>
-            <a:r>
-              <a:rPr lang="fr-FR" altLang="zh-CN" sz="2000" dirty="0"/>
-              <a:t>-t type] device </a:t>
-            </a:r>
-            <a:r>
-              <a:rPr lang="en-US" altLang="zh-CN" sz="2000" dirty="0" err="1"/>
-              <a:t>mountpoint</a:t>
-            </a:r>
             <a:endParaRPr lang="en-US" altLang="zh-CN" sz="2000" dirty="0"/>
           </a:p>
-          <a:p>
-            <a:pPr marL="0" indent="0">
-              <a:buNone/>
-            </a:pPr>
-            <a:r>
-              <a:rPr lang="fr-FR" altLang="zh-CN" sz="2000" dirty="0"/>
-              <a:t>   </a:t>
-            </a:r>
-            <a:r>
-              <a:rPr lang="zh-CN" altLang="en-US" sz="2000" dirty="0"/>
-              <a:t>挂载</a:t>
-            </a:r>
-            <a:r>
-              <a:rPr lang="en-US" altLang="zh-CN" sz="2000" dirty="0"/>
-              <a:t>ISO</a:t>
-            </a:r>
-            <a:r>
-              <a:rPr lang="zh-CN" altLang="en-US" sz="2000" dirty="0"/>
-              <a:t>镜像：</a:t>
-            </a:r>
-            <a:r>
-              <a:rPr lang="en-US" altLang="zh-CN" sz="2000" dirty="0"/>
-              <a:t>mount &lt;</a:t>
-            </a:r>
-            <a:r>
-              <a:rPr lang="en-US" altLang="zh-CN" sz="2000" dirty="0" err="1"/>
-              <a:t>iso</a:t>
-            </a:r>
-            <a:r>
-              <a:rPr lang="zh-CN" altLang="en-US" sz="2000" dirty="0"/>
-              <a:t>文件完整路径</a:t>
-            </a:r>
-            <a:r>
-              <a:rPr lang="en-US" altLang="zh-CN" sz="2000" dirty="0"/>
-              <a:t>&gt; &lt;</a:t>
-            </a:r>
-            <a:r>
-              <a:rPr lang="zh-CN" altLang="en-US" sz="2000" dirty="0"/>
-              <a:t>挂载点</a:t>
-            </a:r>
-            <a:r>
-              <a:rPr lang="en-US" altLang="zh-CN" sz="2000" dirty="0"/>
-              <a:t>&gt; </a:t>
-            </a:r>
-            <a:r>
-              <a:rPr lang="zh-CN" altLang="en-US" sz="2000" dirty="0"/>
-              <a:t>或完整写法</a:t>
-            </a:r>
-            <a:endParaRPr lang="en-US" altLang="zh-CN" sz="2000" dirty="0"/>
-          </a:p>
-          <a:p>
-            <a:pPr marL="0" indent="0">
-              <a:buNone/>
-            </a:pPr>
-            <a:r>
-              <a:rPr lang="en-US" altLang="zh-CN" sz="2000" dirty="0"/>
-              <a:t>                           mount -t iso9660 -o loop &lt;</a:t>
-            </a:r>
-            <a:r>
-              <a:rPr lang="en-US" altLang="zh-CN" sz="2000" dirty="0" err="1"/>
-              <a:t>iso</a:t>
-            </a:r>
-            <a:r>
-              <a:rPr lang="zh-CN" altLang="en-US" sz="2000" dirty="0"/>
-              <a:t>文件完整路径</a:t>
-            </a:r>
-            <a:r>
-              <a:rPr lang="en-US" altLang="zh-CN" sz="2000" dirty="0"/>
-              <a:t>&gt; &lt;</a:t>
-            </a:r>
-            <a:r>
-              <a:rPr lang="zh-CN" altLang="en-US" sz="2000" dirty="0"/>
-              <a:t>挂载点</a:t>
-            </a:r>
-            <a:r>
-              <a:rPr lang="en-US" altLang="zh-CN" sz="2000" dirty="0"/>
-              <a:t>&gt;</a:t>
-            </a:r>
-          </a:p>
-          <a:p>
-            <a:pPr marL="0" indent="0">
-              <a:buNone/>
-            </a:pPr>
-            <a:r>
-              <a:rPr lang="en-US" altLang="zh-CN" sz="2000" dirty="0"/>
-              <a:t>   </a:t>
-            </a:r>
-            <a:r>
-              <a:rPr lang="zh-CN" altLang="en-US" sz="2000" dirty="0"/>
-              <a:t>挂载共享文件夹：</a:t>
-            </a:r>
-            <a:r>
-              <a:rPr lang="en-US" altLang="zh-CN" sz="2000" dirty="0"/>
-              <a:t>mount -t </a:t>
-            </a:r>
-            <a:r>
-              <a:rPr lang="en-US" altLang="zh-CN" sz="2000" dirty="0" err="1"/>
-              <a:t>cifs</a:t>
-            </a:r>
-            <a:r>
-              <a:rPr lang="en-US" altLang="zh-CN" sz="2000" dirty="0"/>
-              <a:t> -o username=</a:t>
-            </a:r>
-            <a:r>
-              <a:rPr lang="en-US" altLang="zh-CN" sz="2000" dirty="0" err="1"/>
-              <a:t>user,password</a:t>
-            </a:r>
-            <a:r>
-              <a:rPr lang="en-US" altLang="zh-CN" sz="2000" dirty="0"/>
-              <a:t>=</a:t>
-            </a:r>
-            <a:r>
-              <a:rPr lang="en-US" altLang="zh-CN" sz="2000" dirty="0" err="1"/>
-              <a:t>passwd</a:t>
-            </a:r>
-            <a:r>
-              <a:rPr lang="en-US" altLang="zh-CN" sz="2000" dirty="0"/>
-              <a:t> //IP/</a:t>
-            </a:r>
-            <a:r>
-              <a:rPr lang="en-US" altLang="zh-CN" sz="2000" dirty="0" err="1"/>
-              <a:t>dir</a:t>
-            </a:r>
-            <a:r>
-              <a:rPr lang="en-US" altLang="zh-CN" sz="2000" dirty="0"/>
-              <a:t> /</a:t>
-            </a:r>
-            <a:r>
-              <a:rPr lang="en-US" altLang="zh-CN" sz="2000" dirty="0" err="1"/>
-              <a:t>mnt</a:t>
-            </a:r>
-            <a:r>
-              <a:rPr lang="en-US" altLang="zh-CN" sz="2000" dirty="0"/>
-              <a:t>/Windows/</a:t>
-            </a:r>
-          </a:p>
-          <a:p>
-            <a:r>
-              <a:rPr lang="zh-CN" altLang="en-US" sz="2000" dirty="0"/>
-              <a:t>使用</a:t>
-            </a:r>
-            <a:r>
-              <a:rPr lang="en-US" altLang="zh-CN" sz="2000" dirty="0" err="1"/>
-              <a:t>umount</a:t>
-            </a:r>
-            <a:r>
-              <a:rPr lang="zh-CN" altLang="en-US" sz="2000" dirty="0"/>
-              <a:t>卸载已经挂载的块设备</a:t>
-            </a:r>
-            <a:endParaRPr lang="en-US" altLang="zh-CN" sz="2000" dirty="0"/>
-          </a:p>
-          <a:p>
-            <a:pPr marL="0" indent="0">
-              <a:buNone/>
-            </a:pPr>
-            <a:r>
-              <a:rPr lang="en-US" altLang="zh-CN" sz="2000" dirty="0"/>
-              <a:t>   </a:t>
-            </a:r>
-            <a:r>
-              <a:rPr lang="zh-CN" altLang="en-US" sz="2000" dirty="0"/>
-              <a:t>格式：</a:t>
-            </a:r>
-            <a:r>
-              <a:rPr lang="en-US" altLang="zh-CN" sz="2000" dirty="0" err="1"/>
-              <a:t>umount</a:t>
-            </a:r>
-            <a:r>
-              <a:rPr lang="en-US" altLang="zh-CN" sz="2000" dirty="0"/>
-              <a:t> device/</a:t>
-            </a:r>
-            <a:r>
-              <a:rPr lang="en-US" altLang="zh-CN" sz="2000" dirty="0" err="1"/>
-              <a:t>mountpoint</a:t>
-            </a:r>
-            <a:endParaRPr lang="en-US" altLang="zh-CN" sz="2000" dirty="0"/>
-          </a:p>
-        </p:txBody>
-      </p:sp>
+        </p:txBody>
+      </p:sp>
+      <p:graphicFrame>
+        <p:nvGraphicFramePr>
+          <p:cNvPr id="4" name="表格 3">
+            <a:extLst>
+              <a:ext uri="{FF2B5EF4-FFF2-40B4-BE49-F238E27FC236}">
+                <a16:creationId xmlns:a16="http://schemas.microsoft.com/office/drawing/2014/main" id="{8AEA6D1E-58BB-476A-81FA-2FA4666FD807}"/>
+              </a:ext>
+            </a:extLst>
+          </p:cNvPr>
+          <p:cNvGraphicFramePr>
+            <a:graphicFrameLocks noGrp="1"/>
+          </p:cNvGraphicFramePr>
+          <p:nvPr>
+            <p:extLst>
+              <p:ext uri="{D42A27DB-BD31-4B8C-83A1-F6EECF244321}">
+                <p14:modId xmlns:p14="http://schemas.microsoft.com/office/powerpoint/2010/main" val="2574112449"/>
+              </p:ext>
+            </p:extLst>
+          </p:nvPr>
+        </p:nvGraphicFramePr>
+        <p:xfrm>
+          <a:off x="838200" y="3229060"/>
+          <a:ext cx="10515600" cy="3446948"/>
+        </p:xfrm>
+        <a:graphic>
+          <a:graphicData uri="http://schemas.openxmlformats.org/drawingml/2006/table">
+            <a:tbl>
+              <a:tblPr firstRow="1" bandRow="1">
+                <a:tableStyleId>{2D5ABB26-0587-4C30-8999-92F81FD0307C}</a:tableStyleId>
+              </a:tblPr>
+              <a:tblGrid>
+                <a:gridCol w="5811224">
+                  <a:extLst>
+                    <a:ext uri="{9D8B030D-6E8A-4147-A177-3AD203B41FA5}">
+                      <a16:colId xmlns:a16="http://schemas.microsoft.com/office/drawing/2014/main" val="3239358022"/>
+                    </a:ext>
+                  </a:extLst>
+                </a:gridCol>
+                <a:gridCol w="4704376">
+                  <a:extLst>
+                    <a:ext uri="{9D8B030D-6E8A-4147-A177-3AD203B41FA5}">
+                      <a16:colId xmlns:a16="http://schemas.microsoft.com/office/drawing/2014/main" val="2839662225"/>
+                    </a:ext>
+                  </a:extLst>
+                </a:gridCol>
+              </a:tblGrid>
+              <a:tr h="861737">
+                <a:tc>
+                  <a:txBody>
+                    <a:bodyPr/>
+                    <a:lstStyle/>
+                    <a:p>
+                      <a:pPr algn="r"/>
+                      <a:r>
+                        <a:rPr lang="en-US" altLang="zh-CN" dirty="0"/>
+                        <a:t>mount  -r  /media/c  /dev/sdb2</a:t>
+                      </a:r>
+                      <a:endParaRPr lang="zh-CN" altLang="en-US" dirty="0"/>
+                    </a:p>
+                  </a:txBody>
+                  <a:tcPr anchor="ctr"/>
+                </a:tc>
+                <a:tc>
+                  <a:txBody>
+                    <a:bodyPr/>
+                    <a:lstStyle/>
+                    <a:p>
+                      <a:r>
+                        <a:rPr lang="zh-CN" altLang="en-US" dirty="0"/>
+                        <a:t>只读模式挂载</a:t>
+                      </a:r>
+                    </a:p>
+                  </a:txBody>
+                  <a:tcPr anchor="ctr"/>
+                </a:tc>
+                <a:extLst>
+                  <a:ext uri="{0D108BD9-81ED-4DB2-BD59-A6C34878D82A}">
+                    <a16:rowId xmlns:a16="http://schemas.microsoft.com/office/drawing/2014/main" val="998130357"/>
+                  </a:ext>
+                </a:extLst>
+              </a:tr>
+              <a:tr h="861737">
+                <a:tc>
+                  <a:txBody>
+                    <a:bodyPr/>
+                    <a:lstStyle/>
+                    <a:p>
+                      <a:pPr algn="r"/>
+                      <a:r>
+                        <a:rPr lang="en-US" altLang="zh-CN" dirty="0"/>
+                        <a:t>mount  -t ext4  /media/c  /dev/sdb2</a:t>
+                      </a:r>
+                      <a:endParaRPr lang="zh-CN" altLang="en-US" dirty="0"/>
+                    </a:p>
+                  </a:txBody>
+                  <a:tcPr anchor="ctr"/>
+                </a:tc>
+                <a:tc>
+                  <a:txBody>
+                    <a:bodyPr/>
+                    <a:lstStyle/>
+                    <a:p>
+                      <a:r>
+                        <a:rPr lang="zh-CN" altLang="en-US" dirty="0"/>
+                        <a:t>指定</a:t>
+                      </a:r>
+                      <a:r>
+                        <a:rPr lang="en-US" altLang="zh-CN" dirty="0"/>
+                        <a:t>ext4</a:t>
+                      </a:r>
+                      <a:r>
+                        <a:rPr lang="zh-CN" altLang="en-US" dirty="0"/>
+                        <a:t>文件系统，一般不用，</a:t>
+                      </a:r>
+                      <a:r>
+                        <a:rPr lang="en-US" altLang="zh-CN" dirty="0"/>
+                        <a:t>mount</a:t>
+                      </a:r>
+                      <a:r>
+                        <a:rPr lang="zh-CN" altLang="en-US" dirty="0"/>
+                        <a:t>会自动识别文件系统类型</a:t>
+                      </a:r>
+                    </a:p>
+                  </a:txBody>
+                  <a:tcPr anchor="ctr"/>
+                </a:tc>
+                <a:extLst>
+                  <a:ext uri="{0D108BD9-81ED-4DB2-BD59-A6C34878D82A}">
+                    <a16:rowId xmlns:a16="http://schemas.microsoft.com/office/drawing/2014/main" val="2340420983"/>
+                  </a:ext>
+                </a:extLst>
+              </a:tr>
+              <a:tr h="861737">
+                <a:tc>
+                  <a:txBody>
+                    <a:bodyPr/>
+                    <a:lstStyle/>
+                    <a:p>
+                      <a:pPr algn="r"/>
+                      <a:r>
+                        <a:rPr lang="en-US" altLang="zh-CN" dirty="0"/>
+                        <a:t>mount –t</a:t>
+                      </a:r>
+                      <a:r>
+                        <a:rPr lang="zh-CN" altLang="en-US" dirty="0"/>
+                        <a:t> </a:t>
+                      </a:r>
+                      <a:r>
+                        <a:rPr lang="en-US" altLang="zh-CN" dirty="0"/>
+                        <a:t>iso9660</a:t>
+                      </a:r>
+                      <a:r>
+                        <a:rPr lang="zh-CN" altLang="en-US" dirty="0"/>
+                        <a:t> </a:t>
+                      </a:r>
+                      <a:r>
+                        <a:rPr lang="en-US" altLang="zh-CN" dirty="0"/>
+                        <a:t>–o</a:t>
+                      </a:r>
+                      <a:r>
+                        <a:rPr lang="zh-CN" altLang="en-US" dirty="0"/>
+                        <a:t> </a:t>
+                      </a:r>
+                      <a:r>
+                        <a:rPr lang="en-US" altLang="zh-CN" dirty="0"/>
+                        <a:t>loop</a:t>
+                      </a:r>
+                      <a:r>
+                        <a:rPr lang="zh-CN" altLang="en-US" dirty="0"/>
+                        <a:t>  </a:t>
+                      </a:r>
+                      <a:r>
+                        <a:rPr lang="en-US" altLang="zh-CN" dirty="0"/>
+                        <a:t>./</a:t>
+                      </a:r>
+                      <a:r>
+                        <a:rPr lang="en-US" altLang="zh-CN" dirty="0" err="1"/>
+                        <a:t>Ubuntu.iso</a:t>
+                      </a:r>
+                      <a:r>
+                        <a:rPr lang="en-US" altLang="zh-CN" dirty="0"/>
+                        <a:t>  /media/</a:t>
+                      </a:r>
+                      <a:r>
+                        <a:rPr lang="en-US" altLang="zh-CN" dirty="0" err="1"/>
+                        <a:t>iso</a:t>
+                      </a:r>
+                      <a:endParaRPr lang="zh-CN" altLang="en-US" dirty="0"/>
+                    </a:p>
+                  </a:txBody>
+                  <a:tcPr anchor="ctr"/>
+                </a:tc>
+                <a:tc>
+                  <a:txBody>
+                    <a:bodyPr/>
+                    <a:lstStyle/>
+                    <a:p>
+                      <a:r>
+                        <a:rPr lang="zh-CN" altLang="en-US" dirty="0"/>
+                        <a:t>挂载</a:t>
+                      </a:r>
+                      <a:r>
+                        <a:rPr lang="en-US" altLang="zh-CN" dirty="0"/>
+                        <a:t>ISO</a:t>
+                      </a:r>
+                      <a:r>
+                        <a:rPr lang="zh-CN" altLang="en-US" dirty="0"/>
+                        <a:t>文件</a:t>
+                      </a:r>
+                      <a:endParaRPr lang="en-US" altLang="zh-CN" dirty="0"/>
+                    </a:p>
+                  </a:txBody>
+                  <a:tcPr anchor="ctr"/>
+                </a:tc>
+                <a:extLst>
+                  <a:ext uri="{0D108BD9-81ED-4DB2-BD59-A6C34878D82A}">
+                    <a16:rowId xmlns:a16="http://schemas.microsoft.com/office/drawing/2014/main" val="1039313886"/>
+                  </a:ext>
+                </a:extLst>
+              </a:tr>
+              <a:tr h="861737">
+                <a:tc>
+                  <a:txBody>
+                    <a:bodyPr/>
+                    <a:lstStyle/>
+                    <a:p>
+                      <a:pPr algn="r"/>
+                      <a:r>
+                        <a:rPr lang="en-US" altLang="zh-CN" dirty="0" err="1"/>
+                        <a:t>umount</a:t>
+                      </a:r>
+                      <a:r>
+                        <a:rPr lang="en-US" altLang="zh-CN" dirty="0"/>
+                        <a:t>  /media/c</a:t>
+                      </a:r>
+                      <a:endParaRPr lang="zh-CN" altLang="en-US" dirty="0"/>
+                    </a:p>
+                  </a:txBody>
+                  <a:tcPr anchor="ctr"/>
+                </a:tc>
+                <a:tc>
+                  <a:txBody>
+                    <a:bodyPr/>
+                    <a:lstStyle/>
+                    <a:p>
+                      <a:r>
+                        <a:rPr lang="zh-CN" altLang="en-US" dirty="0"/>
+                        <a:t>卸载挂载点</a:t>
+                      </a:r>
+                    </a:p>
+                  </a:txBody>
+                  <a:tcPr anchor="ctr"/>
+                </a:tc>
+                <a:extLst>
+                  <a:ext uri="{0D108BD9-81ED-4DB2-BD59-A6C34878D82A}">
+                    <a16:rowId xmlns:a16="http://schemas.microsoft.com/office/drawing/2014/main" val="4071558640"/>
+                  </a:ext>
+                </a:extLst>
+              </a:tr>
+            </a:tbl>
+          </a:graphicData>
+        </a:graphic>
+      </p:graphicFrame>
     </p:spTree>
     <p:extLst>
       <p:ext uri="{BB962C8B-B14F-4D97-AF65-F5344CB8AC3E}">
@@ -8636,26 +8688,32 @@
             </a:r>
             <a:r>
               <a:rPr lang="zh-CN" altLang="en-US" sz="2000" dirty="0"/>
-              <a:t>盘中的文件，必须进行挂载</a:t>
+              <a:t>盘中的文件，必须进行挂载：</a:t>
             </a:r>
             <a:endParaRPr lang="en-US" altLang="zh-CN" sz="2000" dirty="0"/>
           </a:p>
           <a:p>
-            <a:pPr marL="0" indent="0">
+            <a:pPr marL="457200" lvl="1" indent="0">
               <a:buNone/>
             </a:pPr>
             <a:r>
-              <a:rPr lang="en-US" altLang="zh-CN" sz="2000" dirty="0"/>
+              <a:rPr lang="en-US" altLang="zh-CN" sz="1600" dirty="0"/>
               <a:t>    </a:t>
             </a:r>
             <a:r>
-              <a:rPr lang="en-US" altLang="zh-CN" sz="1600" dirty="0" err="1"/>
+              <a:rPr lang="en-US" altLang="zh-CN" sz="1800" dirty="0" err="1"/>
               <a:t>sudo</a:t>
             </a:r>
             <a:r>
-              <a:rPr lang="en-US" altLang="zh-CN" sz="1600" dirty="0"/>
+              <a:rPr lang="en-US" altLang="zh-CN" sz="1800" dirty="0"/>
               <a:t> mount /media/u /dev/sdb1</a:t>
             </a:r>
+          </a:p>
+          <a:p>
+            <a:pPr marL="457200" lvl="1" indent="0">
+              <a:buNone/>
+            </a:pPr>
+            <a:endParaRPr lang="en-US" altLang="zh-CN" sz="1800" dirty="0"/>
           </a:p>
           <a:p>
             <a:r>
@@ -8673,6 +8731,40 @@
             <a:r>
               <a:rPr lang="zh-CN" altLang="en-US" sz="2000" dirty="0"/>
               <a:t>进行卸载</a:t>
+            </a:r>
+            <a:endParaRPr lang="en-US" altLang="zh-CN" sz="2000" dirty="0"/>
+          </a:p>
+          <a:p>
+            <a:endParaRPr lang="en-US" altLang="zh-CN" sz="2000" dirty="0"/>
+          </a:p>
+          <a:p>
+            <a:r>
+              <a:rPr lang="zh-CN" altLang="en-US" sz="2000" dirty="0"/>
+              <a:t>而要使用</a:t>
+            </a:r>
+            <a:r>
+              <a:rPr lang="en-US" altLang="zh-CN" sz="2000" dirty="0" err="1"/>
+              <a:t>fdisk</a:t>
+            </a:r>
+            <a:r>
+              <a:rPr lang="zh-CN" altLang="en-US" sz="2000" dirty="0"/>
+              <a:t>对</a:t>
+            </a:r>
+            <a:r>
+              <a:rPr lang="en-US" altLang="zh-CN" sz="2000" dirty="0"/>
+              <a:t>U</a:t>
+            </a:r>
+            <a:r>
+              <a:rPr lang="zh-CN" altLang="en-US" sz="2000" dirty="0"/>
+              <a:t>盘</a:t>
+            </a:r>
+            <a:r>
+              <a:rPr lang="en-US" altLang="zh-CN" sz="2000" dirty="0"/>
+              <a:t>/</a:t>
+            </a:r>
+            <a:r>
+              <a:rPr lang="zh-CN" altLang="en-US" sz="2000" dirty="0"/>
+              <a:t>硬盘等其他已挂载的存储设备进行分区操作，则必须要先卸载才可以。</a:t>
             </a:r>
             <a:endParaRPr lang="en-US" altLang="zh-CN" sz="2000" dirty="0"/>
           </a:p>
@@ -9053,6 +9145,9 @@
             <a:endParaRPr lang="en-US" altLang="zh-CN" sz="2000" dirty="0"/>
           </a:p>
           <a:p>
+            <a:endParaRPr lang="en-US" altLang="zh-CN" sz="2000" dirty="0"/>
+          </a:p>
+          <a:p>
             <a:r>
               <a:rPr lang="en-US" altLang="zh-CN" sz="2000" dirty="0"/>
               <a:t>Linux</a:t>
@@ -9067,8 +9162,19 @@
             </a:r>
             <a:r>
               <a:rPr lang="zh-CN" altLang="en-US" sz="2000" dirty="0"/>
-              <a:t>表示根目录，也就是整个目录树的顶层。我们在操作中用到的目录结构，是建立在内存中的目录结构，要与磁盘文件系统中的目录结构区分开。虽然内存中的目录结构来自于硬盘文件系统的目录，但内存中的目录结构额外挂载了很多系统启动过程中生成的信息。</a:t>
-            </a:r>
+              <a:t>表示根目录，也就是整个目录树的顶层。</a:t>
+            </a:r>
+            <a:r>
+              <a:rPr lang="en-US" altLang="zh-CN" sz="2000" dirty="0"/>
+              <a:t>Linux</a:t>
+            </a:r>
+            <a:r>
+              <a:rPr lang="zh-CN" altLang="en-US" sz="2000" dirty="0"/>
+              <a:t>启动时会把磁盘存储的文件信息映射为内存中的树型结构。我们在操作中用到的目录结构，是建立在内存中的目录结构，要与磁盘文件系统中的目录结构区分开。</a:t>
+            </a:r>
+            <a:endParaRPr lang="en-US" altLang="zh-CN" sz="2000" dirty="0"/>
+          </a:p>
+          <a:p>
             <a:endParaRPr lang="en-US" altLang="zh-CN" sz="2000" dirty="0"/>
           </a:p>
           <a:p>
@@ -9087,6 +9193,9 @@
             <a:endParaRPr lang="en-US" altLang="zh-CN" sz="2000" dirty="0"/>
           </a:p>
           <a:p>
+            <a:endParaRPr lang="en-US" altLang="zh-CN" sz="2000" dirty="0"/>
+          </a:p>
+          <a:p>
             <a:r>
               <a:rPr lang="zh-CN" altLang="en-US" sz="2000" dirty="0"/>
               <a:t>所有的目录都至少包含两个子目录，</a:t>
@@ -9117,7 +9226,7 @@
             </a:r>
             <a:r>
               <a:rPr lang="en-US" altLang="zh-CN" sz="2000" dirty="0"/>
-              <a:t>..</a:t>
+              <a:t>.. </a:t>
             </a:r>
             <a:r>
               <a:rPr lang="zh-CN" altLang="en-US" sz="2000" dirty="0"/>
@@ -10648,17 +10757,6 @@
           <a:p>
             <a:r>
               <a:rPr lang="en-US" altLang="zh-CN" sz="2000" dirty="0"/>
-              <a:t>ls </a:t>
-            </a:r>
-            <a:r>
-              <a:rPr lang="zh-CN" altLang="en-US" sz="2000" dirty="0"/>
-              <a:t>任意目录（绝对路径）可查看指定目录下的内容</a:t>
-            </a:r>
-            <a:endParaRPr lang="en-US" altLang="zh-CN" sz="2000" dirty="0"/>
-          </a:p>
-          <a:p>
-            <a:r>
-              <a:rPr lang="en-US" altLang="zh-CN" sz="2000" dirty="0"/>
               <a:t>ls -a </a:t>
             </a:r>
             <a:r>
@@ -10869,6 +10967,9 @@
             <a:endParaRPr lang="en-US" altLang="zh-CN" sz="2000" dirty="0"/>
           </a:p>
           <a:p>
+            <a:endParaRPr lang="en-US" altLang="zh-CN" sz="2000" dirty="0"/>
+          </a:p>
+          <a:p>
             <a:r>
               <a:rPr lang="zh-CN" altLang="en-US" sz="2000" dirty="0"/>
               <a:t>在根目录</a:t>
@@ -10900,6 +11001,9 @@
             <a:endParaRPr lang="en-US" altLang="zh-CN" sz="2000" dirty="0"/>
           </a:p>
           <a:p>
+            <a:endParaRPr lang="en-US" altLang="zh-CN" sz="2000" dirty="0"/>
+          </a:p>
+          <a:p>
             <a:r>
               <a:rPr lang="zh-CN" altLang="en-US" sz="2000" dirty="0"/>
               <a:t>在任何目录下使用</a:t>
@@ -10912,6 +11016,9 @@
               <a:rPr lang="zh-CN" altLang="en-US" sz="2000" dirty="0"/>
               <a:t>进入当前用户的主目录</a:t>
             </a:r>
+            <a:endParaRPr lang="en-US" altLang="zh-CN" sz="2000" dirty="0"/>
+          </a:p>
+          <a:p>
             <a:endParaRPr lang="en-US" altLang="zh-CN" sz="2000" dirty="0"/>
           </a:p>
           <a:p>
@@ -11018,8 +11125,11 @@
             </a:r>
             <a:r>
               <a:rPr lang="zh-CN" altLang="en-US" sz="2000" dirty="0"/>
-              <a:t>目录下的文件是外接设备映射文件</a:t>
-            </a:r>
+              <a:t>目录下的文件是外接设备映射文件。</a:t>
+            </a:r>
+            <a:endParaRPr lang="en-US" altLang="zh-CN" sz="2000" dirty="0"/>
+          </a:p>
+          <a:p>
             <a:endParaRPr lang="en-US" altLang="zh-CN" sz="2000" dirty="0"/>
           </a:p>
           <a:p>
@@ -11058,6 +11168,9 @@
             <a:endParaRPr lang="en-US" altLang="zh-CN" sz="2000" dirty="0"/>
           </a:p>
           <a:p>
+            <a:endParaRPr lang="en-US" altLang="zh-CN" sz="2000" dirty="0"/>
+          </a:p>
+          <a:p>
             <a:r>
               <a:rPr lang="en-US" altLang="zh-CN" sz="2000" dirty="0"/>
               <a:t>sda1</a:t>
@@ -11104,8 +11217,11 @@
             </a:r>
             <a:r>
               <a:rPr lang="zh-CN" altLang="en-US" sz="2000" dirty="0"/>
-              <a:t>都表示第一个逻辑分区</a:t>
-            </a:r>
+              <a:t>都表示第一个逻辑分区。</a:t>
+            </a:r>
+            <a:endParaRPr lang="en-US" altLang="zh-CN" sz="2000" dirty="0"/>
+          </a:p>
+          <a:p>
             <a:endParaRPr lang="en-US" altLang="zh-CN" sz="2000" dirty="0"/>
           </a:p>
           <a:p>
@@ -11131,19 +11247,14 @@
             </a:r>
             <a:r>
               <a:rPr lang="zh-CN" altLang="en-US" sz="2000" dirty="0"/>
-              <a:t>等文件表示光盘存储设备</a:t>
+              <a:t>等文件表示光盘存储设备。</a:t>
             </a:r>
             <a:endParaRPr lang="en-US" altLang="zh-CN" sz="2000" dirty="0"/>
           </a:p>
           <a:p>
-            <a:r>
-              <a:rPr lang="zh-CN" altLang="en-US" sz="2000" dirty="0"/>
-              <a:t>管理存储设备的命令：</a:t>
-            </a:r>
-            <a:r>
-              <a:rPr lang="en-US" altLang="zh-CN" sz="2000" dirty="0" err="1"/>
-              <a:t>fdisk</a:t>
-            </a:r>
+            <a:pPr marL="0" indent="0">
+              <a:buNone/>
+            </a:pPr>
             <a:endParaRPr lang="en-US" altLang="zh-CN" sz="2000" dirty="0"/>
           </a:p>
         </p:txBody>

--- a/materials/slides/ch02-file-system-and-dir-architecture.pptx
+++ b/materials/slides/ch02-file-system-and-dir-architecture.pptx
@@ -8145,7 +8145,19 @@
             </a:r>
             <a:r>
               <a:rPr lang="fr-FR" altLang="zh-CN" sz="2000" dirty="0"/>
-              <a:t>edu@software:~$ sudo mkfs -t ext3 /dev/sd</a:t>
+              <a:t>sudo mkfs -t ext</a:t>
+            </a:r>
+            <a:r>
+              <a:rPr lang="en-US" altLang="zh-CN" sz="2000"/>
+              <a:t>4</a:t>
+            </a:r>
+            <a:r>
+              <a:rPr lang="fr-FR" altLang="zh-CN" sz="2000"/>
+              <a:t> </a:t>
+            </a:r>
+            <a:r>
+              <a:rPr lang="fr-FR" altLang="zh-CN" sz="2000" dirty="0"/>
+              <a:t>/dev/sd</a:t>
             </a:r>
             <a:r>
               <a:rPr lang="en-US" altLang="zh-CN" sz="2000" dirty="0"/>
@@ -8851,7 +8863,7 @@
           <a:p>
             <a:r>
               <a:rPr lang="zh-CN" altLang="en-US" sz="2000" dirty="0"/>
-              <a:t>文件系统是操作系统用于在外部存储设备（主要是硬盘）上组织文件的机制。不同的文件系统组织文件的方式不同，性能会有差异，所以格式也会不同。常见的文件系统格式有</a:t>
+              <a:t>文件系统是操作系统用于在外部存储设备（主要是硬盘）上组织文件的机制。不同的文件系统组织文件的方式不同，性能会有差异。常见的文件系统格式有</a:t>
             </a:r>
             <a:r>
               <a:rPr lang="en-US" altLang="zh-CN" sz="2000" dirty="0"/>
@@ -9164,6 +9176,9 @@
               <a:rPr lang="zh-CN" altLang="en-US" sz="2000" dirty="0"/>
               <a:t>表示根目录，也就是整个目录树的顶层。</a:t>
             </a:r>
+            <a:endParaRPr lang="en-US" altLang="zh-CN" sz="2000" dirty="0"/>
+          </a:p>
+          <a:p>
             <a:r>
               <a:rPr lang="en-US" altLang="zh-CN" sz="2000" dirty="0"/>
               <a:t>Linux</a:t>
@@ -10750,122 +10765,143 @@
             </a:r>
             <a:r>
               <a:rPr lang="zh-CN" altLang="en-US" sz="2000" dirty="0"/>
-              <a:t>可查看当前目录下的内容</a:t>
+              <a:t>可查看当前目录下的内容：</a:t>
             </a:r>
             <a:endParaRPr lang="en-US" altLang="zh-CN" sz="2000" dirty="0"/>
           </a:p>
           <a:p>
-            <a:r>
-              <a:rPr lang="en-US" altLang="zh-CN" sz="2000" dirty="0"/>
+            <a:pPr marL="457200" lvl="1" indent="0">
+              <a:buNone/>
+            </a:pPr>
+            <a:r>
+              <a:rPr lang="en-US" altLang="zh-CN" sz="1800" dirty="0"/>
               <a:t>ls -a </a:t>
             </a:r>
             <a:r>
-              <a:rPr lang="zh-CN" altLang="en-US" sz="2000" dirty="0"/>
+              <a:rPr lang="zh-CN" altLang="en-US" sz="1800" dirty="0"/>
               <a:t>显示目录下的所有内容，包括以 </a:t>
             </a:r>
             <a:r>
-              <a:rPr lang="en-US" altLang="zh-CN" sz="2000" dirty="0"/>
+              <a:rPr lang="en-US" altLang="zh-CN" sz="1800" dirty="0"/>
               <a:t>. </a:t>
             </a:r>
             <a:r>
-              <a:rPr lang="zh-CN" altLang="en-US" sz="2000" dirty="0"/>
+              <a:rPr lang="zh-CN" altLang="en-US" sz="1800" dirty="0"/>
               <a:t>开头的隐藏文件。</a:t>
             </a:r>
-            <a:endParaRPr lang="en-US" altLang="zh-CN" sz="2000" dirty="0"/>
-          </a:p>
-          <a:p>
-            <a:r>
-              <a:rPr lang="en-US" altLang="zh-CN" sz="2000" dirty="0"/>
+            <a:endParaRPr lang="en-US" altLang="zh-CN" sz="1800" dirty="0"/>
+          </a:p>
+          <a:p>
+            <a:pPr marL="457200" lvl="1" indent="0">
+              <a:buNone/>
+            </a:pPr>
+            <a:endParaRPr lang="en-US" altLang="zh-CN" sz="1800" dirty="0"/>
+          </a:p>
+          <a:p>
+            <a:pPr marL="457200" lvl="1" indent="0">
+              <a:buNone/>
+            </a:pPr>
+            <a:r>
+              <a:rPr lang="en-US" altLang="zh-CN" sz="1800" dirty="0"/>
               <a:t>ls -l </a:t>
             </a:r>
             <a:r>
-              <a:rPr lang="zh-CN" altLang="en-US" sz="2000" dirty="0"/>
+              <a:rPr lang="zh-CN" altLang="en-US" sz="1800" dirty="0"/>
               <a:t>以详细方式显示目录内容信息</a:t>
             </a:r>
-            <a:endParaRPr lang="en-US" altLang="zh-CN" sz="2000" dirty="0"/>
-          </a:p>
-          <a:p>
-            <a:r>
-              <a:rPr lang="en-US" altLang="zh-CN" sz="2000" dirty="0"/>
+            <a:endParaRPr lang="en-US" altLang="zh-CN" sz="1800" dirty="0"/>
+          </a:p>
+          <a:p>
+            <a:pPr marL="457200" lvl="1" indent="0">
+              <a:buNone/>
+            </a:pPr>
+            <a:endParaRPr lang="en-US" altLang="zh-CN" sz="1800" dirty="0"/>
+          </a:p>
+          <a:p>
+            <a:pPr marL="457200" lvl="1" indent="0">
+              <a:buNone/>
+            </a:pPr>
+            <a:r>
+              <a:rPr lang="en-US" altLang="zh-CN" sz="1800" dirty="0"/>
               <a:t>ls -t </a:t>
             </a:r>
             <a:r>
-              <a:rPr lang="zh-CN" altLang="en-US" sz="2000" dirty="0"/>
+              <a:rPr lang="zh-CN" altLang="en-US" sz="1800" dirty="0"/>
               <a:t>按修改时间排序，最新的排在最前边</a:t>
             </a:r>
-            <a:endParaRPr lang="en-US" altLang="zh-CN" sz="2000" dirty="0"/>
-          </a:p>
-          <a:p>
-            <a:r>
-              <a:rPr lang="en-US" altLang="zh-CN" sz="2000" dirty="0"/>
+            <a:endParaRPr lang="en-US" altLang="zh-CN" sz="1800" dirty="0"/>
+          </a:p>
+          <a:p>
+            <a:pPr marL="457200" lvl="1" indent="0">
+              <a:buNone/>
+            </a:pPr>
+            <a:endParaRPr lang="en-US" altLang="zh-CN" sz="1800" dirty="0"/>
+          </a:p>
+          <a:p>
+            <a:pPr marL="457200" lvl="1" indent="0">
+              <a:buNone/>
+            </a:pPr>
+            <a:r>
+              <a:rPr lang="en-US" altLang="zh-CN" sz="1800" dirty="0"/>
               <a:t>ls -R </a:t>
             </a:r>
             <a:r>
-              <a:rPr lang="zh-CN" altLang="en-US" sz="2000" dirty="0"/>
+              <a:rPr lang="zh-CN" altLang="en-US" sz="1800" dirty="0"/>
               <a:t>递归显示目录内容</a:t>
             </a:r>
-            <a:endParaRPr lang="en-US" altLang="zh-CN" sz="2000" dirty="0"/>
-          </a:p>
-          <a:p>
-            <a:r>
-              <a:rPr lang="en-US" altLang="zh-CN" sz="2000" dirty="0"/>
+            <a:endParaRPr lang="en-US" altLang="zh-CN" sz="1800" dirty="0"/>
+          </a:p>
+          <a:p>
+            <a:pPr marL="457200" lvl="1" indent="0">
+              <a:buNone/>
+            </a:pPr>
+            <a:endParaRPr lang="en-US" altLang="zh-CN" sz="1800" dirty="0"/>
+          </a:p>
+          <a:p>
+            <a:pPr marL="457200" lvl="1" indent="0">
+              <a:buNone/>
+            </a:pPr>
+            <a:r>
+              <a:rPr lang="en-US" altLang="zh-CN" sz="1800" dirty="0"/>
               <a:t>ls -S </a:t>
             </a:r>
             <a:r>
-              <a:rPr lang="zh-CN" altLang="en-US" sz="2000" dirty="0"/>
+              <a:rPr lang="zh-CN" altLang="en-US" sz="1800" dirty="0"/>
               <a:t>按文件大小排序，大的在前</a:t>
             </a:r>
-            <a:endParaRPr lang="en-US" altLang="zh-CN" sz="2000" dirty="0"/>
-          </a:p>
-          <a:p>
-            <a:r>
-              <a:rPr lang="en-US" altLang="zh-CN" sz="2000" dirty="0" err="1"/>
-              <a:t>ll</a:t>
-            </a:r>
-            <a:r>
-              <a:rPr lang="en-US" altLang="zh-CN" sz="2000" dirty="0"/>
-              <a:t> = ls -</a:t>
-            </a:r>
-            <a:r>
-              <a:rPr lang="en-US" altLang="zh-CN" sz="2000" dirty="0" err="1"/>
-              <a:t>alF</a:t>
-            </a:r>
-            <a:r>
-              <a:rPr lang="zh-CN" altLang="en-US" sz="2000" dirty="0"/>
-              <a:t>（使用</a:t>
-            </a:r>
-            <a:r>
-              <a:rPr lang="en-US" altLang="zh-CN" sz="2000" dirty="0"/>
-              <a:t>alias</a:t>
-            </a:r>
-            <a:r>
-              <a:rPr lang="zh-CN" altLang="en-US" sz="2000" dirty="0"/>
-              <a:t>命令查看别名）</a:t>
-            </a:r>
-            <a:endParaRPr lang="en-US" altLang="zh-CN" sz="2000" dirty="0"/>
-          </a:p>
-          <a:p>
-            <a:r>
-              <a:rPr lang="zh-CN" altLang="en-US" sz="2000" dirty="0"/>
+            <a:endParaRPr lang="en-US" altLang="zh-CN" sz="1800" dirty="0"/>
+          </a:p>
+          <a:p>
+            <a:pPr marL="457200" lvl="1" indent="0">
+              <a:buNone/>
+            </a:pPr>
+            <a:endParaRPr lang="en-US" altLang="zh-CN" sz="1800"/>
+          </a:p>
+          <a:p>
+            <a:pPr marL="457200" lvl="1" indent="0">
+              <a:buNone/>
+            </a:pPr>
+            <a:r>
+              <a:rPr lang="zh-CN" altLang="en-US" sz="1800"/>
               <a:t>使用</a:t>
             </a:r>
             <a:r>
-              <a:rPr lang="en-US" altLang="zh-CN" sz="2000" dirty="0"/>
+              <a:rPr lang="en-US" altLang="zh-CN" sz="1800" dirty="0"/>
               <a:t>man ls</a:t>
             </a:r>
             <a:r>
-              <a:rPr lang="zh-CN" altLang="en-US" sz="2000" dirty="0"/>
+              <a:rPr lang="zh-CN" altLang="en-US" sz="1800" dirty="0"/>
               <a:t>可查看</a:t>
             </a:r>
             <a:r>
-              <a:rPr lang="en-US" altLang="zh-CN" sz="2000" dirty="0"/>
+              <a:rPr lang="en-US" altLang="zh-CN" sz="1800" dirty="0"/>
               <a:t>ls</a:t>
             </a:r>
             <a:r>
-              <a:rPr lang="zh-CN" altLang="en-US" sz="2000" dirty="0"/>
+              <a:rPr lang="zh-CN" altLang="en-US" sz="1800" dirty="0"/>
               <a:t>命令帮助手册</a:t>
             </a:r>
-            <a:endParaRPr lang="en-US" altLang="zh-CN" sz="2000" dirty="0"/>
+            <a:endParaRPr lang="en-US" altLang="zh-CN" sz="1800" dirty="0"/>
           </a:p>
         </p:txBody>
       </p:sp>

--- a/materials/slides/ch02-file-system-and-dir-architecture.pptx
+++ b/materials/slides/ch02-file-system-and-dir-architecture.pptx
@@ -222,7 +222,7 @@
           <a:p>
             <a:fld id="{81B1570E-56A9-452D-BA49-87391B8E5E3C}" type="datetimeFigureOut">
               <a:rPr lang="zh-CN" altLang="en-US" smtClean="0"/>
-              <a:t>2018/3/1</a:t>
+              <a:t>2018/3/2</a:t>
             </a:fld>
             <a:endParaRPr lang="zh-CN" altLang="en-US"/>
           </a:p>
@@ -728,7 +728,7 @@
           <a:p>
             <a:fld id="{02E60DA2-A0BC-48C9-AA88-75C78721B420}" type="datetimeFigureOut">
               <a:rPr lang="zh-CN" altLang="en-US" smtClean="0"/>
-              <a:t>2018/3/1</a:t>
+              <a:t>2018/3/2</a:t>
             </a:fld>
             <a:endParaRPr lang="zh-CN" altLang="en-US"/>
           </a:p>
@@ -950,7 +950,7 @@
           <a:p>
             <a:fld id="{02E60DA2-A0BC-48C9-AA88-75C78721B420}" type="datetimeFigureOut">
               <a:rPr lang="zh-CN" altLang="en-US" smtClean="0"/>
-              <a:t>2018/3/1</a:t>
+              <a:t>2018/3/2</a:t>
             </a:fld>
             <a:endParaRPr lang="zh-CN" altLang="en-US"/>
           </a:p>
@@ -1182,7 +1182,7 @@
           <a:p>
             <a:fld id="{02E60DA2-A0BC-48C9-AA88-75C78721B420}" type="datetimeFigureOut">
               <a:rPr lang="zh-CN" altLang="en-US" smtClean="0"/>
-              <a:t>2018/3/1</a:t>
+              <a:t>2018/3/2</a:t>
             </a:fld>
             <a:endParaRPr lang="zh-CN" altLang="en-US"/>
           </a:p>
@@ -1432,7 +1432,7 @@
           <a:p>
             <a:fld id="{02E60DA2-A0BC-48C9-AA88-75C78721B420}" type="datetimeFigureOut">
               <a:rPr lang="zh-CN" altLang="en-US" smtClean="0"/>
-              <a:t>2018/3/1</a:t>
+              <a:t>2018/3/2</a:t>
             </a:fld>
             <a:endParaRPr lang="zh-CN" altLang="en-US"/>
           </a:p>
@@ -1670,7 +1670,7 @@
           <a:p>
             <a:fld id="{02E60DA2-A0BC-48C9-AA88-75C78721B420}" type="datetimeFigureOut">
               <a:rPr lang="zh-CN" altLang="en-US" smtClean="0"/>
-              <a:t>2018/3/1</a:t>
+              <a:t>2018/3/2</a:t>
             </a:fld>
             <a:endParaRPr lang="zh-CN" altLang="en-US"/>
           </a:p>
@@ -1975,7 +1975,7 @@
           <a:p>
             <a:fld id="{02E60DA2-A0BC-48C9-AA88-75C78721B420}" type="datetimeFigureOut">
               <a:rPr lang="zh-CN" altLang="en-US" smtClean="0"/>
-              <a:t>2018/3/1</a:t>
+              <a:t>2018/3/2</a:t>
             </a:fld>
             <a:endParaRPr lang="zh-CN" altLang="en-US"/>
           </a:p>
@@ -2278,7 +2278,7 @@
           <a:p>
             <a:fld id="{02E60DA2-A0BC-48C9-AA88-75C78721B420}" type="datetimeFigureOut">
               <a:rPr lang="zh-CN" altLang="en-US" smtClean="0"/>
-              <a:t>2018/3/1</a:t>
+              <a:t>2018/3/2</a:t>
             </a:fld>
             <a:endParaRPr lang="zh-CN" altLang="en-US"/>
           </a:p>
@@ -2729,7 +2729,7 @@
           <a:p>
             <a:fld id="{02E60DA2-A0BC-48C9-AA88-75C78721B420}" type="datetimeFigureOut">
               <a:rPr lang="zh-CN" altLang="en-US" smtClean="0"/>
-              <a:t>2018/3/1</a:t>
+              <a:t>2018/3/2</a:t>
             </a:fld>
             <a:endParaRPr lang="zh-CN" altLang="en-US"/>
           </a:p>
@@ -2902,7 +2902,7 @@
           <a:p>
             <a:fld id="{02E60DA2-A0BC-48C9-AA88-75C78721B420}" type="datetimeFigureOut">
               <a:rPr lang="zh-CN" altLang="en-US" smtClean="0"/>
-              <a:t>2018/3/1</a:t>
+              <a:t>2018/3/2</a:t>
             </a:fld>
             <a:endParaRPr lang="zh-CN" altLang="en-US"/>
           </a:p>
@@ -3039,7 +3039,7 @@
           <a:p>
             <a:fld id="{02E60DA2-A0BC-48C9-AA88-75C78721B420}" type="datetimeFigureOut">
               <a:rPr lang="zh-CN" altLang="en-US" smtClean="0"/>
-              <a:t>2018/3/1</a:t>
+              <a:t>2018/3/2</a:t>
             </a:fld>
             <a:endParaRPr lang="zh-CN" altLang="en-US"/>
           </a:p>
@@ -3383,7 +3383,7 @@
           <a:p>
             <a:fld id="{02E60DA2-A0BC-48C9-AA88-75C78721B420}" type="datetimeFigureOut">
               <a:rPr lang="zh-CN" altLang="en-US" smtClean="0"/>
-              <a:t>2018/3/1</a:t>
+              <a:t>2018/3/2</a:t>
             </a:fld>
             <a:endParaRPr lang="zh-CN" altLang="en-US"/>
           </a:p>
@@ -3605,7 +3605,7 @@
           <a:p>
             <a:fld id="{02E60DA2-A0BC-48C9-AA88-75C78721B420}" type="datetimeFigureOut">
               <a:rPr lang="zh-CN" altLang="en-US" smtClean="0"/>
-              <a:t>2018/3/1</a:t>
+              <a:t>2018/3/2</a:t>
             </a:fld>
             <a:endParaRPr lang="zh-CN" altLang="en-US"/>
           </a:p>
@@ -3926,7 +3926,7 @@
           <a:p>
             <a:fld id="{02E60DA2-A0BC-48C9-AA88-75C78721B420}" type="datetimeFigureOut">
               <a:rPr lang="zh-CN" altLang="en-US" smtClean="0"/>
-              <a:t>2018/3/1</a:t>
+              <a:t>2018/3/2</a:t>
             </a:fld>
             <a:endParaRPr lang="zh-CN" altLang="en-US"/>
           </a:p>
@@ -4164,7 +4164,7 @@
           <a:p>
             <a:fld id="{02E60DA2-A0BC-48C9-AA88-75C78721B420}" type="datetimeFigureOut">
               <a:rPr lang="zh-CN" altLang="en-US" smtClean="0"/>
-              <a:t>2018/3/1</a:t>
+              <a:t>2018/3/2</a:t>
             </a:fld>
             <a:endParaRPr lang="zh-CN" altLang="en-US"/>
           </a:p>
@@ -4402,7 +4402,7 @@
           <a:p>
             <a:fld id="{02E60DA2-A0BC-48C9-AA88-75C78721B420}" type="datetimeFigureOut">
               <a:rPr lang="zh-CN" altLang="en-US" smtClean="0"/>
-              <a:t>2018/3/1</a:t>
+              <a:t>2018/3/2</a:t>
             </a:fld>
             <a:endParaRPr lang="zh-CN" altLang="en-US"/>
           </a:p>
@@ -4701,7 +4701,7 @@
           <a:p>
             <a:fld id="{02E60DA2-A0BC-48C9-AA88-75C78721B420}" type="datetimeFigureOut">
               <a:rPr lang="zh-CN" altLang="en-US" smtClean="0"/>
-              <a:t>2018/3/1</a:t>
+              <a:t>2018/3/2</a:t>
             </a:fld>
             <a:endParaRPr lang="zh-CN" altLang="en-US"/>
           </a:p>
@@ -4990,7 +4990,7 @@
           <a:p>
             <a:fld id="{02E60DA2-A0BC-48C9-AA88-75C78721B420}" type="datetimeFigureOut">
               <a:rPr lang="zh-CN" altLang="en-US" smtClean="0"/>
-              <a:t>2018/3/1</a:t>
+              <a:t>2018/3/2</a:t>
             </a:fld>
             <a:endParaRPr lang="zh-CN" altLang="en-US"/>
           </a:p>
@@ -5426,7 +5426,7 @@
           <a:p>
             <a:fld id="{02E60DA2-A0BC-48C9-AA88-75C78721B420}" type="datetimeFigureOut">
               <a:rPr lang="zh-CN" altLang="en-US" smtClean="0"/>
-              <a:t>2018/3/1</a:t>
+              <a:t>2018/3/2</a:t>
             </a:fld>
             <a:endParaRPr lang="zh-CN" altLang="en-US"/>
           </a:p>
@@ -5591,7 +5591,7 @@
           <a:p>
             <a:fld id="{02E60DA2-A0BC-48C9-AA88-75C78721B420}" type="datetimeFigureOut">
               <a:rPr lang="zh-CN" altLang="en-US" smtClean="0"/>
-              <a:t>2018/3/1</a:t>
+              <a:t>2018/3/2</a:t>
             </a:fld>
             <a:endParaRPr lang="zh-CN" altLang="en-US"/>
           </a:p>
@@ -5728,7 +5728,7 @@
           <a:p>
             <a:fld id="{02E60DA2-A0BC-48C9-AA88-75C78721B420}" type="datetimeFigureOut">
               <a:rPr lang="zh-CN" altLang="en-US" smtClean="0"/>
-              <a:t>2018/3/1</a:t>
+              <a:t>2018/3/2</a:t>
             </a:fld>
             <a:endParaRPr lang="zh-CN" altLang="en-US"/>
           </a:p>
@@ -6063,7 +6063,7 @@
           <a:p>
             <a:fld id="{02E60DA2-A0BC-48C9-AA88-75C78721B420}" type="datetimeFigureOut">
               <a:rPr lang="zh-CN" altLang="en-US" smtClean="0"/>
-              <a:t>2018/3/1</a:t>
+              <a:t>2018/3/2</a:t>
             </a:fld>
             <a:endParaRPr lang="zh-CN" altLang="en-US"/>
           </a:p>
@@ -6375,7 +6375,7 @@
           <a:p>
             <a:fld id="{02E60DA2-A0BC-48C9-AA88-75C78721B420}" type="datetimeFigureOut">
               <a:rPr lang="zh-CN" altLang="en-US" smtClean="0"/>
-              <a:t>2018/3/1</a:t>
+              <a:t>2018/3/2</a:t>
             </a:fld>
             <a:endParaRPr lang="zh-CN" altLang="en-US"/>
           </a:p>
@@ -7524,20 +7524,13 @@
             <a:r>
               <a:rPr lang="zh-CN" altLang="en-US" sz="3600" dirty="0">
                 <a:solidFill>
-                  <a:schemeClr val="tx2">
-                    <a:lumMod val="50000"/>
+                  <a:schemeClr val="tx1">
+                    <a:lumMod val="95000"/>
+                    <a:lumOff val="5000"/>
                   </a:schemeClr>
                 </a:solidFill>
               </a:rPr>
-              <a:t>第二讲 </a:t>
-            </a:r>
-            <a:r>
-              <a:rPr lang="zh-CN" altLang="en-US" sz="3600" dirty="0">
-                <a:solidFill>
-                  <a:srgbClr val="C00000"/>
-                </a:solidFill>
-              </a:rPr>
-              <a:t>目录结构与磁盘管理</a:t>
+              <a:t>第二讲 目录结构与磁盘管理</a:t>
             </a:r>
           </a:p>
         </p:txBody>
@@ -8335,7 +8328,7 @@
           <p:nvPr>
             <p:extLst>
               <p:ext uri="{D42A27DB-BD31-4B8C-83A1-F6EECF244321}">
-                <p14:modId xmlns:p14="http://schemas.microsoft.com/office/powerpoint/2010/main" val="2574112449"/>
+                <p14:modId xmlns:p14="http://schemas.microsoft.com/office/powerpoint/2010/main" val="2426776002"/>
               </p:ext>
             </p:extLst>
           </p:nvPr>
@@ -8375,7 +8368,7 @@
                       <a:pPr algn="r"/>
                       <a:r>
                         <a:rPr lang="en-US" altLang="zh-CN" dirty="0"/>
-                        <a:t>mount  -r  /media/c  /dev/sdb2</a:t>
+                        <a:t>mount  -r  /dev/sdb2  /media/c</a:t>
                       </a:r>
                       <a:endParaRPr lang="zh-CN" altLang="en-US" dirty="0"/>
                     </a:p>
@@ -8410,7 +8403,7 @@
                       <a:pPr algn="r"/>
                       <a:r>
                         <a:rPr lang="en-US" altLang="zh-CN" dirty="0"/>
-                        <a:t>mount  -t ext4  /media/c  /dev/sdb2</a:t>
+                        <a:t>mount  -t ext4  /dev/sdb2  /media/c</a:t>
                       </a:r>
                       <a:endParaRPr lang="zh-CN" altLang="en-US" dirty="0"/>
                     </a:p>
@@ -8718,7 +8711,7 @@
             </a:r>
             <a:r>
               <a:rPr lang="en-US" altLang="zh-CN" sz="1800" dirty="0"/>
-              <a:t> mount /media/u /dev/sdb1</a:t>
+              <a:t> mount  /dev/sdb1  /media/u</a:t>
             </a:r>
           </a:p>
           <a:p>
@@ -9146,36 +9139,31 @@
             <a:endParaRPr lang="en-US" altLang="zh-CN" sz="2000" dirty="0"/>
           </a:p>
           <a:p>
+            <a:pPr marL="0" indent="0">
+              <a:buNone/>
+            </a:pPr>
+            <a:endParaRPr lang="en-US" altLang="zh-CN" sz="2000" dirty="0"/>
+          </a:p>
+          <a:p>
             <a:r>
               <a:rPr lang="en-US" altLang="zh-CN" sz="2000" dirty="0"/>
               <a:t>Linux</a:t>
             </a:r>
             <a:r>
               <a:rPr lang="zh-CN" altLang="en-US" sz="2000" dirty="0"/>
-              <a:t>中一切皆文件。硬件都以特殊文件的形式存放在特定的目录中。</a:t>
-            </a:r>
-            <a:endParaRPr lang="en-US" altLang="zh-CN" sz="2000" dirty="0"/>
-          </a:p>
-          <a:p>
-            <a:endParaRPr lang="en-US" altLang="zh-CN" sz="2000" dirty="0"/>
-          </a:p>
-          <a:p>
+              <a:t>使用 </a:t>
+            </a:r>
             <a:r>
               <a:rPr lang="en-US" altLang="zh-CN" sz="2000" dirty="0"/>
-              <a:t>Linux</a:t>
-            </a:r>
-            <a:r>
-              <a:rPr lang="zh-CN" altLang="en-US" sz="2000" dirty="0"/>
-              <a:t>使用</a:t>
-            </a:r>
-            <a:r>
-              <a:rPr lang="en-US" altLang="zh-CN" sz="2000" dirty="0"/>
-              <a:t>/</a:t>
+              <a:t>/ </a:t>
             </a:r>
             <a:r>
               <a:rPr lang="zh-CN" altLang="en-US" sz="2000" dirty="0"/>
               <a:t>表示根目录，也就是整个目录树的顶层。</a:t>
             </a:r>
+            <a:endParaRPr lang="en-US" altLang="zh-CN" sz="2000" dirty="0"/>
+          </a:p>
+          <a:p>
             <a:endParaRPr lang="en-US" altLang="zh-CN" sz="2000" dirty="0"/>
           </a:p>
           <a:p>
@@ -9345,30 +9333,30 @@
             <p:ph idx="1"/>
             <p:extLst>
               <p:ext uri="{D42A27DB-BD31-4B8C-83A1-F6EECF244321}">
-                <p14:modId xmlns:p14="http://schemas.microsoft.com/office/powerpoint/2010/main" val="2453021059"/>
+                <p14:modId xmlns:p14="http://schemas.microsoft.com/office/powerpoint/2010/main" val="1604000478"/>
               </p:ext>
             </p:extLst>
           </p:nvPr>
         </p:nvGraphicFramePr>
         <p:xfrm>
-          <a:off x="838200" y="1703388"/>
-          <a:ext cx="10515600" cy="4852080"/>
+          <a:off x="838200" y="1703386"/>
+          <a:ext cx="10515600" cy="4963740"/>
         </p:xfrm>
         <a:graphic>
           <a:graphicData uri="http://schemas.openxmlformats.org/drawingml/2006/table">
             <a:tbl>
               <a:tblPr firstRow="1" bandRow="1">
-                <a:tableStyleId>{5C22544A-7EE6-4342-B048-85BDC9FD1C3A}</a:tableStyleId>
+                <a:tableStyleId>{3B4B98B0-60AC-42C2-AFA5-B58CD77FA1E5}</a:tableStyleId>
               </a:tblPr>
               <a:tblGrid>
-                <a:gridCol w="2171330">
+                <a:gridCol w="1656425">
                   <a:extLst>
                     <a:ext uri="{9D8B030D-6E8A-4147-A177-3AD203B41FA5}">
                       <a16:colId xmlns:a16="http://schemas.microsoft.com/office/drawing/2014/main" val="1713819717"/>
                     </a:ext>
                   </a:extLst>
                 </a:gridCol>
-                <a:gridCol w="8344270">
+                <a:gridCol w="8859175">
                   <a:extLst>
                     <a:ext uri="{9D8B030D-6E8A-4147-A177-3AD203B41FA5}">
                       <a16:colId xmlns:a16="http://schemas.microsoft.com/office/drawing/2014/main" val="2545813197"/>
@@ -9376,7 +9364,7 @@
                   </a:extLst>
                 </a:gridCol>
               </a:tblGrid>
-              <a:tr h="468000">
+              <a:tr h="496374">
                 <a:tc>
                   <a:txBody>
                     <a:bodyPr/>
@@ -9409,7 +9397,7 @@
                   </a:ext>
                 </a:extLst>
               </a:tr>
-              <a:tr h="468000">
+              <a:tr h="496374">
                 <a:tc>
                   <a:txBody>
                     <a:bodyPr/>
@@ -9443,7 +9431,7 @@
                   </a:ext>
                 </a:extLst>
               </a:tr>
-              <a:tr h="468000">
+              <a:tr h="496374">
                 <a:tc>
                   <a:txBody>
                     <a:bodyPr/>
@@ -9497,7 +9485,7 @@
                   </a:ext>
                 </a:extLst>
               </a:tr>
-              <a:tr h="468000">
+              <a:tr h="496374">
                 <a:tc>
                   <a:txBody>
                     <a:bodyPr/>
@@ -9531,7 +9519,7 @@
                   </a:ext>
                 </a:extLst>
               </a:tr>
-              <a:tr h="468000">
+              <a:tr h="496374">
                 <a:tc>
                   <a:txBody>
                     <a:bodyPr/>
@@ -9565,7 +9553,7 @@
                   </a:ext>
                 </a:extLst>
               </a:tr>
-              <a:tr h="468000">
+              <a:tr h="496374">
                 <a:tc>
                   <a:txBody>
                     <a:bodyPr/>
@@ -9611,7 +9599,7 @@
                   </a:ext>
                 </a:extLst>
               </a:tr>
-              <a:tr h="468000">
+              <a:tr h="496374">
                 <a:tc>
                   <a:txBody>
                     <a:bodyPr/>
@@ -9661,7 +9649,7 @@
                   </a:ext>
                 </a:extLst>
               </a:tr>
-              <a:tr h="468000">
+              <a:tr h="496374">
                 <a:tc>
                   <a:txBody>
                     <a:bodyPr/>
@@ -9711,7 +9699,7 @@
                   </a:ext>
                 </a:extLst>
               </a:tr>
-              <a:tr h="468000">
+              <a:tr h="496374">
                 <a:tc>
                   <a:txBody>
                     <a:bodyPr/>
@@ -9749,7 +9737,7 @@
                   </a:ext>
                 </a:extLst>
               </a:tr>
-              <a:tr h="468000">
+              <a:tr h="496374">
                 <a:tc>
                   <a:txBody>
                     <a:bodyPr/>
@@ -9869,30 +9857,30 @@
             <p:ph idx="1"/>
             <p:extLst>
               <p:ext uri="{D42A27DB-BD31-4B8C-83A1-F6EECF244321}">
-                <p14:modId xmlns:p14="http://schemas.microsoft.com/office/powerpoint/2010/main" val="4068728563"/>
+                <p14:modId xmlns:p14="http://schemas.microsoft.com/office/powerpoint/2010/main" val="3090359772"/>
               </p:ext>
             </p:extLst>
           </p:nvPr>
         </p:nvGraphicFramePr>
         <p:xfrm>
-          <a:off x="838200" y="1703388"/>
-          <a:ext cx="10515600" cy="4852080"/>
+          <a:off x="838200" y="1703387"/>
+          <a:ext cx="10515600" cy="4981500"/>
         </p:xfrm>
         <a:graphic>
           <a:graphicData uri="http://schemas.openxmlformats.org/drawingml/2006/table">
             <a:tbl>
               <a:tblPr firstRow="1" bandRow="1">
-                <a:tableStyleId>{5C22544A-7EE6-4342-B048-85BDC9FD1C3A}</a:tableStyleId>
+                <a:tableStyleId>{3B4B98B0-60AC-42C2-AFA5-B58CD77FA1E5}</a:tableStyleId>
               </a:tblPr>
               <a:tblGrid>
-                <a:gridCol w="2171330">
+                <a:gridCol w="1816223">
                   <a:extLst>
                     <a:ext uri="{9D8B030D-6E8A-4147-A177-3AD203B41FA5}">
                       <a16:colId xmlns:a16="http://schemas.microsoft.com/office/drawing/2014/main" val="1713819717"/>
                     </a:ext>
                   </a:extLst>
                 </a:gridCol>
-                <a:gridCol w="8344270">
+                <a:gridCol w="8699377">
                   <a:extLst>
                     <a:ext uri="{9D8B030D-6E8A-4147-A177-3AD203B41FA5}">
                       <a16:colId xmlns:a16="http://schemas.microsoft.com/office/drawing/2014/main" val="2545813197"/>
@@ -9900,7 +9888,7 @@
                   </a:extLst>
                 </a:gridCol>
               </a:tblGrid>
-              <a:tr h="468000">
+              <a:tr h="498150">
                 <a:tc>
                   <a:txBody>
                     <a:bodyPr/>
@@ -9933,7 +9921,7 @@
                   </a:ext>
                 </a:extLst>
               </a:tr>
-              <a:tr h="468000">
+              <a:tr h="498150">
                 <a:tc>
                   <a:txBody>
                     <a:bodyPr/>
@@ -9967,7 +9955,7 @@
                   </a:ext>
                 </a:extLst>
               </a:tr>
-              <a:tr h="468000">
+              <a:tr h="498150">
                 <a:tc>
                   <a:txBody>
                     <a:bodyPr/>
@@ -10009,7 +9997,7 @@
                   </a:ext>
                 </a:extLst>
               </a:tr>
-              <a:tr h="468000">
+              <a:tr h="498150">
                 <a:tc>
                   <a:txBody>
                     <a:bodyPr/>
@@ -10043,7 +10031,7 @@
                   </a:ext>
                 </a:extLst>
               </a:tr>
-              <a:tr h="468000">
+              <a:tr h="498150">
                 <a:tc>
                   <a:txBody>
                     <a:bodyPr/>
@@ -10077,7 +10065,7 @@
                   </a:ext>
                 </a:extLst>
               </a:tr>
-              <a:tr h="468000">
+              <a:tr h="498150">
                 <a:tc>
                   <a:txBody>
                     <a:bodyPr/>
@@ -10115,7 +10103,7 @@
                   </a:ext>
                 </a:extLst>
               </a:tr>
-              <a:tr h="468000">
+              <a:tr h="498150">
                 <a:tc>
                   <a:txBody>
                     <a:bodyPr/>
@@ -10153,7 +10141,7 @@
                   </a:ext>
                 </a:extLst>
               </a:tr>
-              <a:tr h="468000">
+              <a:tr h="498150">
                 <a:tc>
                   <a:txBody>
                     <a:bodyPr/>
@@ -10195,7 +10183,7 @@
                   </a:ext>
                 </a:extLst>
               </a:tr>
-              <a:tr h="468000">
+              <a:tr h="498150">
                 <a:tc>
                   <a:txBody>
                     <a:bodyPr/>
@@ -10241,7 +10229,7 @@
                   </a:ext>
                 </a:extLst>
               </a:tr>
-              <a:tr h="468000">
+              <a:tr h="498150">
                 <a:tc>
                   <a:txBody>
                     <a:bodyPr/>
@@ -10357,7 +10345,7 @@
             <p:ph idx="1"/>
             <p:extLst>
               <p:ext uri="{D42A27DB-BD31-4B8C-83A1-F6EECF244321}">
-                <p14:modId xmlns:p14="http://schemas.microsoft.com/office/powerpoint/2010/main" val="1779891023"/>
+                <p14:modId xmlns:p14="http://schemas.microsoft.com/office/powerpoint/2010/main" val="370291021"/>
               </p:ext>
             </p:extLst>
           </p:nvPr>
@@ -10373,14 +10361,14 @@
                 <a:tableStyleId>{2D5ABB26-0587-4C30-8999-92F81FD0307C}</a:tableStyleId>
               </a:tblPr>
               <a:tblGrid>
-                <a:gridCol w="2171330">
+                <a:gridCol w="1478872">
                   <a:extLst>
                     <a:ext uri="{9D8B030D-6E8A-4147-A177-3AD203B41FA5}">
                       <a16:colId xmlns:a16="http://schemas.microsoft.com/office/drawing/2014/main" val="1713819717"/>
                     </a:ext>
                   </a:extLst>
                 </a:gridCol>
-                <a:gridCol w="8344270">
+                <a:gridCol w="9036728">
                   <a:extLst>
                     <a:ext uri="{9D8B030D-6E8A-4147-A177-3AD203B41FA5}">
                       <a16:colId xmlns:a16="http://schemas.microsoft.com/office/drawing/2014/main" val="2545813197"/>
@@ -11237,7 +11225,7 @@
             </a:r>
             <a:r>
               <a:rPr lang="zh-CN" altLang="en-US" sz="2000" dirty="0"/>
-              <a:t>个主分区和扩展分区，其中扩展分区的个数最多为</a:t>
+              <a:t>个主分区，如果需要更多分区就要使用扩展分区，其中扩展分区的个数最多为</a:t>
             </a:r>
             <a:r>
               <a:rPr lang="en-US" altLang="zh-CN" sz="2000" dirty="0"/>

--- a/materials/slides/ch02-file-system-and-dir-architecture.pptx
+++ b/materials/slides/ch02-file-system-and-dir-architecture.pptx
@@ -222,7 +222,7 @@
           <a:p>
             <a:fld id="{81B1570E-56A9-452D-BA49-87391B8E5E3C}" type="datetimeFigureOut">
               <a:rPr lang="zh-CN" altLang="en-US" smtClean="0"/>
-              <a:t>2018/3/2</a:t>
+              <a:t>2018/3/3</a:t>
             </a:fld>
             <a:endParaRPr lang="zh-CN" altLang="en-US"/>
           </a:p>
@@ -728,7 +728,7 @@
           <a:p>
             <a:fld id="{02E60DA2-A0BC-48C9-AA88-75C78721B420}" type="datetimeFigureOut">
               <a:rPr lang="zh-CN" altLang="en-US" smtClean="0"/>
-              <a:t>2018/3/2</a:t>
+              <a:t>2018/3/3</a:t>
             </a:fld>
             <a:endParaRPr lang="zh-CN" altLang="en-US"/>
           </a:p>
@@ -950,7 +950,7 @@
           <a:p>
             <a:fld id="{02E60DA2-A0BC-48C9-AA88-75C78721B420}" type="datetimeFigureOut">
               <a:rPr lang="zh-CN" altLang="en-US" smtClean="0"/>
-              <a:t>2018/3/2</a:t>
+              <a:t>2018/3/3</a:t>
             </a:fld>
             <a:endParaRPr lang="zh-CN" altLang="en-US"/>
           </a:p>
@@ -1182,7 +1182,7 @@
           <a:p>
             <a:fld id="{02E60DA2-A0BC-48C9-AA88-75C78721B420}" type="datetimeFigureOut">
               <a:rPr lang="zh-CN" altLang="en-US" smtClean="0"/>
-              <a:t>2018/3/2</a:t>
+              <a:t>2018/3/3</a:t>
             </a:fld>
             <a:endParaRPr lang="zh-CN" altLang="en-US"/>
           </a:p>
@@ -1432,7 +1432,7 @@
           <a:p>
             <a:fld id="{02E60DA2-A0BC-48C9-AA88-75C78721B420}" type="datetimeFigureOut">
               <a:rPr lang="zh-CN" altLang="en-US" smtClean="0"/>
-              <a:t>2018/3/2</a:t>
+              <a:t>2018/3/3</a:t>
             </a:fld>
             <a:endParaRPr lang="zh-CN" altLang="en-US"/>
           </a:p>
@@ -1670,7 +1670,7 @@
           <a:p>
             <a:fld id="{02E60DA2-A0BC-48C9-AA88-75C78721B420}" type="datetimeFigureOut">
               <a:rPr lang="zh-CN" altLang="en-US" smtClean="0"/>
-              <a:t>2018/3/2</a:t>
+              <a:t>2018/3/3</a:t>
             </a:fld>
             <a:endParaRPr lang="zh-CN" altLang="en-US"/>
           </a:p>
@@ -1975,7 +1975,7 @@
           <a:p>
             <a:fld id="{02E60DA2-A0BC-48C9-AA88-75C78721B420}" type="datetimeFigureOut">
               <a:rPr lang="zh-CN" altLang="en-US" smtClean="0"/>
-              <a:t>2018/3/2</a:t>
+              <a:t>2018/3/3</a:t>
             </a:fld>
             <a:endParaRPr lang="zh-CN" altLang="en-US"/>
           </a:p>
@@ -2278,7 +2278,7 @@
           <a:p>
             <a:fld id="{02E60DA2-A0BC-48C9-AA88-75C78721B420}" type="datetimeFigureOut">
               <a:rPr lang="zh-CN" altLang="en-US" smtClean="0"/>
-              <a:t>2018/3/2</a:t>
+              <a:t>2018/3/3</a:t>
             </a:fld>
             <a:endParaRPr lang="zh-CN" altLang="en-US"/>
           </a:p>
@@ -2729,7 +2729,7 @@
           <a:p>
             <a:fld id="{02E60DA2-A0BC-48C9-AA88-75C78721B420}" type="datetimeFigureOut">
               <a:rPr lang="zh-CN" altLang="en-US" smtClean="0"/>
-              <a:t>2018/3/2</a:t>
+              <a:t>2018/3/3</a:t>
             </a:fld>
             <a:endParaRPr lang="zh-CN" altLang="en-US"/>
           </a:p>
@@ -2902,7 +2902,7 @@
           <a:p>
             <a:fld id="{02E60DA2-A0BC-48C9-AA88-75C78721B420}" type="datetimeFigureOut">
               <a:rPr lang="zh-CN" altLang="en-US" smtClean="0"/>
-              <a:t>2018/3/2</a:t>
+              <a:t>2018/3/3</a:t>
             </a:fld>
             <a:endParaRPr lang="zh-CN" altLang="en-US"/>
           </a:p>
@@ -3039,7 +3039,7 @@
           <a:p>
             <a:fld id="{02E60DA2-A0BC-48C9-AA88-75C78721B420}" type="datetimeFigureOut">
               <a:rPr lang="zh-CN" altLang="en-US" smtClean="0"/>
-              <a:t>2018/3/2</a:t>
+              <a:t>2018/3/3</a:t>
             </a:fld>
             <a:endParaRPr lang="zh-CN" altLang="en-US"/>
           </a:p>
@@ -3383,7 +3383,7 @@
           <a:p>
             <a:fld id="{02E60DA2-A0BC-48C9-AA88-75C78721B420}" type="datetimeFigureOut">
               <a:rPr lang="zh-CN" altLang="en-US" smtClean="0"/>
-              <a:t>2018/3/2</a:t>
+              <a:t>2018/3/3</a:t>
             </a:fld>
             <a:endParaRPr lang="zh-CN" altLang="en-US"/>
           </a:p>
@@ -3605,7 +3605,7 @@
           <a:p>
             <a:fld id="{02E60DA2-A0BC-48C9-AA88-75C78721B420}" type="datetimeFigureOut">
               <a:rPr lang="zh-CN" altLang="en-US" smtClean="0"/>
-              <a:t>2018/3/2</a:t>
+              <a:t>2018/3/3</a:t>
             </a:fld>
             <a:endParaRPr lang="zh-CN" altLang="en-US"/>
           </a:p>
@@ -3926,7 +3926,7 @@
           <a:p>
             <a:fld id="{02E60DA2-A0BC-48C9-AA88-75C78721B420}" type="datetimeFigureOut">
               <a:rPr lang="zh-CN" altLang="en-US" smtClean="0"/>
-              <a:t>2018/3/2</a:t>
+              <a:t>2018/3/3</a:t>
             </a:fld>
             <a:endParaRPr lang="zh-CN" altLang="en-US"/>
           </a:p>
@@ -4164,7 +4164,7 @@
           <a:p>
             <a:fld id="{02E60DA2-A0BC-48C9-AA88-75C78721B420}" type="datetimeFigureOut">
               <a:rPr lang="zh-CN" altLang="en-US" smtClean="0"/>
-              <a:t>2018/3/2</a:t>
+              <a:t>2018/3/3</a:t>
             </a:fld>
             <a:endParaRPr lang="zh-CN" altLang="en-US"/>
           </a:p>
@@ -4402,7 +4402,7 @@
           <a:p>
             <a:fld id="{02E60DA2-A0BC-48C9-AA88-75C78721B420}" type="datetimeFigureOut">
               <a:rPr lang="zh-CN" altLang="en-US" smtClean="0"/>
-              <a:t>2018/3/2</a:t>
+              <a:t>2018/3/3</a:t>
             </a:fld>
             <a:endParaRPr lang="zh-CN" altLang="en-US"/>
           </a:p>
@@ -4701,7 +4701,7 @@
           <a:p>
             <a:fld id="{02E60DA2-A0BC-48C9-AA88-75C78721B420}" type="datetimeFigureOut">
               <a:rPr lang="zh-CN" altLang="en-US" smtClean="0"/>
-              <a:t>2018/3/2</a:t>
+              <a:t>2018/3/3</a:t>
             </a:fld>
             <a:endParaRPr lang="zh-CN" altLang="en-US"/>
           </a:p>
@@ -4990,7 +4990,7 @@
           <a:p>
             <a:fld id="{02E60DA2-A0BC-48C9-AA88-75C78721B420}" type="datetimeFigureOut">
               <a:rPr lang="zh-CN" altLang="en-US" smtClean="0"/>
-              <a:t>2018/3/2</a:t>
+              <a:t>2018/3/3</a:t>
             </a:fld>
             <a:endParaRPr lang="zh-CN" altLang="en-US"/>
           </a:p>
@@ -5426,7 +5426,7 @@
           <a:p>
             <a:fld id="{02E60DA2-A0BC-48C9-AA88-75C78721B420}" type="datetimeFigureOut">
               <a:rPr lang="zh-CN" altLang="en-US" smtClean="0"/>
-              <a:t>2018/3/2</a:t>
+              <a:t>2018/3/3</a:t>
             </a:fld>
             <a:endParaRPr lang="zh-CN" altLang="en-US"/>
           </a:p>
@@ -5591,7 +5591,7 @@
           <a:p>
             <a:fld id="{02E60DA2-A0BC-48C9-AA88-75C78721B420}" type="datetimeFigureOut">
               <a:rPr lang="zh-CN" altLang="en-US" smtClean="0"/>
-              <a:t>2018/3/2</a:t>
+              <a:t>2018/3/3</a:t>
             </a:fld>
             <a:endParaRPr lang="zh-CN" altLang="en-US"/>
           </a:p>
@@ -5728,7 +5728,7 @@
           <a:p>
             <a:fld id="{02E60DA2-A0BC-48C9-AA88-75C78721B420}" type="datetimeFigureOut">
               <a:rPr lang="zh-CN" altLang="en-US" smtClean="0"/>
-              <a:t>2018/3/2</a:t>
+              <a:t>2018/3/3</a:t>
             </a:fld>
             <a:endParaRPr lang="zh-CN" altLang="en-US"/>
           </a:p>
@@ -6063,7 +6063,7 @@
           <a:p>
             <a:fld id="{02E60DA2-A0BC-48C9-AA88-75C78721B420}" type="datetimeFigureOut">
               <a:rPr lang="zh-CN" altLang="en-US" smtClean="0"/>
-              <a:t>2018/3/2</a:t>
+              <a:t>2018/3/3</a:t>
             </a:fld>
             <a:endParaRPr lang="zh-CN" altLang="en-US"/>
           </a:p>
@@ -6375,7 +6375,7 @@
           <a:p>
             <a:fld id="{02E60DA2-A0BC-48C9-AA88-75C78721B420}" type="datetimeFigureOut">
               <a:rPr lang="zh-CN" altLang="en-US" smtClean="0"/>
-              <a:t>2018/3/2</a:t>
+              <a:t>2018/3/3</a:t>
             </a:fld>
             <a:endParaRPr lang="zh-CN" altLang="en-US"/>
           </a:p>
@@ -8730,8 +8730,8 @@
               <a:t>umount</a:t>
             </a:r>
             <a:r>
-              <a:rPr lang="en-US" altLang="zh-CN" sz="2000" dirty="0"/>
-              <a:t> /dev/sdb1 </a:t>
+              <a:rPr lang="en-US" altLang="zh-CN" sz="2000"/>
+              <a:t> /media/u </a:t>
             </a:r>
             <a:r>
               <a:rPr lang="zh-CN" altLang="en-US" sz="2000" dirty="0"/>

--- a/materials/slides/ch02-file-system-and-dir-architecture.pptx
+++ b/materials/slides/ch02-file-system-and-dir-architecture.pptx
@@ -222,7 +222,7 @@
           <a:p>
             <a:fld id="{81B1570E-56A9-452D-BA49-87391B8E5E3C}" type="datetimeFigureOut">
               <a:rPr lang="zh-CN" altLang="en-US" smtClean="0"/>
-              <a:t>2018/3/3</a:t>
+              <a:t>2018/3/4</a:t>
             </a:fld>
             <a:endParaRPr lang="zh-CN" altLang="en-US"/>
           </a:p>
@@ -728,7 +728,7 @@
           <a:p>
             <a:fld id="{02E60DA2-A0BC-48C9-AA88-75C78721B420}" type="datetimeFigureOut">
               <a:rPr lang="zh-CN" altLang="en-US" smtClean="0"/>
-              <a:t>2018/3/3</a:t>
+              <a:t>2018/3/4</a:t>
             </a:fld>
             <a:endParaRPr lang="zh-CN" altLang="en-US"/>
           </a:p>
@@ -950,7 +950,7 @@
           <a:p>
             <a:fld id="{02E60DA2-A0BC-48C9-AA88-75C78721B420}" type="datetimeFigureOut">
               <a:rPr lang="zh-CN" altLang="en-US" smtClean="0"/>
-              <a:t>2018/3/3</a:t>
+              <a:t>2018/3/4</a:t>
             </a:fld>
             <a:endParaRPr lang="zh-CN" altLang="en-US"/>
           </a:p>
@@ -1182,7 +1182,7 @@
           <a:p>
             <a:fld id="{02E60DA2-A0BC-48C9-AA88-75C78721B420}" type="datetimeFigureOut">
               <a:rPr lang="zh-CN" altLang="en-US" smtClean="0"/>
-              <a:t>2018/3/3</a:t>
+              <a:t>2018/3/4</a:t>
             </a:fld>
             <a:endParaRPr lang="zh-CN" altLang="en-US"/>
           </a:p>
@@ -1432,7 +1432,7 @@
           <a:p>
             <a:fld id="{02E60DA2-A0BC-48C9-AA88-75C78721B420}" type="datetimeFigureOut">
               <a:rPr lang="zh-CN" altLang="en-US" smtClean="0"/>
-              <a:t>2018/3/3</a:t>
+              <a:t>2018/3/4</a:t>
             </a:fld>
             <a:endParaRPr lang="zh-CN" altLang="en-US"/>
           </a:p>
@@ -1670,7 +1670,7 @@
           <a:p>
             <a:fld id="{02E60DA2-A0BC-48C9-AA88-75C78721B420}" type="datetimeFigureOut">
               <a:rPr lang="zh-CN" altLang="en-US" smtClean="0"/>
-              <a:t>2018/3/3</a:t>
+              <a:t>2018/3/4</a:t>
             </a:fld>
             <a:endParaRPr lang="zh-CN" altLang="en-US"/>
           </a:p>
@@ -1975,7 +1975,7 @@
           <a:p>
             <a:fld id="{02E60DA2-A0BC-48C9-AA88-75C78721B420}" type="datetimeFigureOut">
               <a:rPr lang="zh-CN" altLang="en-US" smtClean="0"/>
-              <a:t>2018/3/3</a:t>
+              <a:t>2018/3/4</a:t>
             </a:fld>
             <a:endParaRPr lang="zh-CN" altLang="en-US"/>
           </a:p>
@@ -2278,7 +2278,7 @@
           <a:p>
             <a:fld id="{02E60DA2-A0BC-48C9-AA88-75C78721B420}" type="datetimeFigureOut">
               <a:rPr lang="zh-CN" altLang="en-US" smtClean="0"/>
-              <a:t>2018/3/3</a:t>
+              <a:t>2018/3/4</a:t>
             </a:fld>
             <a:endParaRPr lang="zh-CN" altLang="en-US"/>
           </a:p>
@@ -2729,7 +2729,7 @@
           <a:p>
             <a:fld id="{02E60DA2-A0BC-48C9-AA88-75C78721B420}" type="datetimeFigureOut">
               <a:rPr lang="zh-CN" altLang="en-US" smtClean="0"/>
-              <a:t>2018/3/3</a:t>
+              <a:t>2018/3/4</a:t>
             </a:fld>
             <a:endParaRPr lang="zh-CN" altLang="en-US"/>
           </a:p>
@@ -2902,7 +2902,7 @@
           <a:p>
             <a:fld id="{02E60DA2-A0BC-48C9-AA88-75C78721B420}" type="datetimeFigureOut">
               <a:rPr lang="zh-CN" altLang="en-US" smtClean="0"/>
-              <a:t>2018/3/3</a:t>
+              <a:t>2018/3/4</a:t>
             </a:fld>
             <a:endParaRPr lang="zh-CN" altLang="en-US"/>
           </a:p>
@@ -3039,7 +3039,7 @@
           <a:p>
             <a:fld id="{02E60DA2-A0BC-48C9-AA88-75C78721B420}" type="datetimeFigureOut">
               <a:rPr lang="zh-CN" altLang="en-US" smtClean="0"/>
-              <a:t>2018/3/3</a:t>
+              <a:t>2018/3/4</a:t>
             </a:fld>
             <a:endParaRPr lang="zh-CN" altLang="en-US"/>
           </a:p>
@@ -3383,7 +3383,7 @@
           <a:p>
             <a:fld id="{02E60DA2-A0BC-48C9-AA88-75C78721B420}" type="datetimeFigureOut">
               <a:rPr lang="zh-CN" altLang="en-US" smtClean="0"/>
-              <a:t>2018/3/3</a:t>
+              <a:t>2018/3/4</a:t>
             </a:fld>
             <a:endParaRPr lang="zh-CN" altLang="en-US"/>
           </a:p>
@@ -3605,7 +3605,7 @@
           <a:p>
             <a:fld id="{02E60DA2-A0BC-48C9-AA88-75C78721B420}" type="datetimeFigureOut">
               <a:rPr lang="zh-CN" altLang="en-US" smtClean="0"/>
-              <a:t>2018/3/3</a:t>
+              <a:t>2018/3/4</a:t>
             </a:fld>
             <a:endParaRPr lang="zh-CN" altLang="en-US"/>
           </a:p>
@@ -3926,7 +3926,7 @@
           <a:p>
             <a:fld id="{02E60DA2-A0BC-48C9-AA88-75C78721B420}" type="datetimeFigureOut">
               <a:rPr lang="zh-CN" altLang="en-US" smtClean="0"/>
-              <a:t>2018/3/3</a:t>
+              <a:t>2018/3/4</a:t>
             </a:fld>
             <a:endParaRPr lang="zh-CN" altLang="en-US"/>
           </a:p>
@@ -4164,7 +4164,7 @@
           <a:p>
             <a:fld id="{02E60DA2-A0BC-48C9-AA88-75C78721B420}" type="datetimeFigureOut">
               <a:rPr lang="zh-CN" altLang="en-US" smtClean="0"/>
-              <a:t>2018/3/3</a:t>
+              <a:t>2018/3/4</a:t>
             </a:fld>
             <a:endParaRPr lang="zh-CN" altLang="en-US"/>
           </a:p>
@@ -4402,7 +4402,7 @@
           <a:p>
             <a:fld id="{02E60DA2-A0BC-48C9-AA88-75C78721B420}" type="datetimeFigureOut">
               <a:rPr lang="zh-CN" altLang="en-US" smtClean="0"/>
-              <a:t>2018/3/3</a:t>
+              <a:t>2018/3/4</a:t>
             </a:fld>
             <a:endParaRPr lang="zh-CN" altLang="en-US"/>
           </a:p>
@@ -4701,7 +4701,7 @@
           <a:p>
             <a:fld id="{02E60DA2-A0BC-48C9-AA88-75C78721B420}" type="datetimeFigureOut">
               <a:rPr lang="zh-CN" altLang="en-US" smtClean="0"/>
-              <a:t>2018/3/3</a:t>
+              <a:t>2018/3/4</a:t>
             </a:fld>
             <a:endParaRPr lang="zh-CN" altLang="en-US"/>
           </a:p>
@@ -4990,7 +4990,7 @@
           <a:p>
             <a:fld id="{02E60DA2-A0BC-48C9-AA88-75C78721B420}" type="datetimeFigureOut">
               <a:rPr lang="zh-CN" altLang="en-US" smtClean="0"/>
-              <a:t>2018/3/3</a:t>
+              <a:t>2018/3/4</a:t>
             </a:fld>
             <a:endParaRPr lang="zh-CN" altLang="en-US"/>
           </a:p>
@@ -5426,7 +5426,7 @@
           <a:p>
             <a:fld id="{02E60DA2-A0BC-48C9-AA88-75C78721B420}" type="datetimeFigureOut">
               <a:rPr lang="zh-CN" altLang="en-US" smtClean="0"/>
-              <a:t>2018/3/3</a:t>
+              <a:t>2018/3/4</a:t>
             </a:fld>
             <a:endParaRPr lang="zh-CN" altLang="en-US"/>
           </a:p>
@@ -5591,7 +5591,7 @@
           <a:p>
             <a:fld id="{02E60DA2-A0BC-48C9-AA88-75C78721B420}" type="datetimeFigureOut">
               <a:rPr lang="zh-CN" altLang="en-US" smtClean="0"/>
-              <a:t>2018/3/3</a:t>
+              <a:t>2018/3/4</a:t>
             </a:fld>
             <a:endParaRPr lang="zh-CN" altLang="en-US"/>
           </a:p>
@@ -5728,7 +5728,7 @@
           <a:p>
             <a:fld id="{02E60DA2-A0BC-48C9-AA88-75C78721B420}" type="datetimeFigureOut">
               <a:rPr lang="zh-CN" altLang="en-US" smtClean="0"/>
-              <a:t>2018/3/3</a:t>
+              <a:t>2018/3/4</a:t>
             </a:fld>
             <a:endParaRPr lang="zh-CN" altLang="en-US"/>
           </a:p>
@@ -6063,7 +6063,7 @@
           <a:p>
             <a:fld id="{02E60DA2-A0BC-48C9-AA88-75C78721B420}" type="datetimeFigureOut">
               <a:rPr lang="zh-CN" altLang="en-US" smtClean="0"/>
-              <a:t>2018/3/3</a:t>
+              <a:t>2018/3/4</a:t>
             </a:fld>
             <a:endParaRPr lang="zh-CN" altLang="en-US"/>
           </a:p>
@@ -6375,7 +6375,7 @@
           <a:p>
             <a:fld id="{02E60DA2-A0BC-48C9-AA88-75C78721B420}" type="datetimeFigureOut">
               <a:rPr lang="zh-CN" altLang="en-US" smtClean="0"/>
-              <a:t>2018/3/3</a:t>
+              <a:t>2018/3/4</a:t>
             </a:fld>
             <a:endParaRPr lang="zh-CN" altLang="en-US"/>
           </a:p>
@@ -7522,7 +7522,7 @@
           <a:lstStyle/>
           <a:p>
             <a:r>
-              <a:rPr lang="zh-CN" altLang="en-US" sz="3600" dirty="0">
+              <a:rPr lang="zh-CN" altLang="en-US" sz="4000" dirty="0">
                 <a:solidFill>
                   <a:schemeClr val="tx1">
                     <a:lumMod val="95000"/>
@@ -8084,104 +8084,115 @@
         </p:nvSpPr>
         <p:spPr/>
         <p:txBody>
-          <a:bodyPr/>
-          <a:lstStyle/>
-          <a:p>
-            <a:r>
-              <a:rPr lang="zh-CN" altLang="en-US" sz="2000" dirty="0"/>
+          <a:bodyPr>
+            <a:normAutofit/>
+          </a:bodyPr>
+          <a:lstStyle/>
+          <a:p>
+            <a:r>
+              <a:rPr lang="zh-CN" altLang="en-US" sz="2400" dirty="0"/>
               <a:t>用途：创建文件系统（格式化）</a:t>
             </a:r>
-            <a:endParaRPr lang="en-US" altLang="zh-CN" sz="2000" dirty="0"/>
-          </a:p>
-          <a:p>
-            <a:r>
-              <a:rPr lang="zh-CN" altLang="en-US" sz="2000" dirty="0"/>
-              <a:t>用法：</a:t>
-            </a:r>
-            <a:r>
-              <a:rPr lang="en-US" altLang="zh-CN" sz="2000" dirty="0" err="1"/>
+            <a:endParaRPr lang="en-US" altLang="zh-CN" sz="2400" dirty="0"/>
+          </a:p>
+          <a:p>
+            <a:endParaRPr lang="en-US" altLang="zh-CN" sz="2400"/>
+          </a:p>
+          <a:p>
+            <a:r>
+              <a:rPr lang="zh-CN" altLang="en-US" sz="2400"/>
+              <a:t>用法</a:t>
+            </a:r>
+            <a:r>
+              <a:rPr lang="zh-CN" altLang="en-US" sz="2400" dirty="0"/>
+              <a:t>：</a:t>
+            </a:r>
+            <a:r>
+              <a:rPr lang="en-US" altLang="zh-CN" sz="2400" dirty="0" err="1"/>
               <a:t>mkfs</a:t>
             </a:r>
             <a:r>
-              <a:rPr lang="en-US" altLang="zh-CN" sz="2000" dirty="0"/>
+              <a:rPr lang="en-US" altLang="zh-CN" sz="2400" dirty="0"/>
               <a:t> -f &lt;</a:t>
             </a:r>
             <a:r>
-              <a:rPr lang="zh-CN" altLang="en-US" sz="2000" dirty="0"/>
+              <a:rPr lang="zh-CN" altLang="en-US" sz="2400" dirty="0"/>
               <a:t>文件系统类型</a:t>
             </a:r>
             <a:r>
-              <a:rPr lang="en-US" altLang="zh-CN" sz="2000" dirty="0"/>
+              <a:rPr lang="en-US" altLang="zh-CN" sz="2400" dirty="0"/>
               <a:t>&gt;</a:t>
             </a:r>
             <a:r>
-              <a:rPr lang="zh-CN" altLang="en-US" sz="2000" dirty="0"/>
+              <a:rPr lang="zh-CN" altLang="en-US" sz="2400" dirty="0"/>
               <a:t> </a:t>
             </a:r>
             <a:r>
-              <a:rPr lang="en-US" altLang="zh-CN" sz="2000" dirty="0"/>
+              <a:rPr lang="en-US" altLang="zh-CN" sz="2400" dirty="0"/>
               <a:t>&lt;</a:t>
             </a:r>
             <a:r>
-              <a:rPr lang="zh-CN" altLang="en-US" sz="2000" dirty="0"/>
+              <a:rPr lang="zh-CN" altLang="en-US" sz="2400" dirty="0"/>
               <a:t>设备分区</a:t>
             </a:r>
             <a:r>
-              <a:rPr lang="en-US" altLang="zh-CN" sz="2000" dirty="0"/>
+              <a:rPr lang="en-US" altLang="zh-CN" sz="2400" dirty="0"/>
               <a:t>&gt;</a:t>
             </a:r>
           </a:p>
           <a:p>
-            <a:r>
-              <a:rPr lang="zh-CN" altLang="en-US" sz="2000" dirty="0"/>
+            <a:endParaRPr lang="en-US" altLang="zh-CN" sz="2400" dirty="0"/>
+          </a:p>
+          <a:p>
+            <a:r>
+              <a:rPr lang="zh-CN" altLang="en-US" sz="2400" dirty="0"/>
               <a:t>示例：</a:t>
             </a:r>
             <a:r>
-              <a:rPr lang="fr-FR" altLang="zh-CN" sz="2000" dirty="0"/>
+              <a:rPr lang="fr-FR" altLang="zh-CN" sz="2400" dirty="0"/>
               <a:t>sudo mkfs -t ext</a:t>
             </a:r>
             <a:r>
-              <a:rPr lang="en-US" altLang="zh-CN" sz="2000"/>
+              <a:rPr lang="en-US" altLang="zh-CN" sz="2400" dirty="0"/>
               <a:t>4</a:t>
             </a:r>
             <a:r>
-              <a:rPr lang="fr-FR" altLang="zh-CN" sz="2000"/>
-              <a:t> </a:t>
-            </a:r>
-            <a:r>
-              <a:rPr lang="fr-FR" altLang="zh-CN" sz="2000" dirty="0"/>
-              <a:t>/dev/sd</a:t>
-            </a:r>
-            <a:r>
-              <a:rPr lang="en-US" altLang="zh-CN" sz="2000" dirty="0"/>
+              <a:rPr lang="fr-FR" altLang="zh-CN" sz="2400" dirty="0"/>
+              <a:t> /dev/sd</a:t>
+            </a:r>
+            <a:r>
+              <a:rPr lang="en-US" altLang="zh-CN" sz="2400" dirty="0"/>
               <a:t>b</a:t>
             </a:r>
             <a:r>
-              <a:rPr lang="fr-FR" altLang="zh-CN" sz="2000" dirty="0"/>
+              <a:rPr lang="fr-FR" altLang="zh-CN" sz="2400" dirty="0"/>
               <a:t>1</a:t>
             </a:r>
           </a:p>
           <a:p>
-            <a:r>
-              <a:rPr lang="en-US" altLang="zh-CN" sz="2000" dirty="0" err="1"/>
+            <a:endParaRPr lang="en-US" altLang="zh-CN" sz="2400" dirty="0"/>
+          </a:p>
+          <a:p>
+            <a:r>
+              <a:rPr lang="en-US" altLang="zh-CN" sz="2400" dirty="0" err="1"/>
               <a:t>mkswap</a:t>
             </a:r>
             <a:r>
-              <a:rPr lang="zh-CN" altLang="en-US" sz="2000" dirty="0"/>
+              <a:rPr lang="zh-CN" altLang="en-US" sz="2400" dirty="0"/>
               <a:t>创建交换文件系统：</a:t>
             </a:r>
             <a:r>
-              <a:rPr lang="en-US" altLang="zh-CN" sz="2000" dirty="0" err="1"/>
+              <a:rPr lang="en-US" altLang="zh-CN" sz="2400" dirty="0" err="1"/>
               <a:t>mkswap</a:t>
             </a:r>
             <a:r>
-              <a:rPr lang="en-US" altLang="zh-CN" sz="2000" dirty="0"/>
+              <a:rPr lang="en-US" altLang="zh-CN" sz="2400" dirty="0"/>
               <a:t> /dev/sda5</a:t>
             </a:r>
-            <a:endParaRPr lang="fr-FR" altLang="zh-CN" sz="2000" dirty="0"/>
-          </a:p>
-          <a:p>
-            <a:endParaRPr lang="zh-CN" altLang="en-US" dirty="0"/>
+            <a:endParaRPr lang="fr-FR" altLang="zh-CN" sz="2400" dirty="0"/>
+          </a:p>
+          <a:p>
+            <a:endParaRPr lang="zh-CN" altLang="en-US" sz="2400" dirty="0"/>
           </a:p>
         </p:txBody>
       </p:sp>
@@ -8278,32 +8289,32 @@
           <a:lstStyle/>
           <a:p>
             <a:r>
-              <a:rPr lang="zh-CN" altLang="en-US" sz="2000" dirty="0"/>
+              <a:rPr lang="zh-CN" altLang="en-US" sz="2400" dirty="0"/>
               <a:t>一个块设备，需要挂载到某一目录（即挂载点）下才可以访问</a:t>
             </a:r>
-            <a:endParaRPr lang="en-US" altLang="zh-CN" sz="2000" dirty="0"/>
-          </a:p>
-          <a:p>
-            <a:r>
-              <a:rPr lang="zh-CN" altLang="en-US" sz="2000" dirty="0"/>
+            <a:endParaRPr lang="en-US" altLang="zh-CN" sz="2400" dirty="0"/>
+          </a:p>
+          <a:p>
+            <a:r>
+              <a:rPr lang="zh-CN" altLang="en-US" sz="2400" dirty="0"/>
               <a:t>目前多数</a:t>
             </a:r>
             <a:r>
-              <a:rPr lang="en-US" altLang="zh-CN" sz="2000" dirty="0"/>
+              <a:rPr lang="en-US" altLang="zh-CN" sz="2400" dirty="0"/>
               <a:t>Linux</a:t>
             </a:r>
             <a:r>
-              <a:rPr lang="zh-CN" altLang="en-US" sz="2000" dirty="0"/>
+              <a:rPr lang="zh-CN" altLang="en-US" sz="2400" dirty="0"/>
               <a:t>桌面发行版为了使用体验会进行自动挂载处理，但还是有必要了解挂载的过程，掌握挂载、卸载命令的使用。</a:t>
             </a:r>
-            <a:endParaRPr lang="en-US" altLang="zh-CN" sz="2000" dirty="0"/>
-          </a:p>
-          <a:p>
-            <a:r>
-              <a:rPr lang="zh-CN" altLang="en-US" sz="2000" dirty="0"/>
+            <a:endParaRPr lang="en-US" altLang="zh-CN" sz="2400" dirty="0"/>
+          </a:p>
+          <a:p>
+            <a:r>
+              <a:rPr lang="zh-CN" altLang="en-US" sz="2400" dirty="0"/>
               <a:t>示例：</a:t>
             </a:r>
-            <a:endParaRPr lang="en-US" altLang="zh-CN" sz="2000" dirty="0"/>
+            <a:endParaRPr lang="en-US" altLang="zh-CN" sz="2400" dirty="0"/>
           </a:p>
           <a:p>
             <a:pPr marL="0" indent="0">
@@ -8328,14 +8339,14 @@
           <p:nvPr>
             <p:extLst>
               <p:ext uri="{D42A27DB-BD31-4B8C-83A1-F6EECF244321}">
-                <p14:modId xmlns:p14="http://schemas.microsoft.com/office/powerpoint/2010/main" val="2426776002"/>
+                <p14:modId xmlns:p14="http://schemas.microsoft.com/office/powerpoint/2010/main" val="3290923913"/>
               </p:ext>
             </p:extLst>
           </p:nvPr>
         </p:nvGraphicFramePr>
         <p:xfrm>
-          <a:off x="838200" y="3229060"/>
-          <a:ext cx="10515600" cy="3446948"/>
+          <a:off x="838200" y="3298120"/>
+          <a:ext cx="10515600" cy="3277248"/>
         </p:xfrm>
         <a:graphic>
           <a:graphicData uri="http://schemas.openxmlformats.org/drawingml/2006/table">
@@ -8359,7 +8370,7 @@
                   </a:extLst>
                 </a:gridCol>
               </a:tblGrid>
-              <a:tr h="861737">
+              <a:tr h="819312">
                 <a:tc>
                   <a:txBody>
                     <a:bodyPr/>
@@ -8367,10 +8378,10 @@
                     <a:p>
                       <a:pPr algn="r"/>
                       <a:r>
-                        <a:rPr lang="en-US" altLang="zh-CN" dirty="0"/>
+                        <a:rPr lang="en-US" altLang="zh-CN" sz="2000" dirty="0"/>
                         <a:t>mount  -r  /dev/sdb2  /media/c</a:t>
                       </a:r>
-                      <a:endParaRPr lang="zh-CN" altLang="en-US" dirty="0"/>
+                      <a:endParaRPr lang="zh-CN" altLang="en-US" sz="2000" dirty="0"/>
                     </a:p>
                   </a:txBody>
                   <a:tcPr anchor="ctr"/>
@@ -8381,7 +8392,7 @@
                     <a:lstStyle/>
                     <a:p>
                       <a:r>
-                        <a:rPr lang="zh-CN" altLang="en-US" dirty="0"/>
+                        <a:rPr lang="zh-CN" altLang="en-US" sz="2000" dirty="0"/>
                         <a:t>只读模式挂载</a:t>
                       </a:r>
                     </a:p>
@@ -8394,7 +8405,7 @@
                   </a:ext>
                 </a:extLst>
               </a:tr>
-              <a:tr h="861737">
+              <a:tr h="819312">
                 <a:tc>
                   <a:txBody>
                     <a:bodyPr/>
@@ -8402,10 +8413,10 @@
                     <a:p>
                       <a:pPr algn="r"/>
                       <a:r>
-                        <a:rPr lang="en-US" altLang="zh-CN" dirty="0"/>
+                        <a:rPr lang="en-US" altLang="zh-CN" sz="2000" dirty="0"/>
                         <a:t>mount  -t ext4  /dev/sdb2  /media/c</a:t>
                       </a:r>
-                      <a:endParaRPr lang="zh-CN" altLang="en-US" dirty="0"/>
+                      <a:endParaRPr lang="zh-CN" altLang="en-US" sz="2000" dirty="0"/>
                     </a:p>
                   </a:txBody>
                   <a:tcPr anchor="ctr"/>
@@ -8416,23 +8427,23 @@
                     <a:lstStyle/>
                     <a:p>
                       <a:r>
-                        <a:rPr lang="zh-CN" altLang="en-US" dirty="0"/>
+                        <a:rPr lang="zh-CN" altLang="en-US" sz="2000" dirty="0"/>
                         <a:t>指定</a:t>
                       </a:r>
                       <a:r>
-                        <a:rPr lang="en-US" altLang="zh-CN" dirty="0"/>
+                        <a:rPr lang="en-US" altLang="zh-CN" sz="2000" dirty="0"/>
                         <a:t>ext4</a:t>
                       </a:r>
                       <a:r>
-                        <a:rPr lang="zh-CN" altLang="en-US" dirty="0"/>
+                        <a:rPr lang="zh-CN" altLang="en-US" sz="2000" dirty="0"/>
                         <a:t>文件系统，一般不用，</a:t>
                       </a:r>
                       <a:r>
-                        <a:rPr lang="en-US" altLang="zh-CN" dirty="0"/>
+                        <a:rPr lang="en-US" altLang="zh-CN" sz="2000" dirty="0"/>
                         <a:t>mount</a:t>
                       </a:r>
                       <a:r>
-                        <a:rPr lang="zh-CN" altLang="en-US" dirty="0"/>
+                        <a:rPr lang="zh-CN" altLang="en-US" sz="2000" dirty="0"/>
                         <a:t>会自动识别文件系统类型</a:t>
                       </a:r>
                     </a:p>
@@ -8445,7 +8456,7 @@
                   </a:ext>
                 </a:extLst>
               </a:tr>
-              <a:tr h="861737">
+              <a:tr h="819312">
                 <a:tc>
                   <a:txBody>
                     <a:bodyPr/>
@@ -8453,54 +8464,54 @@
                     <a:p>
                       <a:pPr algn="r"/>
                       <a:r>
-                        <a:rPr lang="en-US" altLang="zh-CN" dirty="0"/>
+                        <a:rPr lang="en-US" altLang="zh-CN" sz="2000" dirty="0"/>
                         <a:t>mount –t</a:t>
                       </a:r>
                       <a:r>
-                        <a:rPr lang="zh-CN" altLang="en-US" dirty="0"/>
+                        <a:rPr lang="zh-CN" altLang="en-US" sz="2000" dirty="0"/>
                         <a:t> </a:t>
                       </a:r>
                       <a:r>
-                        <a:rPr lang="en-US" altLang="zh-CN" dirty="0"/>
+                        <a:rPr lang="en-US" altLang="zh-CN" sz="2000" dirty="0"/>
                         <a:t>iso9660</a:t>
                       </a:r>
                       <a:r>
-                        <a:rPr lang="zh-CN" altLang="en-US" dirty="0"/>
+                        <a:rPr lang="zh-CN" altLang="en-US" sz="2000" dirty="0"/>
                         <a:t> </a:t>
                       </a:r>
                       <a:r>
-                        <a:rPr lang="en-US" altLang="zh-CN" dirty="0"/>
+                        <a:rPr lang="en-US" altLang="zh-CN" sz="2000" dirty="0"/>
                         <a:t>–o</a:t>
                       </a:r>
                       <a:r>
-                        <a:rPr lang="zh-CN" altLang="en-US" dirty="0"/>
+                        <a:rPr lang="zh-CN" altLang="en-US" sz="2000" dirty="0"/>
                         <a:t> </a:t>
                       </a:r>
                       <a:r>
-                        <a:rPr lang="en-US" altLang="zh-CN" dirty="0"/>
+                        <a:rPr lang="en-US" altLang="zh-CN" sz="2000" dirty="0"/>
                         <a:t>loop</a:t>
                       </a:r>
                       <a:r>
-                        <a:rPr lang="zh-CN" altLang="en-US" dirty="0"/>
+                        <a:rPr lang="zh-CN" altLang="en-US" sz="2000" dirty="0"/>
                         <a:t>  </a:t>
                       </a:r>
                       <a:r>
-                        <a:rPr lang="en-US" altLang="zh-CN" dirty="0"/>
+                        <a:rPr lang="en-US" altLang="zh-CN" sz="2000" dirty="0"/>
                         <a:t>./</a:t>
                       </a:r>
                       <a:r>
-                        <a:rPr lang="en-US" altLang="zh-CN" dirty="0" err="1"/>
+                        <a:rPr lang="en-US" altLang="zh-CN" sz="2000" dirty="0" err="1"/>
                         <a:t>Ubuntu.iso</a:t>
                       </a:r>
                       <a:r>
-                        <a:rPr lang="en-US" altLang="zh-CN" dirty="0"/>
+                        <a:rPr lang="en-US" altLang="zh-CN" sz="2000" dirty="0"/>
                         <a:t>  /media/</a:t>
                       </a:r>
                       <a:r>
-                        <a:rPr lang="en-US" altLang="zh-CN" dirty="0" err="1"/>
+                        <a:rPr lang="en-US" altLang="zh-CN" sz="2000" dirty="0" err="1"/>
                         <a:t>iso</a:t>
                       </a:r>
-                      <a:endParaRPr lang="zh-CN" altLang="en-US" dirty="0"/>
+                      <a:endParaRPr lang="zh-CN" altLang="en-US" sz="2000" dirty="0"/>
                     </a:p>
                   </a:txBody>
                   <a:tcPr anchor="ctr"/>
@@ -8511,18 +8522,18 @@
                     <a:lstStyle/>
                     <a:p>
                       <a:r>
-                        <a:rPr lang="zh-CN" altLang="en-US" dirty="0"/>
+                        <a:rPr lang="zh-CN" altLang="en-US" sz="2000" dirty="0"/>
                         <a:t>挂载</a:t>
                       </a:r>
                       <a:r>
-                        <a:rPr lang="en-US" altLang="zh-CN" dirty="0"/>
+                        <a:rPr lang="en-US" altLang="zh-CN" sz="2000" dirty="0"/>
                         <a:t>ISO</a:t>
                       </a:r>
                       <a:r>
-                        <a:rPr lang="zh-CN" altLang="en-US" dirty="0"/>
+                        <a:rPr lang="zh-CN" altLang="en-US" sz="2000" dirty="0"/>
                         <a:t>文件</a:t>
                       </a:r>
-                      <a:endParaRPr lang="en-US" altLang="zh-CN" dirty="0"/>
+                      <a:endParaRPr lang="en-US" altLang="zh-CN" sz="2000" dirty="0"/>
                     </a:p>
                   </a:txBody>
                   <a:tcPr anchor="ctr"/>
@@ -8533,7 +8544,7 @@
                   </a:ext>
                 </a:extLst>
               </a:tr>
-              <a:tr h="861737">
+              <a:tr h="819312">
                 <a:tc>
                   <a:txBody>
                     <a:bodyPr/>
@@ -8541,14 +8552,14 @@
                     <a:p>
                       <a:pPr algn="r"/>
                       <a:r>
-                        <a:rPr lang="en-US" altLang="zh-CN" dirty="0" err="1"/>
+                        <a:rPr lang="en-US" altLang="zh-CN" sz="2000" dirty="0" err="1"/>
                         <a:t>umount</a:t>
                       </a:r>
                       <a:r>
-                        <a:rPr lang="en-US" altLang="zh-CN" dirty="0"/>
+                        <a:rPr lang="en-US" altLang="zh-CN" sz="2000" dirty="0"/>
                         <a:t>  /media/c</a:t>
                       </a:r>
-                      <a:endParaRPr lang="zh-CN" altLang="en-US" dirty="0"/>
+                      <a:endParaRPr lang="zh-CN" altLang="en-US" sz="2000" dirty="0"/>
                     </a:p>
                   </a:txBody>
                   <a:tcPr anchor="ctr"/>
@@ -8559,7 +8570,7 @@
                     <a:lstStyle/>
                     <a:p>
                       <a:r>
-                        <a:rPr lang="zh-CN" altLang="en-US" dirty="0"/>
+                        <a:rPr lang="zh-CN" altLang="en-US" sz="2000" dirty="0"/>
                         <a:t>卸载挂载点</a:t>
                       </a:r>
                     </a:p>
@@ -8652,65 +8663,67 @@
         </p:nvSpPr>
         <p:spPr/>
         <p:txBody>
-          <a:bodyPr/>
-          <a:lstStyle/>
-          <a:p>
-            <a:r>
-              <a:rPr lang="en-US" altLang="zh-CN" sz="2000" dirty="0"/>
+          <a:bodyPr>
+            <a:normAutofit/>
+          </a:bodyPr>
+          <a:lstStyle/>
+          <a:p>
+            <a:r>
+              <a:rPr lang="en-US" altLang="zh-CN" sz="2400" dirty="0"/>
               <a:t>U</a:t>
             </a:r>
             <a:r>
-              <a:rPr lang="zh-CN" altLang="en-US" sz="2000" dirty="0"/>
+              <a:rPr lang="zh-CN" altLang="en-US" sz="2400" dirty="0"/>
               <a:t>盘对应 </a:t>
             </a:r>
             <a:r>
-              <a:rPr lang="en-US" altLang="zh-CN" sz="2000" dirty="0"/>
+              <a:rPr lang="en-US" altLang="zh-CN" sz="2400" dirty="0"/>
               <a:t>/dev </a:t>
             </a:r>
             <a:r>
-              <a:rPr lang="zh-CN" altLang="en-US" sz="2000" dirty="0"/>
+              <a:rPr lang="zh-CN" altLang="en-US" sz="2400" dirty="0"/>
               <a:t>目录下的</a:t>
             </a:r>
             <a:r>
-              <a:rPr lang="en-US" altLang="zh-CN" sz="2000" dirty="0" err="1"/>
+              <a:rPr lang="en-US" altLang="zh-CN" sz="2400" dirty="0" err="1"/>
               <a:t>sdx</a:t>
             </a:r>
             <a:r>
-              <a:rPr lang="zh-CN" altLang="en-US" sz="2000" dirty="0"/>
+              <a:rPr lang="zh-CN" altLang="en-US" sz="2400" dirty="0"/>
               <a:t>文件。这个时候，可以使用</a:t>
             </a:r>
             <a:r>
-              <a:rPr lang="en-US" altLang="zh-CN" sz="2000" dirty="0" err="1"/>
+              <a:rPr lang="en-US" altLang="zh-CN" sz="2400" dirty="0" err="1"/>
               <a:t>fdisk</a:t>
             </a:r>
             <a:r>
-              <a:rPr lang="zh-CN" altLang="en-US" sz="2000" dirty="0"/>
+              <a:rPr lang="zh-CN" altLang="en-US" sz="2400" dirty="0"/>
               <a:t>进行分区等操作，但是若想读取</a:t>
             </a:r>
             <a:r>
-              <a:rPr lang="en-US" altLang="zh-CN" sz="2000" dirty="0"/>
+              <a:rPr lang="en-US" altLang="zh-CN" sz="2400" dirty="0"/>
               <a:t>U</a:t>
             </a:r>
             <a:r>
-              <a:rPr lang="zh-CN" altLang="en-US" sz="2000" dirty="0"/>
+              <a:rPr lang="zh-CN" altLang="en-US" sz="2400" dirty="0"/>
               <a:t>盘中的文件，必须进行挂载：</a:t>
             </a:r>
-            <a:endParaRPr lang="en-US" altLang="zh-CN" sz="2000" dirty="0"/>
+            <a:endParaRPr lang="en-US" altLang="zh-CN" sz="2400" dirty="0"/>
           </a:p>
           <a:p>
             <a:pPr marL="457200" lvl="1" indent="0">
               <a:buNone/>
             </a:pPr>
             <a:r>
-              <a:rPr lang="en-US" altLang="zh-CN" sz="1600" dirty="0"/>
+              <a:rPr lang="en-US" altLang="zh-CN" dirty="0"/>
               <a:t>    </a:t>
             </a:r>
             <a:r>
-              <a:rPr lang="en-US" altLang="zh-CN" sz="1800" dirty="0" err="1"/>
+              <a:rPr lang="en-US" altLang="zh-CN" dirty="0" err="1"/>
               <a:t>sudo</a:t>
             </a:r>
             <a:r>
-              <a:rPr lang="en-US" altLang="zh-CN" sz="1800" dirty="0"/>
+              <a:rPr lang="en-US" altLang="zh-CN" dirty="0"/>
               <a:t> mount  /dev/sdb1  /media/u</a:t>
             </a:r>
           </a:p>
@@ -8718,60 +8731,60 @@
             <a:pPr marL="457200" lvl="1" indent="0">
               <a:buNone/>
             </a:pPr>
-            <a:endParaRPr lang="en-US" altLang="zh-CN" sz="1800" dirty="0"/>
-          </a:p>
-          <a:p>
-            <a:r>
-              <a:rPr lang="zh-CN" altLang="en-US" sz="2000" dirty="0"/>
+            <a:endParaRPr lang="en-US" altLang="zh-CN" dirty="0"/>
+          </a:p>
+          <a:p>
+            <a:r>
+              <a:rPr lang="zh-CN" altLang="en-US" sz="2400" dirty="0"/>
               <a:t>使用完毕，要用 </a:t>
             </a:r>
             <a:r>
-              <a:rPr lang="en-US" altLang="zh-CN" sz="2000" dirty="0" err="1"/>
+              <a:rPr lang="en-US" altLang="zh-CN" sz="2400" dirty="0" err="1"/>
               <a:t>umount</a:t>
             </a:r>
             <a:r>
-              <a:rPr lang="en-US" altLang="zh-CN" sz="2000"/>
+              <a:rPr lang="en-US" altLang="zh-CN" sz="2400" dirty="0"/>
               <a:t> /media/u </a:t>
             </a:r>
             <a:r>
-              <a:rPr lang="zh-CN" altLang="en-US" sz="2000" dirty="0"/>
+              <a:rPr lang="zh-CN" altLang="en-US" sz="2400" dirty="0"/>
               <a:t>进行卸载</a:t>
             </a:r>
-            <a:endParaRPr lang="en-US" altLang="zh-CN" sz="2000" dirty="0"/>
-          </a:p>
-          <a:p>
-            <a:endParaRPr lang="en-US" altLang="zh-CN" sz="2000" dirty="0"/>
-          </a:p>
-          <a:p>
-            <a:r>
-              <a:rPr lang="zh-CN" altLang="en-US" sz="2000" dirty="0"/>
+            <a:endParaRPr lang="en-US" altLang="zh-CN" sz="2400" dirty="0"/>
+          </a:p>
+          <a:p>
+            <a:endParaRPr lang="en-US" altLang="zh-CN" sz="2400" dirty="0"/>
+          </a:p>
+          <a:p>
+            <a:r>
+              <a:rPr lang="zh-CN" altLang="en-US" sz="2400" dirty="0"/>
               <a:t>而要使用</a:t>
             </a:r>
             <a:r>
-              <a:rPr lang="en-US" altLang="zh-CN" sz="2000" dirty="0" err="1"/>
+              <a:rPr lang="en-US" altLang="zh-CN" sz="2400" dirty="0" err="1"/>
               <a:t>fdisk</a:t>
             </a:r>
             <a:r>
-              <a:rPr lang="zh-CN" altLang="en-US" sz="2000" dirty="0"/>
+              <a:rPr lang="zh-CN" altLang="en-US" sz="2400" dirty="0"/>
               <a:t>对</a:t>
             </a:r>
             <a:r>
-              <a:rPr lang="en-US" altLang="zh-CN" sz="2000" dirty="0"/>
+              <a:rPr lang="en-US" altLang="zh-CN" sz="2400" dirty="0"/>
               <a:t>U</a:t>
             </a:r>
             <a:r>
-              <a:rPr lang="zh-CN" altLang="en-US" sz="2000" dirty="0"/>
+              <a:rPr lang="zh-CN" altLang="en-US" sz="2400" dirty="0"/>
               <a:t>盘</a:t>
             </a:r>
             <a:r>
-              <a:rPr lang="en-US" altLang="zh-CN" sz="2000" dirty="0"/>
+              <a:rPr lang="en-US" altLang="zh-CN" sz="2400" dirty="0"/>
               <a:t>/</a:t>
             </a:r>
             <a:r>
-              <a:rPr lang="zh-CN" altLang="en-US" sz="2000" dirty="0"/>
+              <a:rPr lang="zh-CN" altLang="en-US" sz="2400" dirty="0"/>
               <a:t>硬盘等其他已挂载的存储设备进行分区操作，则必须要先卸载才可以。</a:t>
             </a:r>
-            <a:endParaRPr lang="en-US" altLang="zh-CN" sz="2000" dirty="0"/>
+            <a:endParaRPr lang="en-US" altLang="zh-CN" sz="2400" dirty="0"/>
           </a:p>
         </p:txBody>
       </p:sp>
@@ -8855,170 +8868,170 @@
           <a:lstStyle/>
           <a:p>
             <a:r>
-              <a:rPr lang="zh-CN" altLang="en-US" sz="2000" dirty="0"/>
+              <a:rPr lang="zh-CN" altLang="en-US" sz="2400" dirty="0"/>
               <a:t>文件系统是操作系统用于在外部存储设备（主要是硬盘）上组织文件的机制。不同的文件系统组织文件的方式不同，性能会有差异。常见的文件系统格式有</a:t>
             </a:r>
             <a:r>
-              <a:rPr lang="en-US" altLang="zh-CN" sz="2000" dirty="0"/>
+              <a:rPr lang="en-US" altLang="zh-CN" sz="2400" dirty="0"/>
               <a:t>FAT32</a:t>
             </a:r>
             <a:r>
-              <a:rPr lang="zh-CN" altLang="en-US" sz="2000" dirty="0"/>
+              <a:rPr lang="zh-CN" altLang="en-US" sz="2400" dirty="0"/>
               <a:t>、</a:t>
             </a:r>
             <a:r>
-              <a:rPr lang="en-US" altLang="zh-CN" sz="2000" dirty="0"/>
+              <a:rPr lang="en-US" altLang="zh-CN" sz="2400" dirty="0"/>
               <a:t>NTFS</a:t>
             </a:r>
             <a:r>
-              <a:rPr lang="zh-CN" altLang="en-US" sz="2000" dirty="0"/>
+              <a:rPr lang="zh-CN" altLang="en-US" sz="2400" dirty="0"/>
               <a:t>、</a:t>
             </a:r>
             <a:r>
-              <a:rPr lang="en-US" altLang="zh-CN" sz="2000" dirty="0"/>
+              <a:rPr lang="en-US" altLang="zh-CN" sz="2400" dirty="0"/>
               <a:t>Ext2</a:t>
             </a:r>
             <a:r>
-              <a:rPr lang="zh-CN" altLang="en-US" sz="2000" dirty="0"/>
+              <a:rPr lang="zh-CN" altLang="en-US" sz="2400" dirty="0"/>
               <a:t>、</a:t>
             </a:r>
             <a:r>
-              <a:rPr lang="en-US" altLang="zh-CN" sz="2000" dirty="0"/>
+              <a:rPr lang="en-US" altLang="zh-CN" sz="2400" dirty="0"/>
               <a:t>Ext3</a:t>
             </a:r>
             <a:r>
-              <a:rPr lang="zh-CN" altLang="en-US" sz="2000" dirty="0"/>
+              <a:rPr lang="zh-CN" altLang="en-US" sz="2400" dirty="0"/>
               <a:t>、</a:t>
             </a:r>
             <a:r>
-              <a:rPr lang="en-US" altLang="zh-CN" sz="2000" dirty="0"/>
+              <a:rPr lang="en-US" altLang="zh-CN" sz="2400" dirty="0"/>
               <a:t>Ext4</a:t>
             </a:r>
             <a:r>
-              <a:rPr lang="zh-CN" altLang="en-US" sz="2000" dirty="0"/>
+              <a:rPr lang="zh-CN" altLang="en-US" sz="2400" dirty="0"/>
               <a:t>、</a:t>
             </a:r>
             <a:r>
-              <a:rPr lang="en-US" altLang="zh-CN" sz="2000" dirty="0"/>
+              <a:rPr lang="en-US" altLang="zh-CN" sz="2400" dirty="0"/>
               <a:t> </a:t>
             </a:r>
             <a:r>
-              <a:rPr lang="en-US" altLang="zh-CN" sz="2000" dirty="0" err="1"/>
+              <a:rPr lang="en-US" altLang="zh-CN" sz="2400" dirty="0" err="1"/>
               <a:t>ReiserFS</a:t>
             </a:r>
             <a:r>
-              <a:rPr lang="zh-CN" altLang="en-US" sz="2000" dirty="0"/>
+              <a:rPr lang="zh-CN" altLang="en-US" sz="2400" dirty="0"/>
               <a:t>、 </a:t>
             </a:r>
             <a:r>
-              <a:rPr lang="en-US" altLang="zh-CN" sz="2000" dirty="0"/>
+              <a:rPr lang="en-US" altLang="zh-CN" sz="2400" dirty="0"/>
               <a:t>HFS</a:t>
             </a:r>
             <a:r>
-              <a:rPr lang="zh-CN" altLang="en-US" sz="2000" dirty="0"/>
+              <a:rPr lang="zh-CN" altLang="en-US" sz="2400" dirty="0"/>
               <a:t>、</a:t>
             </a:r>
             <a:r>
-              <a:rPr lang="en-US" altLang="zh-CN" sz="2000" dirty="0"/>
+              <a:rPr lang="en-US" altLang="zh-CN" sz="2400" dirty="0"/>
               <a:t>HFS+ </a:t>
             </a:r>
             <a:r>
-              <a:rPr lang="zh-CN" altLang="en-US" sz="2000" dirty="0"/>
+              <a:rPr lang="zh-CN" altLang="en-US" sz="2400" dirty="0"/>
               <a:t>等。</a:t>
             </a:r>
-            <a:endParaRPr lang="en-US" altLang="zh-CN" sz="2000" dirty="0"/>
-          </a:p>
-          <a:p>
-            <a:endParaRPr lang="en-US" altLang="zh-CN" sz="2000" dirty="0"/>
-          </a:p>
-          <a:p>
-            <a:r>
-              <a:rPr lang="en-US" altLang="zh-CN" sz="2000" dirty="0"/>
+            <a:endParaRPr lang="en-US" altLang="zh-CN" sz="2400" dirty="0"/>
+          </a:p>
+          <a:p>
+            <a:endParaRPr lang="en-US" altLang="zh-CN" sz="2400" dirty="0"/>
+          </a:p>
+          <a:p>
+            <a:r>
+              <a:rPr lang="en-US" altLang="zh-CN" sz="2400" dirty="0"/>
               <a:t>Ubuntu 16.04 </a:t>
             </a:r>
             <a:r>
-              <a:rPr lang="zh-CN" altLang="en-US" sz="2000" dirty="0"/>
+              <a:rPr lang="zh-CN" altLang="en-US" sz="2400" dirty="0"/>
               <a:t>安装时默认使用</a:t>
             </a:r>
             <a:r>
-              <a:rPr lang="en-US" altLang="zh-CN" sz="2000" dirty="0"/>
+              <a:rPr lang="en-US" altLang="zh-CN" sz="2400" dirty="0"/>
               <a:t>Ext4</a:t>
             </a:r>
             <a:r>
-              <a:rPr lang="zh-CN" altLang="en-US" sz="2000" dirty="0"/>
+              <a:rPr lang="zh-CN" altLang="en-US" sz="2400" dirty="0"/>
               <a:t>文件系统，</a:t>
             </a:r>
             <a:r>
-              <a:rPr lang="en-US" altLang="zh-CN" sz="2000" dirty="0"/>
+              <a:rPr lang="en-US" altLang="zh-CN" sz="2400" dirty="0"/>
               <a:t>Ext4 </a:t>
             </a:r>
             <a:r>
-              <a:rPr lang="zh-CN" altLang="en-US" sz="2000" dirty="0"/>
+              <a:rPr lang="zh-CN" altLang="en-US" sz="2400" dirty="0"/>
               <a:t>是第四代扩展文件系统（</a:t>
             </a:r>
             <a:r>
-              <a:rPr lang="en-US" altLang="zh-CN" sz="2000" dirty="0"/>
+              <a:rPr lang="en-US" altLang="zh-CN" sz="2400" dirty="0"/>
               <a:t>Fourth Extended Filesystem</a:t>
             </a:r>
             <a:r>
-              <a:rPr lang="zh-CN" altLang="en-US" sz="2000" dirty="0"/>
+              <a:rPr lang="zh-CN" altLang="en-US" sz="2400" dirty="0"/>
               <a:t>）的缩写。</a:t>
             </a:r>
-            <a:endParaRPr lang="en-US" altLang="zh-CN" sz="2000" dirty="0"/>
-          </a:p>
-          <a:p>
-            <a:endParaRPr lang="en-US" altLang="zh-CN" sz="2000" dirty="0"/>
-          </a:p>
-          <a:p>
-            <a:r>
-              <a:rPr lang="en-US" altLang="zh-CN" sz="2000" dirty="0"/>
+            <a:endParaRPr lang="en-US" altLang="zh-CN" sz="2400" dirty="0"/>
+          </a:p>
+          <a:p>
+            <a:endParaRPr lang="en-US" altLang="zh-CN" sz="2400" dirty="0"/>
+          </a:p>
+          <a:p>
+            <a:r>
+              <a:rPr lang="en-US" altLang="zh-CN" sz="2400" dirty="0"/>
               <a:t>Linux</a:t>
             </a:r>
             <a:r>
-              <a:rPr lang="zh-CN" altLang="en-US" sz="2000" dirty="0"/>
+              <a:rPr lang="zh-CN" altLang="en-US" sz="2400" dirty="0"/>
               <a:t>内核从</a:t>
             </a:r>
             <a:r>
-              <a:rPr lang="en-US" altLang="zh-CN" sz="2000" dirty="0"/>
+              <a:rPr lang="en-US" altLang="zh-CN" sz="2400" dirty="0"/>
               <a:t>2.6.28</a:t>
             </a:r>
             <a:r>
-              <a:rPr lang="zh-CN" altLang="en-US" sz="2000" dirty="0"/>
+              <a:rPr lang="zh-CN" altLang="en-US" sz="2400" dirty="0"/>
               <a:t>版本开始采用</a:t>
             </a:r>
             <a:r>
-              <a:rPr lang="en-US" altLang="zh-CN" sz="2000" dirty="0"/>
+              <a:rPr lang="en-US" altLang="zh-CN" sz="2400" dirty="0"/>
               <a:t>Ext4</a:t>
             </a:r>
             <a:r>
-              <a:rPr lang="zh-CN" altLang="en-US" sz="2000" dirty="0"/>
+              <a:rPr lang="zh-CN" altLang="en-US" sz="2400" dirty="0"/>
               <a:t>文件系统，</a:t>
             </a:r>
             <a:r>
-              <a:rPr lang="en-US" altLang="zh-CN" sz="2000" dirty="0"/>
+              <a:rPr lang="en-US" altLang="zh-CN" sz="2400" dirty="0"/>
               <a:t>Ext4</a:t>
             </a:r>
             <a:r>
-              <a:rPr lang="zh-CN" altLang="en-US" sz="2000" dirty="0"/>
+              <a:rPr lang="zh-CN" altLang="en-US" sz="2400" dirty="0"/>
               <a:t>文件系统在</a:t>
             </a:r>
             <a:r>
-              <a:rPr lang="en-US" altLang="zh-CN" sz="2000" dirty="0"/>
+              <a:rPr lang="en-US" altLang="zh-CN" sz="2400" dirty="0"/>
               <a:t>Ext3</a:t>
             </a:r>
             <a:r>
-              <a:rPr lang="zh-CN" altLang="en-US" sz="2000" dirty="0"/>
+              <a:rPr lang="zh-CN" altLang="en-US" sz="2400" dirty="0"/>
               <a:t>的基础之上做了很多改进，引入了大量新功能，使</a:t>
             </a:r>
             <a:r>
-              <a:rPr lang="en-US" altLang="zh-CN" sz="2000" dirty="0"/>
+              <a:rPr lang="en-US" altLang="zh-CN" sz="2400" dirty="0"/>
               <a:t>Linux</a:t>
             </a:r>
             <a:r>
-              <a:rPr lang="zh-CN" altLang="en-US" sz="2000" dirty="0"/>
+              <a:rPr lang="zh-CN" altLang="en-US" sz="2400" dirty="0"/>
               <a:t>系统的性能有了很大的提高。</a:t>
             </a:r>
-            <a:endParaRPr lang="en-US" altLang="zh-CN" sz="2000" dirty="0"/>
+            <a:endParaRPr lang="en-US" altLang="zh-CN" sz="2400" dirty="0"/>
           </a:p>
           <a:p>
             <a:endParaRPr lang="en-US" altLang="zh-CN" sz="2000" dirty="0"/>
@@ -9105,153 +9118,148 @@
         </p:nvSpPr>
         <p:spPr/>
         <p:txBody>
-          <a:bodyPr/>
-          <a:lstStyle/>
-          <a:p>
-            <a:r>
-              <a:rPr lang="zh-CN" altLang="en-US" sz="2000" dirty="0"/>
+          <a:bodyPr>
+            <a:noAutofit/>
+          </a:bodyPr>
+          <a:lstStyle/>
+          <a:p>
+            <a:r>
+              <a:rPr lang="zh-CN" altLang="en-US" sz="2400" dirty="0"/>
               <a:t>虽然</a:t>
             </a:r>
             <a:r>
-              <a:rPr lang="en-US" altLang="zh-CN" sz="2000" dirty="0"/>
+              <a:rPr lang="en-US" altLang="zh-CN" sz="2400" dirty="0"/>
               <a:t>Linux</a:t>
             </a:r>
             <a:r>
-              <a:rPr lang="zh-CN" altLang="en-US" sz="2000" dirty="0"/>
+              <a:rPr lang="zh-CN" altLang="en-US" sz="2400" dirty="0"/>
               <a:t>安装在硬盘的分区上，但是</a:t>
             </a:r>
             <a:r>
-              <a:rPr lang="en-US" altLang="zh-CN" sz="2000" dirty="0"/>
+              <a:rPr lang="en-US" altLang="zh-CN" sz="2400" dirty="0"/>
               <a:t>Linux</a:t>
             </a:r>
             <a:r>
-              <a:rPr lang="zh-CN" altLang="en-US" sz="2000" dirty="0"/>
+              <a:rPr lang="zh-CN" altLang="en-US" sz="2400" dirty="0"/>
               <a:t>没有“盘符”这个概念。</a:t>
             </a:r>
             <a:r>
-              <a:rPr lang="en-US" altLang="zh-CN" sz="2000" dirty="0"/>
+              <a:rPr lang="en-US" altLang="zh-CN" sz="2400" dirty="0"/>
               <a:t>Linux</a:t>
             </a:r>
             <a:r>
-              <a:rPr lang="zh-CN" altLang="en-US" sz="2000" dirty="0"/>
+              <a:rPr lang="zh-CN" altLang="en-US" sz="2400" dirty="0"/>
               <a:t>通过目录树来组织文件。</a:t>
             </a:r>
-            <a:endParaRPr lang="en-US" altLang="zh-CN" sz="2000" dirty="0"/>
+            <a:endParaRPr lang="en-US" altLang="zh-CN" sz="2400" dirty="0"/>
           </a:p>
           <a:p>
             <a:pPr marL="0" indent="0">
               <a:buNone/>
             </a:pPr>
-            <a:endParaRPr lang="en-US" altLang="zh-CN" sz="2000" dirty="0"/>
-          </a:p>
-          <a:p>
-            <a:r>
-              <a:rPr lang="en-US" altLang="zh-CN" sz="2000" dirty="0"/>
+            <a:endParaRPr lang="en-US" altLang="zh-CN" sz="2400" dirty="0"/>
+          </a:p>
+          <a:p>
+            <a:r>
+              <a:rPr lang="en-US" altLang="zh-CN" sz="2400" dirty="0"/>
               <a:t>Linux</a:t>
             </a:r>
             <a:r>
-              <a:rPr lang="zh-CN" altLang="en-US" sz="2000" dirty="0"/>
+              <a:rPr lang="zh-CN" altLang="en-US" sz="2400" dirty="0"/>
               <a:t>使用 </a:t>
             </a:r>
             <a:r>
-              <a:rPr lang="en-US" altLang="zh-CN" sz="2000" dirty="0"/>
+              <a:rPr lang="en-US" altLang="zh-CN" sz="2400" dirty="0"/>
               <a:t>/ </a:t>
             </a:r>
             <a:r>
-              <a:rPr lang="zh-CN" altLang="en-US" sz="2000" dirty="0"/>
-              <a:t>表示根目录，也就是整个目录树的顶层。</a:t>
-            </a:r>
-            <a:endParaRPr lang="en-US" altLang="zh-CN" sz="2000" dirty="0"/>
-          </a:p>
-          <a:p>
-            <a:endParaRPr lang="en-US" altLang="zh-CN" sz="2000" dirty="0"/>
-          </a:p>
-          <a:p>
-            <a:r>
-              <a:rPr lang="en-US" altLang="zh-CN" sz="2000" dirty="0"/>
+              <a:rPr lang="zh-CN" altLang="en-US" sz="2400" dirty="0"/>
+              <a:t>表示根目录，也就是整个目录树的顶层。其他的目录都位于</a:t>
+            </a:r>
+            <a:r>
+              <a:rPr lang="en-US" altLang="zh-CN" sz="2400" dirty="0"/>
+              <a:t>/</a:t>
+            </a:r>
+            <a:r>
+              <a:rPr lang="zh-CN" altLang="en-US" sz="2400" dirty="0"/>
+              <a:t>之下。</a:t>
+            </a:r>
+            <a:endParaRPr lang="en-US" altLang="zh-CN" sz="2400" dirty="0"/>
+          </a:p>
+          <a:p>
+            <a:endParaRPr lang="en-US" altLang="zh-CN" sz="2400" dirty="0"/>
+          </a:p>
+          <a:p>
+            <a:r>
+              <a:rPr lang="en-US" altLang="zh-CN" sz="2400" dirty="0"/>
               <a:t>Linux</a:t>
             </a:r>
             <a:r>
-              <a:rPr lang="zh-CN" altLang="en-US" sz="2000" dirty="0"/>
+              <a:rPr lang="zh-CN" altLang="en-US" sz="2400" dirty="0"/>
               <a:t>启动时会把磁盘存储的文件信息映射为内存中的树型结构。我们在操作中用到的目录结构，是建立在内存中的目录结构，要与磁盘文件系统中的目录结构区分开。</a:t>
             </a:r>
-            <a:endParaRPr lang="en-US" altLang="zh-CN" sz="2000" dirty="0"/>
-          </a:p>
-          <a:p>
-            <a:endParaRPr lang="en-US" altLang="zh-CN" sz="2000" dirty="0"/>
-          </a:p>
-          <a:p>
-            <a:r>
-              <a:rPr lang="zh-CN" altLang="en-US" sz="2000" dirty="0"/>
-              <a:t>其他的目录都位于</a:t>
-            </a:r>
-            <a:r>
-              <a:rPr lang="en-US" altLang="zh-CN" sz="2000" dirty="0"/>
+            <a:endParaRPr lang="en-US" altLang="zh-CN" sz="2400" dirty="0"/>
+          </a:p>
+          <a:p>
+            <a:pPr marL="0" indent="0">
+              <a:buNone/>
+            </a:pPr>
+            <a:endParaRPr lang="en-US" altLang="zh-CN" sz="2400" dirty="0"/>
+          </a:p>
+          <a:p>
+            <a:r>
+              <a:rPr lang="zh-CN" altLang="en-US" sz="2400" dirty="0"/>
+              <a:t>所有的目录都至少包含两个子目录，</a:t>
+            </a:r>
+            <a:r>
+              <a:rPr lang="en-US" altLang="zh-CN" sz="2400" dirty="0"/>
+              <a:t>. </a:t>
+            </a:r>
+            <a:r>
+              <a:rPr lang="zh-CN" altLang="en-US" sz="2400" dirty="0"/>
+              <a:t>和 </a:t>
+            </a:r>
+            <a:r>
+              <a:rPr lang="en-US" altLang="zh-CN" sz="2400" dirty="0"/>
+              <a:t>.. </a:t>
+            </a:r>
+            <a:r>
+              <a:rPr lang="zh-CN" altLang="en-US" sz="2400" dirty="0"/>
+              <a:t>，</a:t>
+            </a:r>
+            <a:r>
+              <a:rPr lang="en-US" altLang="zh-CN" sz="2400" dirty="0"/>
+              <a:t>. </a:t>
+            </a:r>
+            <a:r>
+              <a:rPr lang="zh-CN" altLang="en-US" sz="2400" dirty="0"/>
+              <a:t>表示当前目录，</a:t>
+            </a:r>
+            <a:r>
+              <a:rPr lang="en-US" altLang="zh-CN" sz="2400" dirty="0"/>
+              <a:t>.. </a:t>
+            </a:r>
+            <a:r>
+              <a:rPr lang="zh-CN" altLang="en-US" sz="2400" dirty="0"/>
+              <a:t>表示上一层目录。</a:t>
+            </a:r>
+            <a:r>
+              <a:rPr lang="en-US" altLang="zh-CN" sz="2400" dirty="0"/>
               <a:t>/</a:t>
             </a:r>
             <a:r>
-              <a:rPr lang="zh-CN" altLang="en-US" sz="2000" dirty="0"/>
-              <a:t>之下。</a:t>
-            </a:r>
-            <a:endParaRPr lang="en-US" altLang="zh-CN" sz="2000" dirty="0"/>
-          </a:p>
-          <a:p>
-            <a:endParaRPr lang="en-US" altLang="zh-CN" sz="2000" dirty="0"/>
-          </a:p>
-          <a:p>
-            <a:r>
-              <a:rPr lang="zh-CN" altLang="en-US" sz="2000" dirty="0"/>
-              <a:t>所有的目录都至少包含两个子目录，</a:t>
-            </a:r>
-            <a:r>
-              <a:rPr lang="en-US" altLang="zh-CN" sz="2000" dirty="0"/>
-              <a:t>. </a:t>
-            </a:r>
-            <a:r>
-              <a:rPr lang="zh-CN" altLang="en-US" sz="2000" dirty="0"/>
-              <a:t>和 </a:t>
-            </a:r>
-            <a:r>
-              <a:rPr lang="en-US" altLang="zh-CN" sz="2000" dirty="0"/>
+              <a:rPr lang="zh-CN" altLang="en-US" sz="2400" dirty="0"/>
+              <a:t>也有 </a:t>
+            </a:r>
+            <a:r>
+              <a:rPr lang="en-US" altLang="zh-CN" sz="2400" dirty="0"/>
               <a:t>.. </a:t>
             </a:r>
             <a:r>
-              <a:rPr lang="zh-CN" altLang="en-US" sz="2000" dirty="0"/>
-              <a:t>，</a:t>
-            </a:r>
-            <a:r>
-              <a:rPr lang="en-US" altLang="zh-CN" sz="2000" dirty="0"/>
-              <a:t>. </a:t>
-            </a:r>
-            <a:r>
-              <a:rPr lang="zh-CN" altLang="en-US" sz="2000" dirty="0"/>
-              <a:t>表示当前目录，</a:t>
-            </a:r>
-            <a:r>
-              <a:rPr lang="en-US" altLang="zh-CN" sz="2000" dirty="0"/>
-              <a:t>.. </a:t>
-            </a:r>
-            <a:r>
-              <a:rPr lang="zh-CN" altLang="en-US" sz="2000" dirty="0"/>
-              <a:t>表示上一层目录。</a:t>
-            </a:r>
-            <a:r>
-              <a:rPr lang="en-US" altLang="zh-CN" sz="2000" dirty="0"/>
-              <a:t>/</a:t>
-            </a:r>
-            <a:r>
-              <a:rPr lang="zh-CN" altLang="en-US" sz="2000" dirty="0"/>
-              <a:t>也有 </a:t>
-            </a:r>
-            <a:r>
-              <a:rPr lang="en-US" altLang="zh-CN" sz="2000" dirty="0"/>
-              <a:t>.. </a:t>
-            </a:r>
-            <a:r>
-              <a:rPr lang="zh-CN" altLang="en-US" sz="2000" dirty="0"/>
+              <a:rPr lang="zh-CN" altLang="en-US" sz="2400" dirty="0"/>
               <a:t>，但是指向的是自己。</a:t>
             </a:r>
-            <a:endParaRPr lang="en-US" altLang="zh-CN" sz="2000" dirty="0"/>
+            <a:endParaRPr lang="en-US" altLang="zh-CN" sz="2400" dirty="0"/>
           </a:p>
         </p:txBody>
       </p:sp>
@@ -9333,14 +9341,14 @@
             <p:ph idx="1"/>
             <p:extLst>
               <p:ext uri="{D42A27DB-BD31-4B8C-83A1-F6EECF244321}">
-                <p14:modId xmlns:p14="http://schemas.microsoft.com/office/powerpoint/2010/main" val="1604000478"/>
+                <p14:modId xmlns:p14="http://schemas.microsoft.com/office/powerpoint/2010/main" val="296233812"/>
               </p:ext>
             </p:extLst>
           </p:nvPr>
         </p:nvGraphicFramePr>
         <p:xfrm>
-          <a:off x="838200" y="1703386"/>
-          <a:ext cx="10515600" cy="4963740"/>
+          <a:off x="838200" y="1668218"/>
+          <a:ext cx="10515600" cy="5063097"/>
         </p:xfrm>
         <a:graphic>
           <a:graphicData uri="http://schemas.openxmlformats.org/drawingml/2006/table">
@@ -9364,14 +9372,14 @@
                   </a:extLst>
                 </a:gridCol>
               </a:tblGrid>
-              <a:tr h="496374">
+              <a:tr h="484673">
                 <a:tc>
                   <a:txBody>
                     <a:bodyPr/>
                     <a:lstStyle/>
                     <a:p>
                       <a:r>
-                        <a:rPr lang="zh-CN" altLang="en-US" dirty="0"/>
+                        <a:rPr lang="zh-CN" altLang="en-US" sz="2000" dirty="0"/>
                         <a:t>目录</a:t>
                       </a:r>
                     </a:p>
@@ -9384,7 +9392,7 @@
                     <a:lstStyle/>
                     <a:p>
                       <a:r>
-                        <a:rPr lang="zh-CN" altLang="en-US" dirty="0"/>
+                        <a:rPr lang="zh-CN" altLang="en-US" sz="2000" dirty="0"/>
                         <a:t>说明</a:t>
                       </a:r>
                     </a:p>
@@ -9397,17 +9405,17 @@
                   </a:ext>
                 </a:extLst>
               </a:tr>
-              <a:tr h="496374">
+              <a:tr h="484673">
                 <a:tc>
                   <a:txBody>
                     <a:bodyPr/>
                     <a:lstStyle/>
                     <a:p>
                       <a:r>
-                        <a:rPr lang="en-US" altLang="zh-CN" dirty="0"/>
+                        <a:rPr lang="en-US" altLang="zh-CN" sz="2000" dirty="0"/>
                         <a:t>/</a:t>
                       </a:r>
-                      <a:endParaRPr lang="zh-CN" altLang="en-US" dirty="0"/>
+                      <a:endParaRPr lang="zh-CN" altLang="en-US" sz="2000" dirty="0"/>
                     </a:p>
                   </a:txBody>
                   <a:tcPr anchor="ctr"/>
@@ -9418,7 +9426,7 @@
                     <a:lstStyle/>
                     <a:p>
                       <a:r>
-                        <a:rPr lang="zh-CN" altLang="en-US" dirty="0"/>
+                        <a:rPr lang="zh-CN" altLang="en-US" sz="2000" dirty="0"/>
                         <a:t>系统根目录</a:t>
                       </a:r>
                     </a:p>
@@ -9431,21 +9439,21 @@
                   </a:ext>
                 </a:extLst>
               </a:tr>
-              <a:tr h="496374">
+              <a:tr h="695841">
                 <a:tc>
                   <a:txBody>
                     <a:bodyPr/>
                     <a:lstStyle/>
                     <a:p>
                       <a:r>
-                        <a:rPr lang="en-US" altLang="zh-CN" dirty="0"/>
+                        <a:rPr lang="en-US" altLang="zh-CN" sz="2000" dirty="0"/>
                         <a:t>/</a:t>
                       </a:r>
                       <a:r>
-                        <a:rPr lang="en-US" altLang="zh-CN" dirty="0" err="1"/>
+                        <a:rPr lang="en-US" altLang="zh-CN" sz="2000" dirty="0" err="1"/>
                         <a:t>usr</a:t>
                       </a:r>
-                      <a:endParaRPr lang="zh-CN" altLang="en-US" dirty="0"/>
+                      <a:endParaRPr lang="zh-CN" altLang="en-US" sz="2000" dirty="0"/>
                     </a:p>
                   </a:txBody>
                   <a:tcPr anchor="ctr"/>
@@ -9456,23 +9464,23 @@
                     <a:lstStyle/>
                     <a:p>
                       <a:r>
-                        <a:rPr lang="zh-CN" altLang="en-US" dirty="0"/>
+                        <a:rPr lang="zh-CN" altLang="en-US" sz="2000" dirty="0"/>
                         <a:t>用户的程序，配置等信息都放在这个目录下，类似于</a:t>
                       </a:r>
                       <a:r>
-                        <a:rPr lang="en-US" altLang="zh-CN" dirty="0"/>
+                        <a:rPr lang="en-US" altLang="zh-CN" sz="2000" dirty="0"/>
                         <a:t>windows</a:t>
                       </a:r>
                       <a:r>
-                        <a:rPr lang="zh-CN" altLang="en-US" dirty="0"/>
+                        <a:rPr lang="zh-CN" altLang="en-US" sz="2000" dirty="0"/>
                         <a:t>下的</a:t>
                       </a:r>
                       <a:r>
-                        <a:rPr lang="en-US" altLang="zh-CN" dirty="0"/>
+                        <a:rPr lang="en-US" altLang="zh-CN" sz="2000" dirty="0"/>
                         <a:t>program files</a:t>
                       </a:r>
                       <a:r>
-                        <a:rPr lang="zh-CN" altLang="en-US" dirty="0"/>
+                        <a:rPr lang="zh-CN" altLang="en-US" sz="2000" dirty="0"/>
                         <a:t>目录</a:t>
                       </a:r>
                     </a:p>
@@ -9485,17 +9493,17 @@
                   </a:ext>
                 </a:extLst>
               </a:tr>
-              <a:tr h="496374">
+              <a:tr h="484673">
                 <a:tc>
                   <a:txBody>
                     <a:bodyPr/>
                     <a:lstStyle/>
                     <a:p>
                       <a:r>
-                        <a:rPr lang="en-US" altLang="zh-CN" dirty="0"/>
+                        <a:rPr lang="en-US" altLang="zh-CN" sz="2000" dirty="0"/>
                         <a:t>/bin</a:t>
                       </a:r>
-                      <a:endParaRPr lang="zh-CN" altLang="en-US" dirty="0"/>
+                      <a:endParaRPr lang="zh-CN" altLang="en-US" sz="2000" dirty="0"/>
                     </a:p>
                   </a:txBody>
                   <a:tcPr anchor="ctr"/>
@@ -9506,7 +9514,7 @@
                     <a:lstStyle/>
                     <a:p>
                       <a:r>
-                        <a:rPr lang="zh-CN" altLang="en-US" dirty="0"/>
+                        <a:rPr lang="zh-CN" altLang="en-US" sz="2000" dirty="0"/>
                         <a:t>存放常用命令的目录</a:t>
                       </a:r>
                     </a:p>
@@ -9519,17 +9527,17 @@
                   </a:ext>
                 </a:extLst>
               </a:tr>
-              <a:tr h="496374">
+              <a:tr h="484673">
                 <a:tc>
                   <a:txBody>
                     <a:bodyPr/>
                     <a:lstStyle/>
                     <a:p>
                       <a:r>
-                        <a:rPr lang="en-US" altLang="zh-CN" dirty="0"/>
+                        <a:rPr lang="en-US" altLang="zh-CN" sz="2000" dirty="0"/>
                         <a:t>/home</a:t>
                       </a:r>
-                      <a:endParaRPr lang="zh-CN" altLang="en-US" dirty="0"/>
+                      <a:endParaRPr lang="zh-CN" altLang="en-US" sz="2000" dirty="0"/>
                     </a:p>
                   </a:txBody>
                   <a:tcPr anchor="ctr"/>
@@ -9540,7 +9548,7 @@
                     <a:lstStyle/>
                     <a:p>
                       <a:r>
-                        <a:rPr lang="zh-CN" altLang="en-US" dirty="0"/>
+                        <a:rPr lang="zh-CN" altLang="en-US" sz="2000" dirty="0"/>
                         <a:t>主目录，所有用户主目录都会在此目录下，以用户名命名</a:t>
                       </a:r>
                     </a:p>
@@ -9553,21 +9561,21 @@
                   </a:ext>
                 </a:extLst>
               </a:tr>
-              <a:tr h="496374">
+              <a:tr h="484673">
                 <a:tc>
                   <a:txBody>
                     <a:bodyPr/>
                     <a:lstStyle/>
                     <a:p>
                       <a:r>
-                        <a:rPr lang="en-US" altLang="zh-CN" dirty="0"/>
+                        <a:rPr lang="en-US" altLang="zh-CN" sz="2000" dirty="0"/>
                         <a:t>/</a:t>
                       </a:r>
                       <a:r>
-                        <a:rPr lang="en-US" altLang="zh-CN" dirty="0" err="1"/>
+                        <a:rPr lang="en-US" altLang="zh-CN" sz="2000" dirty="0" err="1"/>
                         <a:t>sbin</a:t>
                       </a:r>
-                      <a:endParaRPr lang="zh-CN" altLang="en-US" dirty="0"/>
+                      <a:endParaRPr lang="zh-CN" altLang="en-US" sz="2000" dirty="0"/>
                     </a:p>
                   </a:txBody>
                   <a:tcPr anchor="ctr"/>
@@ -9578,15 +9586,15 @@
                     <a:lstStyle/>
                     <a:p>
                       <a:r>
-                        <a:rPr lang="zh-CN" altLang="en-US" dirty="0"/>
+                        <a:rPr lang="zh-CN" altLang="en-US" sz="2000" dirty="0"/>
                         <a:t>超级用户</a:t>
                       </a:r>
                       <a:r>
-                        <a:rPr lang="en-US" altLang="zh-CN" dirty="0"/>
+                        <a:rPr lang="en-US" altLang="zh-CN" sz="2000" dirty="0"/>
                         <a:t>root</a:t>
                       </a:r>
                       <a:r>
-                        <a:rPr lang="zh-CN" altLang="en-US" dirty="0"/>
+                        <a:rPr lang="zh-CN" altLang="en-US" sz="2000" dirty="0"/>
                         <a:t>才能使用的命令所在的目录</a:t>
                       </a:r>
                     </a:p>
@@ -9599,17 +9607,17 @@
                   </a:ext>
                 </a:extLst>
               </a:tr>
-              <a:tr h="496374">
+              <a:tr h="484673">
                 <a:tc>
                   <a:txBody>
                     <a:bodyPr/>
                     <a:lstStyle/>
                     <a:p>
                       <a:r>
-                        <a:rPr lang="en-US" altLang="zh-CN" dirty="0"/>
+                        <a:rPr lang="en-US" altLang="zh-CN" sz="2000" dirty="0"/>
                         <a:t>/lib</a:t>
                       </a:r>
-                      <a:endParaRPr lang="zh-CN" altLang="en-US" dirty="0"/>
+                      <a:endParaRPr lang="zh-CN" altLang="en-US" sz="2000" dirty="0"/>
                     </a:p>
                   </a:txBody>
                   <a:tcPr anchor="ctr"/>
@@ -9620,23 +9628,23 @@
                     <a:lstStyle/>
                     <a:p>
                       <a:r>
-                        <a:rPr lang="zh-CN" altLang="en-US" dirty="0"/>
+                        <a:rPr lang="zh-CN" altLang="en-US" sz="2000" dirty="0"/>
                         <a:t>系统动态链接共享库，类似于</a:t>
                       </a:r>
                       <a:r>
-                        <a:rPr lang="en-US" altLang="zh-CN" dirty="0"/>
+                        <a:rPr lang="en-US" altLang="zh-CN" sz="2000" dirty="0"/>
                         <a:t>Windows</a:t>
                       </a:r>
                       <a:r>
-                        <a:rPr lang="zh-CN" altLang="en-US" dirty="0"/>
+                        <a:rPr lang="zh-CN" altLang="en-US" sz="2000" dirty="0"/>
                         <a:t>下的</a:t>
                       </a:r>
                       <a:r>
-                        <a:rPr lang="en-US" altLang="zh-CN" dirty="0" err="1"/>
+                        <a:rPr lang="en-US" altLang="zh-CN" sz="2000" dirty="0" err="1"/>
                         <a:t>dll</a:t>
                       </a:r>
                       <a:r>
-                        <a:rPr lang="zh-CN" altLang="en-US" dirty="0"/>
+                        <a:rPr lang="zh-CN" altLang="en-US" sz="2000" dirty="0"/>
                         <a:t>文件所在的目录</a:t>
                       </a:r>
                     </a:p>
@@ -9649,17 +9657,17 @@
                   </a:ext>
                 </a:extLst>
               </a:tr>
-              <a:tr h="496374">
+              <a:tr h="484673">
                 <a:tc>
                   <a:txBody>
                     <a:bodyPr/>
                     <a:lstStyle/>
                     <a:p>
                       <a:r>
-                        <a:rPr lang="en-US" altLang="zh-CN" dirty="0"/>
+                        <a:rPr lang="en-US" altLang="zh-CN" sz="2000" dirty="0"/>
                         <a:t>/boot</a:t>
                       </a:r>
-                      <a:endParaRPr lang="zh-CN" altLang="en-US" dirty="0"/>
+                      <a:endParaRPr lang="zh-CN" altLang="en-US" sz="2000" dirty="0"/>
                     </a:p>
                   </a:txBody>
                   <a:tcPr anchor="ctr"/>
@@ -9670,23 +9678,23 @@
                     <a:lstStyle/>
                     <a:p>
                       <a:r>
-                        <a:rPr lang="zh-CN" altLang="en-US" dirty="0"/>
+                        <a:rPr lang="zh-CN" altLang="en-US" sz="2000" dirty="0"/>
                         <a:t>系统启动文件所在目录，如</a:t>
                       </a:r>
                       <a:r>
-                        <a:rPr lang="en-US" altLang="zh-CN" dirty="0"/>
+                        <a:rPr lang="en-US" altLang="zh-CN" sz="2000" dirty="0"/>
                         <a:t>GRUB</a:t>
                       </a:r>
                       <a:r>
-                        <a:rPr lang="zh-CN" altLang="en-US" dirty="0"/>
+                        <a:rPr lang="zh-CN" altLang="en-US" sz="2000" dirty="0"/>
                         <a:t>、内核、</a:t>
                       </a:r>
                       <a:r>
-                        <a:rPr lang="en-US" altLang="zh-CN" dirty="0" err="1"/>
+                        <a:rPr lang="en-US" altLang="zh-CN" sz="2000" dirty="0" err="1"/>
                         <a:t>initrd</a:t>
                       </a:r>
                       <a:r>
-                        <a:rPr lang="zh-CN" altLang="en-US" dirty="0"/>
+                        <a:rPr lang="zh-CN" altLang="en-US" sz="2000" dirty="0"/>
                         <a:t>等</a:t>
                       </a:r>
                     </a:p>
@@ -9699,17 +9707,17 @@
                   </a:ext>
                 </a:extLst>
               </a:tr>
-              <a:tr h="496374">
+              <a:tr h="484673">
                 <a:tc>
                   <a:txBody>
                     <a:bodyPr/>
                     <a:lstStyle/>
                     <a:p>
                       <a:r>
-                        <a:rPr lang="en-US" altLang="zh-CN" dirty="0"/>
+                        <a:rPr lang="en-US" altLang="zh-CN" sz="2000" dirty="0"/>
                         <a:t>/root</a:t>
                       </a:r>
-                      <a:endParaRPr lang="zh-CN" altLang="en-US" dirty="0"/>
+                      <a:endParaRPr lang="zh-CN" altLang="en-US" sz="2000" dirty="0"/>
                     </a:p>
                   </a:txBody>
                   <a:tcPr anchor="ctr"/>
@@ -9720,11 +9728,11 @@
                     <a:lstStyle/>
                     <a:p>
                       <a:r>
-                        <a:rPr lang="en-US" altLang="zh-CN" dirty="0"/>
+                        <a:rPr lang="en-US" altLang="zh-CN" sz="2000" dirty="0"/>
                         <a:t>root</a:t>
                       </a:r>
                       <a:r>
-                        <a:rPr lang="zh-CN" altLang="en-US" dirty="0"/>
+                        <a:rPr lang="zh-CN" altLang="en-US" sz="2000" dirty="0"/>
                         <a:t>用户的主目录</a:t>
                       </a:r>
                     </a:p>
@@ -9737,21 +9745,21 @@
                   </a:ext>
                 </a:extLst>
               </a:tr>
-              <a:tr h="496374">
+              <a:tr h="484673">
                 <a:tc>
                   <a:txBody>
                     <a:bodyPr/>
                     <a:lstStyle/>
                     <a:p>
                       <a:r>
-                        <a:rPr lang="en-US" altLang="zh-CN" dirty="0"/>
+                        <a:rPr lang="en-US" altLang="zh-CN" sz="2000" dirty="0"/>
                         <a:t>/</a:t>
                       </a:r>
                       <a:r>
-                        <a:rPr lang="en-US" altLang="zh-CN" dirty="0" err="1"/>
+                        <a:rPr lang="en-US" altLang="zh-CN" sz="2000" dirty="0" err="1"/>
                         <a:t>etc</a:t>
                       </a:r>
-                      <a:endParaRPr lang="zh-CN" altLang="en-US" dirty="0"/>
+                      <a:endParaRPr lang="zh-CN" altLang="en-US" sz="2000" dirty="0"/>
                     </a:p>
                   </a:txBody>
                   <a:tcPr anchor="ctr"/>
@@ -9762,7 +9770,7 @@
                     <a:lstStyle/>
                     <a:p>
                       <a:r>
-                        <a:rPr lang="zh-CN" altLang="en-US" dirty="0"/>
+                        <a:rPr lang="zh-CN" altLang="en-US" sz="2000" dirty="0"/>
                         <a:t>系统配置文件以及一些程序的配置文件都在此目录</a:t>
                       </a:r>
                     </a:p>
@@ -9857,14 +9865,14 @@
             <p:ph idx="1"/>
             <p:extLst>
               <p:ext uri="{D42A27DB-BD31-4B8C-83A1-F6EECF244321}">
-                <p14:modId xmlns:p14="http://schemas.microsoft.com/office/powerpoint/2010/main" val="3090359772"/>
+                <p14:modId xmlns:p14="http://schemas.microsoft.com/office/powerpoint/2010/main" val="3994569675"/>
               </p:ext>
             </p:extLst>
           </p:nvPr>
         </p:nvGraphicFramePr>
         <p:xfrm>
           <a:off x="838200" y="1703387"/>
-          <a:ext cx="10515600" cy="4981500"/>
+          <a:ext cx="10515600" cy="4961185"/>
         </p:xfrm>
         <a:graphic>
           <a:graphicData uri="http://schemas.openxmlformats.org/drawingml/2006/table">
@@ -9888,14 +9896,14 @@
                   </a:extLst>
                 </a:gridCol>
               </a:tblGrid>
-              <a:tr h="498150">
+              <a:tr h="476703">
                 <a:tc>
                   <a:txBody>
                     <a:bodyPr/>
                     <a:lstStyle/>
                     <a:p>
                       <a:r>
-                        <a:rPr lang="zh-CN" altLang="en-US" dirty="0"/>
+                        <a:rPr lang="zh-CN" altLang="en-US" sz="2000" dirty="0"/>
                         <a:t>目录</a:t>
                       </a:r>
                     </a:p>
@@ -9908,7 +9916,7 @@
                     <a:lstStyle/>
                     <a:p>
                       <a:r>
-                        <a:rPr lang="zh-CN" altLang="en-US" dirty="0"/>
+                        <a:rPr lang="zh-CN" altLang="en-US" sz="2000" dirty="0"/>
                         <a:t>说明</a:t>
                       </a:r>
                     </a:p>
@@ -9921,17 +9929,17 @@
                   </a:ext>
                 </a:extLst>
               </a:tr>
-              <a:tr h="498150">
+              <a:tr h="476703">
                 <a:tc>
                   <a:txBody>
                     <a:bodyPr/>
                     <a:lstStyle/>
                     <a:p>
                       <a:r>
-                        <a:rPr lang="en-US" altLang="zh-CN" dirty="0"/>
+                        <a:rPr lang="en-US" altLang="zh-CN" sz="2000" dirty="0"/>
                         <a:t>/dev</a:t>
                       </a:r>
-                      <a:endParaRPr lang="zh-CN" altLang="en-US" dirty="0"/>
+                      <a:endParaRPr lang="zh-CN" altLang="en-US" sz="2000" dirty="0"/>
                     </a:p>
                   </a:txBody>
                   <a:tcPr anchor="ctr"/>
@@ -9942,7 +9950,7 @@
                     <a:lstStyle/>
                     <a:p>
                       <a:r>
-                        <a:rPr lang="zh-CN" altLang="en-US" dirty="0"/>
+                        <a:rPr lang="zh-CN" altLang="en-US" sz="2000" dirty="0"/>
                         <a:t>外接设备会映射为此目录下的一个文件</a:t>
                       </a:r>
                     </a:p>
@@ -9955,17 +9963,17 @@
                   </a:ext>
                 </a:extLst>
               </a:tr>
-              <a:tr h="498150">
+              <a:tr h="476703">
                 <a:tc>
                   <a:txBody>
                     <a:bodyPr/>
                     <a:lstStyle/>
                     <a:p>
                       <a:r>
-                        <a:rPr lang="en-US" altLang="zh-CN" dirty="0"/>
+                        <a:rPr lang="en-US" altLang="zh-CN" sz="2000" dirty="0"/>
                         <a:t>/media</a:t>
                       </a:r>
-                      <a:endParaRPr lang="zh-CN" altLang="en-US" dirty="0"/>
+                      <a:endParaRPr lang="zh-CN" altLang="en-US" sz="2000" dirty="0"/>
                     </a:p>
                   </a:txBody>
                   <a:tcPr anchor="ctr"/>
@@ -9976,15 +9984,15 @@
                     <a:lstStyle/>
                     <a:p>
                       <a:r>
-                        <a:rPr lang="zh-CN" altLang="en-US" dirty="0"/>
+                        <a:rPr lang="zh-CN" altLang="en-US" sz="2000" dirty="0"/>
                         <a:t>把系统自动识别的</a:t>
                       </a:r>
                       <a:r>
-                        <a:rPr lang="en-US" altLang="zh-CN" dirty="0"/>
+                        <a:rPr lang="en-US" altLang="zh-CN" sz="2000" dirty="0"/>
                         <a:t>U</a:t>
                       </a:r>
                       <a:r>
-                        <a:rPr lang="zh-CN" altLang="en-US" dirty="0"/>
+                        <a:rPr lang="zh-CN" altLang="en-US" sz="2000" dirty="0"/>
                         <a:t>盘，光盘等挂载到此目录下</a:t>
                       </a:r>
                     </a:p>
@@ -9997,17 +10005,17 @@
                   </a:ext>
                 </a:extLst>
               </a:tr>
-              <a:tr h="498150">
+              <a:tr h="670858">
                 <a:tc>
                   <a:txBody>
                     <a:bodyPr/>
                     <a:lstStyle/>
                     <a:p>
                       <a:r>
-                        <a:rPr lang="en-US" altLang="zh-CN" dirty="0"/>
+                        <a:rPr lang="en-US" altLang="zh-CN" sz="2000" dirty="0"/>
                         <a:t>/proc</a:t>
                       </a:r>
-                      <a:endParaRPr lang="zh-CN" altLang="en-US" dirty="0"/>
+                      <a:endParaRPr lang="zh-CN" altLang="en-US" sz="2000" dirty="0"/>
                     </a:p>
                   </a:txBody>
                   <a:tcPr anchor="ctr"/>
@@ -10018,8 +10026,8 @@
                     <a:lstStyle/>
                     <a:p>
                       <a:r>
-                        <a:rPr lang="zh-CN" altLang="en-US" dirty="0"/>
-                        <a:t>一个虚拟目录，是系统内存的映射，可以在此目录下获取系统以及进程的信息</a:t>
+                        <a:rPr lang="zh-CN" altLang="en-US" sz="2000" dirty="0"/>
+                        <a:t>一个虚拟目录，是系统内存的映射，可以获取系统以及进程的信息</a:t>
                       </a:r>
                     </a:p>
                   </a:txBody>
@@ -10031,17 +10039,17 @@
                   </a:ext>
                 </a:extLst>
               </a:tr>
-              <a:tr h="498150">
+              <a:tr h="476703">
                 <a:tc>
                   <a:txBody>
                     <a:bodyPr/>
                     <a:lstStyle/>
                     <a:p>
                       <a:r>
-                        <a:rPr lang="en-US" altLang="zh-CN" dirty="0"/>
+                        <a:rPr lang="en-US" altLang="zh-CN" sz="2000" dirty="0"/>
                         <a:t>/sys</a:t>
                       </a:r>
-                      <a:endParaRPr lang="zh-CN" altLang="en-US" dirty="0"/>
+                      <a:endParaRPr lang="zh-CN" altLang="en-US" sz="2000" dirty="0"/>
                     </a:p>
                   </a:txBody>
                   <a:tcPr anchor="ctr"/>
@@ -10052,8 +10060,8 @@
                     <a:lstStyle/>
                     <a:p>
                       <a:r>
-                        <a:rPr lang="zh-CN" altLang="en-US" dirty="0"/>
-                        <a:t>一个虚拟目录，把硬件设备映射成文件，可以读取信息，也可以通过文件控制硬件</a:t>
+                        <a:rPr lang="zh-CN" altLang="en-US" sz="2000" dirty="0"/>
+                        <a:t>一个虚拟目录，把硬件设备映射成文件，可以通过文件控制硬件</a:t>
                       </a:r>
                     </a:p>
                   </a:txBody>
@@ -10065,21 +10073,21 @@
                   </a:ext>
                 </a:extLst>
               </a:tr>
-              <a:tr h="498150">
+              <a:tr h="476703">
                 <a:tc>
                   <a:txBody>
                     <a:bodyPr/>
                     <a:lstStyle/>
                     <a:p>
                       <a:r>
-                        <a:rPr lang="en-US" altLang="zh-CN" dirty="0"/>
+                        <a:rPr lang="en-US" altLang="zh-CN" sz="2000" dirty="0"/>
                         <a:t>/</a:t>
                       </a:r>
                       <a:r>
-                        <a:rPr lang="en-US" altLang="zh-CN" dirty="0" err="1"/>
+                        <a:rPr lang="en-US" altLang="zh-CN" sz="2000" dirty="0" err="1"/>
                         <a:t>lost+found</a:t>
                       </a:r>
-                      <a:endParaRPr lang="zh-CN" altLang="en-US" dirty="0"/>
+                      <a:endParaRPr lang="zh-CN" altLang="en-US" sz="2000" dirty="0"/>
                     </a:p>
                   </a:txBody>
                   <a:tcPr anchor="ctr"/>
@@ -10090,7 +10098,7 @@
                     <a:lstStyle/>
                     <a:p>
                       <a:r>
-                        <a:rPr lang="zh-CN" altLang="en-US" dirty="0"/>
+                        <a:rPr lang="zh-CN" altLang="en-US" sz="2000" dirty="0"/>
                         <a:t>一般为空，系统异常关机时会有一些信息存入此目录</a:t>
                       </a:r>
                     </a:p>
@@ -10103,21 +10111,21 @@
                   </a:ext>
                 </a:extLst>
               </a:tr>
-              <a:tr h="498150">
+              <a:tr h="476703">
                 <a:tc>
                   <a:txBody>
                     <a:bodyPr/>
                     <a:lstStyle/>
                     <a:p>
                       <a:r>
-                        <a:rPr lang="en-US" altLang="zh-CN" dirty="0"/>
+                        <a:rPr lang="en-US" altLang="zh-CN" sz="2000" dirty="0"/>
                         <a:t>/</a:t>
                       </a:r>
                       <a:r>
-                        <a:rPr lang="en-US" altLang="zh-CN" dirty="0" err="1"/>
+                        <a:rPr lang="en-US" altLang="zh-CN" sz="2000" dirty="0" err="1"/>
                         <a:t>var</a:t>
                       </a:r>
-                      <a:endParaRPr lang="zh-CN" altLang="en-US" dirty="0"/>
+                      <a:endParaRPr lang="zh-CN" altLang="en-US" sz="2000" dirty="0"/>
                     </a:p>
                   </a:txBody>
                   <a:tcPr anchor="ctr"/>
@@ -10128,7 +10136,7 @@
                     <a:lstStyle/>
                     <a:p>
                       <a:r>
-                        <a:rPr lang="zh-CN" altLang="en-US" dirty="0"/>
+                        <a:rPr lang="zh-CN" altLang="en-US" sz="2000" dirty="0"/>
                         <a:t>存放一些不断变化增长的东西，例如：各种日志文件等</a:t>
                       </a:r>
                     </a:p>
@@ -10141,25 +10149,25 @@
                   </a:ext>
                 </a:extLst>
               </a:tr>
-              <a:tr h="498150">
+              <a:tr h="476703">
                 <a:tc>
                   <a:txBody>
                     <a:bodyPr/>
                     <a:lstStyle/>
                     <a:p>
                       <a:r>
-                        <a:rPr lang="en-US" altLang="zh-CN" dirty="0"/>
+                        <a:rPr lang="en-US" altLang="zh-CN" sz="2000" dirty="0"/>
                         <a:t>/</a:t>
                       </a:r>
                       <a:r>
-                        <a:rPr lang="en-US" altLang="zh-CN" dirty="0" err="1"/>
+                        <a:rPr lang="en-US" altLang="zh-CN" sz="2000" dirty="0" err="1"/>
                         <a:t>usr</a:t>
                       </a:r>
                       <a:r>
-                        <a:rPr lang="en-US" altLang="zh-CN" dirty="0"/>
+                        <a:rPr lang="en-US" altLang="zh-CN" sz="2000" dirty="0"/>
                         <a:t>/bin</a:t>
                       </a:r>
-                      <a:endParaRPr lang="zh-CN" altLang="en-US" dirty="0"/>
+                      <a:endParaRPr lang="zh-CN" altLang="en-US" sz="2000" dirty="0"/>
                     </a:p>
                   </a:txBody>
                   <a:tcPr anchor="ctr"/>
@@ -10170,7 +10178,7 @@
                     <a:lstStyle/>
                     <a:p>
                       <a:r>
-                        <a:rPr lang="zh-CN" altLang="en-US" dirty="0"/>
+                        <a:rPr lang="zh-CN" altLang="en-US" sz="2000" dirty="0"/>
                         <a:t>用户程序目录</a:t>
                       </a:r>
                     </a:p>
@@ -10183,29 +10191,29 @@
                   </a:ext>
                 </a:extLst>
               </a:tr>
-              <a:tr h="498150">
+              <a:tr h="476703">
                 <a:tc>
                   <a:txBody>
                     <a:bodyPr/>
                     <a:lstStyle/>
                     <a:p>
                       <a:r>
-                        <a:rPr lang="en-US" altLang="zh-CN" dirty="0"/>
+                        <a:rPr lang="en-US" altLang="zh-CN" sz="2000" dirty="0"/>
                         <a:t>/</a:t>
                       </a:r>
                       <a:r>
-                        <a:rPr lang="en-US" altLang="zh-CN" dirty="0" err="1"/>
+                        <a:rPr lang="en-US" altLang="zh-CN" sz="2000" dirty="0" err="1"/>
                         <a:t>usr</a:t>
                       </a:r>
                       <a:r>
-                        <a:rPr lang="en-US" altLang="zh-CN" dirty="0"/>
+                        <a:rPr lang="en-US" altLang="zh-CN" sz="2000" dirty="0"/>
                         <a:t>/</a:t>
                       </a:r>
                       <a:r>
-                        <a:rPr lang="en-US" altLang="zh-CN" dirty="0" err="1"/>
+                        <a:rPr lang="en-US" altLang="zh-CN" sz="2000" dirty="0" err="1"/>
                         <a:t>sbin</a:t>
                       </a:r>
-                      <a:endParaRPr lang="zh-CN" altLang="en-US" dirty="0"/>
+                      <a:endParaRPr lang="zh-CN" altLang="en-US" sz="2000" dirty="0"/>
                     </a:p>
                   </a:txBody>
                   <a:tcPr anchor="ctr"/>
@@ -10216,7 +10224,7 @@
                     <a:lstStyle/>
                     <a:p>
                       <a:r>
-                        <a:rPr lang="zh-CN" altLang="en-US" dirty="0"/>
+                        <a:rPr lang="zh-CN" altLang="en-US" sz="2000" dirty="0"/>
                         <a:t>需要超级用户权限运行的程序所在的目录</a:t>
                       </a:r>
                     </a:p>
@@ -10229,21 +10237,21 @@
                   </a:ext>
                 </a:extLst>
               </a:tr>
-              <a:tr h="498150">
+              <a:tr h="476703">
                 <a:tc>
                   <a:txBody>
                     <a:bodyPr/>
                     <a:lstStyle/>
                     <a:p>
                       <a:r>
-                        <a:rPr lang="en-US" altLang="zh-CN" dirty="0"/>
+                        <a:rPr lang="en-US" altLang="zh-CN" sz="2000" dirty="0"/>
                         <a:t>/</a:t>
                       </a:r>
                       <a:r>
-                        <a:rPr lang="en-US" altLang="zh-CN" dirty="0" err="1"/>
+                        <a:rPr lang="en-US" altLang="zh-CN" sz="2000" dirty="0" err="1"/>
                         <a:t>tmp</a:t>
                       </a:r>
-                      <a:endParaRPr lang="zh-CN" altLang="en-US" dirty="0"/>
+                      <a:endParaRPr lang="zh-CN" altLang="en-US" sz="2000" dirty="0"/>
                     </a:p>
                   </a:txBody>
                   <a:tcPr anchor="ctr"/>
@@ -10254,7 +10262,7 @@
                     <a:lstStyle/>
                     <a:p>
                       <a:r>
-                        <a:rPr lang="zh-CN" altLang="en-US" dirty="0"/>
+                        <a:rPr lang="zh-CN" altLang="en-US" sz="2000" dirty="0"/>
                         <a:t>存放临时文件的目录</a:t>
                       </a:r>
                     </a:p>
@@ -10345,7 +10353,7 @@
             <p:ph idx="1"/>
             <p:extLst>
               <p:ext uri="{D42A27DB-BD31-4B8C-83A1-F6EECF244321}">
-                <p14:modId xmlns:p14="http://schemas.microsoft.com/office/powerpoint/2010/main" val="370291021"/>
+                <p14:modId xmlns:p14="http://schemas.microsoft.com/office/powerpoint/2010/main" val="3221491968"/>
               </p:ext>
             </p:extLst>
           </p:nvPr>
@@ -10383,7 +10391,7 @@
                     <a:lstStyle/>
                     <a:p>
                       <a:r>
-                        <a:rPr lang="zh-CN" altLang="en-US" b="1" dirty="0"/>
+                        <a:rPr lang="zh-CN" altLang="en-US" sz="2000" b="1" dirty="0"/>
                         <a:t>命令</a:t>
                       </a:r>
                     </a:p>
@@ -10396,7 +10404,7 @@
                     <a:lstStyle/>
                     <a:p>
                       <a:r>
-                        <a:rPr lang="zh-CN" altLang="en-US" b="1" dirty="0"/>
+                        <a:rPr lang="zh-CN" altLang="en-US" sz="2000" b="1" dirty="0"/>
                         <a:t>说明</a:t>
                       </a:r>
                     </a:p>
@@ -10416,10 +10424,10 @@
                     <a:lstStyle/>
                     <a:p>
                       <a:r>
-                        <a:rPr lang="en-US" altLang="zh-CN" dirty="0"/>
+                        <a:rPr lang="en-US" altLang="zh-CN" sz="2000" dirty="0"/>
                         <a:t>ls</a:t>
                       </a:r>
-                      <a:endParaRPr lang="zh-CN" altLang="en-US" dirty="0"/>
+                      <a:endParaRPr lang="zh-CN" altLang="en-US" sz="2000" dirty="0"/>
                     </a:p>
                   </a:txBody>
                   <a:tcPr anchor="ctr"/>
@@ -10430,15 +10438,15 @@
                     <a:lstStyle/>
                     <a:p>
                       <a:r>
-                        <a:rPr lang="zh-CN" altLang="en-US" dirty="0"/>
+                        <a:rPr lang="zh-CN" altLang="en-US" sz="2000" dirty="0"/>
                         <a:t>显示目录</a:t>
                       </a:r>
                       <a:r>
-                        <a:rPr lang="en-US" altLang="zh-CN" dirty="0"/>
+                        <a:rPr lang="en-US" altLang="zh-CN" sz="2000" dirty="0"/>
                         <a:t>/</a:t>
                       </a:r>
                       <a:r>
-                        <a:rPr lang="zh-CN" altLang="en-US" dirty="0"/>
+                        <a:rPr lang="zh-CN" altLang="en-US" sz="2000" dirty="0"/>
                         <a:t>文件</a:t>
                       </a:r>
                     </a:p>
@@ -10458,10 +10466,10 @@
                     <a:lstStyle/>
                     <a:p>
                       <a:r>
-                        <a:rPr lang="en-US" altLang="zh-CN" dirty="0"/>
+                        <a:rPr lang="en-US" altLang="zh-CN" sz="2000" dirty="0"/>
                         <a:t>cd</a:t>
                       </a:r>
-                      <a:endParaRPr lang="zh-CN" altLang="en-US" dirty="0"/>
+                      <a:endParaRPr lang="zh-CN" altLang="en-US" sz="2000" dirty="0"/>
                     </a:p>
                   </a:txBody>
                   <a:tcPr anchor="ctr"/>
@@ -10472,7 +10480,7 @@
                     <a:lstStyle/>
                     <a:p>
                       <a:r>
-                        <a:rPr lang="zh-CN" altLang="en-US" dirty="0"/>
+                        <a:rPr lang="zh-CN" altLang="en-US" sz="2000" dirty="0"/>
                         <a:t>切换工作目录</a:t>
                       </a:r>
                     </a:p>
@@ -10492,10 +10500,10 @@
                     <a:lstStyle/>
                     <a:p>
                       <a:r>
-                        <a:rPr lang="en-US" altLang="zh-CN" dirty="0" err="1"/>
+                        <a:rPr lang="en-US" altLang="zh-CN" sz="2000" dirty="0" err="1"/>
                         <a:t>df</a:t>
                       </a:r>
-                      <a:endParaRPr lang="zh-CN" altLang="en-US" dirty="0"/>
+                      <a:endParaRPr lang="zh-CN" altLang="en-US" sz="2000" dirty="0"/>
                     </a:p>
                   </a:txBody>
                   <a:tcPr anchor="ctr"/>
@@ -10506,7 +10514,7 @@
                     <a:lstStyle/>
                     <a:p>
                       <a:r>
-                        <a:rPr lang="zh-CN" altLang="en-US" dirty="0"/>
+                        <a:rPr lang="zh-CN" altLang="en-US" sz="2000" dirty="0"/>
                         <a:t>查看磁盘使用情况</a:t>
                       </a:r>
                     </a:p>
@@ -10526,10 +10534,10 @@
                     <a:lstStyle/>
                     <a:p>
                       <a:r>
-                        <a:rPr lang="en-US" altLang="zh-CN" dirty="0" err="1"/>
+                        <a:rPr lang="en-US" altLang="zh-CN" sz="2000" dirty="0" err="1"/>
                         <a:t>fdisk</a:t>
                       </a:r>
-                      <a:endParaRPr lang="zh-CN" altLang="en-US" dirty="0"/>
+                      <a:endParaRPr lang="zh-CN" altLang="en-US" sz="2000" dirty="0"/>
                     </a:p>
                   </a:txBody>
                   <a:tcPr anchor="ctr"/>
@@ -10540,7 +10548,7 @@
                     <a:lstStyle/>
                     <a:p>
                       <a:r>
-                        <a:rPr lang="zh-CN" altLang="en-US" dirty="0"/>
+                        <a:rPr lang="zh-CN" altLang="en-US" sz="2000" dirty="0"/>
                         <a:t>磁盘格式化</a:t>
                       </a:r>
                     </a:p>
@@ -10560,10 +10568,10 @@
                     <a:lstStyle/>
                     <a:p>
                       <a:r>
-                        <a:rPr lang="en-US" altLang="zh-CN" dirty="0" err="1"/>
+                        <a:rPr lang="en-US" altLang="zh-CN" sz="2000" dirty="0" err="1"/>
                         <a:t>mkfs</a:t>
                       </a:r>
-                      <a:endParaRPr lang="zh-CN" altLang="en-US" dirty="0"/>
+                      <a:endParaRPr lang="zh-CN" altLang="en-US" sz="2000" dirty="0"/>
                     </a:p>
                   </a:txBody>
                   <a:tcPr anchor="ctr"/>
@@ -10574,7 +10582,7 @@
                     <a:lstStyle/>
                     <a:p>
                       <a:r>
-                        <a:rPr lang="zh-CN" altLang="en-US" dirty="0"/>
+                        <a:rPr lang="zh-CN" altLang="en-US" sz="2000" dirty="0"/>
                         <a:t>创建文件系统</a:t>
                       </a:r>
                     </a:p>
@@ -10594,10 +10602,10 @@
                     <a:lstStyle/>
                     <a:p>
                       <a:r>
-                        <a:rPr lang="en-US" altLang="zh-CN" dirty="0"/>
+                        <a:rPr lang="en-US" altLang="zh-CN" sz="2000" dirty="0"/>
                         <a:t>mount</a:t>
                       </a:r>
-                      <a:endParaRPr lang="zh-CN" altLang="en-US" dirty="0"/>
+                      <a:endParaRPr lang="zh-CN" altLang="en-US" sz="2000" dirty="0"/>
                     </a:p>
                   </a:txBody>
                   <a:tcPr anchor="ctr"/>
@@ -10608,7 +10616,7 @@
                     <a:lstStyle/>
                     <a:p>
                       <a:r>
-                        <a:rPr lang="zh-CN" altLang="en-US" dirty="0"/>
+                        <a:rPr lang="zh-CN" altLang="en-US" sz="2000" dirty="0"/>
                         <a:t>挂载设备</a:t>
                       </a:r>
                     </a:p>
@@ -10628,10 +10636,10 @@
                     <a:lstStyle/>
                     <a:p>
                       <a:r>
-                        <a:rPr lang="en-US" altLang="zh-CN" dirty="0" err="1"/>
+                        <a:rPr lang="en-US" altLang="zh-CN" sz="2000" dirty="0" err="1"/>
                         <a:t>umount</a:t>
                       </a:r>
-                      <a:endParaRPr lang="zh-CN" altLang="en-US" dirty="0"/>
+                      <a:endParaRPr lang="zh-CN" altLang="en-US" sz="2000" dirty="0"/>
                     </a:p>
                   </a:txBody>
                   <a:tcPr anchor="ctr"/>
@@ -10642,7 +10650,7 @@
                     <a:lstStyle/>
                     <a:p>
                       <a:r>
-                        <a:rPr lang="zh-CN" altLang="en-US" dirty="0"/>
+                        <a:rPr lang="zh-CN" altLang="en-US" sz="2000" dirty="0"/>
                         <a:t>卸载设备</a:t>
                       </a:r>
                     </a:p>
@@ -10740,12 +10748,148 @@
         </p:nvSpPr>
         <p:spPr/>
         <p:txBody>
-          <a:bodyPr/>
-          <a:lstStyle/>
-          <a:p>
+          <a:bodyPr>
+            <a:normAutofit/>
+          </a:bodyPr>
+          <a:lstStyle/>
+          <a:p>
+            <a:r>
+              <a:rPr lang="zh-CN" altLang="en-US" sz="2400" dirty="0"/>
+              <a:t>在终端使用</a:t>
+            </a:r>
+            <a:r>
+              <a:rPr lang="en-US" altLang="zh-CN" sz="2400" dirty="0"/>
+              <a:t>ls</a:t>
+            </a:r>
+            <a:r>
+              <a:rPr lang="zh-CN" altLang="en-US" sz="2400" dirty="0"/>
+              <a:t>可查看当前目录下的内容：</a:t>
+            </a:r>
+            <a:endParaRPr lang="en-US" altLang="zh-CN" sz="2400" dirty="0"/>
+          </a:p>
+          <a:p>
+            <a:pPr marL="457200" lvl="1" indent="0">
+              <a:buNone/>
+            </a:pPr>
+            <a:r>
+              <a:rPr lang="en-US" altLang="zh-CN" sz="2000" dirty="0"/>
+              <a:t>ls -a </a:t>
+            </a:r>
             <a:r>
               <a:rPr lang="zh-CN" altLang="en-US" sz="2000" dirty="0"/>
-              <a:t>在终端使用</a:t>
+              <a:t>显示目录下的所有内容，包括以 </a:t>
+            </a:r>
+            <a:r>
+              <a:rPr lang="en-US" altLang="zh-CN" sz="2000" dirty="0"/>
+              <a:t>. </a:t>
+            </a:r>
+            <a:r>
+              <a:rPr lang="zh-CN" altLang="en-US" sz="2000" dirty="0"/>
+              <a:t>开头的隐藏文件。</a:t>
+            </a:r>
+            <a:endParaRPr lang="en-US" altLang="zh-CN" sz="2000" dirty="0"/>
+          </a:p>
+          <a:p>
+            <a:pPr marL="457200" lvl="1" indent="0">
+              <a:buNone/>
+            </a:pPr>
+            <a:endParaRPr lang="en-US" altLang="zh-CN" sz="2000" dirty="0"/>
+          </a:p>
+          <a:p>
+            <a:pPr marL="457200" lvl="1" indent="0">
+              <a:buNone/>
+            </a:pPr>
+            <a:r>
+              <a:rPr lang="en-US" altLang="zh-CN" sz="2000" dirty="0"/>
+              <a:t>ls -l </a:t>
+            </a:r>
+            <a:r>
+              <a:rPr lang="zh-CN" altLang="en-US" sz="2000" dirty="0"/>
+              <a:t>以详细方式显示目录内容信息</a:t>
+            </a:r>
+            <a:endParaRPr lang="en-US" altLang="zh-CN" sz="2000" dirty="0"/>
+          </a:p>
+          <a:p>
+            <a:pPr marL="457200" lvl="1" indent="0">
+              <a:buNone/>
+            </a:pPr>
+            <a:endParaRPr lang="en-US" altLang="zh-CN" sz="2000" dirty="0"/>
+          </a:p>
+          <a:p>
+            <a:pPr marL="457200" lvl="1" indent="0">
+              <a:buNone/>
+            </a:pPr>
+            <a:r>
+              <a:rPr lang="en-US" altLang="zh-CN" sz="2000" dirty="0"/>
+              <a:t>ls -t </a:t>
+            </a:r>
+            <a:r>
+              <a:rPr lang="zh-CN" altLang="en-US" sz="2000" dirty="0"/>
+              <a:t>按修改时间排序，最新的排在最前边</a:t>
+            </a:r>
+            <a:endParaRPr lang="en-US" altLang="zh-CN" sz="2000" dirty="0"/>
+          </a:p>
+          <a:p>
+            <a:pPr marL="457200" lvl="1" indent="0">
+              <a:buNone/>
+            </a:pPr>
+            <a:endParaRPr lang="en-US" altLang="zh-CN" sz="2000" dirty="0"/>
+          </a:p>
+          <a:p>
+            <a:pPr marL="457200" lvl="1" indent="0">
+              <a:buNone/>
+            </a:pPr>
+            <a:r>
+              <a:rPr lang="en-US" altLang="zh-CN" sz="2000" dirty="0"/>
+              <a:t>ls -R </a:t>
+            </a:r>
+            <a:r>
+              <a:rPr lang="zh-CN" altLang="en-US" sz="2000" dirty="0"/>
+              <a:t>递归显示目录内容</a:t>
+            </a:r>
+            <a:endParaRPr lang="en-US" altLang="zh-CN" sz="2000" dirty="0"/>
+          </a:p>
+          <a:p>
+            <a:pPr marL="457200" lvl="1" indent="0">
+              <a:buNone/>
+            </a:pPr>
+            <a:endParaRPr lang="en-US" altLang="zh-CN" sz="2000" dirty="0"/>
+          </a:p>
+          <a:p>
+            <a:pPr marL="457200" lvl="1" indent="0">
+              <a:buNone/>
+            </a:pPr>
+            <a:r>
+              <a:rPr lang="en-US" altLang="zh-CN" sz="2000" dirty="0"/>
+              <a:t>ls -S </a:t>
+            </a:r>
+            <a:r>
+              <a:rPr lang="zh-CN" altLang="en-US" sz="2000" dirty="0"/>
+              <a:t>按文件大小排序，大的在前</a:t>
+            </a:r>
+            <a:endParaRPr lang="en-US" altLang="zh-CN" sz="2000" dirty="0"/>
+          </a:p>
+          <a:p>
+            <a:pPr marL="457200" lvl="1" indent="0">
+              <a:buNone/>
+            </a:pPr>
+            <a:endParaRPr lang="en-US" altLang="zh-CN" sz="2000" dirty="0"/>
+          </a:p>
+          <a:p>
+            <a:pPr marL="457200" lvl="1" indent="0">
+              <a:buNone/>
+            </a:pPr>
+            <a:r>
+              <a:rPr lang="zh-CN" altLang="en-US" sz="2000" dirty="0"/>
+              <a:t>使用</a:t>
+            </a:r>
+            <a:r>
+              <a:rPr lang="en-US" altLang="zh-CN" sz="2000" dirty="0"/>
+              <a:t>man ls</a:t>
+            </a:r>
+            <a:r>
+              <a:rPr lang="zh-CN" altLang="en-US" sz="2000" dirty="0"/>
+              <a:t>可查看</a:t>
             </a:r>
             <a:r>
               <a:rPr lang="en-US" altLang="zh-CN" sz="2000" dirty="0"/>
@@ -10753,143 +10897,9 @@
             </a:r>
             <a:r>
               <a:rPr lang="zh-CN" altLang="en-US" sz="2000" dirty="0"/>
-              <a:t>可查看当前目录下的内容：</a:t>
+              <a:t>命令帮助手册</a:t>
             </a:r>
             <a:endParaRPr lang="en-US" altLang="zh-CN" sz="2000" dirty="0"/>
-          </a:p>
-          <a:p>
-            <a:pPr marL="457200" lvl="1" indent="0">
-              <a:buNone/>
-            </a:pPr>
-            <a:r>
-              <a:rPr lang="en-US" altLang="zh-CN" sz="1800" dirty="0"/>
-              <a:t>ls -a </a:t>
-            </a:r>
-            <a:r>
-              <a:rPr lang="zh-CN" altLang="en-US" sz="1800" dirty="0"/>
-              <a:t>显示目录下的所有内容，包括以 </a:t>
-            </a:r>
-            <a:r>
-              <a:rPr lang="en-US" altLang="zh-CN" sz="1800" dirty="0"/>
-              <a:t>. </a:t>
-            </a:r>
-            <a:r>
-              <a:rPr lang="zh-CN" altLang="en-US" sz="1800" dirty="0"/>
-              <a:t>开头的隐藏文件。</a:t>
-            </a:r>
-            <a:endParaRPr lang="en-US" altLang="zh-CN" sz="1800" dirty="0"/>
-          </a:p>
-          <a:p>
-            <a:pPr marL="457200" lvl="1" indent="0">
-              <a:buNone/>
-            </a:pPr>
-            <a:endParaRPr lang="en-US" altLang="zh-CN" sz="1800" dirty="0"/>
-          </a:p>
-          <a:p>
-            <a:pPr marL="457200" lvl="1" indent="0">
-              <a:buNone/>
-            </a:pPr>
-            <a:r>
-              <a:rPr lang="en-US" altLang="zh-CN" sz="1800" dirty="0"/>
-              <a:t>ls -l </a:t>
-            </a:r>
-            <a:r>
-              <a:rPr lang="zh-CN" altLang="en-US" sz="1800" dirty="0"/>
-              <a:t>以详细方式显示目录内容信息</a:t>
-            </a:r>
-            <a:endParaRPr lang="en-US" altLang="zh-CN" sz="1800" dirty="0"/>
-          </a:p>
-          <a:p>
-            <a:pPr marL="457200" lvl="1" indent="0">
-              <a:buNone/>
-            </a:pPr>
-            <a:endParaRPr lang="en-US" altLang="zh-CN" sz="1800" dirty="0"/>
-          </a:p>
-          <a:p>
-            <a:pPr marL="457200" lvl="1" indent="0">
-              <a:buNone/>
-            </a:pPr>
-            <a:r>
-              <a:rPr lang="en-US" altLang="zh-CN" sz="1800" dirty="0"/>
-              <a:t>ls -t </a:t>
-            </a:r>
-            <a:r>
-              <a:rPr lang="zh-CN" altLang="en-US" sz="1800" dirty="0"/>
-              <a:t>按修改时间排序，最新的排在最前边</a:t>
-            </a:r>
-            <a:endParaRPr lang="en-US" altLang="zh-CN" sz="1800" dirty="0"/>
-          </a:p>
-          <a:p>
-            <a:pPr marL="457200" lvl="1" indent="0">
-              <a:buNone/>
-            </a:pPr>
-            <a:endParaRPr lang="en-US" altLang="zh-CN" sz="1800" dirty="0"/>
-          </a:p>
-          <a:p>
-            <a:pPr marL="457200" lvl="1" indent="0">
-              <a:buNone/>
-            </a:pPr>
-            <a:r>
-              <a:rPr lang="en-US" altLang="zh-CN" sz="1800" dirty="0"/>
-              <a:t>ls -R </a:t>
-            </a:r>
-            <a:r>
-              <a:rPr lang="zh-CN" altLang="en-US" sz="1800" dirty="0"/>
-              <a:t>递归显示目录内容</a:t>
-            </a:r>
-            <a:endParaRPr lang="en-US" altLang="zh-CN" sz="1800" dirty="0"/>
-          </a:p>
-          <a:p>
-            <a:pPr marL="457200" lvl="1" indent="0">
-              <a:buNone/>
-            </a:pPr>
-            <a:endParaRPr lang="en-US" altLang="zh-CN" sz="1800" dirty="0"/>
-          </a:p>
-          <a:p>
-            <a:pPr marL="457200" lvl="1" indent="0">
-              <a:buNone/>
-            </a:pPr>
-            <a:r>
-              <a:rPr lang="en-US" altLang="zh-CN" sz="1800" dirty="0"/>
-              <a:t>ls -S </a:t>
-            </a:r>
-            <a:r>
-              <a:rPr lang="zh-CN" altLang="en-US" sz="1800" dirty="0"/>
-              <a:t>按文件大小排序，大的在前</a:t>
-            </a:r>
-            <a:endParaRPr lang="en-US" altLang="zh-CN" sz="1800" dirty="0"/>
-          </a:p>
-          <a:p>
-            <a:pPr marL="457200" lvl="1" indent="0">
-              <a:buNone/>
-            </a:pPr>
-            <a:endParaRPr lang="en-US" altLang="zh-CN" sz="1800"/>
-          </a:p>
-          <a:p>
-            <a:pPr marL="457200" lvl="1" indent="0">
-              <a:buNone/>
-            </a:pPr>
-            <a:r>
-              <a:rPr lang="zh-CN" altLang="en-US" sz="1800"/>
-              <a:t>使用</a:t>
-            </a:r>
-            <a:r>
-              <a:rPr lang="en-US" altLang="zh-CN" sz="1800" dirty="0"/>
-              <a:t>man ls</a:t>
-            </a:r>
-            <a:r>
-              <a:rPr lang="zh-CN" altLang="en-US" sz="1800" dirty="0"/>
-              <a:t>可查看</a:t>
-            </a:r>
-            <a:r>
-              <a:rPr lang="en-US" altLang="zh-CN" sz="1800" dirty="0"/>
-              <a:t>ls</a:t>
-            </a:r>
-            <a:r>
-              <a:rPr lang="zh-CN" altLang="en-US" sz="1800" dirty="0"/>
-              <a:t>命令帮助手册</a:t>
-            </a:r>
-            <a:endParaRPr lang="en-US" altLang="zh-CN" sz="1800" dirty="0"/>
           </a:p>
         </p:txBody>
       </p:sp>
@@ -10977,90 +10987,87 @@
           <a:lstStyle/>
           <a:p>
             <a:r>
-              <a:rPr lang="zh-CN" altLang="en-US" sz="2000" dirty="0"/>
+              <a:rPr lang="zh-CN" altLang="en-US" sz="2400" dirty="0"/>
               <a:t>使用</a:t>
             </a:r>
             <a:r>
-              <a:rPr lang="en-US" altLang="zh-CN" sz="2000" dirty="0"/>
+              <a:rPr lang="en-US" altLang="zh-CN" sz="2400" dirty="0"/>
               <a:t>cd ..</a:t>
             </a:r>
             <a:r>
-              <a:rPr lang="zh-CN" altLang="en-US" sz="2000" dirty="0"/>
+              <a:rPr lang="zh-CN" altLang="en-US" sz="2400" dirty="0"/>
               <a:t> 会回到上一层目录</a:t>
             </a:r>
-            <a:endParaRPr lang="en-US" altLang="zh-CN" sz="2000" dirty="0"/>
-          </a:p>
-          <a:p>
-            <a:endParaRPr lang="en-US" altLang="zh-CN" sz="2000" dirty="0"/>
-          </a:p>
-          <a:p>
-            <a:r>
-              <a:rPr lang="zh-CN" altLang="en-US" sz="2000" dirty="0"/>
+            <a:endParaRPr lang="en-US" altLang="zh-CN" sz="2400" dirty="0"/>
+          </a:p>
+          <a:p>
+            <a:endParaRPr lang="en-US" altLang="zh-CN" sz="2400" dirty="0"/>
+          </a:p>
+          <a:p>
+            <a:r>
+              <a:rPr lang="zh-CN" altLang="en-US" sz="2400" dirty="0"/>
               <a:t>在根目录</a:t>
             </a:r>
             <a:r>
-              <a:rPr lang="en-US" altLang="zh-CN" sz="2000" dirty="0"/>
+              <a:rPr lang="en-US" altLang="zh-CN" sz="2400" dirty="0"/>
               <a:t>/</a:t>
             </a:r>
             <a:r>
-              <a:rPr lang="zh-CN" altLang="en-US" sz="2000" dirty="0"/>
+              <a:rPr lang="zh-CN" altLang="en-US" sz="2400" dirty="0"/>
               <a:t>下 </a:t>
             </a:r>
             <a:r>
-              <a:rPr lang="en-US" altLang="zh-CN" sz="2000" dirty="0"/>
+              <a:rPr lang="en-US" altLang="zh-CN" sz="2400" dirty="0"/>
               <a:t>cd .. </a:t>
             </a:r>
             <a:r>
-              <a:rPr lang="zh-CN" altLang="en-US" sz="2000" dirty="0"/>
+              <a:rPr lang="zh-CN" altLang="en-US" sz="2400" dirty="0"/>
               <a:t>还是</a:t>
             </a:r>
             <a:r>
-              <a:rPr lang="en-US" altLang="zh-CN" sz="2000" dirty="0"/>
+              <a:rPr lang="en-US" altLang="zh-CN" sz="2400" dirty="0"/>
               <a:t>/</a:t>
             </a:r>
             <a:r>
-              <a:rPr lang="zh-CN" altLang="en-US" sz="2000" dirty="0"/>
+              <a:rPr lang="zh-CN" altLang="en-US" sz="2400" dirty="0"/>
               <a:t>目录</a:t>
             </a:r>
-            <a:endParaRPr lang="en-US" altLang="zh-CN" sz="2000" dirty="0"/>
-          </a:p>
-          <a:p>
-            <a:endParaRPr lang="en-US" altLang="zh-CN" sz="2000" dirty="0"/>
-          </a:p>
-          <a:p>
-            <a:r>
-              <a:rPr lang="zh-CN" altLang="en-US" sz="2000" dirty="0"/>
+            <a:endParaRPr lang="en-US" altLang="zh-CN" sz="2400" dirty="0"/>
+          </a:p>
+          <a:p>
+            <a:endParaRPr lang="en-US" altLang="zh-CN" sz="2400" dirty="0"/>
+          </a:p>
+          <a:p>
+            <a:r>
+              <a:rPr lang="zh-CN" altLang="en-US" sz="2400" dirty="0"/>
               <a:t>在任何目录下使用</a:t>
             </a:r>
             <a:r>
-              <a:rPr lang="en-US" altLang="zh-CN" sz="2000" dirty="0"/>
+              <a:rPr lang="en-US" altLang="zh-CN" sz="2400" dirty="0"/>
               <a:t>cd ~ </a:t>
             </a:r>
             <a:r>
-              <a:rPr lang="zh-CN" altLang="en-US" sz="2000" dirty="0"/>
+              <a:rPr lang="zh-CN" altLang="en-US" sz="2400" dirty="0"/>
               <a:t>进入当前用户的主目录</a:t>
             </a:r>
-            <a:endParaRPr lang="en-US" altLang="zh-CN" sz="2000" dirty="0"/>
-          </a:p>
-          <a:p>
-            <a:endParaRPr lang="en-US" altLang="zh-CN" sz="2000" dirty="0"/>
-          </a:p>
-          <a:p>
-            <a:r>
-              <a:rPr lang="en-US" altLang="zh-CN" sz="2000" dirty="0"/>
+            <a:endParaRPr lang="en-US" altLang="zh-CN" sz="2400" dirty="0"/>
+          </a:p>
+          <a:p>
+            <a:endParaRPr lang="en-US" altLang="zh-CN" sz="2400" dirty="0"/>
+          </a:p>
+          <a:p>
+            <a:r>
+              <a:rPr lang="en-US" altLang="zh-CN" sz="2400" dirty="0"/>
               <a:t>cd - </a:t>
             </a:r>
             <a:r>
-              <a:rPr lang="zh-CN" altLang="en-US" sz="2000" dirty="0"/>
+              <a:rPr lang="zh-CN" altLang="en-US" sz="2400" dirty="0"/>
               <a:t>进入上一次使用的目录</a:t>
             </a:r>
-            <a:endParaRPr lang="en-US" altLang="zh-CN" sz="2000" dirty="0"/>
+            <a:endParaRPr lang="en-US" altLang="zh-CN" sz="2400" dirty="0"/>
           </a:p>
           <a:p>
             <a:endParaRPr lang="en-US" altLang="zh-CN" dirty="0"/>
-          </a:p>
-          <a:p>
-            <a:endParaRPr lang="zh-CN" altLang="en-US" dirty="0"/>
           </a:p>
         </p:txBody>
       </p:sp>
@@ -11144,136 +11151,136 @@
           <a:lstStyle/>
           <a:p>
             <a:r>
-              <a:rPr lang="en-US" altLang="zh-CN" sz="2000" dirty="0"/>
+              <a:rPr lang="en-US" altLang="zh-CN" sz="2400" dirty="0"/>
               <a:t>/dev</a:t>
             </a:r>
             <a:r>
-              <a:rPr lang="zh-CN" altLang="en-US" sz="2000" dirty="0"/>
+              <a:rPr lang="zh-CN" altLang="en-US" sz="2400" dirty="0"/>
               <a:t>目录下的文件是外接设备映射文件。</a:t>
             </a:r>
-            <a:endParaRPr lang="en-US" altLang="zh-CN" sz="2000" dirty="0"/>
-          </a:p>
-          <a:p>
-            <a:endParaRPr lang="en-US" altLang="zh-CN" sz="2000" dirty="0"/>
-          </a:p>
-          <a:p>
-            <a:r>
-              <a:rPr lang="en-US" altLang="zh-CN" sz="2000" dirty="0"/>
+            <a:endParaRPr lang="en-US" altLang="zh-CN" sz="2400" dirty="0"/>
+          </a:p>
+          <a:p>
+            <a:endParaRPr lang="en-US" altLang="zh-CN" sz="2400" dirty="0"/>
+          </a:p>
+          <a:p>
+            <a:r>
+              <a:rPr lang="en-US" altLang="zh-CN" sz="2400" dirty="0"/>
               <a:t>/dev/</a:t>
             </a:r>
             <a:r>
-              <a:rPr lang="en-US" altLang="zh-CN" sz="2000" dirty="0" err="1"/>
+              <a:rPr lang="en-US" altLang="zh-CN" sz="2400" dirty="0" err="1"/>
               <a:t>sd</a:t>
             </a:r>
             <a:r>
-              <a:rPr lang="en-US" altLang="zh-CN" sz="2000" dirty="0"/>
+              <a:rPr lang="en-US" altLang="zh-CN" sz="2400" dirty="0"/>
               <a:t>[a-z]</a:t>
             </a:r>
             <a:r>
-              <a:rPr lang="zh-CN" altLang="en-US" sz="2000" dirty="0"/>
+              <a:rPr lang="zh-CN" altLang="en-US" sz="2400" dirty="0"/>
               <a:t>表示硬盘设备（老式的</a:t>
             </a:r>
             <a:r>
-              <a:rPr lang="en-US" altLang="zh-CN" sz="2000" dirty="0"/>
+              <a:rPr lang="en-US" altLang="zh-CN" sz="2400" dirty="0"/>
               <a:t>IDE</a:t>
             </a:r>
             <a:r>
-              <a:rPr lang="zh-CN" altLang="en-US" sz="2000" dirty="0"/>
+              <a:rPr lang="zh-CN" altLang="en-US" sz="2400" dirty="0"/>
               <a:t>硬盘用</a:t>
             </a:r>
             <a:r>
-              <a:rPr lang="en-US" altLang="zh-CN" sz="2000" dirty="0" err="1"/>
+              <a:rPr lang="en-US" altLang="zh-CN" sz="2400" dirty="0" err="1"/>
               <a:t>hd</a:t>
             </a:r>
             <a:r>
-              <a:rPr lang="zh-CN" altLang="en-US" sz="2000" dirty="0"/>
+              <a:rPr lang="zh-CN" altLang="en-US" sz="2400" dirty="0"/>
               <a:t>表示）</a:t>
             </a:r>
-            <a:endParaRPr lang="en-US" altLang="zh-CN" sz="2000" dirty="0"/>
-          </a:p>
-          <a:p>
-            <a:endParaRPr lang="en-US" altLang="zh-CN" sz="2000" dirty="0"/>
-          </a:p>
-          <a:p>
-            <a:r>
-              <a:rPr lang="en-US" altLang="zh-CN" sz="2000" dirty="0"/>
+            <a:endParaRPr lang="en-US" altLang="zh-CN" sz="2400" dirty="0"/>
+          </a:p>
+          <a:p>
+            <a:endParaRPr lang="en-US" altLang="zh-CN" sz="2400" dirty="0"/>
+          </a:p>
+          <a:p>
+            <a:r>
+              <a:rPr lang="en-US" altLang="zh-CN" sz="2400" dirty="0"/>
               <a:t>sda1</a:t>
             </a:r>
             <a:r>
-              <a:rPr lang="zh-CN" altLang="en-US" sz="2000" dirty="0"/>
+              <a:rPr lang="zh-CN" altLang="en-US" sz="2400" dirty="0"/>
               <a:t>，</a:t>
             </a:r>
             <a:r>
-              <a:rPr lang="en-US" altLang="zh-CN" sz="2000" dirty="0"/>
+              <a:rPr lang="en-US" altLang="zh-CN" sz="2400" dirty="0"/>
               <a:t>sda2……</a:t>
             </a:r>
             <a:r>
-              <a:rPr lang="zh-CN" altLang="en-US" sz="2000" dirty="0"/>
+              <a:rPr lang="zh-CN" altLang="en-US" sz="2400" dirty="0"/>
               <a:t>表示分区。在</a:t>
             </a:r>
             <a:r>
-              <a:rPr lang="en-US" altLang="zh-CN" sz="2000" dirty="0"/>
+              <a:rPr lang="en-US" altLang="zh-CN" sz="2400" dirty="0"/>
               <a:t>MBR</a:t>
             </a:r>
             <a:r>
-              <a:rPr lang="zh-CN" altLang="en-US" sz="2000" dirty="0"/>
+              <a:rPr lang="zh-CN" altLang="en-US" sz="2400" dirty="0"/>
               <a:t>分区格式中，一个硬盘最多只能有</a:t>
             </a:r>
             <a:r>
-              <a:rPr lang="en-US" altLang="zh-CN" sz="2000" dirty="0"/>
+              <a:rPr lang="en-US" altLang="zh-CN" sz="2400" dirty="0"/>
               <a:t>4</a:t>
             </a:r>
             <a:r>
-              <a:rPr lang="zh-CN" altLang="en-US" sz="2000" dirty="0"/>
+              <a:rPr lang="zh-CN" altLang="en-US" sz="2400" dirty="0"/>
               <a:t>个主分区，如果需要更多分区就要使用扩展分区，其中扩展分区的个数最多为</a:t>
             </a:r>
             <a:r>
-              <a:rPr lang="en-US" altLang="zh-CN" sz="2000" dirty="0"/>
+              <a:rPr lang="en-US" altLang="zh-CN" sz="2400" dirty="0"/>
               <a:t>1</a:t>
             </a:r>
             <a:r>
-              <a:rPr lang="zh-CN" altLang="en-US" sz="2000" dirty="0"/>
+              <a:rPr lang="zh-CN" altLang="en-US" sz="2400" dirty="0"/>
               <a:t>。扩展分区中可以建立逻辑分区，从而突破只能有四个分区的限制。无论前面的数字是否被使用，</a:t>
             </a:r>
             <a:r>
-              <a:rPr lang="en-US" altLang="zh-CN" sz="2000" dirty="0"/>
+              <a:rPr lang="en-US" altLang="zh-CN" sz="2400" dirty="0"/>
               <a:t>sda5</a:t>
             </a:r>
             <a:r>
-              <a:rPr lang="zh-CN" altLang="en-US" sz="2000" dirty="0"/>
+              <a:rPr lang="zh-CN" altLang="en-US" sz="2400" dirty="0"/>
               <a:t>都表示第一个逻辑分区。</a:t>
             </a:r>
-            <a:endParaRPr lang="en-US" altLang="zh-CN" sz="2000" dirty="0"/>
-          </a:p>
-          <a:p>
-            <a:endParaRPr lang="en-US" altLang="zh-CN" sz="2000" dirty="0"/>
-          </a:p>
-          <a:p>
-            <a:r>
-              <a:rPr lang="en-US" altLang="zh-CN" sz="2000" dirty="0"/>
+            <a:endParaRPr lang="en-US" altLang="zh-CN" sz="2400" dirty="0"/>
+          </a:p>
+          <a:p>
+            <a:endParaRPr lang="en-US" altLang="zh-CN" sz="2400" dirty="0"/>
+          </a:p>
+          <a:p>
+            <a:r>
+              <a:rPr lang="en-US" altLang="zh-CN" sz="2400" dirty="0"/>
               <a:t>/dev</a:t>
             </a:r>
             <a:r>
-              <a:rPr lang="zh-CN" altLang="en-US" sz="2000" dirty="0"/>
+              <a:rPr lang="zh-CN" altLang="en-US" sz="2400" dirty="0"/>
               <a:t>下</a:t>
             </a:r>
             <a:r>
-              <a:rPr lang="en-US" altLang="zh-CN" sz="2000" dirty="0" err="1"/>
+              <a:rPr lang="en-US" altLang="zh-CN" sz="2400" dirty="0" err="1"/>
               <a:t>cdrom</a:t>
             </a:r>
             <a:r>
-              <a:rPr lang="zh-CN" altLang="en-US" sz="2000" dirty="0"/>
+              <a:rPr lang="zh-CN" altLang="en-US" sz="2400" dirty="0"/>
               <a:t>、</a:t>
             </a:r>
             <a:r>
-              <a:rPr lang="en-US" altLang="zh-CN" sz="2000" dirty="0" err="1"/>
+              <a:rPr lang="en-US" altLang="zh-CN" sz="2400" dirty="0" err="1"/>
               <a:t>dvd</a:t>
             </a:r>
             <a:r>
-              <a:rPr lang="zh-CN" altLang="en-US" sz="2000" dirty="0"/>
+              <a:rPr lang="zh-CN" altLang="en-US" sz="2400" dirty="0"/>
               <a:t>等文件表示光盘存储设备。</a:t>
             </a:r>
-            <a:endParaRPr lang="en-US" altLang="zh-CN" sz="2000" dirty="0"/>
+            <a:endParaRPr lang="en-US" altLang="zh-CN" sz="2400" dirty="0"/>
           </a:p>
           <a:p>
             <a:pPr marL="0" indent="0">

--- a/materials/slides/ch02-file-system-and-dir-architecture.pptx
+++ b/materials/slides/ch02-file-system-and-dir-architecture.pptx
@@ -222,7 +222,7 @@
           <a:p>
             <a:fld id="{81B1570E-56A9-452D-BA49-87391B8E5E3C}" type="datetimeFigureOut">
               <a:rPr lang="zh-CN" altLang="en-US" smtClean="0"/>
-              <a:t>2018/3/4</a:t>
+              <a:t>2018/3/11</a:t>
             </a:fld>
             <a:endParaRPr lang="zh-CN" altLang="en-US"/>
           </a:p>
@@ -728,7 +728,7 @@
           <a:p>
             <a:fld id="{02E60DA2-A0BC-48C9-AA88-75C78721B420}" type="datetimeFigureOut">
               <a:rPr lang="zh-CN" altLang="en-US" smtClean="0"/>
-              <a:t>2018/3/4</a:t>
+              <a:t>2018/3/11</a:t>
             </a:fld>
             <a:endParaRPr lang="zh-CN" altLang="en-US"/>
           </a:p>
@@ -950,7 +950,7 @@
           <a:p>
             <a:fld id="{02E60DA2-A0BC-48C9-AA88-75C78721B420}" type="datetimeFigureOut">
               <a:rPr lang="zh-CN" altLang="en-US" smtClean="0"/>
-              <a:t>2018/3/4</a:t>
+              <a:t>2018/3/11</a:t>
             </a:fld>
             <a:endParaRPr lang="zh-CN" altLang="en-US"/>
           </a:p>
@@ -1182,7 +1182,7 @@
           <a:p>
             <a:fld id="{02E60DA2-A0BC-48C9-AA88-75C78721B420}" type="datetimeFigureOut">
               <a:rPr lang="zh-CN" altLang="en-US" smtClean="0"/>
-              <a:t>2018/3/4</a:t>
+              <a:t>2018/3/11</a:t>
             </a:fld>
             <a:endParaRPr lang="zh-CN" altLang="en-US"/>
           </a:p>
@@ -1432,7 +1432,7 @@
           <a:p>
             <a:fld id="{02E60DA2-A0BC-48C9-AA88-75C78721B420}" type="datetimeFigureOut">
               <a:rPr lang="zh-CN" altLang="en-US" smtClean="0"/>
-              <a:t>2018/3/4</a:t>
+              <a:t>2018/3/11</a:t>
             </a:fld>
             <a:endParaRPr lang="zh-CN" altLang="en-US"/>
           </a:p>
@@ -1670,7 +1670,7 @@
           <a:p>
             <a:fld id="{02E60DA2-A0BC-48C9-AA88-75C78721B420}" type="datetimeFigureOut">
               <a:rPr lang="zh-CN" altLang="en-US" smtClean="0"/>
-              <a:t>2018/3/4</a:t>
+              <a:t>2018/3/11</a:t>
             </a:fld>
             <a:endParaRPr lang="zh-CN" altLang="en-US"/>
           </a:p>
@@ -1975,7 +1975,7 @@
           <a:p>
             <a:fld id="{02E60DA2-A0BC-48C9-AA88-75C78721B420}" type="datetimeFigureOut">
               <a:rPr lang="zh-CN" altLang="en-US" smtClean="0"/>
-              <a:t>2018/3/4</a:t>
+              <a:t>2018/3/11</a:t>
             </a:fld>
             <a:endParaRPr lang="zh-CN" altLang="en-US"/>
           </a:p>
@@ -2278,7 +2278,7 @@
           <a:p>
             <a:fld id="{02E60DA2-A0BC-48C9-AA88-75C78721B420}" type="datetimeFigureOut">
               <a:rPr lang="zh-CN" altLang="en-US" smtClean="0"/>
-              <a:t>2018/3/4</a:t>
+              <a:t>2018/3/11</a:t>
             </a:fld>
             <a:endParaRPr lang="zh-CN" altLang="en-US"/>
           </a:p>
@@ -2729,7 +2729,7 @@
           <a:p>
             <a:fld id="{02E60DA2-A0BC-48C9-AA88-75C78721B420}" type="datetimeFigureOut">
               <a:rPr lang="zh-CN" altLang="en-US" smtClean="0"/>
-              <a:t>2018/3/4</a:t>
+              <a:t>2018/3/11</a:t>
             </a:fld>
             <a:endParaRPr lang="zh-CN" altLang="en-US"/>
           </a:p>
@@ -2902,7 +2902,7 @@
           <a:p>
             <a:fld id="{02E60DA2-A0BC-48C9-AA88-75C78721B420}" type="datetimeFigureOut">
               <a:rPr lang="zh-CN" altLang="en-US" smtClean="0"/>
-              <a:t>2018/3/4</a:t>
+              <a:t>2018/3/11</a:t>
             </a:fld>
             <a:endParaRPr lang="zh-CN" altLang="en-US"/>
           </a:p>
@@ -3039,7 +3039,7 @@
           <a:p>
             <a:fld id="{02E60DA2-A0BC-48C9-AA88-75C78721B420}" type="datetimeFigureOut">
               <a:rPr lang="zh-CN" altLang="en-US" smtClean="0"/>
-              <a:t>2018/3/4</a:t>
+              <a:t>2018/3/11</a:t>
             </a:fld>
             <a:endParaRPr lang="zh-CN" altLang="en-US"/>
           </a:p>
@@ -3383,7 +3383,7 @@
           <a:p>
             <a:fld id="{02E60DA2-A0BC-48C9-AA88-75C78721B420}" type="datetimeFigureOut">
               <a:rPr lang="zh-CN" altLang="en-US" smtClean="0"/>
-              <a:t>2018/3/4</a:t>
+              <a:t>2018/3/11</a:t>
             </a:fld>
             <a:endParaRPr lang="zh-CN" altLang="en-US"/>
           </a:p>
@@ -3605,7 +3605,7 @@
           <a:p>
             <a:fld id="{02E60DA2-A0BC-48C9-AA88-75C78721B420}" type="datetimeFigureOut">
               <a:rPr lang="zh-CN" altLang="en-US" smtClean="0"/>
-              <a:t>2018/3/4</a:t>
+              <a:t>2018/3/11</a:t>
             </a:fld>
             <a:endParaRPr lang="zh-CN" altLang="en-US"/>
           </a:p>
@@ -3926,7 +3926,7 @@
           <a:p>
             <a:fld id="{02E60DA2-A0BC-48C9-AA88-75C78721B420}" type="datetimeFigureOut">
               <a:rPr lang="zh-CN" altLang="en-US" smtClean="0"/>
-              <a:t>2018/3/4</a:t>
+              <a:t>2018/3/11</a:t>
             </a:fld>
             <a:endParaRPr lang="zh-CN" altLang="en-US"/>
           </a:p>
@@ -4164,7 +4164,7 @@
           <a:p>
             <a:fld id="{02E60DA2-A0BC-48C9-AA88-75C78721B420}" type="datetimeFigureOut">
               <a:rPr lang="zh-CN" altLang="en-US" smtClean="0"/>
-              <a:t>2018/3/4</a:t>
+              <a:t>2018/3/11</a:t>
             </a:fld>
             <a:endParaRPr lang="zh-CN" altLang="en-US"/>
           </a:p>
@@ -4402,7 +4402,7 @@
           <a:p>
             <a:fld id="{02E60DA2-A0BC-48C9-AA88-75C78721B420}" type="datetimeFigureOut">
               <a:rPr lang="zh-CN" altLang="en-US" smtClean="0"/>
-              <a:t>2018/3/4</a:t>
+              <a:t>2018/3/11</a:t>
             </a:fld>
             <a:endParaRPr lang="zh-CN" altLang="en-US"/>
           </a:p>
@@ -4701,7 +4701,7 @@
           <a:p>
             <a:fld id="{02E60DA2-A0BC-48C9-AA88-75C78721B420}" type="datetimeFigureOut">
               <a:rPr lang="zh-CN" altLang="en-US" smtClean="0"/>
-              <a:t>2018/3/4</a:t>
+              <a:t>2018/3/11</a:t>
             </a:fld>
             <a:endParaRPr lang="zh-CN" altLang="en-US"/>
           </a:p>
@@ -4990,7 +4990,7 @@
           <a:p>
             <a:fld id="{02E60DA2-A0BC-48C9-AA88-75C78721B420}" type="datetimeFigureOut">
               <a:rPr lang="zh-CN" altLang="en-US" smtClean="0"/>
-              <a:t>2018/3/4</a:t>
+              <a:t>2018/3/11</a:t>
             </a:fld>
             <a:endParaRPr lang="zh-CN" altLang="en-US"/>
           </a:p>
@@ -5426,7 +5426,7 @@
           <a:p>
             <a:fld id="{02E60DA2-A0BC-48C9-AA88-75C78721B420}" type="datetimeFigureOut">
               <a:rPr lang="zh-CN" altLang="en-US" smtClean="0"/>
-              <a:t>2018/3/4</a:t>
+              <a:t>2018/3/11</a:t>
             </a:fld>
             <a:endParaRPr lang="zh-CN" altLang="en-US"/>
           </a:p>
@@ -5591,7 +5591,7 @@
           <a:p>
             <a:fld id="{02E60DA2-A0BC-48C9-AA88-75C78721B420}" type="datetimeFigureOut">
               <a:rPr lang="zh-CN" altLang="en-US" smtClean="0"/>
-              <a:t>2018/3/4</a:t>
+              <a:t>2018/3/11</a:t>
             </a:fld>
             <a:endParaRPr lang="zh-CN" altLang="en-US"/>
           </a:p>
@@ -5728,7 +5728,7 @@
           <a:p>
             <a:fld id="{02E60DA2-A0BC-48C9-AA88-75C78721B420}" type="datetimeFigureOut">
               <a:rPr lang="zh-CN" altLang="en-US" smtClean="0"/>
-              <a:t>2018/3/4</a:t>
+              <a:t>2018/3/11</a:t>
             </a:fld>
             <a:endParaRPr lang="zh-CN" altLang="en-US"/>
           </a:p>
@@ -6063,7 +6063,7 @@
           <a:p>
             <a:fld id="{02E60DA2-A0BC-48C9-AA88-75C78721B420}" type="datetimeFigureOut">
               <a:rPr lang="zh-CN" altLang="en-US" smtClean="0"/>
-              <a:t>2018/3/4</a:t>
+              <a:t>2018/3/11</a:t>
             </a:fld>
             <a:endParaRPr lang="zh-CN" altLang="en-US"/>
           </a:p>
@@ -6375,7 +6375,7 @@
           <a:p>
             <a:fld id="{02E60DA2-A0BC-48C9-AA88-75C78721B420}" type="datetimeFigureOut">
               <a:rPr lang="zh-CN" altLang="en-US" smtClean="0"/>
-              <a:t>2018/3/4</a:t>
+              <a:t>2018/3/11</a:t>
             </a:fld>
             <a:endParaRPr lang="zh-CN" altLang="en-US"/>
           </a:p>
@@ -9124,16 +9124,36 @@
           <a:lstStyle/>
           <a:p>
             <a:r>
-              <a:rPr lang="zh-CN" altLang="en-US" sz="2400" dirty="0"/>
-              <a:t>虽然</a:t>
-            </a:r>
-            <a:r>
               <a:rPr lang="en-US" altLang="zh-CN" sz="2400" dirty="0"/>
               <a:t>Linux</a:t>
             </a:r>
             <a:r>
               <a:rPr lang="zh-CN" altLang="en-US" sz="2400" dirty="0"/>
-              <a:t>安装在硬盘的分区上，但是</a:t>
+              <a:t>没有“盘符”的概念，</a:t>
+            </a:r>
+            <a:r>
+              <a:rPr lang="en-US" altLang="zh-CN" sz="2400" dirty="0"/>
+              <a:t>Windows</a:t>
+            </a:r>
+            <a:r>
+              <a:rPr lang="zh-CN" altLang="en-US" sz="2400" dirty="0"/>
+              <a:t>会分为</a:t>
+            </a:r>
+            <a:r>
+              <a:rPr lang="en-US" altLang="zh-CN" sz="2400" dirty="0"/>
+              <a:t>C</a:t>
+            </a:r>
+            <a:r>
+              <a:rPr lang="zh-CN" altLang="en-US" sz="2400" dirty="0"/>
+              <a:t>盘</a:t>
+            </a:r>
+            <a:r>
+              <a:rPr lang="en-US" altLang="zh-CN" sz="2400" dirty="0"/>
+              <a:t>D</a:t>
+            </a:r>
+            <a:r>
+              <a:rPr lang="zh-CN" altLang="en-US" sz="2400" dirty="0"/>
+              <a:t>盘等。而</a:t>
             </a:r>
             <a:r>
               <a:rPr lang="en-US" altLang="zh-CN" sz="2400" dirty="0"/>
@@ -9141,15 +9161,7 @@
             </a:r>
             <a:r>
               <a:rPr lang="zh-CN" altLang="en-US" sz="2400" dirty="0"/>
-              <a:t>没有“盘符”这个概念。</a:t>
-            </a:r>
-            <a:r>
-              <a:rPr lang="en-US" altLang="zh-CN" sz="2400" dirty="0"/>
-              <a:t>Linux</a:t>
-            </a:r>
-            <a:r>
-              <a:rPr lang="zh-CN" altLang="en-US" sz="2400" dirty="0"/>
-              <a:t>通过目录树来组织文件。</a:t>
+              <a:t>通过一个整体的目录树来组织文件。</a:t>
             </a:r>
             <a:endParaRPr lang="en-US" altLang="zh-CN" sz="2400" dirty="0"/>
           </a:p>
